--- a/модуль 1/Графика.pptx
+++ b/модуль 1/Графика.pptx
@@ -1,24 +1,25 @@
 
 <file path=ppt/presentation.xml><?xml version="1.0" encoding="utf-8"?>
-<p:presentation xmlns:a="http://schemas.openxmlformats.org/drawingml/2006/main" xmlns:r="http://schemas.openxmlformats.org/officeDocument/2006/relationships" xmlns:mc="http://schemas.openxmlformats.org/markup-compatibility/2006" xmlns:mv="urn:schemas-microsoft-com:mac:vml" xmlns:p="http://schemas.openxmlformats.org/presentationml/2006/main" xmlns:c="http://schemas.openxmlformats.org/drawingml/2006/chart" xmlns:dgm="http://schemas.openxmlformats.org/drawingml/2006/diagram" xmlns:o="urn:schemas-microsoft-com:office:office" xmlns:v="urn:schemas-microsoft-com:vml" xmlns:pvml="urn:schemas-microsoft-com:office:powerpoint" xmlns:com="http://schemas.openxmlformats.org/drawingml/2006/compatibility" xmlns:p14="http://schemas.microsoft.com/office/powerpoint/2010/main" xmlns:p15="http://schemas.microsoft.com/office/powerpoint/2012/main" autoCompressPictures="0" strictFirstAndLastChars="0" saveSubsetFonts="1">
+<p:presentation xmlns:a="http://schemas.openxmlformats.org/drawingml/2006/main" xmlns:r="http://schemas.openxmlformats.org/officeDocument/2006/relationships" xmlns:p="http://schemas.openxmlformats.org/presentationml/2006/main" strictFirstAndLastChars="0" saveSubsetFonts="1" autoCompressPictures="0">
   <p:sldMasterIdLst>
-    <p:sldMasterId id="2147483648" r:id="rId3"/>
+    <p:sldMasterId id="2147483648" r:id="rId1"/>
   </p:sldMasterIdLst>
   <p:notesMasterIdLst>
-    <p:notesMasterId r:id="rId4"/>
+    <p:notesMasterId r:id="rId9"/>
   </p:notesMasterIdLst>
   <p:sldIdLst>
-    <p:sldId id="256" r:id="rId5"/>
-    <p:sldId id="257" r:id="rId6"/>
-    <p:sldId id="258" r:id="rId7"/>
-    <p:sldId id="259" r:id="rId8"/>
-    <p:sldId id="260" r:id="rId9"/>
-    <p:sldId id="261" r:id="rId10"/>
+    <p:sldId id="256" r:id="rId2"/>
+    <p:sldId id="257" r:id="rId3"/>
+    <p:sldId id="258" r:id="rId4"/>
+    <p:sldId id="262" r:id="rId5"/>
+    <p:sldId id="259" r:id="rId6"/>
+    <p:sldId id="260" r:id="rId7"/>
+    <p:sldId id="261" r:id="rId8"/>
   </p:sldIdLst>
-  <p:sldSz cy="6858000" cx="12192000"/>
+  <p:sldSz cx="12192000" cy="6858000"/>
   <p:notesSz cx="6858000" cy="9144000"/>
   <p:defaultTextStyle>
-    <a:defPPr lvl="0" marR="0" rtl="0" algn="l">
+    <a:defPPr marR="0" lvl="0" algn="l" rtl="0">
       <a:lnSpc>
         <a:spcPct val="100000"/>
       </a:lnSpc>
@@ -29,7 +30,7 @@
         <a:spcPts val="0"/>
       </a:spcAft>
     </a:defPPr>
-    <a:lvl1pPr lvl="0" marR="0" rtl="0" algn="l">
+    <a:lvl1pPr marR="0" lvl="0" algn="l" rtl="0">
       <a:lnSpc>
         <a:spcPct val="100000"/>
       </a:lnSpc>
@@ -43,7 +44,7 @@
         <a:srgbClr val="000000"/>
       </a:buClr>
       <a:buFont typeface="Arial"/>
-      <a:defRPr b="0" i="0" sz="1400" u="none" cap="none" strike="noStrike">
+      <a:defRPr sz="1400" b="0" i="0" u="none" strike="noStrike" cap="none">
         <a:solidFill>
           <a:srgbClr val="000000"/>
         </a:solidFill>
@@ -53,7 +54,7 @@
         <a:sym typeface="Arial"/>
       </a:defRPr>
     </a:lvl1pPr>
-    <a:lvl2pPr lvl="1" marR="0" rtl="0" algn="l">
+    <a:lvl2pPr marR="0" lvl="1" algn="l" rtl="0">
       <a:lnSpc>
         <a:spcPct val="100000"/>
       </a:lnSpc>
@@ -67,7 +68,7 @@
         <a:srgbClr val="000000"/>
       </a:buClr>
       <a:buFont typeface="Arial"/>
-      <a:defRPr b="0" i="0" sz="1400" u="none" cap="none" strike="noStrike">
+      <a:defRPr sz="1400" b="0" i="0" u="none" strike="noStrike" cap="none">
         <a:solidFill>
           <a:srgbClr val="000000"/>
         </a:solidFill>
@@ -77,7 +78,7 @@
         <a:sym typeface="Arial"/>
       </a:defRPr>
     </a:lvl2pPr>
-    <a:lvl3pPr lvl="2" marR="0" rtl="0" algn="l">
+    <a:lvl3pPr marR="0" lvl="2" algn="l" rtl="0">
       <a:lnSpc>
         <a:spcPct val="100000"/>
       </a:lnSpc>
@@ -91,7 +92,7 @@
         <a:srgbClr val="000000"/>
       </a:buClr>
       <a:buFont typeface="Arial"/>
-      <a:defRPr b="0" i="0" sz="1400" u="none" cap="none" strike="noStrike">
+      <a:defRPr sz="1400" b="0" i="0" u="none" strike="noStrike" cap="none">
         <a:solidFill>
           <a:srgbClr val="000000"/>
         </a:solidFill>
@@ -101,7 +102,7 @@
         <a:sym typeface="Arial"/>
       </a:defRPr>
     </a:lvl3pPr>
-    <a:lvl4pPr lvl="3" marR="0" rtl="0" algn="l">
+    <a:lvl4pPr marR="0" lvl="3" algn="l" rtl="0">
       <a:lnSpc>
         <a:spcPct val="100000"/>
       </a:lnSpc>
@@ -115,7 +116,7 @@
         <a:srgbClr val="000000"/>
       </a:buClr>
       <a:buFont typeface="Arial"/>
-      <a:defRPr b="0" i="0" sz="1400" u="none" cap="none" strike="noStrike">
+      <a:defRPr sz="1400" b="0" i="0" u="none" strike="noStrike" cap="none">
         <a:solidFill>
           <a:srgbClr val="000000"/>
         </a:solidFill>
@@ -125,7 +126,7 @@
         <a:sym typeface="Arial"/>
       </a:defRPr>
     </a:lvl4pPr>
-    <a:lvl5pPr lvl="4" marR="0" rtl="0" algn="l">
+    <a:lvl5pPr marR="0" lvl="4" algn="l" rtl="0">
       <a:lnSpc>
         <a:spcPct val="100000"/>
       </a:lnSpc>
@@ -139,7 +140,7 @@
         <a:srgbClr val="000000"/>
       </a:buClr>
       <a:buFont typeface="Arial"/>
-      <a:defRPr b="0" i="0" sz="1400" u="none" cap="none" strike="noStrike">
+      <a:defRPr sz="1400" b="0" i="0" u="none" strike="noStrike" cap="none">
         <a:solidFill>
           <a:srgbClr val="000000"/>
         </a:solidFill>
@@ -149,7 +150,7 @@
         <a:sym typeface="Arial"/>
       </a:defRPr>
     </a:lvl5pPr>
-    <a:lvl6pPr lvl="5" marR="0" rtl="0" algn="l">
+    <a:lvl6pPr marR="0" lvl="5" algn="l" rtl="0">
       <a:lnSpc>
         <a:spcPct val="100000"/>
       </a:lnSpc>
@@ -163,7 +164,7 @@
         <a:srgbClr val="000000"/>
       </a:buClr>
       <a:buFont typeface="Arial"/>
-      <a:defRPr b="0" i="0" sz="1400" u="none" cap="none" strike="noStrike">
+      <a:defRPr sz="1400" b="0" i="0" u="none" strike="noStrike" cap="none">
         <a:solidFill>
           <a:srgbClr val="000000"/>
         </a:solidFill>
@@ -173,7 +174,7 @@
         <a:sym typeface="Arial"/>
       </a:defRPr>
     </a:lvl6pPr>
-    <a:lvl7pPr lvl="6" marR="0" rtl="0" algn="l">
+    <a:lvl7pPr marR="0" lvl="6" algn="l" rtl="0">
       <a:lnSpc>
         <a:spcPct val="100000"/>
       </a:lnSpc>
@@ -187,7 +188,7 @@
         <a:srgbClr val="000000"/>
       </a:buClr>
       <a:buFont typeface="Arial"/>
-      <a:defRPr b="0" i="0" sz="1400" u="none" cap="none" strike="noStrike">
+      <a:defRPr sz="1400" b="0" i="0" u="none" strike="noStrike" cap="none">
         <a:solidFill>
           <a:srgbClr val="000000"/>
         </a:solidFill>
@@ -197,7 +198,7 @@
         <a:sym typeface="Arial"/>
       </a:defRPr>
     </a:lvl7pPr>
-    <a:lvl8pPr lvl="7" marR="0" rtl="0" algn="l">
+    <a:lvl8pPr marR="0" lvl="7" algn="l" rtl="0">
       <a:lnSpc>
         <a:spcPct val="100000"/>
       </a:lnSpc>
@@ -211,7 +212,7 @@
         <a:srgbClr val="000000"/>
       </a:buClr>
       <a:buFont typeface="Arial"/>
-      <a:defRPr b="0" i="0" sz="1400" u="none" cap="none" strike="noStrike">
+      <a:defRPr sz="1400" b="0" i="0" u="none" strike="noStrike" cap="none">
         <a:solidFill>
           <a:srgbClr val="000000"/>
         </a:solidFill>
@@ -221,7 +222,7 @@
         <a:sym typeface="Arial"/>
       </a:defRPr>
     </a:lvl8pPr>
-    <a:lvl9pPr lvl="8" marR="0" rtl="0" algn="l">
+    <a:lvl9pPr marR="0" lvl="8" algn="l" rtl="0">
       <a:lnSpc>
         <a:spcPct val="100000"/>
       </a:lnSpc>
@@ -235,7 +236,7 @@
         <a:srgbClr val="000000"/>
       </a:buClr>
       <a:buFont typeface="Arial"/>
-      <a:defRPr b="0" i="0" sz="1400" u="none" cap="none" strike="noStrike">
+      <a:defRPr sz="1400" b="0" i="0" u="none" strike="noStrike" cap="none">
         <a:solidFill>
           <a:srgbClr val="000000"/>
         </a:solidFill>
@@ -248,18 +249,23 @@
   </p:defaultTextStyle>
   <p:extLst>
     <p:ext uri="http://customooxmlschemas.google.com/">
-      <go:slidesCustomData xmlns:go="http://customooxmlschemas.google.com/" r:id="rId11" roundtripDataSignature="AMtx7mgSX78VwxNGQ4xNSon0AmIwNdki2Q=="/>
+      <go:slidesCustomData xmlns:go="http://customooxmlschemas.google.com/" xmlns:p15="http://schemas.microsoft.com/office/powerpoint/2012/main" xmlns:p14="http://schemas.microsoft.com/office/powerpoint/2010/main" xmlns:com="http://schemas.openxmlformats.org/drawingml/2006/compatibility" xmlns:pvml="urn:schemas-microsoft-com:office:powerpoint" xmlns:v="urn:schemas-microsoft-com:vml" xmlns:o="urn:schemas-microsoft-com:office:office" xmlns:dgm="http://schemas.openxmlformats.org/drawingml/2006/diagram" xmlns:c="http://schemas.openxmlformats.org/drawingml/2006/chart" xmlns:mv="urn:schemas-microsoft-com:mac:vml" xmlns:mc="http://schemas.openxmlformats.org/markup-compatibility/2006" xmlns="" r:id="rId11" roundtripDataSignature="AMtx7mgSX78VwxNGQ4xNSon0AmIwNdki2Q=="/>
     </p:ext>
   </p:extLst>
 </p:presentation>
 </file>
 
 <file path=ppt/notesMasters/notesMaster1.xml><?xml version="1.0" encoding="utf-8"?>
-<p:notesMaster xmlns:a="http://schemas.openxmlformats.org/drawingml/2006/main" xmlns:r="http://schemas.openxmlformats.org/officeDocument/2006/relationships" xmlns:mc="http://schemas.openxmlformats.org/markup-compatibility/2006" xmlns:mv="urn:schemas-microsoft-com:mac:vml" xmlns:p="http://schemas.openxmlformats.org/presentationml/2006/main" xmlns:c="http://schemas.openxmlformats.org/drawingml/2006/chart" xmlns:dgm="http://schemas.openxmlformats.org/drawingml/2006/diagram" xmlns:o="urn:schemas-microsoft-com:office:office" xmlns:v="urn:schemas-microsoft-com:vml" xmlns:pvml="urn:schemas-microsoft-com:office:powerpoint" xmlns:com="http://schemas.openxmlformats.org/drawingml/2006/compatibility" xmlns:p14="http://schemas.microsoft.com/office/powerpoint/2010/main" xmlns:p15="http://schemas.microsoft.com/office/powerpoint/2012/main">
+<p:notesMaster xmlns:a="http://schemas.openxmlformats.org/drawingml/2006/main" xmlns:r="http://schemas.openxmlformats.org/officeDocument/2006/relationships" xmlns:p="http://schemas.openxmlformats.org/presentationml/2006/main">
   <p:cSld>
+    <p:bg>
+      <p:bgRef idx="1001">
+        <a:schemeClr val="bg1"/>
+      </p:bgRef>
+    </p:bg>
     <p:spTree>
       <p:nvGrpSpPr>
-        <p:cNvPr id="2" name="Shape 2"/>
+        <p:cNvPr id="1" name="Shape 2"/>
         <p:cNvGrpSpPr/>
         <p:nvPr/>
       </p:nvGrpSpPr>
@@ -274,9 +280,11 @@
       <p:sp>
         <p:nvSpPr>
           <p:cNvPr id="3" name="Google Shape;3;n"/>
-          <p:cNvSpPr/>
+          <p:cNvSpPr>
+            <a:spLocks noGrp="1" noRot="1" noChangeAspect="1"/>
+          </p:cNvSpPr>
           <p:nvPr>
-            <p:ph idx="2" type="sldImg"/>
+            <p:ph type="sldImg" idx="2"/>
           </p:nvPr>
         </p:nvSpPr>
         <p:spPr>
@@ -285,9 +293,13 @@
             <a:ext cx="4572225" cy="3429000"/>
           </a:xfrm>
           <a:custGeom>
-            <a:rect b="b" l="l" r="r" t="t"/>
+            <a:avLst/>
+            <a:gdLst/>
+            <a:ahLst/>
+            <a:cxnLst/>
+            <a:rect l="l" t="t" r="r" b="b"/>
             <a:pathLst>
-              <a:path extrusionOk="0" h="120000" w="120000">
+              <a:path w="120000" h="120000" extrusionOk="0">
                 <a:moveTo>
                   <a:pt x="0" y="0"/>
                 </a:moveTo>
@@ -305,23 +317,25 @@
             </a:pathLst>
           </a:custGeom>
           <a:noFill/>
-          <a:ln cap="flat" cmpd="sng" w="9525">
+          <a:ln w="9525" cap="flat" cmpd="sng">
             <a:solidFill>
               <a:srgbClr val="000000"/>
             </a:solidFill>
             <a:prstDash val="solid"/>
             <a:round/>
-            <a:headEnd len="sm" w="sm" type="none"/>
-            <a:tailEnd len="sm" w="sm" type="none"/>
+            <a:headEnd type="none" w="sm" len="sm"/>
+            <a:tailEnd type="none" w="sm" len="sm"/>
           </a:ln>
         </p:spPr>
       </p:sp>
       <p:sp>
         <p:nvSpPr>
           <p:cNvPr id="4" name="Google Shape;4;n"/>
-          <p:cNvSpPr txBox="1"/>
+          <p:cNvSpPr txBox="1">
+            <a:spLocks noGrp="1"/>
+          </p:cNvSpPr>
           <p:nvPr>
-            <p:ph idx="1" type="body"/>
+            <p:ph type="body" idx="1"/>
           </p:nvPr>
         </p:nvSpPr>
         <p:spPr>
@@ -338,11 +352,11 @@
           </a:ln>
         </p:spPr>
         <p:txBody>
-          <a:bodyPr anchorCtr="0" anchor="t" bIns="91425" lIns="91425" spcFirstLastPara="1" rIns="91425" wrap="square" tIns="91425">
+          <a:bodyPr spcFirstLastPara="1" wrap="square" lIns="91425" tIns="91425" rIns="91425" bIns="91425" anchor="t" anchorCtr="0">
             <a:noAutofit/>
           </a:bodyPr>
           <a:lstStyle>
-            <a:lvl1pPr indent="-298450" lvl="0" marL="457200">
+            <a:lvl1pPr marL="457200" lvl="0" indent="-298450">
               <a:spcBef>
                 <a:spcPts val="0"/>
               </a:spcBef>
@@ -353,7 +367,7 @@
               <a:buChar char="●"/>
               <a:defRPr sz="1100"/>
             </a:lvl1pPr>
-            <a:lvl2pPr indent="-298450" lvl="1" marL="914400">
+            <a:lvl2pPr marL="914400" lvl="1" indent="-298450">
               <a:spcBef>
                 <a:spcPts val="0"/>
               </a:spcBef>
@@ -364,7 +378,7 @@
               <a:buChar char="○"/>
               <a:defRPr sz="1100"/>
             </a:lvl2pPr>
-            <a:lvl3pPr indent="-298450" lvl="2" marL="1371600">
+            <a:lvl3pPr marL="1371600" lvl="2" indent="-298450">
               <a:spcBef>
                 <a:spcPts val="0"/>
               </a:spcBef>
@@ -375,7 +389,7 @@
               <a:buChar char="■"/>
               <a:defRPr sz="1100"/>
             </a:lvl3pPr>
-            <a:lvl4pPr indent="-298450" lvl="3" marL="1828800">
+            <a:lvl4pPr marL="1828800" lvl="3" indent="-298450">
               <a:spcBef>
                 <a:spcPts val="0"/>
               </a:spcBef>
@@ -386,7 +400,7 @@
               <a:buChar char="●"/>
               <a:defRPr sz="1100"/>
             </a:lvl4pPr>
-            <a:lvl5pPr indent="-298450" lvl="4" marL="2286000">
+            <a:lvl5pPr marL="2286000" lvl="4" indent="-298450">
               <a:spcBef>
                 <a:spcPts val="0"/>
               </a:spcBef>
@@ -397,7 +411,7 @@
               <a:buChar char="○"/>
               <a:defRPr sz="1100"/>
             </a:lvl5pPr>
-            <a:lvl6pPr indent="-298450" lvl="5" marL="2743200">
+            <a:lvl6pPr marL="2743200" lvl="5" indent="-298450">
               <a:spcBef>
                 <a:spcPts val="0"/>
               </a:spcBef>
@@ -408,7 +422,7 @@
               <a:buChar char="■"/>
               <a:defRPr sz="1100"/>
             </a:lvl6pPr>
-            <a:lvl7pPr indent="-298450" lvl="6" marL="3200400">
+            <a:lvl7pPr marL="3200400" lvl="6" indent="-298450">
               <a:spcBef>
                 <a:spcPts val="0"/>
               </a:spcBef>
@@ -419,7 +433,7 @@
               <a:buChar char="●"/>
               <a:defRPr sz="1100"/>
             </a:lvl7pPr>
-            <a:lvl8pPr indent="-298450" lvl="7" marL="3657600">
+            <a:lvl8pPr marL="3657600" lvl="7" indent="-298450">
               <a:spcBef>
                 <a:spcPts val="0"/>
               </a:spcBef>
@@ -430,7 +444,7 @@
               <a:buChar char="○"/>
               <a:defRPr sz="1100"/>
             </a:lvl8pPr>
-            <a:lvl9pPr indent="-298450" lvl="8" marL="4114800">
+            <a:lvl9pPr marL="4114800" lvl="8" indent="-298450">
               <a:spcBef>
                 <a:spcPts val="0"/>
               </a:spcBef>
@@ -442,14 +456,16 @@
               <a:defRPr sz="1100"/>
             </a:lvl9pPr>
           </a:lstStyle>
-          <a:p/>
+          <a:p>
+            <a:endParaRPr/>
+          </a:p>
         </p:txBody>
       </p:sp>
     </p:spTree>
   </p:cSld>
-  <p:clrMap accent1="accent1" accent2="accent2" accent3="accent3" accent4="accent4" accent5="accent5" accent6="accent6" bg1="lt1" bg2="dk2" tx1="dk1" tx2="lt2" folHlink="folHlink" hlink="hlink"/>
+  <p:clrMap bg1="lt1" tx1="dk1" bg2="dk2" tx2="lt2" accent1="accent1" accent2="accent2" accent3="accent3" accent4="accent4" accent5="accent5" accent6="accent6" hlink="hlink" folHlink="folHlink"/>
   <p:notesStyle>
-    <a:defPPr lvl="0" marR="0" rtl="0" algn="l">
+    <a:defPPr marR="0" lvl="0" algn="l" rtl="0">
       <a:lnSpc>
         <a:spcPct val="100000"/>
       </a:lnSpc>
@@ -460,7 +476,7 @@
         <a:spcPts val="0"/>
       </a:spcAft>
     </a:defPPr>
-    <a:lvl1pPr lvl="0" marR="0" rtl="0" algn="l">
+    <a:lvl1pPr marR="0" lvl="0" algn="l" rtl="0">
       <a:lnSpc>
         <a:spcPct val="100000"/>
       </a:lnSpc>
@@ -474,7 +490,7 @@
         <a:srgbClr val="000000"/>
       </a:buClr>
       <a:buFont typeface="Arial"/>
-      <a:defRPr b="0" i="0" sz="1400" u="none" cap="none" strike="noStrike">
+      <a:defRPr sz="1400" b="0" i="0" u="none" strike="noStrike" cap="none">
         <a:solidFill>
           <a:srgbClr val="000000"/>
         </a:solidFill>
@@ -484,7 +500,7 @@
         <a:sym typeface="Arial"/>
       </a:defRPr>
     </a:lvl1pPr>
-    <a:lvl2pPr lvl="1" marR="0" rtl="0" algn="l">
+    <a:lvl2pPr marR="0" lvl="1" algn="l" rtl="0">
       <a:lnSpc>
         <a:spcPct val="100000"/>
       </a:lnSpc>
@@ -498,7 +514,7 @@
         <a:srgbClr val="000000"/>
       </a:buClr>
       <a:buFont typeface="Arial"/>
-      <a:defRPr b="0" i="0" sz="1400" u="none" cap="none" strike="noStrike">
+      <a:defRPr sz="1400" b="0" i="0" u="none" strike="noStrike" cap="none">
         <a:solidFill>
           <a:srgbClr val="000000"/>
         </a:solidFill>
@@ -508,7 +524,7 @@
         <a:sym typeface="Arial"/>
       </a:defRPr>
     </a:lvl2pPr>
-    <a:lvl3pPr lvl="2" marR="0" rtl="0" algn="l">
+    <a:lvl3pPr marR="0" lvl="2" algn="l" rtl="0">
       <a:lnSpc>
         <a:spcPct val="100000"/>
       </a:lnSpc>
@@ -522,7 +538,7 @@
         <a:srgbClr val="000000"/>
       </a:buClr>
       <a:buFont typeface="Arial"/>
-      <a:defRPr b="0" i="0" sz="1400" u="none" cap="none" strike="noStrike">
+      <a:defRPr sz="1400" b="0" i="0" u="none" strike="noStrike" cap="none">
         <a:solidFill>
           <a:srgbClr val="000000"/>
         </a:solidFill>
@@ -532,7 +548,7 @@
         <a:sym typeface="Arial"/>
       </a:defRPr>
     </a:lvl3pPr>
-    <a:lvl4pPr lvl="3" marR="0" rtl="0" algn="l">
+    <a:lvl4pPr marR="0" lvl="3" algn="l" rtl="0">
       <a:lnSpc>
         <a:spcPct val="100000"/>
       </a:lnSpc>
@@ -546,7 +562,7 @@
         <a:srgbClr val="000000"/>
       </a:buClr>
       <a:buFont typeface="Arial"/>
-      <a:defRPr b="0" i="0" sz="1400" u="none" cap="none" strike="noStrike">
+      <a:defRPr sz="1400" b="0" i="0" u="none" strike="noStrike" cap="none">
         <a:solidFill>
           <a:srgbClr val="000000"/>
         </a:solidFill>
@@ -556,7 +572,7 @@
         <a:sym typeface="Arial"/>
       </a:defRPr>
     </a:lvl4pPr>
-    <a:lvl5pPr lvl="4" marR="0" rtl="0" algn="l">
+    <a:lvl5pPr marR="0" lvl="4" algn="l" rtl="0">
       <a:lnSpc>
         <a:spcPct val="100000"/>
       </a:lnSpc>
@@ -570,7 +586,7 @@
         <a:srgbClr val="000000"/>
       </a:buClr>
       <a:buFont typeface="Arial"/>
-      <a:defRPr b="0" i="0" sz="1400" u="none" cap="none" strike="noStrike">
+      <a:defRPr sz="1400" b="0" i="0" u="none" strike="noStrike" cap="none">
         <a:solidFill>
           <a:srgbClr val="000000"/>
         </a:solidFill>
@@ -580,7 +596,7 @@
         <a:sym typeface="Arial"/>
       </a:defRPr>
     </a:lvl5pPr>
-    <a:lvl6pPr lvl="5" marR="0" rtl="0" algn="l">
+    <a:lvl6pPr marR="0" lvl="5" algn="l" rtl="0">
       <a:lnSpc>
         <a:spcPct val="100000"/>
       </a:lnSpc>
@@ -594,7 +610,7 @@
         <a:srgbClr val="000000"/>
       </a:buClr>
       <a:buFont typeface="Arial"/>
-      <a:defRPr b="0" i="0" sz="1400" u="none" cap="none" strike="noStrike">
+      <a:defRPr sz="1400" b="0" i="0" u="none" strike="noStrike" cap="none">
         <a:solidFill>
           <a:srgbClr val="000000"/>
         </a:solidFill>
@@ -604,7 +620,7 @@
         <a:sym typeface="Arial"/>
       </a:defRPr>
     </a:lvl6pPr>
-    <a:lvl7pPr lvl="6" marR="0" rtl="0" algn="l">
+    <a:lvl7pPr marR="0" lvl="6" algn="l" rtl="0">
       <a:lnSpc>
         <a:spcPct val="100000"/>
       </a:lnSpc>
@@ -618,7 +634,7 @@
         <a:srgbClr val="000000"/>
       </a:buClr>
       <a:buFont typeface="Arial"/>
-      <a:defRPr b="0" i="0" sz="1400" u="none" cap="none" strike="noStrike">
+      <a:defRPr sz="1400" b="0" i="0" u="none" strike="noStrike" cap="none">
         <a:solidFill>
           <a:srgbClr val="000000"/>
         </a:solidFill>
@@ -628,7 +644,7 @@
         <a:sym typeface="Arial"/>
       </a:defRPr>
     </a:lvl7pPr>
-    <a:lvl8pPr lvl="7" marR="0" rtl="0" algn="l">
+    <a:lvl8pPr marR="0" lvl="7" algn="l" rtl="0">
       <a:lnSpc>
         <a:spcPct val="100000"/>
       </a:lnSpc>
@@ -642,7 +658,7 @@
         <a:srgbClr val="000000"/>
       </a:buClr>
       <a:buFont typeface="Arial"/>
-      <a:defRPr b="0" i="0" sz="1400" u="none" cap="none" strike="noStrike">
+      <a:defRPr sz="1400" b="0" i="0" u="none" strike="noStrike" cap="none">
         <a:solidFill>
           <a:srgbClr val="000000"/>
         </a:solidFill>
@@ -652,7 +668,7 @@
         <a:sym typeface="Arial"/>
       </a:defRPr>
     </a:lvl8pPr>
-    <a:lvl9pPr lvl="8" marR="0" rtl="0" algn="l">
+    <a:lvl9pPr marR="0" lvl="8" algn="l" rtl="0">
       <a:lnSpc>
         <a:spcPct val="100000"/>
       </a:lnSpc>
@@ -666,7 +682,7 @@
         <a:srgbClr val="000000"/>
       </a:buClr>
       <a:buFont typeface="Arial"/>
-      <a:defRPr b="0" i="0" sz="1400" u="none" cap="none" strike="noStrike">
+      <a:defRPr sz="1400" b="0" i="0" u="none" strike="noStrike" cap="none">
         <a:solidFill>
           <a:srgbClr val="000000"/>
         </a:solidFill>
@@ -681,11 +697,11 @@
 </file>
 
 <file path=ppt/notesSlides/notesSlide1.xml><?xml version="1.0" encoding="utf-8"?>
-<p:notes xmlns:a="http://schemas.openxmlformats.org/drawingml/2006/main" xmlns:r="http://schemas.openxmlformats.org/officeDocument/2006/relationships" xmlns:mc="http://schemas.openxmlformats.org/markup-compatibility/2006" xmlns:mv="urn:schemas-microsoft-com:mac:vml" xmlns:p="http://schemas.openxmlformats.org/presentationml/2006/main" xmlns:c="http://schemas.openxmlformats.org/drawingml/2006/chart" xmlns:dgm="http://schemas.openxmlformats.org/drawingml/2006/diagram" xmlns:o="urn:schemas-microsoft-com:office:office" xmlns:v="urn:schemas-microsoft-com:vml" xmlns:pvml="urn:schemas-microsoft-com:office:powerpoint" xmlns:com="http://schemas.openxmlformats.org/drawingml/2006/compatibility" xmlns:p14="http://schemas.microsoft.com/office/powerpoint/2010/main" xmlns:p15="http://schemas.microsoft.com/office/powerpoint/2012/main" showMasterPhAnim="0" showMasterSp="0">
+<p:notes xmlns:a="http://schemas.openxmlformats.org/drawingml/2006/main" xmlns:r="http://schemas.openxmlformats.org/officeDocument/2006/relationships" xmlns:p="http://schemas.openxmlformats.org/presentationml/2006/main" showMasterSp="0" showMasterPhAnim="0">
   <p:cSld>
     <p:spTree>
       <p:nvGrpSpPr>
-        <p:cNvPr id="80" name="Shape 80"/>
+        <p:cNvPr id="1" name="Shape 80"/>
         <p:cNvGrpSpPr/>
         <p:nvPr/>
       </p:nvGrpSpPr>
@@ -700,9 +716,11 @@
       <p:sp>
         <p:nvSpPr>
           <p:cNvPr id="81" name="Google Shape;81;p1:notes"/>
-          <p:cNvSpPr txBox="1"/>
+          <p:cNvSpPr txBox="1">
+            <a:spLocks noGrp="1"/>
+          </p:cNvSpPr>
           <p:nvPr>
-            <p:ph idx="1" type="body"/>
+            <p:ph type="body" idx="1"/>
           </p:nvPr>
         </p:nvSpPr>
         <p:spPr>
@@ -715,12 +733,12 @@
           </a:prstGeom>
         </p:spPr>
         <p:txBody>
-          <a:bodyPr anchorCtr="0" anchor="t" bIns="91425" lIns="91425" spcFirstLastPara="1" rIns="91425" wrap="square" tIns="91425">
+          <a:bodyPr spcFirstLastPara="1" wrap="square" lIns="91425" tIns="91425" rIns="91425" bIns="91425" anchor="t" anchorCtr="0">
             <a:noAutofit/>
           </a:bodyPr>
           <a:lstStyle/>
           <a:p>
-            <a:pPr indent="0" lvl="0" marL="0" rtl="0" algn="l">
+            <a:pPr marL="0" lvl="0" indent="0" algn="l" rtl="0">
               <a:spcBef>
                 <a:spcPts val="0"/>
               </a:spcBef>
@@ -729,9 +747,6 @@
               </a:spcAft>
               <a:buNone/>
             </a:pPr>
-            <a:r>
-              <a:t/>
-            </a:r>
             <a:endParaRPr/>
           </a:p>
         </p:txBody>
@@ -739,9 +754,11 @@
       <p:sp>
         <p:nvSpPr>
           <p:cNvPr id="82" name="Google Shape;82;p1:notes"/>
-          <p:cNvSpPr/>
+          <p:cNvSpPr>
+            <a:spLocks noGrp="1" noRot="1" noChangeAspect="1"/>
+          </p:cNvSpPr>
           <p:nvPr>
-            <p:ph idx="2" type="sldImg"/>
+            <p:ph type="sldImg" idx="2"/>
           </p:nvPr>
         </p:nvSpPr>
         <p:spPr>
@@ -750,9 +767,13 @@
             <a:ext cx="4572225" cy="3429000"/>
           </a:xfrm>
           <a:custGeom>
-            <a:rect b="b" l="l" r="r" t="t"/>
+            <a:avLst/>
+            <a:gdLst/>
+            <a:ahLst/>
+            <a:cxnLst/>
+            <a:rect l="l" t="t" r="r" b="b"/>
             <a:pathLst>
-              <a:path extrusionOk="0" h="120000" w="120000">
+              <a:path w="120000" h="120000" extrusionOk="0">
                 <a:moveTo>
                   <a:pt x="0" y="0"/>
                 </a:moveTo>
@@ -780,11 +801,11 @@
 </file>
 
 <file path=ppt/notesSlides/notesSlide2.xml><?xml version="1.0" encoding="utf-8"?>
-<p:notes xmlns:a="http://schemas.openxmlformats.org/drawingml/2006/main" xmlns:r="http://schemas.openxmlformats.org/officeDocument/2006/relationships" xmlns:mc="http://schemas.openxmlformats.org/markup-compatibility/2006" xmlns:mv="urn:schemas-microsoft-com:mac:vml" xmlns:p="http://schemas.openxmlformats.org/presentationml/2006/main" xmlns:c="http://schemas.openxmlformats.org/drawingml/2006/chart" xmlns:dgm="http://schemas.openxmlformats.org/drawingml/2006/diagram" xmlns:o="urn:schemas-microsoft-com:office:office" xmlns:v="urn:schemas-microsoft-com:vml" xmlns:pvml="urn:schemas-microsoft-com:office:powerpoint" xmlns:com="http://schemas.openxmlformats.org/drawingml/2006/compatibility" xmlns:p14="http://schemas.microsoft.com/office/powerpoint/2010/main" xmlns:p15="http://schemas.microsoft.com/office/powerpoint/2012/main" showMasterPhAnim="0" showMasterSp="0">
+<p:notes xmlns:a="http://schemas.openxmlformats.org/drawingml/2006/main" xmlns:r="http://schemas.openxmlformats.org/officeDocument/2006/relationships" xmlns:p="http://schemas.openxmlformats.org/presentationml/2006/main" showMasterSp="0" showMasterPhAnim="0">
   <p:cSld>
     <p:spTree>
       <p:nvGrpSpPr>
-        <p:cNvPr id="86" name="Shape 86"/>
+        <p:cNvPr id="1" name="Shape 86"/>
         <p:cNvGrpSpPr/>
         <p:nvPr/>
       </p:nvGrpSpPr>
@@ -799,9 +820,11 @@
       <p:sp>
         <p:nvSpPr>
           <p:cNvPr id="87" name="Google Shape;87;p2:notes"/>
-          <p:cNvSpPr txBox="1"/>
+          <p:cNvSpPr txBox="1">
+            <a:spLocks noGrp="1"/>
+          </p:cNvSpPr>
           <p:nvPr>
-            <p:ph idx="1" type="body"/>
+            <p:ph type="body" idx="1"/>
           </p:nvPr>
         </p:nvSpPr>
         <p:spPr>
@@ -814,12 +837,12 @@
           </a:prstGeom>
         </p:spPr>
         <p:txBody>
-          <a:bodyPr anchorCtr="0" anchor="t" bIns="91425" lIns="91425" spcFirstLastPara="1" rIns="91425" wrap="square" tIns="91425">
+          <a:bodyPr spcFirstLastPara="1" wrap="square" lIns="91425" tIns="91425" rIns="91425" bIns="91425" anchor="t" anchorCtr="0">
             <a:noAutofit/>
           </a:bodyPr>
           <a:lstStyle/>
           <a:p>
-            <a:pPr indent="0" lvl="0" marL="0" rtl="0" algn="l">
+            <a:pPr marL="0" lvl="0" indent="0" algn="l" rtl="0">
               <a:spcBef>
                 <a:spcPts val="0"/>
               </a:spcBef>
@@ -828,9 +851,6 @@
               </a:spcAft>
               <a:buNone/>
             </a:pPr>
-            <a:r>
-              <a:t/>
-            </a:r>
             <a:endParaRPr/>
           </a:p>
         </p:txBody>
@@ -838,9 +858,11 @@
       <p:sp>
         <p:nvSpPr>
           <p:cNvPr id="88" name="Google Shape;88;p2:notes"/>
-          <p:cNvSpPr/>
+          <p:cNvSpPr>
+            <a:spLocks noGrp="1" noRot="1" noChangeAspect="1"/>
+          </p:cNvSpPr>
           <p:nvPr>
-            <p:ph idx="2" type="sldImg"/>
+            <p:ph type="sldImg" idx="2"/>
           </p:nvPr>
         </p:nvSpPr>
         <p:spPr>
@@ -849,9 +871,13 @@
             <a:ext cx="4572225" cy="3429000"/>
           </a:xfrm>
           <a:custGeom>
-            <a:rect b="b" l="l" r="r" t="t"/>
+            <a:avLst/>
+            <a:gdLst/>
+            <a:ahLst/>
+            <a:cxnLst/>
+            <a:rect l="l" t="t" r="r" b="b"/>
             <a:pathLst>
-              <a:path extrusionOk="0" h="120000" w="120000">
+              <a:path w="120000" h="120000" extrusionOk="0">
                 <a:moveTo>
                   <a:pt x="0" y="0"/>
                 </a:moveTo>
@@ -879,11 +905,11 @@
 </file>
 
 <file path=ppt/notesSlides/notesSlide3.xml><?xml version="1.0" encoding="utf-8"?>
-<p:notes xmlns:a="http://schemas.openxmlformats.org/drawingml/2006/main" xmlns:r="http://schemas.openxmlformats.org/officeDocument/2006/relationships" xmlns:mc="http://schemas.openxmlformats.org/markup-compatibility/2006" xmlns:mv="urn:schemas-microsoft-com:mac:vml" xmlns:p="http://schemas.openxmlformats.org/presentationml/2006/main" xmlns:c="http://schemas.openxmlformats.org/drawingml/2006/chart" xmlns:dgm="http://schemas.openxmlformats.org/drawingml/2006/diagram" xmlns:o="urn:schemas-microsoft-com:office:office" xmlns:v="urn:schemas-microsoft-com:vml" xmlns:pvml="urn:schemas-microsoft-com:office:powerpoint" xmlns:com="http://schemas.openxmlformats.org/drawingml/2006/compatibility" xmlns:p14="http://schemas.microsoft.com/office/powerpoint/2010/main" xmlns:p15="http://schemas.microsoft.com/office/powerpoint/2012/main" showMasterPhAnim="0" showMasterSp="0">
+<p:notes xmlns:a="http://schemas.openxmlformats.org/drawingml/2006/main" xmlns:r="http://schemas.openxmlformats.org/officeDocument/2006/relationships" xmlns:p="http://schemas.openxmlformats.org/presentationml/2006/main" showMasterSp="0" showMasterPhAnim="0">
   <p:cSld>
     <p:spTree>
       <p:nvGrpSpPr>
-        <p:cNvPr id="100" name="Shape 100"/>
+        <p:cNvPr id="1" name="Shape 100"/>
         <p:cNvGrpSpPr/>
         <p:nvPr/>
       </p:nvGrpSpPr>
@@ -898,9 +924,11 @@
       <p:sp>
         <p:nvSpPr>
           <p:cNvPr id="101" name="Google Shape;101;p3:notes"/>
-          <p:cNvSpPr txBox="1"/>
+          <p:cNvSpPr txBox="1">
+            <a:spLocks noGrp="1"/>
+          </p:cNvSpPr>
           <p:nvPr>
-            <p:ph idx="1" type="body"/>
+            <p:ph type="body" idx="1"/>
           </p:nvPr>
         </p:nvSpPr>
         <p:spPr>
@@ -913,12 +941,12 @@
           </a:prstGeom>
         </p:spPr>
         <p:txBody>
-          <a:bodyPr anchorCtr="0" anchor="t" bIns="91425" lIns="91425" spcFirstLastPara="1" rIns="91425" wrap="square" tIns="91425">
+          <a:bodyPr spcFirstLastPara="1" wrap="square" lIns="91425" tIns="91425" rIns="91425" bIns="91425" anchor="t" anchorCtr="0">
             <a:noAutofit/>
           </a:bodyPr>
           <a:lstStyle/>
           <a:p>
-            <a:pPr indent="0" lvl="0" marL="0" rtl="0" algn="l">
+            <a:pPr marL="0" lvl="0" indent="0" algn="l" rtl="0">
               <a:spcBef>
                 <a:spcPts val="0"/>
               </a:spcBef>
@@ -927,9 +955,6 @@
               </a:spcAft>
               <a:buNone/>
             </a:pPr>
-            <a:r>
-              <a:t/>
-            </a:r>
             <a:endParaRPr/>
           </a:p>
         </p:txBody>
@@ -937,20 +962,26 @@
       <p:sp>
         <p:nvSpPr>
           <p:cNvPr id="102" name="Google Shape;102;p3:notes"/>
-          <p:cNvSpPr/>
+          <p:cNvSpPr>
+            <a:spLocks noGrp="1" noRot="1" noChangeAspect="1"/>
+          </p:cNvSpPr>
           <p:nvPr>
-            <p:ph idx="2" type="sldImg"/>
+            <p:ph type="sldImg" idx="2"/>
           </p:nvPr>
         </p:nvSpPr>
         <p:spPr>
           <a:xfrm>
-            <a:off x="1143225" y="685800"/>
-            <a:ext cx="4572225" cy="3429000"/>
+            <a:off x="381000" y="685800"/>
+            <a:ext cx="6096000" cy="3429000"/>
           </a:xfrm>
           <a:custGeom>
-            <a:rect b="b" l="l" r="r" t="t"/>
+            <a:avLst/>
+            <a:gdLst/>
+            <a:ahLst/>
+            <a:cxnLst/>
+            <a:rect l="l" t="t" r="r" b="b"/>
             <a:pathLst>
-              <a:path extrusionOk="0" h="120000" w="120000">
+              <a:path w="120000" h="120000" extrusionOk="0">
                 <a:moveTo>
                   <a:pt x="0" y="0"/>
                 </a:moveTo>
@@ -978,11 +1009,11 @@
 </file>
 
 <file path=ppt/notesSlides/notesSlide4.xml><?xml version="1.0" encoding="utf-8"?>
-<p:notes xmlns:a="http://schemas.openxmlformats.org/drawingml/2006/main" xmlns:r="http://schemas.openxmlformats.org/officeDocument/2006/relationships" xmlns:mc="http://schemas.openxmlformats.org/markup-compatibility/2006" xmlns:mv="urn:schemas-microsoft-com:mac:vml" xmlns:p="http://schemas.openxmlformats.org/presentationml/2006/main" xmlns:c="http://schemas.openxmlformats.org/drawingml/2006/chart" xmlns:dgm="http://schemas.openxmlformats.org/drawingml/2006/diagram" xmlns:o="urn:schemas-microsoft-com:office:office" xmlns:v="urn:schemas-microsoft-com:vml" xmlns:pvml="urn:schemas-microsoft-com:office:powerpoint" xmlns:com="http://schemas.openxmlformats.org/drawingml/2006/compatibility" xmlns:p14="http://schemas.microsoft.com/office/powerpoint/2010/main" xmlns:p15="http://schemas.microsoft.com/office/powerpoint/2012/main" showMasterPhAnim="0" showMasterSp="0">
+<p:notes xmlns:a="http://schemas.openxmlformats.org/drawingml/2006/main" xmlns:r="http://schemas.openxmlformats.org/officeDocument/2006/relationships" xmlns:p="http://schemas.openxmlformats.org/presentationml/2006/main" showMasterSp="0" showMasterPhAnim="0">
   <p:cSld>
     <p:spTree>
       <p:nvGrpSpPr>
-        <p:cNvPr id="105" name="Shape 105"/>
+        <p:cNvPr id="1" name="Shape 100"/>
         <p:cNvGrpSpPr/>
         <p:nvPr/>
       </p:nvGrpSpPr>
@@ -996,10 +1027,12 @@
       </p:grpSpPr>
       <p:sp>
         <p:nvSpPr>
-          <p:cNvPr id="106" name="Google Shape;106;p4:notes"/>
-          <p:cNvSpPr txBox="1"/>
+          <p:cNvPr id="101" name="Google Shape;101;p3:notes"/>
+          <p:cNvSpPr txBox="1">
+            <a:spLocks noGrp="1"/>
+          </p:cNvSpPr>
           <p:nvPr>
-            <p:ph idx="1" type="body"/>
+            <p:ph type="body" idx="1"/>
           </p:nvPr>
         </p:nvSpPr>
         <p:spPr>
@@ -1012,12 +1045,12 @@
           </a:prstGeom>
         </p:spPr>
         <p:txBody>
-          <a:bodyPr anchorCtr="0" anchor="t" bIns="91425" lIns="91425" spcFirstLastPara="1" rIns="91425" wrap="square" tIns="91425">
+          <a:bodyPr spcFirstLastPara="1" wrap="square" lIns="91425" tIns="91425" rIns="91425" bIns="91425" anchor="t" anchorCtr="0">
             <a:noAutofit/>
           </a:bodyPr>
           <a:lstStyle/>
           <a:p>
-            <a:pPr indent="0" lvl="0" marL="0" rtl="0" algn="l">
+            <a:pPr marL="0" lvl="0" indent="0" algn="l" rtl="0">
               <a:spcBef>
                 <a:spcPts val="0"/>
               </a:spcBef>
@@ -1026,30 +1059,33 @@
               </a:spcAft>
               <a:buNone/>
             </a:pPr>
-            <a:r>
-              <a:t/>
-            </a:r>
             <a:endParaRPr/>
           </a:p>
         </p:txBody>
       </p:sp>
       <p:sp>
         <p:nvSpPr>
-          <p:cNvPr id="107" name="Google Shape;107;p4:notes"/>
-          <p:cNvSpPr/>
+          <p:cNvPr id="102" name="Google Shape;102;p3:notes"/>
+          <p:cNvSpPr>
+            <a:spLocks noGrp="1" noRot="1" noChangeAspect="1"/>
+          </p:cNvSpPr>
           <p:nvPr>
-            <p:ph idx="2" type="sldImg"/>
+            <p:ph type="sldImg" idx="2"/>
           </p:nvPr>
         </p:nvSpPr>
         <p:spPr>
           <a:xfrm>
-            <a:off x="1143225" y="685800"/>
-            <a:ext cx="4572225" cy="3429000"/>
+            <a:off x="381000" y="685800"/>
+            <a:ext cx="6096000" cy="3429000"/>
           </a:xfrm>
           <a:custGeom>
-            <a:rect b="b" l="l" r="r" t="t"/>
+            <a:avLst/>
+            <a:gdLst/>
+            <a:ahLst/>
+            <a:cxnLst/>
+            <a:rect l="l" t="t" r="r" b="b"/>
             <a:pathLst>
-              <a:path extrusionOk="0" h="120000" w="120000">
+              <a:path w="120000" h="120000" extrusionOk="0">
                 <a:moveTo>
                   <a:pt x="0" y="0"/>
                 </a:moveTo>
@@ -1069,6 +1105,11 @@
         </p:spPr>
       </p:sp>
     </p:spTree>
+    <p:extLst>
+      <p:ext uri="{BB962C8B-B14F-4D97-AF65-F5344CB8AC3E}">
+        <p14:creationId xmlns:p14="http://schemas.microsoft.com/office/powerpoint/2010/main" val="3092845029"/>
+      </p:ext>
+    </p:extLst>
   </p:cSld>
   <p:clrMapOvr>
     <a:masterClrMapping/>
@@ -1077,11 +1118,11 @@
 </file>
 
 <file path=ppt/notesSlides/notesSlide5.xml><?xml version="1.0" encoding="utf-8"?>
-<p:notes xmlns:a="http://schemas.openxmlformats.org/drawingml/2006/main" xmlns:r="http://schemas.openxmlformats.org/officeDocument/2006/relationships" xmlns:mc="http://schemas.openxmlformats.org/markup-compatibility/2006" xmlns:mv="urn:schemas-microsoft-com:mac:vml" xmlns:p="http://schemas.openxmlformats.org/presentationml/2006/main" xmlns:c="http://schemas.openxmlformats.org/drawingml/2006/chart" xmlns:dgm="http://schemas.openxmlformats.org/drawingml/2006/diagram" xmlns:o="urn:schemas-microsoft-com:office:office" xmlns:v="urn:schemas-microsoft-com:vml" xmlns:pvml="urn:schemas-microsoft-com:office:powerpoint" xmlns:com="http://schemas.openxmlformats.org/drawingml/2006/compatibility" xmlns:p14="http://schemas.microsoft.com/office/powerpoint/2010/main" xmlns:p15="http://schemas.microsoft.com/office/powerpoint/2012/main" showMasterPhAnim="0" showMasterSp="0">
+<p:notes xmlns:a="http://schemas.openxmlformats.org/drawingml/2006/main" xmlns:r="http://schemas.openxmlformats.org/officeDocument/2006/relationships" xmlns:p="http://schemas.openxmlformats.org/presentationml/2006/main" showMasterSp="0" showMasterPhAnim="0">
   <p:cSld>
     <p:spTree>
       <p:nvGrpSpPr>
-        <p:cNvPr id="113" name="Shape 113"/>
+        <p:cNvPr id="1" name="Shape 105"/>
         <p:cNvGrpSpPr/>
         <p:nvPr/>
       </p:nvGrpSpPr>
@@ -1095,10 +1136,12 @@
       </p:grpSpPr>
       <p:sp>
         <p:nvSpPr>
-          <p:cNvPr id="114" name="Google Shape;114;p5:notes"/>
-          <p:cNvSpPr txBox="1"/>
+          <p:cNvPr id="106" name="Google Shape;106;p4:notes"/>
+          <p:cNvSpPr txBox="1">
+            <a:spLocks noGrp="1"/>
+          </p:cNvSpPr>
           <p:nvPr>
-            <p:ph idx="1" type="body"/>
+            <p:ph type="body" idx="1"/>
           </p:nvPr>
         </p:nvSpPr>
         <p:spPr>
@@ -1111,12 +1154,12 @@
           </a:prstGeom>
         </p:spPr>
         <p:txBody>
-          <a:bodyPr anchorCtr="0" anchor="t" bIns="91425" lIns="91425" spcFirstLastPara="1" rIns="91425" wrap="square" tIns="91425">
+          <a:bodyPr spcFirstLastPara="1" wrap="square" lIns="91425" tIns="91425" rIns="91425" bIns="91425" anchor="t" anchorCtr="0">
             <a:noAutofit/>
           </a:bodyPr>
           <a:lstStyle/>
           <a:p>
-            <a:pPr indent="0" lvl="0" marL="0" rtl="0" algn="l">
+            <a:pPr marL="0" lvl="0" indent="0" algn="l" rtl="0">
               <a:spcBef>
                 <a:spcPts val="0"/>
               </a:spcBef>
@@ -1125,30 +1168,33 @@
               </a:spcAft>
               <a:buNone/>
             </a:pPr>
-            <a:r>
-              <a:t/>
-            </a:r>
             <a:endParaRPr/>
           </a:p>
         </p:txBody>
       </p:sp>
       <p:sp>
         <p:nvSpPr>
-          <p:cNvPr id="115" name="Google Shape;115;p5:notes"/>
-          <p:cNvSpPr/>
+          <p:cNvPr id="107" name="Google Shape;107;p4:notes"/>
+          <p:cNvSpPr>
+            <a:spLocks noGrp="1" noRot="1" noChangeAspect="1"/>
+          </p:cNvSpPr>
           <p:nvPr>
-            <p:ph idx="2" type="sldImg"/>
+            <p:ph type="sldImg" idx="2"/>
           </p:nvPr>
         </p:nvSpPr>
         <p:spPr>
           <a:xfrm>
-            <a:off x="1143225" y="685800"/>
-            <a:ext cx="4572225" cy="3429000"/>
+            <a:off x="381000" y="685800"/>
+            <a:ext cx="6096000" cy="3429000"/>
           </a:xfrm>
           <a:custGeom>
-            <a:rect b="b" l="l" r="r" t="t"/>
+            <a:avLst/>
+            <a:gdLst/>
+            <a:ahLst/>
+            <a:cxnLst/>
+            <a:rect l="l" t="t" r="r" b="b"/>
             <a:pathLst>
-              <a:path extrusionOk="0" h="120000" w="120000">
+              <a:path w="120000" h="120000" extrusionOk="0">
                 <a:moveTo>
                   <a:pt x="0" y="0"/>
                 </a:moveTo>
@@ -1176,11 +1222,115 @@
 </file>
 
 <file path=ppt/notesSlides/notesSlide6.xml><?xml version="1.0" encoding="utf-8"?>
-<p:notes xmlns:a="http://schemas.openxmlformats.org/drawingml/2006/main" xmlns:r="http://schemas.openxmlformats.org/officeDocument/2006/relationships" xmlns:mc="http://schemas.openxmlformats.org/markup-compatibility/2006" xmlns:mv="urn:schemas-microsoft-com:mac:vml" xmlns:p="http://schemas.openxmlformats.org/presentationml/2006/main" xmlns:c="http://schemas.openxmlformats.org/drawingml/2006/chart" xmlns:dgm="http://schemas.openxmlformats.org/drawingml/2006/diagram" xmlns:o="urn:schemas-microsoft-com:office:office" xmlns:v="urn:schemas-microsoft-com:vml" xmlns:pvml="urn:schemas-microsoft-com:office:powerpoint" xmlns:com="http://schemas.openxmlformats.org/drawingml/2006/compatibility" xmlns:p14="http://schemas.microsoft.com/office/powerpoint/2010/main" xmlns:p15="http://schemas.microsoft.com/office/powerpoint/2012/main" showMasterPhAnim="0" showMasterSp="0">
+<p:notes xmlns:a="http://schemas.openxmlformats.org/drawingml/2006/main" xmlns:r="http://schemas.openxmlformats.org/officeDocument/2006/relationships" xmlns:p="http://schemas.openxmlformats.org/presentationml/2006/main" showMasterSp="0" showMasterPhAnim="0">
   <p:cSld>
     <p:spTree>
       <p:nvGrpSpPr>
-        <p:cNvPr id="120" name="Shape 120"/>
+        <p:cNvPr id="1" name="Shape 113"/>
+        <p:cNvGrpSpPr/>
+        <p:nvPr/>
+      </p:nvGrpSpPr>
+      <p:grpSpPr>
+        <a:xfrm>
+          <a:off x="0" y="0"/>
+          <a:ext cx="0" cy="0"/>
+          <a:chOff x="0" y="0"/>
+          <a:chExt cx="0" cy="0"/>
+        </a:xfrm>
+      </p:grpSpPr>
+      <p:sp>
+        <p:nvSpPr>
+          <p:cNvPr id="114" name="Google Shape;114;p5:notes"/>
+          <p:cNvSpPr txBox="1">
+            <a:spLocks noGrp="1"/>
+          </p:cNvSpPr>
+          <p:nvPr>
+            <p:ph type="body" idx="1"/>
+          </p:nvPr>
+        </p:nvSpPr>
+        <p:spPr>
+          <a:xfrm>
+            <a:off x="685800" y="4343400"/>
+            <a:ext cx="5486400" cy="4114800"/>
+          </a:xfrm>
+          <a:prstGeom prst="rect">
+            <a:avLst/>
+          </a:prstGeom>
+        </p:spPr>
+        <p:txBody>
+          <a:bodyPr spcFirstLastPara="1" wrap="square" lIns="91425" tIns="91425" rIns="91425" bIns="91425" anchor="t" anchorCtr="0">
+            <a:noAutofit/>
+          </a:bodyPr>
+          <a:lstStyle/>
+          <a:p>
+            <a:pPr marL="0" lvl="0" indent="0" algn="l" rtl="0">
+              <a:spcBef>
+                <a:spcPts val="0"/>
+              </a:spcBef>
+              <a:spcAft>
+                <a:spcPts val="0"/>
+              </a:spcAft>
+              <a:buNone/>
+            </a:pPr>
+            <a:endParaRPr/>
+          </a:p>
+        </p:txBody>
+      </p:sp>
+      <p:sp>
+        <p:nvSpPr>
+          <p:cNvPr id="115" name="Google Shape;115;p5:notes"/>
+          <p:cNvSpPr>
+            <a:spLocks noGrp="1" noRot="1" noChangeAspect="1"/>
+          </p:cNvSpPr>
+          <p:nvPr>
+            <p:ph type="sldImg" idx="2"/>
+          </p:nvPr>
+        </p:nvSpPr>
+        <p:spPr>
+          <a:xfrm>
+            <a:off x="381000" y="685800"/>
+            <a:ext cx="6096000" cy="3429000"/>
+          </a:xfrm>
+          <a:custGeom>
+            <a:avLst/>
+            <a:gdLst/>
+            <a:ahLst/>
+            <a:cxnLst/>
+            <a:rect l="l" t="t" r="r" b="b"/>
+            <a:pathLst>
+              <a:path w="120000" h="120000" extrusionOk="0">
+                <a:moveTo>
+                  <a:pt x="0" y="0"/>
+                </a:moveTo>
+                <a:lnTo>
+                  <a:pt x="120000" y="0"/>
+                </a:lnTo>
+                <a:lnTo>
+                  <a:pt x="120000" y="120000"/>
+                </a:lnTo>
+                <a:lnTo>
+                  <a:pt x="0" y="120000"/>
+                </a:lnTo>
+                <a:close/>
+              </a:path>
+            </a:pathLst>
+          </a:custGeom>
+        </p:spPr>
+      </p:sp>
+    </p:spTree>
+  </p:cSld>
+  <p:clrMapOvr>
+    <a:masterClrMapping/>
+  </p:clrMapOvr>
+</p:notes>
+</file>
+
+<file path=ppt/notesSlides/notesSlide7.xml><?xml version="1.0" encoding="utf-8"?>
+<p:notes xmlns:a="http://schemas.openxmlformats.org/drawingml/2006/main" xmlns:r="http://schemas.openxmlformats.org/officeDocument/2006/relationships" xmlns:p="http://schemas.openxmlformats.org/presentationml/2006/main" showMasterSp="0" showMasterPhAnim="0">
+  <p:cSld>
+    <p:spTree>
+      <p:nvGrpSpPr>
+        <p:cNvPr id="1" name="Shape 120"/>
         <p:cNvGrpSpPr/>
         <p:nvPr/>
       </p:nvGrpSpPr>
@@ -1195,9 +1345,11 @@
       <p:sp>
         <p:nvSpPr>
           <p:cNvPr id="121" name="Google Shape;121;p6:notes"/>
-          <p:cNvSpPr txBox="1"/>
+          <p:cNvSpPr txBox="1">
+            <a:spLocks noGrp="1"/>
+          </p:cNvSpPr>
           <p:nvPr>
-            <p:ph idx="1" type="body"/>
+            <p:ph type="body" idx="1"/>
           </p:nvPr>
         </p:nvSpPr>
         <p:spPr>
@@ -1210,12 +1362,12 @@
           </a:prstGeom>
         </p:spPr>
         <p:txBody>
-          <a:bodyPr anchorCtr="0" anchor="t" bIns="91425" lIns="91425" spcFirstLastPara="1" rIns="91425" wrap="square" tIns="91425">
+          <a:bodyPr spcFirstLastPara="1" wrap="square" lIns="91425" tIns="91425" rIns="91425" bIns="91425" anchor="t" anchorCtr="0">
             <a:noAutofit/>
           </a:bodyPr>
           <a:lstStyle/>
           <a:p>
-            <a:pPr indent="0" lvl="0" marL="0" rtl="0" algn="l">
+            <a:pPr marL="0" lvl="0" indent="0" algn="l" rtl="0">
               <a:spcBef>
                 <a:spcPts val="0"/>
               </a:spcBef>
@@ -1224,9 +1376,6 @@
               </a:spcAft>
               <a:buNone/>
             </a:pPr>
-            <a:r>
-              <a:t/>
-            </a:r>
             <a:endParaRPr/>
           </a:p>
         </p:txBody>
@@ -1234,20 +1383,26 @@
       <p:sp>
         <p:nvSpPr>
           <p:cNvPr id="122" name="Google Shape;122;p6:notes"/>
-          <p:cNvSpPr/>
+          <p:cNvSpPr>
+            <a:spLocks noGrp="1" noRot="1" noChangeAspect="1"/>
+          </p:cNvSpPr>
           <p:nvPr>
-            <p:ph idx="2" type="sldImg"/>
+            <p:ph type="sldImg" idx="2"/>
           </p:nvPr>
         </p:nvSpPr>
         <p:spPr>
           <a:xfrm>
-            <a:off x="1143225" y="685800"/>
-            <a:ext cx="4572225" cy="3429000"/>
+            <a:off x="381000" y="685800"/>
+            <a:ext cx="6096000" cy="3429000"/>
           </a:xfrm>
           <a:custGeom>
-            <a:rect b="b" l="l" r="r" t="t"/>
+            <a:avLst/>
+            <a:gdLst/>
+            <a:ahLst/>
+            <a:cxnLst/>
+            <a:rect l="l" t="t" r="r" b="b"/>
             <a:pathLst>
-              <a:path extrusionOk="0" h="120000" w="120000">
+              <a:path w="120000" h="120000" extrusionOk="0">
                 <a:moveTo>
                   <a:pt x="0" y="0"/>
                 </a:moveTo>
@@ -1275,11 +1430,11 @@
 </file>
 
 <file path=ppt/slideLayouts/slideLayout1.xml><?xml version="1.0" encoding="utf-8"?>
-<p:sldLayout xmlns:a="http://schemas.openxmlformats.org/drawingml/2006/main" xmlns:r="http://schemas.openxmlformats.org/officeDocument/2006/relationships" xmlns:mc="http://schemas.openxmlformats.org/markup-compatibility/2006" xmlns:mv="urn:schemas-microsoft-com:mac:vml" xmlns:p="http://schemas.openxmlformats.org/presentationml/2006/main" xmlns:c="http://schemas.openxmlformats.org/drawingml/2006/chart" xmlns:dgm="http://schemas.openxmlformats.org/drawingml/2006/diagram" xmlns:o="urn:schemas-microsoft-com:office:office" xmlns:v="urn:schemas-microsoft-com:vml" xmlns:pvml="urn:schemas-microsoft-com:office:powerpoint" xmlns:com="http://schemas.openxmlformats.org/drawingml/2006/compatibility" xmlns:p14="http://schemas.microsoft.com/office/powerpoint/2010/main" xmlns:p15="http://schemas.microsoft.com/office/powerpoint/2012/main" matchingName="Заголовок и объект" type="obj">
+<p:sldLayout xmlns:a="http://schemas.openxmlformats.org/drawingml/2006/main" xmlns:r="http://schemas.openxmlformats.org/officeDocument/2006/relationships" xmlns:p="http://schemas.openxmlformats.org/presentationml/2006/main" matchingName="Заголовок и объект" type="obj">
   <p:cSld name="OBJECT">
     <p:spTree>
       <p:nvGrpSpPr>
-        <p:cNvPr id="11" name="Shape 11"/>
+        <p:cNvPr id="1" name="Shape 11"/>
         <p:cNvGrpSpPr/>
         <p:nvPr/>
       </p:nvGrpSpPr>
@@ -1294,7 +1449,9 @@
       <p:sp>
         <p:nvSpPr>
           <p:cNvPr id="12" name="Google Shape;12;p8"/>
-          <p:cNvSpPr txBox="1"/>
+          <p:cNvSpPr txBox="1">
+            <a:spLocks noGrp="1"/>
+          </p:cNvSpPr>
           <p:nvPr>
             <p:ph type="title"/>
           </p:nvPr>
@@ -1313,7 +1470,7 @@
           </a:ln>
         </p:spPr>
         <p:txBody>
-          <a:bodyPr anchorCtr="0" anchor="ctr" bIns="45700" lIns="91425" spcFirstLastPara="1" rIns="91425" wrap="square" tIns="45700">
+          <a:bodyPr spcFirstLastPara="1" wrap="square" lIns="91425" tIns="45700" rIns="91425" bIns="45700" anchor="ctr" anchorCtr="0">
             <a:normAutofit/>
           </a:bodyPr>
           <a:lstStyle>
@@ -1423,15 +1580,19 @@
               <a:defRPr/>
             </a:lvl9pPr>
           </a:lstStyle>
-          <a:p/>
+          <a:p>
+            <a:endParaRPr/>
+          </a:p>
         </p:txBody>
       </p:sp>
       <p:sp>
         <p:nvSpPr>
           <p:cNvPr id="13" name="Google Shape;13;p8"/>
-          <p:cNvSpPr txBox="1"/>
+          <p:cNvSpPr txBox="1">
+            <a:spLocks noGrp="1"/>
+          </p:cNvSpPr>
           <p:nvPr>
-            <p:ph idx="1" type="body"/>
+            <p:ph type="body" idx="1"/>
           </p:nvPr>
         </p:nvSpPr>
         <p:spPr>
@@ -1448,11 +1609,11 @@
           </a:ln>
         </p:spPr>
         <p:txBody>
-          <a:bodyPr anchorCtr="0" anchor="t" bIns="45700" lIns="91425" spcFirstLastPara="1" rIns="91425" wrap="square" tIns="45700">
+          <a:bodyPr spcFirstLastPara="1" wrap="square" lIns="91425" tIns="45700" rIns="91425" bIns="45700" anchor="t" anchorCtr="0">
             <a:normAutofit/>
           </a:bodyPr>
           <a:lstStyle>
-            <a:lvl1pPr indent="-342900" lvl="0" marL="457200" algn="l">
+            <a:lvl1pPr marL="457200" lvl="0" indent="-342900" algn="l">
               <a:lnSpc>
                 <a:spcPct val="90000"/>
               </a:lnSpc>
@@ -1469,7 +1630,7 @@
               <a:buChar char="•"/>
               <a:defRPr/>
             </a:lvl1pPr>
-            <a:lvl2pPr indent="-342900" lvl="1" marL="914400" algn="l">
+            <a:lvl2pPr marL="914400" lvl="1" indent="-342900" algn="l">
               <a:lnSpc>
                 <a:spcPct val="90000"/>
               </a:lnSpc>
@@ -1486,7 +1647,7 @@
               <a:buChar char="•"/>
               <a:defRPr/>
             </a:lvl2pPr>
-            <a:lvl3pPr indent="-342900" lvl="2" marL="1371600" algn="l">
+            <a:lvl3pPr marL="1371600" lvl="2" indent="-342900" algn="l">
               <a:lnSpc>
                 <a:spcPct val="90000"/>
               </a:lnSpc>
@@ -1503,7 +1664,7 @@
               <a:buChar char="•"/>
               <a:defRPr/>
             </a:lvl3pPr>
-            <a:lvl4pPr indent="-342900" lvl="3" marL="1828800" algn="l">
+            <a:lvl4pPr marL="1828800" lvl="3" indent="-342900" algn="l">
               <a:lnSpc>
                 <a:spcPct val="90000"/>
               </a:lnSpc>
@@ -1520,7 +1681,7 @@
               <a:buChar char="•"/>
               <a:defRPr/>
             </a:lvl4pPr>
-            <a:lvl5pPr indent="-342900" lvl="4" marL="2286000" algn="l">
+            <a:lvl5pPr marL="2286000" lvl="4" indent="-342900" algn="l">
               <a:lnSpc>
                 <a:spcPct val="90000"/>
               </a:lnSpc>
@@ -1537,7 +1698,7 @@
               <a:buChar char="•"/>
               <a:defRPr/>
             </a:lvl5pPr>
-            <a:lvl6pPr indent="-342900" lvl="5" marL="2743200" algn="l">
+            <a:lvl6pPr marL="2743200" lvl="5" indent="-342900" algn="l">
               <a:lnSpc>
                 <a:spcPct val="90000"/>
               </a:lnSpc>
@@ -1554,7 +1715,7 @@
               <a:buChar char="•"/>
               <a:defRPr/>
             </a:lvl6pPr>
-            <a:lvl7pPr indent="-342900" lvl="6" marL="3200400" algn="l">
+            <a:lvl7pPr marL="3200400" lvl="6" indent="-342900" algn="l">
               <a:lnSpc>
                 <a:spcPct val="90000"/>
               </a:lnSpc>
@@ -1571,7 +1732,7 @@
               <a:buChar char="•"/>
               <a:defRPr/>
             </a:lvl7pPr>
-            <a:lvl8pPr indent="-342900" lvl="7" marL="3657600" algn="l">
+            <a:lvl8pPr marL="3657600" lvl="7" indent="-342900" algn="l">
               <a:lnSpc>
                 <a:spcPct val="90000"/>
               </a:lnSpc>
@@ -1588,7 +1749,7 @@
               <a:buChar char="•"/>
               <a:defRPr/>
             </a:lvl8pPr>
-            <a:lvl9pPr indent="-342900" lvl="8" marL="4114800" algn="l">
+            <a:lvl9pPr marL="4114800" lvl="8" indent="-342900" algn="l">
               <a:lnSpc>
                 <a:spcPct val="90000"/>
               </a:lnSpc>
@@ -1606,15 +1767,19 @@
               <a:defRPr/>
             </a:lvl9pPr>
           </a:lstStyle>
-          <a:p/>
+          <a:p>
+            <a:endParaRPr/>
+          </a:p>
         </p:txBody>
       </p:sp>
       <p:sp>
         <p:nvSpPr>
           <p:cNvPr id="14" name="Google Shape;14;p8"/>
-          <p:cNvSpPr txBox="1"/>
+          <p:cNvSpPr txBox="1">
+            <a:spLocks noGrp="1"/>
+          </p:cNvSpPr>
           <p:nvPr>
-            <p:ph idx="10" type="dt"/>
+            <p:ph type="dt" idx="10"/>
           </p:nvPr>
         </p:nvSpPr>
         <p:spPr>
@@ -1631,7 +1796,7 @@
           </a:ln>
         </p:spPr>
         <p:txBody>
-          <a:bodyPr anchorCtr="0" anchor="ctr" bIns="45700" lIns="91425" spcFirstLastPara="1" rIns="91425" wrap="square" tIns="45700">
+          <a:bodyPr spcFirstLastPara="1" wrap="square" lIns="91425" tIns="45700" rIns="91425" bIns="45700" anchor="ctr" anchorCtr="0">
             <a:noAutofit/>
           </a:bodyPr>
           <a:lstStyle>
@@ -1735,15 +1900,19 @@
               <a:defRPr/>
             </a:lvl9pPr>
           </a:lstStyle>
-          <a:p/>
+          <a:p>
+            <a:endParaRPr/>
+          </a:p>
         </p:txBody>
       </p:sp>
       <p:sp>
         <p:nvSpPr>
           <p:cNvPr id="15" name="Google Shape;15;p8"/>
-          <p:cNvSpPr txBox="1"/>
+          <p:cNvSpPr txBox="1">
+            <a:spLocks noGrp="1"/>
+          </p:cNvSpPr>
           <p:nvPr>
-            <p:ph idx="11" type="ftr"/>
+            <p:ph type="ftr" idx="11"/>
           </p:nvPr>
         </p:nvSpPr>
         <p:spPr>
@@ -1760,7 +1929,7 @@
           </a:ln>
         </p:spPr>
         <p:txBody>
-          <a:bodyPr anchorCtr="0" anchor="ctr" bIns="45700" lIns="91425" spcFirstLastPara="1" rIns="91425" wrap="square" tIns="45700">
+          <a:bodyPr spcFirstLastPara="1" wrap="square" lIns="91425" tIns="45700" rIns="91425" bIns="45700" anchor="ctr" anchorCtr="0">
             <a:noAutofit/>
           </a:bodyPr>
           <a:lstStyle>
@@ -1864,15 +2033,19 @@
               <a:defRPr/>
             </a:lvl9pPr>
           </a:lstStyle>
-          <a:p/>
+          <a:p>
+            <a:endParaRPr/>
+          </a:p>
         </p:txBody>
       </p:sp>
       <p:sp>
         <p:nvSpPr>
           <p:cNvPr id="16" name="Google Shape;16;p8"/>
-          <p:cNvSpPr txBox="1"/>
+          <p:cNvSpPr txBox="1">
+            <a:spLocks noGrp="1"/>
+          </p:cNvSpPr>
           <p:nvPr>
-            <p:ph idx="12" type="sldNum"/>
+            <p:ph type="sldNum" idx="12"/>
           </p:nvPr>
         </p:nvSpPr>
         <p:spPr>
@@ -1889,67 +2062,67 @@
           </a:ln>
         </p:spPr>
         <p:txBody>
-          <a:bodyPr anchorCtr="0" anchor="ctr" bIns="45700" lIns="91425" spcFirstLastPara="1" rIns="91425" wrap="square" tIns="45700">
+          <a:bodyPr spcFirstLastPara="1" wrap="square" lIns="91425" tIns="45700" rIns="91425" bIns="45700" anchor="ctr" anchorCtr="0">
             <a:noAutofit/>
           </a:bodyPr>
           <a:lstStyle>
-            <a:lvl1pPr indent="0" lvl="0" marL="0" algn="r">
+            <a:lvl1pPr marL="0" lvl="0" indent="0" algn="r">
               <a:spcBef>
                 <a:spcPts val="0"/>
               </a:spcBef>
               <a:buNone/>
               <a:defRPr/>
             </a:lvl1pPr>
-            <a:lvl2pPr indent="0" lvl="1" marL="0" algn="r">
+            <a:lvl2pPr marL="0" lvl="1" indent="0" algn="r">
               <a:spcBef>
                 <a:spcPts val="0"/>
               </a:spcBef>
               <a:buNone/>
               <a:defRPr/>
             </a:lvl2pPr>
-            <a:lvl3pPr indent="0" lvl="2" marL="0" algn="r">
+            <a:lvl3pPr marL="0" lvl="2" indent="0" algn="r">
               <a:spcBef>
                 <a:spcPts val="0"/>
               </a:spcBef>
               <a:buNone/>
               <a:defRPr/>
             </a:lvl3pPr>
-            <a:lvl4pPr indent="0" lvl="3" marL="0" algn="r">
+            <a:lvl4pPr marL="0" lvl="3" indent="0" algn="r">
               <a:spcBef>
                 <a:spcPts val="0"/>
               </a:spcBef>
               <a:buNone/>
               <a:defRPr/>
             </a:lvl4pPr>
-            <a:lvl5pPr indent="0" lvl="4" marL="0" algn="r">
+            <a:lvl5pPr marL="0" lvl="4" indent="0" algn="r">
               <a:spcBef>
                 <a:spcPts val="0"/>
               </a:spcBef>
               <a:buNone/>
               <a:defRPr/>
             </a:lvl5pPr>
-            <a:lvl6pPr indent="0" lvl="5" marL="0" algn="r">
+            <a:lvl6pPr marL="0" lvl="5" indent="0" algn="r">
               <a:spcBef>
                 <a:spcPts val="0"/>
               </a:spcBef>
               <a:buNone/>
               <a:defRPr/>
             </a:lvl6pPr>
-            <a:lvl7pPr indent="0" lvl="6" marL="0" algn="r">
+            <a:lvl7pPr marL="0" lvl="6" indent="0" algn="r">
               <a:spcBef>
                 <a:spcPts val="0"/>
               </a:spcBef>
               <a:buNone/>
               <a:defRPr/>
             </a:lvl7pPr>
-            <a:lvl8pPr indent="0" lvl="7" marL="0" algn="r">
+            <a:lvl8pPr marL="0" lvl="7" indent="0" algn="r">
               <a:spcBef>
                 <a:spcPts val="0"/>
               </a:spcBef>
               <a:buNone/>
               <a:defRPr/>
             </a:lvl8pPr>
-            <a:lvl9pPr indent="0" lvl="8" marL="0" algn="r">
+            <a:lvl9pPr marL="0" lvl="8" indent="0" algn="r">
               <a:spcBef>
                 <a:spcPts val="0"/>
               </a:spcBef>
@@ -1958,7 +2131,7 @@
             </a:lvl9pPr>
           </a:lstStyle>
           <a:p>
-            <a:pPr indent="0" lvl="0" marL="0" rtl="0" algn="r">
+            <a:pPr marL="0" lvl="0" indent="0" algn="r" rtl="0">
               <a:spcBef>
                 <a:spcPts val="0"/>
               </a:spcBef>
@@ -1984,11 +2157,11 @@
 </file>
 
 <file path=ppt/slideLayouts/slideLayout10.xml><?xml version="1.0" encoding="utf-8"?>
-<p:sldLayout xmlns:a="http://schemas.openxmlformats.org/drawingml/2006/main" xmlns:r="http://schemas.openxmlformats.org/officeDocument/2006/relationships" xmlns:mc="http://schemas.openxmlformats.org/markup-compatibility/2006" xmlns:mv="urn:schemas-microsoft-com:mac:vml" xmlns:p="http://schemas.openxmlformats.org/presentationml/2006/main" xmlns:c="http://schemas.openxmlformats.org/drawingml/2006/chart" xmlns:dgm="http://schemas.openxmlformats.org/drawingml/2006/diagram" xmlns:o="urn:schemas-microsoft-com:office:office" xmlns:v="urn:schemas-microsoft-com:vml" xmlns:pvml="urn:schemas-microsoft-com:office:powerpoint" xmlns:com="http://schemas.openxmlformats.org/drawingml/2006/compatibility" xmlns:p14="http://schemas.microsoft.com/office/powerpoint/2010/main" xmlns:p15="http://schemas.microsoft.com/office/powerpoint/2012/main" matchingName="Заголовок и вертикальный текст" type="vertTx">
+<p:sldLayout xmlns:a="http://schemas.openxmlformats.org/drawingml/2006/main" xmlns:r="http://schemas.openxmlformats.org/officeDocument/2006/relationships" xmlns:p="http://schemas.openxmlformats.org/presentationml/2006/main" matchingName="Заголовок и вертикальный текст" type="vertTx">
   <p:cSld name="VERTICAL_TEXT">
     <p:spTree>
       <p:nvGrpSpPr>
-        <p:cNvPr id="68" name="Shape 68"/>
+        <p:cNvPr id="1" name="Shape 68"/>
         <p:cNvGrpSpPr/>
         <p:nvPr/>
       </p:nvGrpSpPr>
@@ -2003,7 +2176,9 @@
       <p:sp>
         <p:nvSpPr>
           <p:cNvPr id="69" name="Google Shape;69;p17"/>
-          <p:cNvSpPr txBox="1"/>
+          <p:cNvSpPr txBox="1">
+            <a:spLocks noGrp="1"/>
+          </p:cNvSpPr>
           <p:nvPr>
             <p:ph type="title"/>
           </p:nvPr>
@@ -2022,7 +2197,7 @@
           </a:ln>
         </p:spPr>
         <p:txBody>
-          <a:bodyPr anchorCtr="0" anchor="ctr" bIns="45700" lIns="91425" spcFirstLastPara="1" rIns="91425" wrap="square" tIns="45700">
+          <a:bodyPr spcFirstLastPara="1" wrap="square" lIns="91425" tIns="45700" rIns="91425" bIns="45700" anchor="ctr" anchorCtr="0">
             <a:normAutofit/>
           </a:bodyPr>
           <a:lstStyle>
@@ -2132,15 +2307,19 @@
               <a:defRPr/>
             </a:lvl9pPr>
           </a:lstStyle>
-          <a:p/>
+          <a:p>
+            <a:endParaRPr/>
+          </a:p>
         </p:txBody>
       </p:sp>
       <p:sp>
         <p:nvSpPr>
           <p:cNvPr id="70" name="Google Shape;70;p17"/>
-          <p:cNvSpPr txBox="1"/>
+          <p:cNvSpPr txBox="1">
+            <a:spLocks noGrp="1"/>
+          </p:cNvSpPr>
           <p:nvPr>
-            <p:ph idx="1" type="body"/>
+            <p:ph type="body" idx="1"/>
           </p:nvPr>
         </p:nvSpPr>
         <p:spPr>
@@ -2157,11 +2336,11 @@
           </a:ln>
         </p:spPr>
         <p:txBody>
-          <a:bodyPr anchorCtr="0" anchor="t" bIns="45700" lIns="91425" spcFirstLastPara="1" rIns="91425" wrap="square" tIns="45700">
+          <a:bodyPr spcFirstLastPara="1" wrap="square" lIns="91425" tIns="45700" rIns="91425" bIns="45700" anchor="t" anchorCtr="0">
             <a:normAutofit/>
           </a:bodyPr>
           <a:lstStyle>
-            <a:lvl1pPr indent="-342900" lvl="0" marL="457200" algn="l">
+            <a:lvl1pPr marL="457200" lvl="0" indent="-342900" algn="l">
               <a:lnSpc>
                 <a:spcPct val="90000"/>
               </a:lnSpc>
@@ -2178,7 +2357,7 @@
               <a:buChar char="•"/>
               <a:defRPr/>
             </a:lvl1pPr>
-            <a:lvl2pPr indent="-342900" lvl="1" marL="914400" algn="l">
+            <a:lvl2pPr marL="914400" lvl="1" indent="-342900" algn="l">
               <a:lnSpc>
                 <a:spcPct val="90000"/>
               </a:lnSpc>
@@ -2195,7 +2374,7 @@
               <a:buChar char="•"/>
               <a:defRPr/>
             </a:lvl2pPr>
-            <a:lvl3pPr indent="-342900" lvl="2" marL="1371600" algn="l">
+            <a:lvl3pPr marL="1371600" lvl="2" indent="-342900" algn="l">
               <a:lnSpc>
                 <a:spcPct val="90000"/>
               </a:lnSpc>
@@ -2212,7 +2391,7 @@
               <a:buChar char="•"/>
               <a:defRPr/>
             </a:lvl3pPr>
-            <a:lvl4pPr indent="-342900" lvl="3" marL="1828800" algn="l">
+            <a:lvl4pPr marL="1828800" lvl="3" indent="-342900" algn="l">
               <a:lnSpc>
                 <a:spcPct val="90000"/>
               </a:lnSpc>
@@ -2229,7 +2408,7 @@
               <a:buChar char="•"/>
               <a:defRPr/>
             </a:lvl4pPr>
-            <a:lvl5pPr indent="-342900" lvl="4" marL="2286000" algn="l">
+            <a:lvl5pPr marL="2286000" lvl="4" indent="-342900" algn="l">
               <a:lnSpc>
                 <a:spcPct val="90000"/>
               </a:lnSpc>
@@ -2246,7 +2425,7 @@
               <a:buChar char="•"/>
               <a:defRPr/>
             </a:lvl5pPr>
-            <a:lvl6pPr indent="-342900" lvl="5" marL="2743200" algn="l">
+            <a:lvl6pPr marL="2743200" lvl="5" indent="-342900" algn="l">
               <a:lnSpc>
                 <a:spcPct val="90000"/>
               </a:lnSpc>
@@ -2263,7 +2442,7 @@
               <a:buChar char="•"/>
               <a:defRPr/>
             </a:lvl6pPr>
-            <a:lvl7pPr indent="-342900" lvl="6" marL="3200400" algn="l">
+            <a:lvl7pPr marL="3200400" lvl="6" indent="-342900" algn="l">
               <a:lnSpc>
                 <a:spcPct val="90000"/>
               </a:lnSpc>
@@ -2280,7 +2459,7 @@
               <a:buChar char="•"/>
               <a:defRPr/>
             </a:lvl7pPr>
-            <a:lvl8pPr indent="-342900" lvl="7" marL="3657600" algn="l">
+            <a:lvl8pPr marL="3657600" lvl="7" indent="-342900" algn="l">
               <a:lnSpc>
                 <a:spcPct val="90000"/>
               </a:lnSpc>
@@ -2297,7 +2476,7 @@
               <a:buChar char="•"/>
               <a:defRPr/>
             </a:lvl8pPr>
-            <a:lvl9pPr indent="-342900" lvl="8" marL="4114800" algn="l">
+            <a:lvl9pPr marL="4114800" lvl="8" indent="-342900" algn="l">
               <a:lnSpc>
                 <a:spcPct val="90000"/>
               </a:lnSpc>
@@ -2315,15 +2494,19 @@
               <a:defRPr/>
             </a:lvl9pPr>
           </a:lstStyle>
-          <a:p/>
+          <a:p>
+            <a:endParaRPr/>
+          </a:p>
         </p:txBody>
       </p:sp>
       <p:sp>
         <p:nvSpPr>
           <p:cNvPr id="71" name="Google Shape;71;p17"/>
-          <p:cNvSpPr txBox="1"/>
+          <p:cNvSpPr txBox="1">
+            <a:spLocks noGrp="1"/>
+          </p:cNvSpPr>
           <p:nvPr>
-            <p:ph idx="10" type="dt"/>
+            <p:ph type="dt" idx="10"/>
           </p:nvPr>
         </p:nvSpPr>
         <p:spPr>
@@ -2340,7 +2523,7 @@
           </a:ln>
         </p:spPr>
         <p:txBody>
-          <a:bodyPr anchorCtr="0" anchor="ctr" bIns="45700" lIns="91425" spcFirstLastPara="1" rIns="91425" wrap="square" tIns="45700">
+          <a:bodyPr spcFirstLastPara="1" wrap="square" lIns="91425" tIns="45700" rIns="91425" bIns="45700" anchor="ctr" anchorCtr="0">
             <a:noAutofit/>
           </a:bodyPr>
           <a:lstStyle>
@@ -2444,15 +2627,19 @@
               <a:defRPr/>
             </a:lvl9pPr>
           </a:lstStyle>
-          <a:p/>
+          <a:p>
+            <a:endParaRPr/>
+          </a:p>
         </p:txBody>
       </p:sp>
       <p:sp>
         <p:nvSpPr>
           <p:cNvPr id="72" name="Google Shape;72;p17"/>
-          <p:cNvSpPr txBox="1"/>
+          <p:cNvSpPr txBox="1">
+            <a:spLocks noGrp="1"/>
+          </p:cNvSpPr>
           <p:nvPr>
-            <p:ph idx="11" type="ftr"/>
+            <p:ph type="ftr" idx="11"/>
           </p:nvPr>
         </p:nvSpPr>
         <p:spPr>
@@ -2469,7 +2656,7 @@
           </a:ln>
         </p:spPr>
         <p:txBody>
-          <a:bodyPr anchorCtr="0" anchor="ctr" bIns="45700" lIns="91425" spcFirstLastPara="1" rIns="91425" wrap="square" tIns="45700">
+          <a:bodyPr spcFirstLastPara="1" wrap="square" lIns="91425" tIns="45700" rIns="91425" bIns="45700" anchor="ctr" anchorCtr="0">
             <a:noAutofit/>
           </a:bodyPr>
           <a:lstStyle>
@@ -2573,15 +2760,19 @@
               <a:defRPr/>
             </a:lvl9pPr>
           </a:lstStyle>
-          <a:p/>
+          <a:p>
+            <a:endParaRPr/>
+          </a:p>
         </p:txBody>
       </p:sp>
       <p:sp>
         <p:nvSpPr>
           <p:cNvPr id="73" name="Google Shape;73;p17"/>
-          <p:cNvSpPr txBox="1"/>
+          <p:cNvSpPr txBox="1">
+            <a:spLocks noGrp="1"/>
+          </p:cNvSpPr>
           <p:nvPr>
-            <p:ph idx="12" type="sldNum"/>
+            <p:ph type="sldNum" idx="12"/>
           </p:nvPr>
         </p:nvSpPr>
         <p:spPr>
@@ -2598,67 +2789,67 @@
           </a:ln>
         </p:spPr>
         <p:txBody>
-          <a:bodyPr anchorCtr="0" anchor="ctr" bIns="45700" lIns="91425" spcFirstLastPara="1" rIns="91425" wrap="square" tIns="45700">
+          <a:bodyPr spcFirstLastPara="1" wrap="square" lIns="91425" tIns="45700" rIns="91425" bIns="45700" anchor="ctr" anchorCtr="0">
             <a:noAutofit/>
           </a:bodyPr>
           <a:lstStyle>
-            <a:lvl1pPr indent="0" lvl="0" marL="0" algn="r">
+            <a:lvl1pPr marL="0" lvl="0" indent="0" algn="r">
               <a:spcBef>
                 <a:spcPts val="0"/>
               </a:spcBef>
               <a:buNone/>
               <a:defRPr/>
             </a:lvl1pPr>
-            <a:lvl2pPr indent="0" lvl="1" marL="0" algn="r">
+            <a:lvl2pPr marL="0" lvl="1" indent="0" algn="r">
               <a:spcBef>
                 <a:spcPts val="0"/>
               </a:spcBef>
               <a:buNone/>
               <a:defRPr/>
             </a:lvl2pPr>
-            <a:lvl3pPr indent="0" lvl="2" marL="0" algn="r">
+            <a:lvl3pPr marL="0" lvl="2" indent="0" algn="r">
               <a:spcBef>
                 <a:spcPts val="0"/>
               </a:spcBef>
               <a:buNone/>
               <a:defRPr/>
             </a:lvl3pPr>
-            <a:lvl4pPr indent="0" lvl="3" marL="0" algn="r">
+            <a:lvl4pPr marL="0" lvl="3" indent="0" algn="r">
               <a:spcBef>
                 <a:spcPts val="0"/>
               </a:spcBef>
               <a:buNone/>
               <a:defRPr/>
             </a:lvl4pPr>
-            <a:lvl5pPr indent="0" lvl="4" marL="0" algn="r">
+            <a:lvl5pPr marL="0" lvl="4" indent="0" algn="r">
               <a:spcBef>
                 <a:spcPts val="0"/>
               </a:spcBef>
               <a:buNone/>
               <a:defRPr/>
             </a:lvl5pPr>
-            <a:lvl6pPr indent="0" lvl="5" marL="0" algn="r">
+            <a:lvl6pPr marL="0" lvl="5" indent="0" algn="r">
               <a:spcBef>
                 <a:spcPts val="0"/>
               </a:spcBef>
               <a:buNone/>
               <a:defRPr/>
             </a:lvl6pPr>
-            <a:lvl7pPr indent="0" lvl="6" marL="0" algn="r">
+            <a:lvl7pPr marL="0" lvl="6" indent="0" algn="r">
               <a:spcBef>
                 <a:spcPts val="0"/>
               </a:spcBef>
               <a:buNone/>
               <a:defRPr/>
             </a:lvl7pPr>
-            <a:lvl8pPr indent="0" lvl="7" marL="0" algn="r">
+            <a:lvl8pPr marL="0" lvl="7" indent="0" algn="r">
               <a:spcBef>
                 <a:spcPts val="0"/>
               </a:spcBef>
               <a:buNone/>
               <a:defRPr/>
             </a:lvl8pPr>
-            <a:lvl9pPr indent="0" lvl="8" marL="0" algn="r">
+            <a:lvl9pPr marL="0" lvl="8" indent="0" algn="r">
               <a:spcBef>
                 <a:spcPts val="0"/>
               </a:spcBef>
@@ -2667,7 +2858,7 @@
             </a:lvl9pPr>
           </a:lstStyle>
           <a:p>
-            <a:pPr indent="0" lvl="0" marL="0" rtl="0" algn="r">
+            <a:pPr marL="0" lvl="0" indent="0" algn="r" rtl="0">
               <a:spcBef>
                 <a:spcPts val="0"/>
               </a:spcBef>
@@ -2693,11 +2884,11 @@
 </file>
 
 <file path=ppt/slideLayouts/slideLayout11.xml><?xml version="1.0" encoding="utf-8"?>
-<p:sldLayout xmlns:a="http://schemas.openxmlformats.org/drawingml/2006/main" xmlns:r="http://schemas.openxmlformats.org/officeDocument/2006/relationships" xmlns:mc="http://schemas.openxmlformats.org/markup-compatibility/2006" xmlns:mv="urn:schemas-microsoft-com:mac:vml" xmlns:p="http://schemas.openxmlformats.org/presentationml/2006/main" xmlns:c="http://schemas.openxmlformats.org/drawingml/2006/chart" xmlns:dgm="http://schemas.openxmlformats.org/drawingml/2006/diagram" xmlns:o="urn:schemas-microsoft-com:office:office" xmlns:v="urn:schemas-microsoft-com:vml" xmlns:pvml="urn:schemas-microsoft-com:office:powerpoint" xmlns:com="http://schemas.openxmlformats.org/drawingml/2006/compatibility" xmlns:p14="http://schemas.microsoft.com/office/powerpoint/2010/main" xmlns:p15="http://schemas.microsoft.com/office/powerpoint/2012/main" matchingName="Вертикальный заголовок и текст" type="vertTitleAndTx">
+<p:sldLayout xmlns:a="http://schemas.openxmlformats.org/drawingml/2006/main" xmlns:r="http://schemas.openxmlformats.org/officeDocument/2006/relationships" xmlns:p="http://schemas.openxmlformats.org/presentationml/2006/main" matchingName="Вертикальный заголовок и текст" type="vertTitleAndTx">
   <p:cSld name="VERTICAL_TITLE_AND_VERTICAL_TEXT">
     <p:spTree>
       <p:nvGrpSpPr>
-        <p:cNvPr id="74" name="Shape 74"/>
+        <p:cNvPr id="1" name="Shape 74"/>
         <p:cNvGrpSpPr/>
         <p:nvPr/>
       </p:nvGrpSpPr>
@@ -2712,7 +2903,9 @@
       <p:sp>
         <p:nvSpPr>
           <p:cNvPr id="75" name="Google Shape;75;p18"/>
-          <p:cNvSpPr txBox="1"/>
+          <p:cNvSpPr txBox="1">
+            <a:spLocks noGrp="1"/>
+          </p:cNvSpPr>
           <p:nvPr>
             <p:ph type="title"/>
           </p:nvPr>
@@ -2731,7 +2924,7 @@
           </a:ln>
         </p:spPr>
         <p:txBody>
-          <a:bodyPr anchorCtr="0" anchor="ctr" bIns="45700" lIns="91425" spcFirstLastPara="1" rIns="91425" wrap="square" tIns="45700">
+          <a:bodyPr spcFirstLastPara="1" wrap="square" lIns="91425" tIns="45700" rIns="91425" bIns="45700" anchor="ctr" anchorCtr="0">
             <a:normAutofit/>
           </a:bodyPr>
           <a:lstStyle>
@@ -2841,15 +3034,19 @@
               <a:defRPr/>
             </a:lvl9pPr>
           </a:lstStyle>
-          <a:p/>
+          <a:p>
+            <a:endParaRPr/>
+          </a:p>
         </p:txBody>
       </p:sp>
       <p:sp>
         <p:nvSpPr>
           <p:cNvPr id="76" name="Google Shape;76;p18"/>
-          <p:cNvSpPr txBox="1"/>
+          <p:cNvSpPr txBox="1">
+            <a:spLocks noGrp="1"/>
+          </p:cNvSpPr>
           <p:nvPr>
-            <p:ph idx="1" type="body"/>
+            <p:ph type="body" idx="1"/>
           </p:nvPr>
         </p:nvSpPr>
         <p:spPr>
@@ -2866,11 +3063,11 @@
           </a:ln>
         </p:spPr>
         <p:txBody>
-          <a:bodyPr anchorCtr="0" anchor="t" bIns="45700" lIns="91425" spcFirstLastPara="1" rIns="91425" wrap="square" tIns="45700">
+          <a:bodyPr spcFirstLastPara="1" wrap="square" lIns="91425" tIns="45700" rIns="91425" bIns="45700" anchor="t" anchorCtr="0">
             <a:normAutofit/>
           </a:bodyPr>
           <a:lstStyle>
-            <a:lvl1pPr indent="-342900" lvl="0" marL="457200" algn="l">
+            <a:lvl1pPr marL="457200" lvl="0" indent="-342900" algn="l">
               <a:lnSpc>
                 <a:spcPct val="90000"/>
               </a:lnSpc>
@@ -2887,7 +3084,7 @@
               <a:buChar char="•"/>
               <a:defRPr/>
             </a:lvl1pPr>
-            <a:lvl2pPr indent="-342900" lvl="1" marL="914400" algn="l">
+            <a:lvl2pPr marL="914400" lvl="1" indent="-342900" algn="l">
               <a:lnSpc>
                 <a:spcPct val="90000"/>
               </a:lnSpc>
@@ -2904,7 +3101,7 @@
               <a:buChar char="•"/>
               <a:defRPr/>
             </a:lvl2pPr>
-            <a:lvl3pPr indent="-342900" lvl="2" marL="1371600" algn="l">
+            <a:lvl3pPr marL="1371600" lvl="2" indent="-342900" algn="l">
               <a:lnSpc>
                 <a:spcPct val="90000"/>
               </a:lnSpc>
@@ -2921,7 +3118,7 @@
               <a:buChar char="•"/>
               <a:defRPr/>
             </a:lvl3pPr>
-            <a:lvl4pPr indent="-342900" lvl="3" marL="1828800" algn="l">
+            <a:lvl4pPr marL="1828800" lvl="3" indent="-342900" algn="l">
               <a:lnSpc>
                 <a:spcPct val="90000"/>
               </a:lnSpc>
@@ -2938,7 +3135,7 @@
               <a:buChar char="•"/>
               <a:defRPr/>
             </a:lvl4pPr>
-            <a:lvl5pPr indent="-342900" lvl="4" marL="2286000" algn="l">
+            <a:lvl5pPr marL="2286000" lvl="4" indent="-342900" algn="l">
               <a:lnSpc>
                 <a:spcPct val="90000"/>
               </a:lnSpc>
@@ -2955,7 +3152,7 @@
               <a:buChar char="•"/>
               <a:defRPr/>
             </a:lvl5pPr>
-            <a:lvl6pPr indent="-342900" lvl="5" marL="2743200" algn="l">
+            <a:lvl6pPr marL="2743200" lvl="5" indent="-342900" algn="l">
               <a:lnSpc>
                 <a:spcPct val="90000"/>
               </a:lnSpc>
@@ -2972,7 +3169,7 @@
               <a:buChar char="•"/>
               <a:defRPr/>
             </a:lvl6pPr>
-            <a:lvl7pPr indent="-342900" lvl="6" marL="3200400" algn="l">
+            <a:lvl7pPr marL="3200400" lvl="6" indent="-342900" algn="l">
               <a:lnSpc>
                 <a:spcPct val="90000"/>
               </a:lnSpc>
@@ -2989,7 +3186,7 @@
               <a:buChar char="•"/>
               <a:defRPr/>
             </a:lvl7pPr>
-            <a:lvl8pPr indent="-342900" lvl="7" marL="3657600" algn="l">
+            <a:lvl8pPr marL="3657600" lvl="7" indent="-342900" algn="l">
               <a:lnSpc>
                 <a:spcPct val="90000"/>
               </a:lnSpc>
@@ -3006,7 +3203,7 @@
               <a:buChar char="•"/>
               <a:defRPr/>
             </a:lvl8pPr>
-            <a:lvl9pPr indent="-342900" lvl="8" marL="4114800" algn="l">
+            <a:lvl9pPr marL="4114800" lvl="8" indent="-342900" algn="l">
               <a:lnSpc>
                 <a:spcPct val="90000"/>
               </a:lnSpc>
@@ -3024,15 +3221,19 @@
               <a:defRPr/>
             </a:lvl9pPr>
           </a:lstStyle>
-          <a:p/>
+          <a:p>
+            <a:endParaRPr/>
+          </a:p>
         </p:txBody>
       </p:sp>
       <p:sp>
         <p:nvSpPr>
           <p:cNvPr id="77" name="Google Shape;77;p18"/>
-          <p:cNvSpPr txBox="1"/>
+          <p:cNvSpPr txBox="1">
+            <a:spLocks noGrp="1"/>
+          </p:cNvSpPr>
           <p:nvPr>
-            <p:ph idx="10" type="dt"/>
+            <p:ph type="dt" idx="10"/>
           </p:nvPr>
         </p:nvSpPr>
         <p:spPr>
@@ -3049,7 +3250,7 @@
           </a:ln>
         </p:spPr>
         <p:txBody>
-          <a:bodyPr anchorCtr="0" anchor="ctr" bIns="45700" lIns="91425" spcFirstLastPara="1" rIns="91425" wrap="square" tIns="45700">
+          <a:bodyPr spcFirstLastPara="1" wrap="square" lIns="91425" tIns="45700" rIns="91425" bIns="45700" anchor="ctr" anchorCtr="0">
             <a:noAutofit/>
           </a:bodyPr>
           <a:lstStyle>
@@ -3153,15 +3354,19 @@
               <a:defRPr/>
             </a:lvl9pPr>
           </a:lstStyle>
-          <a:p/>
+          <a:p>
+            <a:endParaRPr/>
+          </a:p>
         </p:txBody>
       </p:sp>
       <p:sp>
         <p:nvSpPr>
           <p:cNvPr id="78" name="Google Shape;78;p18"/>
-          <p:cNvSpPr txBox="1"/>
+          <p:cNvSpPr txBox="1">
+            <a:spLocks noGrp="1"/>
+          </p:cNvSpPr>
           <p:nvPr>
-            <p:ph idx="11" type="ftr"/>
+            <p:ph type="ftr" idx="11"/>
           </p:nvPr>
         </p:nvSpPr>
         <p:spPr>
@@ -3178,7 +3383,7 @@
           </a:ln>
         </p:spPr>
         <p:txBody>
-          <a:bodyPr anchorCtr="0" anchor="ctr" bIns="45700" lIns="91425" spcFirstLastPara="1" rIns="91425" wrap="square" tIns="45700">
+          <a:bodyPr spcFirstLastPara="1" wrap="square" lIns="91425" tIns="45700" rIns="91425" bIns="45700" anchor="ctr" anchorCtr="0">
             <a:noAutofit/>
           </a:bodyPr>
           <a:lstStyle>
@@ -3282,15 +3487,19 @@
               <a:defRPr/>
             </a:lvl9pPr>
           </a:lstStyle>
-          <a:p/>
+          <a:p>
+            <a:endParaRPr/>
+          </a:p>
         </p:txBody>
       </p:sp>
       <p:sp>
         <p:nvSpPr>
           <p:cNvPr id="79" name="Google Shape;79;p18"/>
-          <p:cNvSpPr txBox="1"/>
+          <p:cNvSpPr txBox="1">
+            <a:spLocks noGrp="1"/>
+          </p:cNvSpPr>
           <p:nvPr>
-            <p:ph idx="12" type="sldNum"/>
+            <p:ph type="sldNum" idx="12"/>
           </p:nvPr>
         </p:nvSpPr>
         <p:spPr>
@@ -3307,67 +3516,67 @@
           </a:ln>
         </p:spPr>
         <p:txBody>
-          <a:bodyPr anchorCtr="0" anchor="ctr" bIns="45700" lIns="91425" spcFirstLastPara="1" rIns="91425" wrap="square" tIns="45700">
+          <a:bodyPr spcFirstLastPara="1" wrap="square" lIns="91425" tIns="45700" rIns="91425" bIns="45700" anchor="ctr" anchorCtr="0">
             <a:noAutofit/>
           </a:bodyPr>
           <a:lstStyle>
-            <a:lvl1pPr indent="0" lvl="0" marL="0" algn="r">
+            <a:lvl1pPr marL="0" lvl="0" indent="0" algn="r">
               <a:spcBef>
                 <a:spcPts val="0"/>
               </a:spcBef>
               <a:buNone/>
               <a:defRPr/>
             </a:lvl1pPr>
-            <a:lvl2pPr indent="0" lvl="1" marL="0" algn="r">
+            <a:lvl2pPr marL="0" lvl="1" indent="0" algn="r">
               <a:spcBef>
                 <a:spcPts val="0"/>
               </a:spcBef>
               <a:buNone/>
               <a:defRPr/>
             </a:lvl2pPr>
-            <a:lvl3pPr indent="0" lvl="2" marL="0" algn="r">
+            <a:lvl3pPr marL="0" lvl="2" indent="0" algn="r">
               <a:spcBef>
                 <a:spcPts val="0"/>
               </a:spcBef>
               <a:buNone/>
               <a:defRPr/>
             </a:lvl3pPr>
-            <a:lvl4pPr indent="0" lvl="3" marL="0" algn="r">
+            <a:lvl4pPr marL="0" lvl="3" indent="0" algn="r">
               <a:spcBef>
                 <a:spcPts val="0"/>
               </a:spcBef>
               <a:buNone/>
               <a:defRPr/>
             </a:lvl4pPr>
-            <a:lvl5pPr indent="0" lvl="4" marL="0" algn="r">
+            <a:lvl5pPr marL="0" lvl="4" indent="0" algn="r">
               <a:spcBef>
                 <a:spcPts val="0"/>
               </a:spcBef>
               <a:buNone/>
               <a:defRPr/>
             </a:lvl5pPr>
-            <a:lvl6pPr indent="0" lvl="5" marL="0" algn="r">
+            <a:lvl6pPr marL="0" lvl="5" indent="0" algn="r">
               <a:spcBef>
                 <a:spcPts val="0"/>
               </a:spcBef>
               <a:buNone/>
               <a:defRPr/>
             </a:lvl6pPr>
-            <a:lvl7pPr indent="0" lvl="6" marL="0" algn="r">
+            <a:lvl7pPr marL="0" lvl="6" indent="0" algn="r">
               <a:spcBef>
                 <a:spcPts val="0"/>
               </a:spcBef>
               <a:buNone/>
               <a:defRPr/>
             </a:lvl7pPr>
-            <a:lvl8pPr indent="0" lvl="7" marL="0" algn="r">
+            <a:lvl8pPr marL="0" lvl="7" indent="0" algn="r">
               <a:spcBef>
                 <a:spcPts val="0"/>
               </a:spcBef>
               <a:buNone/>
               <a:defRPr/>
             </a:lvl8pPr>
-            <a:lvl9pPr indent="0" lvl="8" marL="0" algn="r">
+            <a:lvl9pPr marL="0" lvl="8" indent="0" algn="r">
               <a:spcBef>
                 <a:spcPts val="0"/>
               </a:spcBef>
@@ -3376,7 +3585,7 @@
             </a:lvl9pPr>
           </a:lstStyle>
           <a:p>
-            <a:pPr indent="0" lvl="0" marL="0" rtl="0" algn="r">
+            <a:pPr marL="0" lvl="0" indent="0" algn="r" rtl="0">
               <a:spcBef>
                 <a:spcPts val="0"/>
               </a:spcBef>
@@ -3402,11 +3611,11 @@
 </file>
 
 <file path=ppt/slideLayouts/slideLayout2.xml><?xml version="1.0" encoding="utf-8"?>
-<p:sldLayout xmlns:a="http://schemas.openxmlformats.org/drawingml/2006/main" xmlns:r="http://schemas.openxmlformats.org/officeDocument/2006/relationships" xmlns:mc="http://schemas.openxmlformats.org/markup-compatibility/2006" xmlns:mv="urn:schemas-microsoft-com:mac:vml" xmlns:p="http://schemas.openxmlformats.org/presentationml/2006/main" xmlns:c="http://schemas.openxmlformats.org/drawingml/2006/chart" xmlns:dgm="http://schemas.openxmlformats.org/drawingml/2006/diagram" xmlns:o="urn:schemas-microsoft-com:office:office" xmlns:v="urn:schemas-microsoft-com:vml" xmlns:pvml="urn:schemas-microsoft-com:office:powerpoint" xmlns:com="http://schemas.openxmlformats.org/drawingml/2006/compatibility" xmlns:p14="http://schemas.microsoft.com/office/powerpoint/2010/main" xmlns:p15="http://schemas.microsoft.com/office/powerpoint/2012/main" matchingName="Титульный слайд" type="title">
+<p:sldLayout xmlns:a="http://schemas.openxmlformats.org/drawingml/2006/main" xmlns:r="http://schemas.openxmlformats.org/officeDocument/2006/relationships" xmlns:p="http://schemas.openxmlformats.org/presentationml/2006/main" matchingName="Титульный слайд" type="title">
   <p:cSld name="TITLE">
     <p:spTree>
       <p:nvGrpSpPr>
-        <p:cNvPr id="17" name="Shape 17"/>
+        <p:cNvPr id="1" name="Shape 17"/>
         <p:cNvGrpSpPr/>
         <p:nvPr/>
       </p:nvGrpSpPr>
@@ -3421,7 +3630,9 @@
       <p:sp>
         <p:nvSpPr>
           <p:cNvPr id="18" name="Google Shape;18;p9"/>
-          <p:cNvSpPr txBox="1"/>
+          <p:cNvSpPr txBox="1">
+            <a:spLocks noGrp="1"/>
+          </p:cNvSpPr>
           <p:nvPr>
             <p:ph type="ctrTitle"/>
           </p:nvPr>
@@ -3440,7 +3651,7 @@
           </a:ln>
         </p:spPr>
         <p:txBody>
-          <a:bodyPr anchorCtr="0" anchor="b" bIns="45700" lIns="91425" spcFirstLastPara="1" rIns="91425" wrap="square" tIns="45700">
+          <a:bodyPr spcFirstLastPara="1" wrap="square" lIns="91425" tIns="45700" rIns="91425" bIns="45700" anchor="b" anchorCtr="0">
             <a:normAutofit/>
           </a:bodyPr>
           <a:lstStyle>
@@ -3551,15 +3762,19 @@
               <a:defRPr/>
             </a:lvl9pPr>
           </a:lstStyle>
-          <a:p/>
+          <a:p>
+            <a:endParaRPr/>
+          </a:p>
         </p:txBody>
       </p:sp>
       <p:sp>
         <p:nvSpPr>
           <p:cNvPr id="19" name="Google Shape;19;p9"/>
-          <p:cNvSpPr txBox="1"/>
+          <p:cNvSpPr txBox="1">
+            <a:spLocks noGrp="1"/>
+          </p:cNvSpPr>
           <p:nvPr>
-            <p:ph idx="1" type="subTitle"/>
+            <p:ph type="subTitle" idx="1"/>
           </p:nvPr>
         </p:nvSpPr>
         <p:spPr>
@@ -3576,7 +3791,7 @@
           </a:ln>
         </p:spPr>
         <p:txBody>
-          <a:bodyPr anchorCtr="0" anchor="t" bIns="45700" lIns="91425" spcFirstLastPara="1" rIns="91425" wrap="square" tIns="45700">
+          <a:bodyPr spcFirstLastPara="1" wrap="square" lIns="91425" tIns="45700" rIns="91425" bIns="45700" anchor="t" anchorCtr="0">
             <a:normAutofit/>
           </a:bodyPr>
           <a:lstStyle>
@@ -3734,15 +3949,19 @@
               <a:defRPr sz="1600"/>
             </a:lvl9pPr>
           </a:lstStyle>
-          <a:p/>
+          <a:p>
+            <a:endParaRPr/>
+          </a:p>
         </p:txBody>
       </p:sp>
       <p:sp>
         <p:nvSpPr>
           <p:cNvPr id="20" name="Google Shape;20;p9"/>
-          <p:cNvSpPr txBox="1"/>
+          <p:cNvSpPr txBox="1">
+            <a:spLocks noGrp="1"/>
+          </p:cNvSpPr>
           <p:nvPr>
-            <p:ph idx="10" type="dt"/>
+            <p:ph type="dt" idx="10"/>
           </p:nvPr>
         </p:nvSpPr>
         <p:spPr>
@@ -3759,7 +3978,7 @@
           </a:ln>
         </p:spPr>
         <p:txBody>
-          <a:bodyPr anchorCtr="0" anchor="ctr" bIns="45700" lIns="91425" spcFirstLastPara="1" rIns="91425" wrap="square" tIns="45700">
+          <a:bodyPr spcFirstLastPara="1" wrap="square" lIns="91425" tIns="45700" rIns="91425" bIns="45700" anchor="ctr" anchorCtr="0">
             <a:noAutofit/>
           </a:bodyPr>
           <a:lstStyle>
@@ -3863,15 +4082,19 @@
               <a:defRPr/>
             </a:lvl9pPr>
           </a:lstStyle>
-          <a:p/>
+          <a:p>
+            <a:endParaRPr/>
+          </a:p>
         </p:txBody>
       </p:sp>
       <p:sp>
         <p:nvSpPr>
           <p:cNvPr id="21" name="Google Shape;21;p9"/>
-          <p:cNvSpPr txBox="1"/>
+          <p:cNvSpPr txBox="1">
+            <a:spLocks noGrp="1"/>
+          </p:cNvSpPr>
           <p:nvPr>
-            <p:ph idx="11" type="ftr"/>
+            <p:ph type="ftr" idx="11"/>
           </p:nvPr>
         </p:nvSpPr>
         <p:spPr>
@@ -3888,7 +4111,7 @@
           </a:ln>
         </p:spPr>
         <p:txBody>
-          <a:bodyPr anchorCtr="0" anchor="ctr" bIns="45700" lIns="91425" spcFirstLastPara="1" rIns="91425" wrap="square" tIns="45700">
+          <a:bodyPr spcFirstLastPara="1" wrap="square" lIns="91425" tIns="45700" rIns="91425" bIns="45700" anchor="ctr" anchorCtr="0">
             <a:noAutofit/>
           </a:bodyPr>
           <a:lstStyle>
@@ -3992,15 +4215,19 @@
               <a:defRPr/>
             </a:lvl9pPr>
           </a:lstStyle>
-          <a:p/>
+          <a:p>
+            <a:endParaRPr/>
+          </a:p>
         </p:txBody>
       </p:sp>
       <p:sp>
         <p:nvSpPr>
           <p:cNvPr id="22" name="Google Shape;22;p9"/>
-          <p:cNvSpPr txBox="1"/>
+          <p:cNvSpPr txBox="1">
+            <a:spLocks noGrp="1"/>
+          </p:cNvSpPr>
           <p:nvPr>
-            <p:ph idx="12" type="sldNum"/>
+            <p:ph type="sldNum" idx="12"/>
           </p:nvPr>
         </p:nvSpPr>
         <p:spPr>
@@ -4017,67 +4244,67 @@
           </a:ln>
         </p:spPr>
         <p:txBody>
-          <a:bodyPr anchorCtr="0" anchor="ctr" bIns="45700" lIns="91425" spcFirstLastPara="1" rIns="91425" wrap="square" tIns="45700">
+          <a:bodyPr spcFirstLastPara="1" wrap="square" lIns="91425" tIns="45700" rIns="91425" bIns="45700" anchor="ctr" anchorCtr="0">
             <a:noAutofit/>
           </a:bodyPr>
           <a:lstStyle>
-            <a:lvl1pPr indent="0" lvl="0" marL="0" algn="r">
+            <a:lvl1pPr marL="0" lvl="0" indent="0" algn="r">
               <a:spcBef>
                 <a:spcPts val="0"/>
               </a:spcBef>
               <a:buNone/>
               <a:defRPr/>
             </a:lvl1pPr>
-            <a:lvl2pPr indent="0" lvl="1" marL="0" algn="r">
+            <a:lvl2pPr marL="0" lvl="1" indent="0" algn="r">
               <a:spcBef>
                 <a:spcPts val="0"/>
               </a:spcBef>
               <a:buNone/>
               <a:defRPr/>
             </a:lvl2pPr>
-            <a:lvl3pPr indent="0" lvl="2" marL="0" algn="r">
+            <a:lvl3pPr marL="0" lvl="2" indent="0" algn="r">
               <a:spcBef>
                 <a:spcPts val="0"/>
               </a:spcBef>
               <a:buNone/>
               <a:defRPr/>
             </a:lvl3pPr>
-            <a:lvl4pPr indent="0" lvl="3" marL="0" algn="r">
+            <a:lvl4pPr marL="0" lvl="3" indent="0" algn="r">
               <a:spcBef>
                 <a:spcPts val="0"/>
               </a:spcBef>
               <a:buNone/>
               <a:defRPr/>
             </a:lvl4pPr>
-            <a:lvl5pPr indent="0" lvl="4" marL="0" algn="r">
+            <a:lvl5pPr marL="0" lvl="4" indent="0" algn="r">
               <a:spcBef>
                 <a:spcPts val="0"/>
               </a:spcBef>
               <a:buNone/>
               <a:defRPr/>
             </a:lvl5pPr>
-            <a:lvl6pPr indent="0" lvl="5" marL="0" algn="r">
+            <a:lvl6pPr marL="0" lvl="5" indent="0" algn="r">
               <a:spcBef>
                 <a:spcPts val="0"/>
               </a:spcBef>
               <a:buNone/>
               <a:defRPr/>
             </a:lvl6pPr>
-            <a:lvl7pPr indent="0" lvl="6" marL="0" algn="r">
+            <a:lvl7pPr marL="0" lvl="6" indent="0" algn="r">
               <a:spcBef>
                 <a:spcPts val="0"/>
               </a:spcBef>
               <a:buNone/>
               <a:defRPr/>
             </a:lvl7pPr>
-            <a:lvl8pPr indent="0" lvl="7" marL="0" algn="r">
+            <a:lvl8pPr marL="0" lvl="7" indent="0" algn="r">
               <a:spcBef>
                 <a:spcPts val="0"/>
               </a:spcBef>
               <a:buNone/>
               <a:defRPr/>
             </a:lvl8pPr>
-            <a:lvl9pPr indent="0" lvl="8" marL="0" algn="r">
+            <a:lvl9pPr marL="0" lvl="8" indent="0" algn="r">
               <a:spcBef>
                 <a:spcPts val="0"/>
               </a:spcBef>
@@ -4086,7 +4313,7 @@
             </a:lvl9pPr>
           </a:lstStyle>
           <a:p>
-            <a:pPr indent="0" lvl="0" marL="0" rtl="0" algn="r">
+            <a:pPr marL="0" lvl="0" indent="0" algn="r" rtl="0">
               <a:spcBef>
                 <a:spcPts val="0"/>
               </a:spcBef>
@@ -4112,11 +4339,11 @@
 </file>
 
 <file path=ppt/slideLayouts/slideLayout3.xml><?xml version="1.0" encoding="utf-8"?>
-<p:sldLayout xmlns:a="http://schemas.openxmlformats.org/drawingml/2006/main" xmlns:r="http://schemas.openxmlformats.org/officeDocument/2006/relationships" xmlns:mc="http://schemas.openxmlformats.org/markup-compatibility/2006" xmlns:mv="urn:schemas-microsoft-com:mac:vml" xmlns:p="http://schemas.openxmlformats.org/presentationml/2006/main" xmlns:c="http://schemas.openxmlformats.org/drawingml/2006/chart" xmlns:dgm="http://schemas.openxmlformats.org/drawingml/2006/diagram" xmlns:o="urn:schemas-microsoft-com:office:office" xmlns:v="urn:schemas-microsoft-com:vml" xmlns:pvml="urn:schemas-microsoft-com:office:powerpoint" xmlns:com="http://schemas.openxmlformats.org/drawingml/2006/compatibility" xmlns:p14="http://schemas.microsoft.com/office/powerpoint/2010/main" xmlns:p15="http://schemas.microsoft.com/office/powerpoint/2012/main" matchingName="Заголовок раздела" type="secHead">
+<p:sldLayout xmlns:a="http://schemas.openxmlformats.org/drawingml/2006/main" xmlns:r="http://schemas.openxmlformats.org/officeDocument/2006/relationships" xmlns:p="http://schemas.openxmlformats.org/presentationml/2006/main" matchingName="Заголовок раздела" type="secHead">
   <p:cSld name="SECTION_HEADER">
     <p:spTree>
       <p:nvGrpSpPr>
-        <p:cNvPr id="23" name="Shape 23"/>
+        <p:cNvPr id="1" name="Shape 23"/>
         <p:cNvGrpSpPr/>
         <p:nvPr/>
       </p:nvGrpSpPr>
@@ -4131,7 +4358,9 @@
       <p:sp>
         <p:nvSpPr>
           <p:cNvPr id="24" name="Google Shape;24;p10"/>
-          <p:cNvSpPr txBox="1"/>
+          <p:cNvSpPr txBox="1">
+            <a:spLocks noGrp="1"/>
+          </p:cNvSpPr>
           <p:nvPr>
             <p:ph type="title"/>
           </p:nvPr>
@@ -4150,7 +4379,7 @@
           </a:ln>
         </p:spPr>
         <p:txBody>
-          <a:bodyPr anchorCtr="0" anchor="b" bIns="45700" lIns="91425" spcFirstLastPara="1" rIns="91425" wrap="square" tIns="45700">
+          <a:bodyPr spcFirstLastPara="1" wrap="square" lIns="91425" tIns="45700" rIns="91425" bIns="45700" anchor="b" anchorCtr="0">
             <a:normAutofit/>
           </a:bodyPr>
           <a:lstStyle>
@@ -4261,15 +4490,19 @@
               <a:defRPr/>
             </a:lvl9pPr>
           </a:lstStyle>
-          <a:p/>
+          <a:p>
+            <a:endParaRPr/>
+          </a:p>
         </p:txBody>
       </p:sp>
       <p:sp>
         <p:nvSpPr>
           <p:cNvPr id="25" name="Google Shape;25;p10"/>
-          <p:cNvSpPr txBox="1"/>
+          <p:cNvSpPr txBox="1">
+            <a:spLocks noGrp="1"/>
+          </p:cNvSpPr>
           <p:nvPr>
-            <p:ph idx="1" type="body"/>
+            <p:ph type="body" idx="1"/>
           </p:nvPr>
         </p:nvSpPr>
         <p:spPr>
@@ -4286,11 +4519,11 @@
           </a:ln>
         </p:spPr>
         <p:txBody>
-          <a:bodyPr anchorCtr="0" anchor="t" bIns="45700" lIns="91425" spcFirstLastPara="1" rIns="91425" wrap="square" tIns="45700">
+          <a:bodyPr spcFirstLastPara="1" wrap="square" lIns="91425" tIns="45700" rIns="91425" bIns="45700" anchor="t" anchorCtr="0">
             <a:normAutofit/>
           </a:bodyPr>
           <a:lstStyle>
-            <a:lvl1pPr indent="-228600" lvl="0" marL="457200" algn="l">
+            <a:lvl1pPr marL="457200" lvl="0" indent="-228600" algn="l">
               <a:lnSpc>
                 <a:spcPct val="90000"/>
               </a:lnSpc>
@@ -4311,7 +4544,7 @@
                 </a:solidFill>
               </a:defRPr>
             </a:lvl1pPr>
-            <a:lvl2pPr indent="-228600" lvl="1" marL="914400" algn="l">
+            <a:lvl2pPr marL="914400" lvl="1" indent="-228600" algn="l">
               <a:lnSpc>
                 <a:spcPct val="90000"/>
               </a:lnSpc>
@@ -4332,7 +4565,7 @@
                 </a:solidFill>
               </a:defRPr>
             </a:lvl2pPr>
-            <a:lvl3pPr indent="-228600" lvl="2" marL="1371600" algn="l">
+            <a:lvl3pPr marL="1371600" lvl="2" indent="-228600" algn="l">
               <a:lnSpc>
                 <a:spcPct val="90000"/>
               </a:lnSpc>
@@ -4353,7 +4586,7 @@
                 </a:solidFill>
               </a:defRPr>
             </a:lvl3pPr>
-            <a:lvl4pPr indent="-228600" lvl="3" marL="1828800" algn="l">
+            <a:lvl4pPr marL="1828800" lvl="3" indent="-228600" algn="l">
               <a:lnSpc>
                 <a:spcPct val="90000"/>
               </a:lnSpc>
@@ -4374,7 +4607,7 @@
                 </a:solidFill>
               </a:defRPr>
             </a:lvl4pPr>
-            <a:lvl5pPr indent="-228600" lvl="4" marL="2286000" algn="l">
+            <a:lvl5pPr marL="2286000" lvl="4" indent="-228600" algn="l">
               <a:lnSpc>
                 <a:spcPct val="90000"/>
               </a:lnSpc>
@@ -4395,7 +4628,7 @@
                 </a:solidFill>
               </a:defRPr>
             </a:lvl5pPr>
-            <a:lvl6pPr indent="-228600" lvl="5" marL="2743200" algn="l">
+            <a:lvl6pPr marL="2743200" lvl="5" indent="-228600" algn="l">
               <a:lnSpc>
                 <a:spcPct val="90000"/>
               </a:lnSpc>
@@ -4416,7 +4649,7 @@
                 </a:solidFill>
               </a:defRPr>
             </a:lvl6pPr>
-            <a:lvl7pPr indent="-228600" lvl="6" marL="3200400" algn="l">
+            <a:lvl7pPr marL="3200400" lvl="6" indent="-228600" algn="l">
               <a:lnSpc>
                 <a:spcPct val="90000"/>
               </a:lnSpc>
@@ -4437,7 +4670,7 @@
                 </a:solidFill>
               </a:defRPr>
             </a:lvl7pPr>
-            <a:lvl8pPr indent="-228600" lvl="7" marL="3657600" algn="l">
+            <a:lvl8pPr marL="3657600" lvl="7" indent="-228600" algn="l">
               <a:lnSpc>
                 <a:spcPct val="90000"/>
               </a:lnSpc>
@@ -4458,7 +4691,7 @@
                 </a:solidFill>
               </a:defRPr>
             </a:lvl8pPr>
-            <a:lvl9pPr indent="-228600" lvl="8" marL="4114800" algn="l">
+            <a:lvl9pPr marL="4114800" lvl="8" indent="-228600" algn="l">
               <a:lnSpc>
                 <a:spcPct val="90000"/>
               </a:lnSpc>
@@ -4480,15 +4713,19 @@
               </a:defRPr>
             </a:lvl9pPr>
           </a:lstStyle>
-          <a:p/>
+          <a:p>
+            <a:endParaRPr/>
+          </a:p>
         </p:txBody>
       </p:sp>
       <p:sp>
         <p:nvSpPr>
           <p:cNvPr id="26" name="Google Shape;26;p10"/>
-          <p:cNvSpPr txBox="1"/>
+          <p:cNvSpPr txBox="1">
+            <a:spLocks noGrp="1"/>
+          </p:cNvSpPr>
           <p:nvPr>
-            <p:ph idx="10" type="dt"/>
+            <p:ph type="dt" idx="10"/>
           </p:nvPr>
         </p:nvSpPr>
         <p:spPr>
@@ -4505,7 +4742,7 @@
           </a:ln>
         </p:spPr>
         <p:txBody>
-          <a:bodyPr anchorCtr="0" anchor="ctr" bIns="45700" lIns="91425" spcFirstLastPara="1" rIns="91425" wrap="square" tIns="45700">
+          <a:bodyPr spcFirstLastPara="1" wrap="square" lIns="91425" tIns="45700" rIns="91425" bIns="45700" anchor="ctr" anchorCtr="0">
             <a:noAutofit/>
           </a:bodyPr>
           <a:lstStyle>
@@ -4609,15 +4846,19 @@
               <a:defRPr/>
             </a:lvl9pPr>
           </a:lstStyle>
-          <a:p/>
+          <a:p>
+            <a:endParaRPr/>
+          </a:p>
         </p:txBody>
       </p:sp>
       <p:sp>
         <p:nvSpPr>
           <p:cNvPr id="27" name="Google Shape;27;p10"/>
-          <p:cNvSpPr txBox="1"/>
+          <p:cNvSpPr txBox="1">
+            <a:spLocks noGrp="1"/>
+          </p:cNvSpPr>
           <p:nvPr>
-            <p:ph idx="11" type="ftr"/>
+            <p:ph type="ftr" idx="11"/>
           </p:nvPr>
         </p:nvSpPr>
         <p:spPr>
@@ -4634,7 +4875,7 @@
           </a:ln>
         </p:spPr>
         <p:txBody>
-          <a:bodyPr anchorCtr="0" anchor="ctr" bIns="45700" lIns="91425" spcFirstLastPara="1" rIns="91425" wrap="square" tIns="45700">
+          <a:bodyPr spcFirstLastPara="1" wrap="square" lIns="91425" tIns="45700" rIns="91425" bIns="45700" anchor="ctr" anchorCtr="0">
             <a:noAutofit/>
           </a:bodyPr>
           <a:lstStyle>
@@ -4738,15 +4979,19 @@
               <a:defRPr/>
             </a:lvl9pPr>
           </a:lstStyle>
-          <a:p/>
+          <a:p>
+            <a:endParaRPr/>
+          </a:p>
         </p:txBody>
       </p:sp>
       <p:sp>
         <p:nvSpPr>
           <p:cNvPr id="28" name="Google Shape;28;p10"/>
-          <p:cNvSpPr txBox="1"/>
+          <p:cNvSpPr txBox="1">
+            <a:spLocks noGrp="1"/>
+          </p:cNvSpPr>
           <p:nvPr>
-            <p:ph idx="12" type="sldNum"/>
+            <p:ph type="sldNum" idx="12"/>
           </p:nvPr>
         </p:nvSpPr>
         <p:spPr>
@@ -4763,67 +5008,67 @@
           </a:ln>
         </p:spPr>
         <p:txBody>
-          <a:bodyPr anchorCtr="0" anchor="ctr" bIns="45700" lIns="91425" spcFirstLastPara="1" rIns="91425" wrap="square" tIns="45700">
+          <a:bodyPr spcFirstLastPara="1" wrap="square" lIns="91425" tIns="45700" rIns="91425" bIns="45700" anchor="ctr" anchorCtr="0">
             <a:noAutofit/>
           </a:bodyPr>
           <a:lstStyle>
-            <a:lvl1pPr indent="0" lvl="0" marL="0" algn="r">
+            <a:lvl1pPr marL="0" lvl="0" indent="0" algn="r">
               <a:spcBef>
                 <a:spcPts val="0"/>
               </a:spcBef>
               <a:buNone/>
               <a:defRPr/>
             </a:lvl1pPr>
-            <a:lvl2pPr indent="0" lvl="1" marL="0" algn="r">
+            <a:lvl2pPr marL="0" lvl="1" indent="0" algn="r">
               <a:spcBef>
                 <a:spcPts val="0"/>
               </a:spcBef>
               <a:buNone/>
               <a:defRPr/>
             </a:lvl2pPr>
-            <a:lvl3pPr indent="0" lvl="2" marL="0" algn="r">
+            <a:lvl3pPr marL="0" lvl="2" indent="0" algn="r">
               <a:spcBef>
                 <a:spcPts val="0"/>
               </a:spcBef>
               <a:buNone/>
               <a:defRPr/>
             </a:lvl3pPr>
-            <a:lvl4pPr indent="0" lvl="3" marL="0" algn="r">
+            <a:lvl4pPr marL="0" lvl="3" indent="0" algn="r">
               <a:spcBef>
                 <a:spcPts val="0"/>
               </a:spcBef>
               <a:buNone/>
               <a:defRPr/>
             </a:lvl4pPr>
-            <a:lvl5pPr indent="0" lvl="4" marL="0" algn="r">
+            <a:lvl5pPr marL="0" lvl="4" indent="0" algn="r">
               <a:spcBef>
                 <a:spcPts val="0"/>
               </a:spcBef>
               <a:buNone/>
               <a:defRPr/>
             </a:lvl5pPr>
-            <a:lvl6pPr indent="0" lvl="5" marL="0" algn="r">
+            <a:lvl6pPr marL="0" lvl="5" indent="0" algn="r">
               <a:spcBef>
                 <a:spcPts val="0"/>
               </a:spcBef>
               <a:buNone/>
               <a:defRPr/>
             </a:lvl6pPr>
-            <a:lvl7pPr indent="0" lvl="6" marL="0" algn="r">
+            <a:lvl7pPr marL="0" lvl="6" indent="0" algn="r">
               <a:spcBef>
                 <a:spcPts val="0"/>
               </a:spcBef>
               <a:buNone/>
               <a:defRPr/>
             </a:lvl7pPr>
-            <a:lvl8pPr indent="0" lvl="7" marL="0" algn="r">
+            <a:lvl8pPr marL="0" lvl="7" indent="0" algn="r">
               <a:spcBef>
                 <a:spcPts val="0"/>
               </a:spcBef>
               <a:buNone/>
               <a:defRPr/>
             </a:lvl8pPr>
-            <a:lvl9pPr indent="0" lvl="8" marL="0" algn="r">
+            <a:lvl9pPr marL="0" lvl="8" indent="0" algn="r">
               <a:spcBef>
                 <a:spcPts val="0"/>
               </a:spcBef>
@@ -4832,7 +5077,7 @@
             </a:lvl9pPr>
           </a:lstStyle>
           <a:p>
-            <a:pPr indent="0" lvl="0" marL="0" rtl="0" algn="r">
+            <a:pPr marL="0" lvl="0" indent="0" algn="r" rtl="0">
               <a:spcBef>
                 <a:spcPts val="0"/>
               </a:spcBef>
@@ -4858,11 +5103,11 @@
 </file>
 
 <file path=ppt/slideLayouts/slideLayout4.xml><?xml version="1.0" encoding="utf-8"?>
-<p:sldLayout xmlns:a="http://schemas.openxmlformats.org/drawingml/2006/main" xmlns:r="http://schemas.openxmlformats.org/officeDocument/2006/relationships" xmlns:mc="http://schemas.openxmlformats.org/markup-compatibility/2006" xmlns:mv="urn:schemas-microsoft-com:mac:vml" xmlns:p="http://schemas.openxmlformats.org/presentationml/2006/main" xmlns:c="http://schemas.openxmlformats.org/drawingml/2006/chart" xmlns:dgm="http://schemas.openxmlformats.org/drawingml/2006/diagram" xmlns:o="urn:schemas-microsoft-com:office:office" xmlns:v="urn:schemas-microsoft-com:vml" xmlns:pvml="urn:schemas-microsoft-com:office:powerpoint" xmlns:com="http://schemas.openxmlformats.org/drawingml/2006/compatibility" xmlns:p14="http://schemas.microsoft.com/office/powerpoint/2010/main" xmlns:p15="http://schemas.microsoft.com/office/powerpoint/2012/main" matchingName="Два объекта" type="twoObj">
+<p:sldLayout xmlns:a="http://schemas.openxmlformats.org/drawingml/2006/main" xmlns:r="http://schemas.openxmlformats.org/officeDocument/2006/relationships" xmlns:p="http://schemas.openxmlformats.org/presentationml/2006/main" matchingName="Два объекта" type="twoObj">
   <p:cSld name="TWO_OBJECTS">
     <p:spTree>
       <p:nvGrpSpPr>
-        <p:cNvPr id="29" name="Shape 29"/>
+        <p:cNvPr id="1" name="Shape 29"/>
         <p:cNvGrpSpPr/>
         <p:nvPr/>
       </p:nvGrpSpPr>
@@ -4877,7 +5122,9 @@
       <p:sp>
         <p:nvSpPr>
           <p:cNvPr id="30" name="Google Shape;30;p11"/>
-          <p:cNvSpPr txBox="1"/>
+          <p:cNvSpPr txBox="1">
+            <a:spLocks noGrp="1"/>
+          </p:cNvSpPr>
           <p:nvPr>
             <p:ph type="title"/>
           </p:nvPr>
@@ -4896,7 +5143,7 @@
           </a:ln>
         </p:spPr>
         <p:txBody>
-          <a:bodyPr anchorCtr="0" anchor="ctr" bIns="45700" lIns="91425" spcFirstLastPara="1" rIns="91425" wrap="square" tIns="45700">
+          <a:bodyPr spcFirstLastPara="1" wrap="square" lIns="91425" tIns="45700" rIns="91425" bIns="45700" anchor="ctr" anchorCtr="0">
             <a:normAutofit/>
           </a:bodyPr>
           <a:lstStyle>
@@ -5006,15 +5253,19 @@
               <a:defRPr/>
             </a:lvl9pPr>
           </a:lstStyle>
-          <a:p/>
+          <a:p>
+            <a:endParaRPr/>
+          </a:p>
         </p:txBody>
       </p:sp>
       <p:sp>
         <p:nvSpPr>
           <p:cNvPr id="31" name="Google Shape;31;p11"/>
-          <p:cNvSpPr txBox="1"/>
+          <p:cNvSpPr txBox="1">
+            <a:spLocks noGrp="1"/>
+          </p:cNvSpPr>
           <p:nvPr>
-            <p:ph idx="1" type="body"/>
+            <p:ph type="body" idx="1"/>
           </p:nvPr>
         </p:nvSpPr>
         <p:spPr>
@@ -5031,11 +5282,11 @@
           </a:ln>
         </p:spPr>
         <p:txBody>
-          <a:bodyPr anchorCtr="0" anchor="t" bIns="45700" lIns="91425" spcFirstLastPara="1" rIns="91425" wrap="square" tIns="45700">
+          <a:bodyPr spcFirstLastPara="1" wrap="square" lIns="91425" tIns="45700" rIns="91425" bIns="45700" anchor="t" anchorCtr="0">
             <a:normAutofit/>
           </a:bodyPr>
           <a:lstStyle>
-            <a:lvl1pPr indent="-342900" lvl="0" marL="457200" algn="l">
+            <a:lvl1pPr marL="457200" lvl="0" indent="-342900" algn="l">
               <a:lnSpc>
                 <a:spcPct val="90000"/>
               </a:lnSpc>
@@ -5052,7 +5303,7 @@
               <a:buChar char="•"/>
               <a:defRPr/>
             </a:lvl1pPr>
-            <a:lvl2pPr indent="-342900" lvl="1" marL="914400" algn="l">
+            <a:lvl2pPr marL="914400" lvl="1" indent="-342900" algn="l">
               <a:lnSpc>
                 <a:spcPct val="90000"/>
               </a:lnSpc>
@@ -5069,7 +5320,7 @@
               <a:buChar char="•"/>
               <a:defRPr/>
             </a:lvl2pPr>
-            <a:lvl3pPr indent="-342900" lvl="2" marL="1371600" algn="l">
+            <a:lvl3pPr marL="1371600" lvl="2" indent="-342900" algn="l">
               <a:lnSpc>
                 <a:spcPct val="90000"/>
               </a:lnSpc>
@@ -5086,7 +5337,7 @@
               <a:buChar char="•"/>
               <a:defRPr/>
             </a:lvl3pPr>
-            <a:lvl4pPr indent="-342900" lvl="3" marL="1828800" algn="l">
+            <a:lvl4pPr marL="1828800" lvl="3" indent="-342900" algn="l">
               <a:lnSpc>
                 <a:spcPct val="90000"/>
               </a:lnSpc>
@@ -5103,7 +5354,7 @@
               <a:buChar char="•"/>
               <a:defRPr/>
             </a:lvl4pPr>
-            <a:lvl5pPr indent="-342900" lvl="4" marL="2286000" algn="l">
+            <a:lvl5pPr marL="2286000" lvl="4" indent="-342900" algn="l">
               <a:lnSpc>
                 <a:spcPct val="90000"/>
               </a:lnSpc>
@@ -5120,7 +5371,7 @@
               <a:buChar char="•"/>
               <a:defRPr/>
             </a:lvl5pPr>
-            <a:lvl6pPr indent="-342900" lvl="5" marL="2743200" algn="l">
+            <a:lvl6pPr marL="2743200" lvl="5" indent="-342900" algn="l">
               <a:lnSpc>
                 <a:spcPct val="90000"/>
               </a:lnSpc>
@@ -5137,7 +5388,7 @@
               <a:buChar char="•"/>
               <a:defRPr/>
             </a:lvl6pPr>
-            <a:lvl7pPr indent="-342900" lvl="6" marL="3200400" algn="l">
+            <a:lvl7pPr marL="3200400" lvl="6" indent="-342900" algn="l">
               <a:lnSpc>
                 <a:spcPct val="90000"/>
               </a:lnSpc>
@@ -5154,7 +5405,7 @@
               <a:buChar char="•"/>
               <a:defRPr/>
             </a:lvl7pPr>
-            <a:lvl8pPr indent="-342900" lvl="7" marL="3657600" algn="l">
+            <a:lvl8pPr marL="3657600" lvl="7" indent="-342900" algn="l">
               <a:lnSpc>
                 <a:spcPct val="90000"/>
               </a:lnSpc>
@@ -5171,7 +5422,7 @@
               <a:buChar char="•"/>
               <a:defRPr/>
             </a:lvl8pPr>
-            <a:lvl9pPr indent="-342900" lvl="8" marL="4114800" algn="l">
+            <a:lvl9pPr marL="4114800" lvl="8" indent="-342900" algn="l">
               <a:lnSpc>
                 <a:spcPct val="90000"/>
               </a:lnSpc>
@@ -5189,15 +5440,19 @@
               <a:defRPr/>
             </a:lvl9pPr>
           </a:lstStyle>
-          <a:p/>
+          <a:p>
+            <a:endParaRPr/>
+          </a:p>
         </p:txBody>
       </p:sp>
       <p:sp>
         <p:nvSpPr>
           <p:cNvPr id="32" name="Google Shape;32;p11"/>
-          <p:cNvSpPr txBox="1"/>
+          <p:cNvSpPr txBox="1">
+            <a:spLocks noGrp="1"/>
+          </p:cNvSpPr>
           <p:nvPr>
-            <p:ph idx="2" type="body"/>
+            <p:ph type="body" idx="2"/>
           </p:nvPr>
         </p:nvSpPr>
         <p:spPr>
@@ -5214,11 +5469,11 @@
           </a:ln>
         </p:spPr>
         <p:txBody>
-          <a:bodyPr anchorCtr="0" anchor="t" bIns="45700" lIns="91425" spcFirstLastPara="1" rIns="91425" wrap="square" tIns="45700">
+          <a:bodyPr spcFirstLastPara="1" wrap="square" lIns="91425" tIns="45700" rIns="91425" bIns="45700" anchor="t" anchorCtr="0">
             <a:normAutofit/>
           </a:bodyPr>
           <a:lstStyle>
-            <a:lvl1pPr indent="-342900" lvl="0" marL="457200" algn="l">
+            <a:lvl1pPr marL="457200" lvl="0" indent="-342900" algn="l">
               <a:lnSpc>
                 <a:spcPct val="90000"/>
               </a:lnSpc>
@@ -5235,7 +5490,7 @@
               <a:buChar char="•"/>
               <a:defRPr/>
             </a:lvl1pPr>
-            <a:lvl2pPr indent="-342900" lvl="1" marL="914400" algn="l">
+            <a:lvl2pPr marL="914400" lvl="1" indent="-342900" algn="l">
               <a:lnSpc>
                 <a:spcPct val="90000"/>
               </a:lnSpc>
@@ -5252,7 +5507,7 @@
               <a:buChar char="•"/>
               <a:defRPr/>
             </a:lvl2pPr>
-            <a:lvl3pPr indent="-342900" lvl="2" marL="1371600" algn="l">
+            <a:lvl3pPr marL="1371600" lvl="2" indent="-342900" algn="l">
               <a:lnSpc>
                 <a:spcPct val="90000"/>
               </a:lnSpc>
@@ -5269,7 +5524,7 @@
               <a:buChar char="•"/>
               <a:defRPr/>
             </a:lvl3pPr>
-            <a:lvl4pPr indent="-342900" lvl="3" marL="1828800" algn="l">
+            <a:lvl4pPr marL="1828800" lvl="3" indent="-342900" algn="l">
               <a:lnSpc>
                 <a:spcPct val="90000"/>
               </a:lnSpc>
@@ -5286,7 +5541,7 @@
               <a:buChar char="•"/>
               <a:defRPr/>
             </a:lvl4pPr>
-            <a:lvl5pPr indent="-342900" lvl="4" marL="2286000" algn="l">
+            <a:lvl5pPr marL="2286000" lvl="4" indent="-342900" algn="l">
               <a:lnSpc>
                 <a:spcPct val="90000"/>
               </a:lnSpc>
@@ -5303,7 +5558,7 @@
               <a:buChar char="•"/>
               <a:defRPr/>
             </a:lvl5pPr>
-            <a:lvl6pPr indent="-342900" lvl="5" marL="2743200" algn="l">
+            <a:lvl6pPr marL="2743200" lvl="5" indent="-342900" algn="l">
               <a:lnSpc>
                 <a:spcPct val="90000"/>
               </a:lnSpc>
@@ -5320,7 +5575,7 @@
               <a:buChar char="•"/>
               <a:defRPr/>
             </a:lvl6pPr>
-            <a:lvl7pPr indent="-342900" lvl="6" marL="3200400" algn="l">
+            <a:lvl7pPr marL="3200400" lvl="6" indent="-342900" algn="l">
               <a:lnSpc>
                 <a:spcPct val="90000"/>
               </a:lnSpc>
@@ -5337,7 +5592,7 @@
               <a:buChar char="•"/>
               <a:defRPr/>
             </a:lvl7pPr>
-            <a:lvl8pPr indent="-342900" lvl="7" marL="3657600" algn="l">
+            <a:lvl8pPr marL="3657600" lvl="7" indent="-342900" algn="l">
               <a:lnSpc>
                 <a:spcPct val="90000"/>
               </a:lnSpc>
@@ -5354,7 +5609,7 @@
               <a:buChar char="•"/>
               <a:defRPr/>
             </a:lvl8pPr>
-            <a:lvl9pPr indent="-342900" lvl="8" marL="4114800" algn="l">
+            <a:lvl9pPr marL="4114800" lvl="8" indent="-342900" algn="l">
               <a:lnSpc>
                 <a:spcPct val="90000"/>
               </a:lnSpc>
@@ -5372,15 +5627,19 @@
               <a:defRPr/>
             </a:lvl9pPr>
           </a:lstStyle>
-          <a:p/>
+          <a:p>
+            <a:endParaRPr/>
+          </a:p>
         </p:txBody>
       </p:sp>
       <p:sp>
         <p:nvSpPr>
           <p:cNvPr id="33" name="Google Shape;33;p11"/>
-          <p:cNvSpPr txBox="1"/>
+          <p:cNvSpPr txBox="1">
+            <a:spLocks noGrp="1"/>
+          </p:cNvSpPr>
           <p:nvPr>
-            <p:ph idx="10" type="dt"/>
+            <p:ph type="dt" idx="10"/>
           </p:nvPr>
         </p:nvSpPr>
         <p:spPr>
@@ -5397,7 +5656,7 @@
           </a:ln>
         </p:spPr>
         <p:txBody>
-          <a:bodyPr anchorCtr="0" anchor="ctr" bIns="45700" lIns="91425" spcFirstLastPara="1" rIns="91425" wrap="square" tIns="45700">
+          <a:bodyPr spcFirstLastPara="1" wrap="square" lIns="91425" tIns="45700" rIns="91425" bIns="45700" anchor="ctr" anchorCtr="0">
             <a:noAutofit/>
           </a:bodyPr>
           <a:lstStyle>
@@ -5501,15 +5760,19 @@
               <a:defRPr/>
             </a:lvl9pPr>
           </a:lstStyle>
-          <a:p/>
+          <a:p>
+            <a:endParaRPr/>
+          </a:p>
         </p:txBody>
       </p:sp>
       <p:sp>
         <p:nvSpPr>
           <p:cNvPr id="34" name="Google Shape;34;p11"/>
-          <p:cNvSpPr txBox="1"/>
+          <p:cNvSpPr txBox="1">
+            <a:spLocks noGrp="1"/>
+          </p:cNvSpPr>
           <p:nvPr>
-            <p:ph idx="11" type="ftr"/>
+            <p:ph type="ftr" idx="11"/>
           </p:nvPr>
         </p:nvSpPr>
         <p:spPr>
@@ -5526,7 +5789,7 @@
           </a:ln>
         </p:spPr>
         <p:txBody>
-          <a:bodyPr anchorCtr="0" anchor="ctr" bIns="45700" lIns="91425" spcFirstLastPara="1" rIns="91425" wrap="square" tIns="45700">
+          <a:bodyPr spcFirstLastPara="1" wrap="square" lIns="91425" tIns="45700" rIns="91425" bIns="45700" anchor="ctr" anchorCtr="0">
             <a:noAutofit/>
           </a:bodyPr>
           <a:lstStyle>
@@ -5630,15 +5893,19 @@
               <a:defRPr/>
             </a:lvl9pPr>
           </a:lstStyle>
-          <a:p/>
+          <a:p>
+            <a:endParaRPr/>
+          </a:p>
         </p:txBody>
       </p:sp>
       <p:sp>
         <p:nvSpPr>
           <p:cNvPr id="35" name="Google Shape;35;p11"/>
-          <p:cNvSpPr txBox="1"/>
+          <p:cNvSpPr txBox="1">
+            <a:spLocks noGrp="1"/>
+          </p:cNvSpPr>
           <p:nvPr>
-            <p:ph idx="12" type="sldNum"/>
+            <p:ph type="sldNum" idx="12"/>
           </p:nvPr>
         </p:nvSpPr>
         <p:spPr>
@@ -5655,67 +5922,67 @@
           </a:ln>
         </p:spPr>
         <p:txBody>
-          <a:bodyPr anchorCtr="0" anchor="ctr" bIns="45700" lIns="91425" spcFirstLastPara="1" rIns="91425" wrap="square" tIns="45700">
+          <a:bodyPr spcFirstLastPara="1" wrap="square" lIns="91425" tIns="45700" rIns="91425" bIns="45700" anchor="ctr" anchorCtr="0">
             <a:noAutofit/>
           </a:bodyPr>
           <a:lstStyle>
-            <a:lvl1pPr indent="0" lvl="0" marL="0" algn="r">
+            <a:lvl1pPr marL="0" lvl="0" indent="0" algn="r">
               <a:spcBef>
                 <a:spcPts val="0"/>
               </a:spcBef>
               <a:buNone/>
               <a:defRPr/>
             </a:lvl1pPr>
-            <a:lvl2pPr indent="0" lvl="1" marL="0" algn="r">
+            <a:lvl2pPr marL="0" lvl="1" indent="0" algn="r">
               <a:spcBef>
                 <a:spcPts val="0"/>
               </a:spcBef>
               <a:buNone/>
               <a:defRPr/>
             </a:lvl2pPr>
-            <a:lvl3pPr indent="0" lvl="2" marL="0" algn="r">
+            <a:lvl3pPr marL="0" lvl="2" indent="0" algn="r">
               <a:spcBef>
                 <a:spcPts val="0"/>
               </a:spcBef>
               <a:buNone/>
               <a:defRPr/>
             </a:lvl3pPr>
-            <a:lvl4pPr indent="0" lvl="3" marL="0" algn="r">
+            <a:lvl4pPr marL="0" lvl="3" indent="0" algn="r">
               <a:spcBef>
                 <a:spcPts val="0"/>
               </a:spcBef>
               <a:buNone/>
               <a:defRPr/>
             </a:lvl4pPr>
-            <a:lvl5pPr indent="0" lvl="4" marL="0" algn="r">
+            <a:lvl5pPr marL="0" lvl="4" indent="0" algn="r">
               <a:spcBef>
                 <a:spcPts val="0"/>
               </a:spcBef>
               <a:buNone/>
               <a:defRPr/>
             </a:lvl5pPr>
-            <a:lvl6pPr indent="0" lvl="5" marL="0" algn="r">
+            <a:lvl6pPr marL="0" lvl="5" indent="0" algn="r">
               <a:spcBef>
                 <a:spcPts val="0"/>
               </a:spcBef>
               <a:buNone/>
               <a:defRPr/>
             </a:lvl6pPr>
-            <a:lvl7pPr indent="0" lvl="6" marL="0" algn="r">
+            <a:lvl7pPr marL="0" lvl="6" indent="0" algn="r">
               <a:spcBef>
                 <a:spcPts val="0"/>
               </a:spcBef>
               <a:buNone/>
               <a:defRPr/>
             </a:lvl7pPr>
-            <a:lvl8pPr indent="0" lvl="7" marL="0" algn="r">
+            <a:lvl8pPr marL="0" lvl="7" indent="0" algn="r">
               <a:spcBef>
                 <a:spcPts val="0"/>
               </a:spcBef>
               <a:buNone/>
               <a:defRPr/>
             </a:lvl8pPr>
-            <a:lvl9pPr indent="0" lvl="8" marL="0" algn="r">
+            <a:lvl9pPr marL="0" lvl="8" indent="0" algn="r">
               <a:spcBef>
                 <a:spcPts val="0"/>
               </a:spcBef>
@@ -5724,7 +5991,7 @@
             </a:lvl9pPr>
           </a:lstStyle>
           <a:p>
-            <a:pPr indent="0" lvl="0" marL="0" rtl="0" algn="r">
+            <a:pPr marL="0" lvl="0" indent="0" algn="r" rtl="0">
               <a:spcBef>
                 <a:spcPts val="0"/>
               </a:spcBef>
@@ -5750,11 +6017,11 @@
 </file>
 
 <file path=ppt/slideLayouts/slideLayout5.xml><?xml version="1.0" encoding="utf-8"?>
-<p:sldLayout xmlns:a="http://schemas.openxmlformats.org/drawingml/2006/main" xmlns:r="http://schemas.openxmlformats.org/officeDocument/2006/relationships" xmlns:mc="http://schemas.openxmlformats.org/markup-compatibility/2006" xmlns:mv="urn:schemas-microsoft-com:mac:vml" xmlns:p="http://schemas.openxmlformats.org/presentationml/2006/main" xmlns:c="http://schemas.openxmlformats.org/drawingml/2006/chart" xmlns:dgm="http://schemas.openxmlformats.org/drawingml/2006/diagram" xmlns:o="urn:schemas-microsoft-com:office:office" xmlns:v="urn:schemas-microsoft-com:vml" xmlns:pvml="urn:schemas-microsoft-com:office:powerpoint" xmlns:com="http://schemas.openxmlformats.org/drawingml/2006/compatibility" xmlns:p14="http://schemas.microsoft.com/office/powerpoint/2010/main" xmlns:p15="http://schemas.microsoft.com/office/powerpoint/2012/main" matchingName="Сравнение" type="twoTxTwoObj">
+<p:sldLayout xmlns:a="http://schemas.openxmlformats.org/drawingml/2006/main" xmlns:r="http://schemas.openxmlformats.org/officeDocument/2006/relationships" xmlns:p="http://schemas.openxmlformats.org/presentationml/2006/main" matchingName="Сравнение" type="twoTxTwoObj">
   <p:cSld name="TWO_OBJECTS_WITH_TEXT">
     <p:spTree>
       <p:nvGrpSpPr>
-        <p:cNvPr id="36" name="Shape 36"/>
+        <p:cNvPr id="1" name="Shape 36"/>
         <p:cNvGrpSpPr/>
         <p:nvPr/>
       </p:nvGrpSpPr>
@@ -5769,7 +6036,9 @@
       <p:sp>
         <p:nvSpPr>
           <p:cNvPr id="37" name="Google Shape;37;p12"/>
-          <p:cNvSpPr txBox="1"/>
+          <p:cNvSpPr txBox="1">
+            <a:spLocks noGrp="1"/>
+          </p:cNvSpPr>
           <p:nvPr>
             <p:ph type="title"/>
           </p:nvPr>
@@ -5788,7 +6057,7 @@
           </a:ln>
         </p:spPr>
         <p:txBody>
-          <a:bodyPr anchorCtr="0" anchor="ctr" bIns="45700" lIns="91425" spcFirstLastPara="1" rIns="91425" wrap="square" tIns="45700">
+          <a:bodyPr spcFirstLastPara="1" wrap="square" lIns="91425" tIns="45700" rIns="91425" bIns="45700" anchor="ctr" anchorCtr="0">
             <a:normAutofit/>
           </a:bodyPr>
           <a:lstStyle>
@@ -5898,15 +6167,19 @@
               <a:defRPr/>
             </a:lvl9pPr>
           </a:lstStyle>
-          <a:p/>
+          <a:p>
+            <a:endParaRPr/>
+          </a:p>
         </p:txBody>
       </p:sp>
       <p:sp>
         <p:nvSpPr>
           <p:cNvPr id="38" name="Google Shape;38;p12"/>
-          <p:cNvSpPr txBox="1"/>
+          <p:cNvSpPr txBox="1">
+            <a:spLocks noGrp="1"/>
+          </p:cNvSpPr>
           <p:nvPr>
-            <p:ph idx="1" type="body"/>
+            <p:ph type="body" idx="1"/>
           </p:nvPr>
         </p:nvSpPr>
         <p:spPr>
@@ -5923,11 +6196,11 @@
           </a:ln>
         </p:spPr>
         <p:txBody>
-          <a:bodyPr anchorCtr="0" anchor="b" bIns="45700" lIns="91425" spcFirstLastPara="1" rIns="91425" wrap="square" tIns="45700">
+          <a:bodyPr spcFirstLastPara="1" wrap="square" lIns="91425" tIns="45700" rIns="91425" bIns="45700" anchor="b" anchorCtr="0">
             <a:normAutofit/>
           </a:bodyPr>
           <a:lstStyle>
-            <a:lvl1pPr indent="-228600" lvl="0" marL="457200" algn="l">
+            <a:lvl1pPr marL="457200" lvl="0" indent="-228600" algn="l">
               <a:lnSpc>
                 <a:spcPct val="90000"/>
               </a:lnSpc>
@@ -5942,9 +6215,9 @@
               </a:buClr>
               <a:buSzPts val="2400"/>
               <a:buNone/>
-              <a:defRPr b="1" sz="2400"/>
+              <a:defRPr sz="2400" b="1"/>
             </a:lvl1pPr>
-            <a:lvl2pPr indent="-228600" lvl="1" marL="914400" algn="l">
+            <a:lvl2pPr marL="914400" lvl="1" indent="-228600" algn="l">
               <a:lnSpc>
                 <a:spcPct val="90000"/>
               </a:lnSpc>
@@ -5959,9 +6232,9 @@
               </a:buClr>
               <a:buSzPts val="2000"/>
               <a:buNone/>
-              <a:defRPr b="1" sz="2000"/>
+              <a:defRPr sz="2000" b="1"/>
             </a:lvl2pPr>
-            <a:lvl3pPr indent="-228600" lvl="2" marL="1371600" algn="l">
+            <a:lvl3pPr marL="1371600" lvl="2" indent="-228600" algn="l">
               <a:lnSpc>
                 <a:spcPct val="90000"/>
               </a:lnSpc>
@@ -5976,9 +6249,9 @@
               </a:buClr>
               <a:buSzPts val="1800"/>
               <a:buNone/>
-              <a:defRPr b="1" sz="1800"/>
+              <a:defRPr sz="1800" b="1"/>
             </a:lvl3pPr>
-            <a:lvl4pPr indent="-228600" lvl="3" marL="1828800" algn="l">
+            <a:lvl4pPr marL="1828800" lvl="3" indent="-228600" algn="l">
               <a:lnSpc>
                 <a:spcPct val="90000"/>
               </a:lnSpc>
@@ -5993,9 +6266,9 @@
               </a:buClr>
               <a:buSzPts val="1600"/>
               <a:buNone/>
-              <a:defRPr b="1" sz="1600"/>
+              <a:defRPr sz="1600" b="1"/>
             </a:lvl4pPr>
-            <a:lvl5pPr indent="-228600" lvl="4" marL="2286000" algn="l">
+            <a:lvl5pPr marL="2286000" lvl="4" indent="-228600" algn="l">
               <a:lnSpc>
                 <a:spcPct val="90000"/>
               </a:lnSpc>
@@ -6010,9 +6283,9 @@
               </a:buClr>
               <a:buSzPts val="1600"/>
               <a:buNone/>
-              <a:defRPr b="1" sz="1600"/>
+              <a:defRPr sz="1600" b="1"/>
             </a:lvl5pPr>
-            <a:lvl6pPr indent="-228600" lvl="5" marL="2743200" algn="l">
+            <a:lvl6pPr marL="2743200" lvl="5" indent="-228600" algn="l">
               <a:lnSpc>
                 <a:spcPct val="90000"/>
               </a:lnSpc>
@@ -6027,9 +6300,9 @@
               </a:buClr>
               <a:buSzPts val="1600"/>
               <a:buNone/>
-              <a:defRPr b="1" sz="1600"/>
+              <a:defRPr sz="1600" b="1"/>
             </a:lvl6pPr>
-            <a:lvl7pPr indent="-228600" lvl="6" marL="3200400" algn="l">
+            <a:lvl7pPr marL="3200400" lvl="6" indent="-228600" algn="l">
               <a:lnSpc>
                 <a:spcPct val="90000"/>
               </a:lnSpc>
@@ -6044,9 +6317,9 @@
               </a:buClr>
               <a:buSzPts val="1600"/>
               <a:buNone/>
-              <a:defRPr b="1" sz="1600"/>
+              <a:defRPr sz="1600" b="1"/>
             </a:lvl7pPr>
-            <a:lvl8pPr indent="-228600" lvl="7" marL="3657600" algn="l">
+            <a:lvl8pPr marL="3657600" lvl="7" indent="-228600" algn="l">
               <a:lnSpc>
                 <a:spcPct val="90000"/>
               </a:lnSpc>
@@ -6061,9 +6334,9 @@
               </a:buClr>
               <a:buSzPts val="1600"/>
               <a:buNone/>
-              <a:defRPr b="1" sz="1600"/>
+              <a:defRPr sz="1600" b="1"/>
             </a:lvl8pPr>
-            <a:lvl9pPr indent="-228600" lvl="8" marL="4114800" algn="l">
+            <a:lvl9pPr marL="4114800" lvl="8" indent="-228600" algn="l">
               <a:lnSpc>
                 <a:spcPct val="90000"/>
               </a:lnSpc>
@@ -6078,18 +6351,22 @@
               </a:buClr>
               <a:buSzPts val="1600"/>
               <a:buNone/>
-              <a:defRPr b="1" sz="1600"/>
+              <a:defRPr sz="1600" b="1"/>
             </a:lvl9pPr>
           </a:lstStyle>
-          <a:p/>
+          <a:p>
+            <a:endParaRPr/>
+          </a:p>
         </p:txBody>
       </p:sp>
       <p:sp>
         <p:nvSpPr>
           <p:cNvPr id="39" name="Google Shape;39;p12"/>
-          <p:cNvSpPr txBox="1"/>
+          <p:cNvSpPr txBox="1">
+            <a:spLocks noGrp="1"/>
+          </p:cNvSpPr>
           <p:nvPr>
-            <p:ph idx="2" type="body"/>
+            <p:ph type="body" idx="2"/>
           </p:nvPr>
         </p:nvSpPr>
         <p:spPr>
@@ -6106,11 +6383,11 @@
           </a:ln>
         </p:spPr>
         <p:txBody>
-          <a:bodyPr anchorCtr="0" anchor="t" bIns="45700" lIns="91425" spcFirstLastPara="1" rIns="91425" wrap="square" tIns="45700">
+          <a:bodyPr spcFirstLastPara="1" wrap="square" lIns="91425" tIns="45700" rIns="91425" bIns="45700" anchor="t" anchorCtr="0">
             <a:normAutofit/>
           </a:bodyPr>
           <a:lstStyle>
-            <a:lvl1pPr indent="-342900" lvl="0" marL="457200" algn="l">
+            <a:lvl1pPr marL="457200" lvl="0" indent="-342900" algn="l">
               <a:lnSpc>
                 <a:spcPct val="90000"/>
               </a:lnSpc>
@@ -6127,7 +6404,7 @@
               <a:buChar char="•"/>
               <a:defRPr/>
             </a:lvl1pPr>
-            <a:lvl2pPr indent="-342900" lvl="1" marL="914400" algn="l">
+            <a:lvl2pPr marL="914400" lvl="1" indent="-342900" algn="l">
               <a:lnSpc>
                 <a:spcPct val="90000"/>
               </a:lnSpc>
@@ -6144,7 +6421,7 @@
               <a:buChar char="•"/>
               <a:defRPr/>
             </a:lvl2pPr>
-            <a:lvl3pPr indent="-342900" lvl="2" marL="1371600" algn="l">
+            <a:lvl3pPr marL="1371600" lvl="2" indent="-342900" algn="l">
               <a:lnSpc>
                 <a:spcPct val="90000"/>
               </a:lnSpc>
@@ -6161,7 +6438,7 @@
               <a:buChar char="•"/>
               <a:defRPr/>
             </a:lvl3pPr>
-            <a:lvl4pPr indent="-342900" lvl="3" marL="1828800" algn="l">
+            <a:lvl4pPr marL="1828800" lvl="3" indent="-342900" algn="l">
               <a:lnSpc>
                 <a:spcPct val="90000"/>
               </a:lnSpc>
@@ -6178,7 +6455,7 @@
               <a:buChar char="•"/>
               <a:defRPr/>
             </a:lvl4pPr>
-            <a:lvl5pPr indent="-342900" lvl="4" marL="2286000" algn="l">
+            <a:lvl5pPr marL="2286000" lvl="4" indent="-342900" algn="l">
               <a:lnSpc>
                 <a:spcPct val="90000"/>
               </a:lnSpc>
@@ -6195,7 +6472,7 @@
               <a:buChar char="•"/>
               <a:defRPr/>
             </a:lvl5pPr>
-            <a:lvl6pPr indent="-342900" lvl="5" marL="2743200" algn="l">
+            <a:lvl6pPr marL="2743200" lvl="5" indent="-342900" algn="l">
               <a:lnSpc>
                 <a:spcPct val="90000"/>
               </a:lnSpc>
@@ -6212,7 +6489,7 @@
               <a:buChar char="•"/>
               <a:defRPr/>
             </a:lvl6pPr>
-            <a:lvl7pPr indent="-342900" lvl="6" marL="3200400" algn="l">
+            <a:lvl7pPr marL="3200400" lvl="6" indent="-342900" algn="l">
               <a:lnSpc>
                 <a:spcPct val="90000"/>
               </a:lnSpc>
@@ -6229,7 +6506,7 @@
               <a:buChar char="•"/>
               <a:defRPr/>
             </a:lvl7pPr>
-            <a:lvl8pPr indent="-342900" lvl="7" marL="3657600" algn="l">
+            <a:lvl8pPr marL="3657600" lvl="7" indent="-342900" algn="l">
               <a:lnSpc>
                 <a:spcPct val="90000"/>
               </a:lnSpc>
@@ -6246,7 +6523,7 @@
               <a:buChar char="•"/>
               <a:defRPr/>
             </a:lvl8pPr>
-            <a:lvl9pPr indent="-342900" lvl="8" marL="4114800" algn="l">
+            <a:lvl9pPr marL="4114800" lvl="8" indent="-342900" algn="l">
               <a:lnSpc>
                 <a:spcPct val="90000"/>
               </a:lnSpc>
@@ -6264,15 +6541,19 @@
               <a:defRPr/>
             </a:lvl9pPr>
           </a:lstStyle>
-          <a:p/>
+          <a:p>
+            <a:endParaRPr/>
+          </a:p>
         </p:txBody>
       </p:sp>
       <p:sp>
         <p:nvSpPr>
           <p:cNvPr id="40" name="Google Shape;40;p12"/>
-          <p:cNvSpPr txBox="1"/>
+          <p:cNvSpPr txBox="1">
+            <a:spLocks noGrp="1"/>
+          </p:cNvSpPr>
           <p:nvPr>
-            <p:ph idx="3" type="body"/>
+            <p:ph type="body" idx="3"/>
           </p:nvPr>
         </p:nvSpPr>
         <p:spPr>
@@ -6289,11 +6570,11 @@
           </a:ln>
         </p:spPr>
         <p:txBody>
-          <a:bodyPr anchorCtr="0" anchor="b" bIns="45700" lIns="91425" spcFirstLastPara="1" rIns="91425" wrap="square" tIns="45700">
+          <a:bodyPr spcFirstLastPara="1" wrap="square" lIns="91425" tIns="45700" rIns="91425" bIns="45700" anchor="b" anchorCtr="0">
             <a:normAutofit/>
           </a:bodyPr>
           <a:lstStyle>
-            <a:lvl1pPr indent="-228600" lvl="0" marL="457200" algn="l">
+            <a:lvl1pPr marL="457200" lvl="0" indent="-228600" algn="l">
               <a:lnSpc>
                 <a:spcPct val="90000"/>
               </a:lnSpc>
@@ -6308,9 +6589,9 @@
               </a:buClr>
               <a:buSzPts val="2400"/>
               <a:buNone/>
-              <a:defRPr b="1" sz="2400"/>
+              <a:defRPr sz="2400" b="1"/>
             </a:lvl1pPr>
-            <a:lvl2pPr indent="-228600" lvl="1" marL="914400" algn="l">
+            <a:lvl2pPr marL="914400" lvl="1" indent="-228600" algn="l">
               <a:lnSpc>
                 <a:spcPct val="90000"/>
               </a:lnSpc>
@@ -6325,9 +6606,9 @@
               </a:buClr>
               <a:buSzPts val="2000"/>
               <a:buNone/>
-              <a:defRPr b="1" sz="2000"/>
+              <a:defRPr sz="2000" b="1"/>
             </a:lvl2pPr>
-            <a:lvl3pPr indent="-228600" lvl="2" marL="1371600" algn="l">
+            <a:lvl3pPr marL="1371600" lvl="2" indent="-228600" algn="l">
               <a:lnSpc>
                 <a:spcPct val="90000"/>
               </a:lnSpc>
@@ -6342,9 +6623,9 @@
               </a:buClr>
               <a:buSzPts val="1800"/>
               <a:buNone/>
-              <a:defRPr b="1" sz="1800"/>
+              <a:defRPr sz="1800" b="1"/>
             </a:lvl3pPr>
-            <a:lvl4pPr indent="-228600" lvl="3" marL="1828800" algn="l">
+            <a:lvl4pPr marL="1828800" lvl="3" indent="-228600" algn="l">
               <a:lnSpc>
                 <a:spcPct val="90000"/>
               </a:lnSpc>
@@ -6359,9 +6640,9 @@
               </a:buClr>
               <a:buSzPts val="1600"/>
               <a:buNone/>
-              <a:defRPr b="1" sz="1600"/>
+              <a:defRPr sz="1600" b="1"/>
             </a:lvl4pPr>
-            <a:lvl5pPr indent="-228600" lvl="4" marL="2286000" algn="l">
+            <a:lvl5pPr marL="2286000" lvl="4" indent="-228600" algn="l">
               <a:lnSpc>
                 <a:spcPct val="90000"/>
               </a:lnSpc>
@@ -6376,9 +6657,9 @@
               </a:buClr>
               <a:buSzPts val="1600"/>
               <a:buNone/>
-              <a:defRPr b="1" sz="1600"/>
+              <a:defRPr sz="1600" b="1"/>
             </a:lvl5pPr>
-            <a:lvl6pPr indent="-228600" lvl="5" marL="2743200" algn="l">
+            <a:lvl6pPr marL="2743200" lvl="5" indent="-228600" algn="l">
               <a:lnSpc>
                 <a:spcPct val="90000"/>
               </a:lnSpc>
@@ -6393,9 +6674,9 @@
               </a:buClr>
               <a:buSzPts val="1600"/>
               <a:buNone/>
-              <a:defRPr b="1" sz="1600"/>
+              <a:defRPr sz="1600" b="1"/>
             </a:lvl6pPr>
-            <a:lvl7pPr indent="-228600" lvl="6" marL="3200400" algn="l">
+            <a:lvl7pPr marL="3200400" lvl="6" indent="-228600" algn="l">
               <a:lnSpc>
                 <a:spcPct val="90000"/>
               </a:lnSpc>
@@ -6410,9 +6691,9 @@
               </a:buClr>
               <a:buSzPts val="1600"/>
               <a:buNone/>
-              <a:defRPr b="1" sz="1600"/>
+              <a:defRPr sz="1600" b="1"/>
             </a:lvl7pPr>
-            <a:lvl8pPr indent="-228600" lvl="7" marL="3657600" algn="l">
+            <a:lvl8pPr marL="3657600" lvl="7" indent="-228600" algn="l">
               <a:lnSpc>
                 <a:spcPct val="90000"/>
               </a:lnSpc>
@@ -6427,9 +6708,9 @@
               </a:buClr>
               <a:buSzPts val="1600"/>
               <a:buNone/>
-              <a:defRPr b="1" sz="1600"/>
+              <a:defRPr sz="1600" b="1"/>
             </a:lvl8pPr>
-            <a:lvl9pPr indent="-228600" lvl="8" marL="4114800" algn="l">
+            <a:lvl9pPr marL="4114800" lvl="8" indent="-228600" algn="l">
               <a:lnSpc>
                 <a:spcPct val="90000"/>
               </a:lnSpc>
@@ -6444,18 +6725,22 @@
               </a:buClr>
               <a:buSzPts val="1600"/>
               <a:buNone/>
-              <a:defRPr b="1" sz="1600"/>
+              <a:defRPr sz="1600" b="1"/>
             </a:lvl9pPr>
           </a:lstStyle>
-          <a:p/>
+          <a:p>
+            <a:endParaRPr/>
+          </a:p>
         </p:txBody>
       </p:sp>
       <p:sp>
         <p:nvSpPr>
           <p:cNvPr id="41" name="Google Shape;41;p12"/>
-          <p:cNvSpPr txBox="1"/>
+          <p:cNvSpPr txBox="1">
+            <a:spLocks noGrp="1"/>
+          </p:cNvSpPr>
           <p:nvPr>
-            <p:ph idx="4" type="body"/>
+            <p:ph type="body" idx="4"/>
           </p:nvPr>
         </p:nvSpPr>
         <p:spPr>
@@ -6472,11 +6757,11 @@
           </a:ln>
         </p:spPr>
         <p:txBody>
-          <a:bodyPr anchorCtr="0" anchor="t" bIns="45700" lIns="91425" spcFirstLastPara="1" rIns="91425" wrap="square" tIns="45700">
+          <a:bodyPr spcFirstLastPara="1" wrap="square" lIns="91425" tIns="45700" rIns="91425" bIns="45700" anchor="t" anchorCtr="0">
             <a:normAutofit/>
           </a:bodyPr>
           <a:lstStyle>
-            <a:lvl1pPr indent="-342900" lvl="0" marL="457200" algn="l">
+            <a:lvl1pPr marL="457200" lvl="0" indent="-342900" algn="l">
               <a:lnSpc>
                 <a:spcPct val="90000"/>
               </a:lnSpc>
@@ -6493,7 +6778,7 @@
               <a:buChar char="•"/>
               <a:defRPr/>
             </a:lvl1pPr>
-            <a:lvl2pPr indent="-342900" lvl="1" marL="914400" algn="l">
+            <a:lvl2pPr marL="914400" lvl="1" indent="-342900" algn="l">
               <a:lnSpc>
                 <a:spcPct val="90000"/>
               </a:lnSpc>
@@ -6510,7 +6795,7 @@
               <a:buChar char="•"/>
               <a:defRPr/>
             </a:lvl2pPr>
-            <a:lvl3pPr indent="-342900" lvl="2" marL="1371600" algn="l">
+            <a:lvl3pPr marL="1371600" lvl="2" indent="-342900" algn="l">
               <a:lnSpc>
                 <a:spcPct val="90000"/>
               </a:lnSpc>
@@ -6527,7 +6812,7 @@
               <a:buChar char="•"/>
               <a:defRPr/>
             </a:lvl3pPr>
-            <a:lvl4pPr indent="-342900" lvl="3" marL="1828800" algn="l">
+            <a:lvl4pPr marL="1828800" lvl="3" indent="-342900" algn="l">
               <a:lnSpc>
                 <a:spcPct val="90000"/>
               </a:lnSpc>
@@ -6544,7 +6829,7 @@
               <a:buChar char="•"/>
               <a:defRPr/>
             </a:lvl4pPr>
-            <a:lvl5pPr indent="-342900" lvl="4" marL="2286000" algn="l">
+            <a:lvl5pPr marL="2286000" lvl="4" indent="-342900" algn="l">
               <a:lnSpc>
                 <a:spcPct val="90000"/>
               </a:lnSpc>
@@ -6561,7 +6846,7 @@
               <a:buChar char="•"/>
               <a:defRPr/>
             </a:lvl5pPr>
-            <a:lvl6pPr indent="-342900" lvl="5" marL="2743200" algn="l">
+            <a:lvl6pPr marL="2743200" lvl="5" indent="-342900" algn="l">
               <a:lnSpc>
                 <a:spcPct val="90000"/>
               </a:lnSpc>
@@ -6578,7 +6863,7 @@
               <a:buChar char="•"/>
               <a:defRPr/>
             </a:lvl6pPr>
-            <a:lvl7pPr indent="-342900" lvl="6" marL="3200400" algn="l">
+            <a:lvl7pPr marL="3200400" lvl="6" indent="-342900" algn="l">
               <a:lnSpc>
                 <a:spcPct val="90000"/>
               </a:lnSpc>
@@ -6595,7 +6880,7 @@
               <a:buChar char="•"/>
               <a:defRPr/>
             </a:lvl7pPr>
-            <a:lvl8pPr indent="-342900" lvl="7" marL="3657600" algn="l">
+            <a:lvl8pPr marL="3657600" lvl="7" indent="-342900" algn="l">
               <a:lnSpc>
                 <a:spcPct val="90000"/>
               </a:lnSpc>
@@ -6612,7 +6897,7 @@
               <a:buChar char="•"/>
               <a:defRPr/>
             </a:lvl8pPr>
-            <a:lvl9pPr indent="-342900" lvl="8" marL="4114800" algn="l">
+            <a:lvl9pPr marL="4114800" lvl="8" indent="-342900" algn="l">
               <a:lnSpc>
                 <a:spcPct val="90000"/>
               </a:lnSpc>
@@ -6630,15 +6915,19 @@
               <a:defRPr/>
             </a:lvl9pPr>
           </a:lstStyle>
-          <a:p/>
+          <a:p>
+            <a:endParaRPr/>
+          </a:p>
         </p:txBody>
       </p:sp>
       <p:sp>
         <p:nvSpPr>
           <p:cNvPr id="42" name="Google Shape;42;p12"/>
-          <p:cNvSpPr txBox="1"/>
+          <p:cNvSpPr txBox="1">
+            <a:spLocks noGrp="1"/>
+          </p:cNvSpPr>
           <p:nvPr>
-            <p:ph idx="10" type="dt"/>
+            <p:ph type="dt" idx="10"/>
           </p:nvPr>
         </p:nvSpPr>
         <p:spPr>
@@ -6655,7 +6944,7 @@
           </a:ln>
         </p:spPr>
         <p:txBody>
-          <a:bodyPr anchorCtr="0" anchor="ctr" bIns="45700" lIns="91425" spcFirstLastPara="1" rIns="91425" wrap="square" tIns="45700">
+          <a:bodyPr spcFirstLastPara="1" wrap="square" lIns="91425" tIns="45700" rIns="91425" bIns="45700" anchor="ctr" anchorCtr="0">
             <a:noAutofit/>
           </a:bodyPr>
           <a:lstStyle>
@@ -6759,15 +7048,19 @@
               <a:defRPr/>
             </a:lvl9pPr>
           </a:lstStyle>
-          <a:p/>
+          <a:p>
+            <a:endParaRPr/>
+          </a:p>
         </p:txBody>
       </p:sp>
       <p:sp>
         <p:nvSpPr>
           <p:cNvPr id="43" name="Google Shape;43;p12"/>
-          <p:cNvSpPr txBox="1"/>
+          <p:cNvSpPr txBox="1">
+            <a:spLocks noGrp="1"/>
+          </p:cNvSpPr>
           <p:nvPr>
-            <p:ph idx="11" type="ftr"/>
+            <p:ph type="ftr" idx="11"/>
           </p:nvPr>
         </p:nvSpPr>
         <p:spPr>
@@ -6784,7 +7077,7 @@
           </a:ln>
         </p:spPr>
         <p:txBody>
-          <a:bodyPr anchorCtr="0" anchor="ctr" bIns="45700" lIns="91425" spcFirstLastPara="1" rIns="91425" wrap="square" tIns="45700">
+          <a:bodyPr spcFirstLastPara="1" wrap="square" lIns="91425" tIns="45700" rIns="91425" bIns="45700" anchor="ctr" anchorCtr="0">
             <a:noAutofit/>
           </a:bodyPr>
           <a:lstStyle>
@@ -6888,15 +7181,19 @@
               <a:defRPr/>
             </a:lvl9pPr>
           </a:lstStyle>
-          <a:p/>
+          <a:p>
+            <a:endParaRPr/>
+          </a:p>
         </p:txBody>
       </p:sp>
       <p:sp>
         <p:nvSpPr>
           <p:cNvPr id="44" name="Google Shape;44;p12"/>
-          <p:cNvSpPr txBox="1"/>
+          <p:cNvSpPr txBox="1">
+            <a:spLocks noGrp="1"/>
+          </p:cNvSpPr>
           <p:nvPr>
-            <p:ph idx="12" type="sldNum"/>
+            <p:ph type="sldNum" idx="12"/>
           </p:nvPr>
         </p:nvSpPr>
         <p:spPr>
@@ -6913,67 +7210,67 @@
           </a:ln>
         </p:spPr>
         <p:txBody>
-          <a:bodyPr anchorCtr="0" anchor="ctr" bIns="45700" lIns="91425" spcFirstLastPara="1" rIns="91425" wrap="square" tIns="45700">
+          <a:bodyPr spcFirstLastPara="1" wrap="square" lIns="91425" tIns="45700" rIns="91425" bIns="45700" anchor="ctr" anchorCtr="0">
             <a:noAutofit/>
           </a:bodyPr>
           <a:lstStyle>
-            <a:lvl1pPr indent="0" lvl="0" marL="0" algn="r">
+            <a:lvl1pPr marL="0" lvl="0" indent="0" algn="r">
               <a:spcBef>
                 <a:spcPts val="0"/>
               </a:spcBef>
               <a:buNone/>
               <a:defRPr/>
             </a:lvl1pPr>
-            <a:lvl2pPr indent="0" lvl="1" marL="0" algn="r">
+            <a:lvl2pPr marL="0" lvl="1" indent="0" algn="r">
               <a:spcBef>
                 <a:spcPts val="0"/>
               </a:spcBef>
               <a:buNone/>
               <a:defRPr/>
             </a:lvl2pPr>
-            <a:lvl3pPr indent="0" lvl="2" marL="0" algn="r">
+            <a:lvl3pPr marL="0" lvl="2" indent="0" algn="r">
               <a:spcBef>
                 <a:spcPts val="0"/>
               </a:spcBef>
               <a:buNone/>
               <a:defRPr/>
             </a:lvl3pPr>
-            <a:lvl4pPr indent="0" lvl="3" marL="0" algn="r">
+            <a:lvl4pPr marL="0" lvl="3" indent="0" algn="r">
               <a:spcBef>
                 <a:spcPts val="0"/>
               </a:spcBef>
               <a:buNone/>
               <a:defRPr/>
             </a:lvl4pPr>
-            <a:lvl5pPr indent="0" lvl="4" marL="0" algn="r">
+            <a:lvl5pPr marL="0" lvl="4" indent="0" algn="r">
               <a:spcBef>
                 <a:spcPts val="0"/>
               </a:spcBef>
               <a:buNone/>
               <a:defRPr/>
             </a:lvl5pPr>
-            <a:lvl6pPr indent="0" lvl="5" marL="0" algn="r">
+            <a:lvl6pPr marL="0" lvl="5" indent="0" algn="r">
               <a:spcBef>
                 <a:spcPts val="0"/>
               </a:spcBef>
               <a:buNone/>
               <a:defRPr/>
             </a:lvl6pPr>
-            <a:lvl7pPr indent="0" lvl="6" marL="0" algn="r">
+            <a:lvl7pPr marL="0" lvl="6" indent="0" algn="r">
               <a:spcBef>
                 <a:spcPts val="0"/>
               </a:spcBef>
               <a:buNone/>
               <a:defRPr/>
             </a:lvl7pPr>
-            <a:lvl8pPr indent="0" lvl="7" marL="0" algn="r">
+            <a:lvl8pPr marL="0" lvl="7" indent="0" algn="r">
               <a:spcBef>
                 <a:spcPts val="0"/>
               </a:spcBef>
               <a:buNone/>
               <a:defRPr/>
             </a:lvl8pPr>
-            <a:lvl9pPr indent="0" lvl="8" marL="0" algn="r">
+            <a:lvl9pPr marL="0" lvl="8" indent="0" algn="r">
               <a:spcBef>
                 <a:spcPts val="0"/>
               </a:spcBef>
@@ -6982,7 +7279,7 @@
             </a:lvl9pPr>
           </a:lstStyle>
           <a:p>
-            <a:pPr indent="0" lvl="0" marL="0" rtl="0" algn="r">
+            <a:pPr marL="0" lvl="0" indent="0" algn="r" rtl="0">
               <a:spcBef>
                 <a:spcPts val="0"/>
               </a:spcBef>
@@ -7008,11 +7305,11 @@
 </file>
 
 <file path=ppt/slideLayouts/slideLayout6.xml><?xml version="1.0" encoding="utf-8"?>
-<p:sldLayout xmlns:a="http://schemas.openxmlformats.org/drawingml/2006/main" xmlns:r="http://schemas.openxmlformats.org/officeDocument/2006/relationships" xmlns:mc="http://schemas.openxmlformats.org/markup-compatibility/2006" xmlns:mv="urn:schemas-microsoft-com:mac:vml" xmlns:p="http://schemas.openxmlformats.org/presentationml/2006/main" xmlns:c="http://schemas.openxmlformats.org/drawingml/2006/chart" xmlns:dgm="http://schemas.openxmlformats.org/drawingml/2006/diagram" xmlns:o="urn:schemas-microsoft-com:office:office" xmlns:v="urn:schemas-microsoft-com:vml" xmlns:pvml="urn:schemas-microsoft-com:office:powerpoint" xmlns:com="http://schemas.openxmlformats.org/drawingml/2006/compatibility" xmlns:p14="http://schemas.microsoft.com/office/powerpoint/2010/main" xmlns:p15="http://schemas.microsoft.com/office/powerpoint/2012/main" matchingName="Только заголовок" type="titleOnly">
+<p:sldLayout xmlns:a="http://schemas.openxmlformats.org/drawingml/2006/main" xmlns:r="http://schemas.openxmlformats.org/officeDocument/2006/relationships" xmlns:p="http://schemas.openxmlformats.org/presentationml/2006/main" matchingName="Только заголовок" type="titleOnly">
   <p:cSld name="TITLE_ONLY">
     <p:spTree>
       <p:nvGrpSpPr>
-        <p:cNvPr id="45" name="Shape 45"/>
+        <p:cNvPr id="1" name="Shape 45"/>
         <p:cNvGrpSpPr/>
         <p:nvPr/>
       </p:nvGrpSpPr>
@@ -7027,7 +7324,9 @@
       <p:sp>
         <p:nvSpPr>
           <p:cNvPr id="46" name="Google Shape;46;p13"/>
-          <p:cNvSpPr txBox="1"/>
+          <p:cNvSpPr txBox="1">
+            <a:spLocks noGrp="1"/>
+          </p:cNvSpPr>
           <p:nvPr>
             <p:ph type="title"/>
           </p:nvPr>
@@ -7046,7 +7345,7 @@
           </a:ln>
         </p:spPr>
         <p:txBody>
-          <a:bodyPr anchorCtr="0" anchor="ctr" bIns="45700" lIns="91425" spcFirstLastPara="1" rIns="91425" wrap="square" tIns="45700">
+          <a:bodyPr spcFirstLastPara="1" wrap="square" lIns="91425" tIns="45700" rIns="91425" bIns="45700" anchor="ctr" anchorCtr="0">
             <a:normAutofit/>
           </a:bodyPr>
           <a:lstStyle>
@@ -7156,15 +7455,19 @@
               <a:defRPr/>
             </a:lvl9pPr>
           </a:lstStyle>
-          <a:p/>
+          <a:p>
+            <a:endParaRPr/>
+          </a:p>
         </p:txBody>
       </p:sp>
       <p:sp>
         <p:nvSpPr>
           <p:cNvPr id="47" name="Google Shape;47;p13"/>
-          <p:cNvSpPr txBox="1"/>
+          <p:cNvSpPr txBox="1">
+            <a:spLocks noGrp="1"/>
+          </p:cNvSpPr>
           <p:nvPr>
-            <p:ph idx="10" type="dt"/>
+            <p:ph type="dt" idx="10"/>
           </p:nvPr>
         </p:nvSpPr>
         <p:spPr>
@@ -7181,7 +7484,7 @@
           </a:ln>
         </p:spPr>
         <p:txBody>
-          <a:bodyPr anchorCtr="0" anchor="ctr" bIns="45700" lIns="91425" spcFirstLastPara="1" rIns="91425" wrap="square" tIns="45700">
+          <a:bodyPr spcFirstLastPara="1" wrap="square" lIns="91425" tIns="45700" rIns="91425" bIns="45700" anchor="ctr" anchorCtr="0">
             <a:noAutofit/>
           </a:bodyPr>
           <a:lstStyle>
@@ -7285,15 +7588,19 @@
               <a:defRPr/>
             </a:lvl9pPr>
           </a:lstStyle>
-          <a:p/>
+          <a:p>
+            <a:endParaRPr/>
+          </a:p>
         </p:txBody>
       </p:sp>
       <p:sp>
         <p:nvSpPr>
           <p:cNvPr id="48" name="Google Shape;48;p13"/>
-          <p:cNvSpPr txBox="1"/>
+          <p:cNvSpPr txBox="1">
+            <a:spLocks noGrp="1"/>
+          </p:cNvSpPr>
           <p:nvPr>
-            <p:ph idx="11" type="ftr"/>
+            <p:ph type="ftr" idx="11"/>
           </p:nvPr>
         </p:nvSpPr>
         <p:spPr>
@@ -7310,7 +7617,7 @@
           </a:ln>
         </p:spPr>
         <p:txBody>
-          <a:bodyPr anchorCtr="0" anchor="ctr" bIns="45700" lIns="91425" spcFirstLastPara="1" rIns="91425" wrap="square" tIns="45700">
+          <a:bodyPr spcFirstLastPara="1" wrap="square" lIns="91425" tIns="45700" rIns="91425" bIns="45700" anchor="ctr" anchorCtr="0">
             <a:noAutofit/>
           </a:bodyPr>
           <a:lstStyle>
@@ -7414,15 +7721,19 @@
               <a:defRPr/>
             </a:lvl9pPr>
           </a:lstStyle>
-          <a:p/>
+          <a:p>
+            <a:endParaRPr/>
+          </a:p>
         </p:txBody>
       </p:sp>
       <p:sp>
         <p:nvSpPr>
           <p:cNvPr id="49" name="Google Shape;49;p13"/>
-          <p:cNvSpPr txBox="1"/>
+          <p:cNvSpPr txBox="1">
+            <a:spLocks noGrp="1"/>
+          </p:cNvSpPr>
           <p:nvPr>
-            <p:ph idx="12" type="sldNum"/>
+            <p:ph type="sldNum" idx="12"/>
           </p:nvPr>
         </p:nvSpPr>
         <p:spPr>
@@ -7439,67 +7750,67 @@
           </a:ln>
         </p:spPr>
         <p:txBody>
-          <a:bodyPr anchorCtr="0" anchor="ctr" bIns="45700" lIns="91425" spcFirstLastPara="1" rIns="91425" wrap="square" tIns="45700">
+          <a:bodyPr spcFirstLastPara="1" wrap="square" lIns="91425" tIns="45700" rIns="91425" bIns="45700" anchor="ctr" anchorCtr="0">
             <a:noAutofit/>
           </a:bodyPr>
           <a:lstStyle>
-            <a:lvl1pPr indent="0" lvl="0" marL="0" algn="r">
+            <a:lvl1pPr marL="0" lvl="0" indent="0" algn="r">
               <a:spcBef>
                 <a:spcPts val="0"/>
               </a:spcBef>
               <a:buNone/>
               <a:defRPr/>
             </a:lvl1pPr>
-            <a:lvl2pPr indent="0" lvl="1" marL="0" algn="r">
+            <a:lvl2pPr marL="0" lvl="1" indent="0" algn="r">
               <a:spcBef>
                 <a:spcPts val="0"/>
               </a:spcBef>
               <a:buNone/>
               <a:defRPr/>
             </a:lvl2pPr>
-            <a:lvl3pPr indent="0" lvl="2" marL="0" algn="r">
+            <a:lvl3pPr marL="0" lvl="2" indent="0" algn="r">
               <a:spcBef>
                 <a:spcPts val="0"/>
               </a:spcBef>
               <a:buNone/>
               <a:defRPr/>
             </a:lvl3pPr>
-            <a:lvl4pPr indent="0" lvl="3" marL="0" algn="r">
+            <a:lvl4pPr marL="0" lvl="3" indent="0" algn="r">
               <a:spcBef>
                 <a:spcPts val="0"/>
               </a:spcBef>
               <a:buNone/>
               <a:defRPr/>
             </a:lvl4pPr>
-            <a:lvl5pPr indent="0" lvl="4" marL="0" algn="r">
+            <a:lvl5pPr marL="0" lvl="4" indent="0" algn="r">
               <a:spcBef>
                 <a:spcPts val="0"/>
               </a:spcBef>
               <a:buNone/>
               <a:defRPr/>
             </a:lvl5pPr>
-            <a:lvl6pPr indent="0" lvl="5" marL="0" algn="r">
+            <a:lvl6pPr marL="0" lvl="5" indent="0" algn="r">
               <a:spcBef>
                 <a:spcPts val="0"/>
               </a:spcBef>
               <a:buNone/>
               <a:defRPr/>
             </a:lvl6pPr>
-            <a:lvl7pPr indent="0" lvl="6" marL="0" algn="r">
+            <a:lvl7pPr marL="0" lvl="6" indent="0" algn="r">
               <a:spcBef>
                 <a:spcPts val="0"/>
               </a:spcBef>
               <a:buNone/>
               <a:defRPr/>
             </a:lvl7pPr>
-            <a:lvl8pPr indent="0" lvl="7" marL="0" algn="r">
+            <a:lvl8pPr marL="0" lvl="7" indent="0" algn="r">
               <a:spcBef>
                 <a:spcPts val="0"/>
               </a:spcBef>
               <a:buNone/>
               <a:defRPr/>
             </a:lvl8pPr>
-            <a:lvl9pPr indent="0" lvl="8" marL="0" algn="r">
+            <a:lvl9pPr marL="0" lvl="8" indent="0" algn="r">
               <a:spcBef>
                 <a:spcPts val="0"/>
               </a:spcBef>
@@ -7508,7 +7819,7 @@
             </a:lvl9pPr>
           </a:lstStyle>
           <a:p>
-            <a:pPr indent="0" lvl="0" marL="0" rtl="0" algn="r">
+            <a:pPr marL="0" lvl="0" indent="0" algn="r" rtl="0">
               <a:spcBef>
                 <a:spcPts val="0"/>
               </a:spcBef>
@@ -7534,11 +7845,11 @@
 </file>
 
 <file path=ppt/slideLayouts/slideLayout7.xml><?xml version="1.0" encoding="utf-8"?>
-<p:sldLayout xmlns:a="http://schemas.openxmlformats.org/drawingml/2006/main" xmlns:r="http://schemas.openxmlformats.org/officeDocument/2006/relationships" xmlns:mc="http://schemas.openxmlformats.org/markup-compatibility/2006" xmlns:mv="urn:schemas-microsoft-com:mac:vml" xmlns:p="http://schemas.openxmlformats.org/presentationml/2006/main" xmlns:c="http://schemas.openxmlformats.org/drawingml/2006/chart" xmlns:dgm="http://schemas.openxmlformats.org/drawingml/2006/diagram" xmlns:o="urn:schemas-microsoft-com:office:office" xmlns:v="urn:schemas-microsoft-com:vml" xmlns:pvml="urn:schemas-microsoft-com:office:powerpoint" xmlns:com="http://schemas.openxmlformats.org/drawingml/2006/compatibility" xmlns:p14="http://schemas.microsoft.com/office/powerpoint/2010/main" xmlns:p15="http://schemas.microsoft.com/office/powerpoint/2012/main" matchingName="Пустой слайд" type="blank">
+<p:sldLayout xmlns:a="http://schemas.openxmlformats.org/drawingml/2006/main" xmlns:r="http://schemas.openxmlformats.org/officeDocument/2006/relationships" xmlns:p="http://schemas.openxmlformats.org/presentationml/2006/main" matchingName="Пустой слайд" type="blank">
   <p:cSld name="BLANK">
     <p:spTree>
       <p:nvGrpSpPr>
-        <p:cNvPr id="50" name="Shape 50"/>
+        <p:cNvPr id="1" name="Shape 50"/>
         <p:cNvGrpSpPr/>
         <p:nvPr/>
       </p:nvGrpSpPr>
@@ -7553,9 +7864,11 @@
       <p:sp>
         <p:nvSpPr>
           <p:cNvPr id="51" name="Google Shape;51;p14"/>
-          <p:cNvSpPr txBox="1"/>
+          <p:cNvSpPr txBox="1">
+            <a:spLocks noGrp="1"/>
+          </p:cNvSpPr>
           <p:nvPr>
-            <p:ph idx="10" type="dt"/>
+            <p:ph type="dt" idx="10"/>
           </p:nvPr>
         </p:nvSpPr>
         <p:spPr>
@@ -7572,7 +7885,7 @@
           </a:ln>
         </p:spPr>
         <p:txBody>
-          <a:bodyPr anchorCtr="0" anchor="ctr" bIns="45700" lIns="91425" spcFirstLastPara="1" rIns="91425" wrap="square" tIns="45700">
+          <a:bodyPr spcFirstLastPara="1" wrap="square" lIns="91425" tIns="45700" rIns="91425" bIns="45700" anchor="ctr" anchorCtr="0">
             <a:noAutofit/>
           </a:bodyPr>
           <a:lstStyle>
@@ -7676,15 +7989,19 @@
               <a:defRPr/>
             </a:lvl9pPr>
           </a:lstStyle>
-          <a:p/>
+          <a:p>
+            <a:endParaRPr/>
+          </a:p>
         </p:txBody>
       </p:sp>
       <p:sp>
         <p:nvSpPr>
           <p:cNvPr id="52" name="Google Shape;52;p14"/>
-          <p:cNvSpPr txBox="1"/>
+          <p:cNvSpPr txBox="1">
+            <a:spLocks noGrp="1"/>
+          </p:cNvSpPr>
           <p:nvPr>
-            <p:ph idx="11" type="ftr"/>
+            <p:ph type="ftr" idx="11"/>
           </p:nvPr>
         </p:nvSpPr>
         <p:spPr>
@@ -7701,7 +8018,7 @@
           </a:ln>
         </p:spPr>
         <p:txBody>
-          <a:bodyPr anchorCtr="0" anchor="ctr" bIns="45700" lIns="91425" spcFirstLastPara="1" rIns="91425" wrap="square" tIns="45700">
+          <a:bodyPr spcFirstLastPara="1" wrap="square" lIns="91425" tIns="45700" rIns="91425" bIns="45700" anchor="ctr" anchorCtr="0">
             <a:noAutofit/>
           </a:bodyPr>
           <a:lstStyle>
@@ -7805,15 +8122,19 @@
               <a:defRPr/>
             </a:lvl9pPr>
           </a:lstStyle>
-          <a:p/>
+          <a:p>
+            <a:endParaRPr/>
+          </a:p>
         </p:txBody>
       </p:sp>
       <p:sp>
         <p:nvSpPr>
           <p:cNvPr id="53" name="Google Shape;53;p14"/>
-          <p:cNvSpPr txBox="1"/>
+          <p:cNvSpPr txBox="1">
+            <a:spLocks noGrp="1"/>
+          </p:cNvSpPr>
           <p:nvPr>
-            <p:ph idx="12" type="sldNum"/>
+            <p:ph type="sldNum" idx="12"/>
           </p:nvPr>
         </p:nvSpPr>
         <p:spPr>
@@ -7830,67 +8151,67 @@
           </a:ln>
         </p:spPr>
         <p:txBody>
-          <a:bodyPr anchorCtr="0" anchor="ctr" bIns="45700" lIns="91425" spcFirstLastPara="1" rIns="91425" wrap="square" tIns="45700">
+          <a:bodyPr spcFirstLastPara="1" wrap="square" lIns="91425" tIns="45700" rIns="91425" bIns="45700" anchor="ctr" anchorCtr="0">
             <a:noAutofit/>
           </a:bodyPr>
           <a:lstStyle>
-            <a:lvl1pPr indent="0" lvl="0" marL="0" algn="r">
+            <a:lvl1pPr marL="0" lvl="0" indent="0" algn="r">
               <a:spcBef>
                 <a:spcPts val="0"/>
               </a:spcBef>
               <a:buNone/>
               <a:defRPr/>
             </a:lvl1pPr>
-            <a:lvl2pPr indent="0" lvl="1" marL="0" algn="r">
+            <a:lvl2pPr marL="0" lvl="1" indent="0" algn="r">
               <a:spcBef>
                 <a:spcPts val="0"/>
               </a:spcBef>
               <a:buNone/>
               <a:defRPr/>
             </a:lvl2pPr>
-            <a:lvl3pPr indent="0" lvl="2" marL="0" algn="r">
+            <a:lvl3pPr marL="0" lvl="2" indent="0" algn="r">
               <a:spcBef>
                 <a:spcPts val="0"/>
               </a:spcBef>
               <a:buNone/>
               <a:defRPr/>
             </a:lvl3pPr>
-            <a:lvl4pPr indent="0" lvl="3" marL="0" algn="r">
+            <a:lvl4pPr marL="0" lvl="3" indent="0" algn="r">
               <a:spcBef>
                 <a:spcPts val="0"/>
               </a:spcBef>
               <a:buNone/>
               <a:defRPr/>
             </a:lvl4pPr>
-            <a:lvl5pPr indent="0" lvl="4" marL="0" algn="r">
+            <a:lvl5pPr marL="0" lvl="4" indent="0" algn="r">
               <a:spcBef>
                 <a:spcPts val="0"/>
               </a:spcBef>
               <a:buNone/>
               <a:defRPr/>
             </a:lvl5pPr>
-            <a:lvl6pPr indent="0" lvl="5" marL="0" algn="r">
+            <a:lvl6pPr marL="0" lvl="5" indent="0" algn="r">
               <a:spcBef>
                 <a:spcPts val="0"/>
               </a:spcBef>
               <a:buNone/>
               <a:defRPr/>
             </a:lvl6pPr>
-            <a:lvl7pPr indent="0" lvl="6" marL="0" algn="r">
+            <a:lvl7pPr marL="0" lvl="6" indent="0" algn="r">
               <a:spcBef>
                 <a:spcPts val="0"/>
               </a:spcBef>
               <a:buNone/>
               <a:defRPr/>
             </a:lvl7pPr>
-            <a:lvl8pPr indent="0" lvl="7" marL="0" algn="r">
+            <a:lvl8pPr marL="0" lvl="7" indent="0" algn="r">
               <a:spcBef>
                 <a:spcPts val="0"/>
               </a:spcBef>
               <a:buNone/>
               <a:defRPr/>
             </a:lvl8pPr>
-            <a:lvl9pPr indent="0" lvl="8" marL="0" algn="r">
+            <a:lvl9pPr marL="0" lvl="8" indent="0" algn="r">
               <a:spcBef>
                 <a:spcPts val="0"/>
               </a:spcBef>
@@ -7899,7 +8220,7 @@
             </a:lvl9pPr>
           </a:lstStyle>
           <a:p>
-            <a:pPr indent="0" lvl="0" marL="0" rtl="0" algn="r">
+            <a:pPr marL="0" lvl="0" indent="0" algn="r" rtl="0">
               <a:spcBef>
                 <a:spcPts val="0"/>
               </a:spcBef>
@@ -7925,11 +8246,11 @@
 </file>
 
 <file path=ppt/slideLayouts/slideLayout8.xml><?xml version="1.0" encoding="utf-8"?>
-<p:sldLayout xmlns:a="http://schemas.openxmlformats.org/drawingml/2006/main" xmlns:r="http://schemas.openxmlformats.org/officeDocument/2006/relationships" xmlns:mc="http://schemas.openxmlformats.org/markup-compatibility/2006" xmlns:mv="urn:schemas-microsoft-com:mac:vml" xmlns:p="http://schemas.openxmlformats.org/presentationml/2006/main" xmlns:c="http://schemas.openxmlformats.org/drawingml/2006/chart" xmlns:dgm="http://schemas.openxmlformats.org/drawingml/2006/diagram" xmlns:o="urn:schemas-microsoft-com:office:office" xmlns:v="urn:schemas-microsoft-com:vml" xmlns:pvml="urn:schemas-microsoft-com:office:powerpoint" xmlns:com="http://schemas.openxmlformats.org/drawingml/2006/compatibility" xmlns:p14="http://schemas.microsoft.com/office/powerpoint/2010/main" xmlns:p15="http://schemas.microsoft.com/office/powerpoint/2012/main" matchingName="Объект с подписью" type="objTx">
+<p:sldLayout xmlns:a="http://schemas.openxmlformats.org/drawingml/2006/main" xmlns:r="http://schemas.openxmlformats.org/officeDocument/2006/relationships" xmlns:p="http://schemas.openxmlformats.org/presentationml/2006/main" matchingName="Объект с подписью" type="objTx">
   <p:cSld name="OBJECT_WITH_CAPTION_TEXT">
     <p:spTree>
       <p:nvGrpSpPr>
-        <p:cNvPr id="54" name="Shape 54"/>
+        <p:cNvPr id="1" name="Shape 54"/>
         <p:cNvGrpSpPr/>
         <p:nvPr/>
       </p:nvGrpSpPr>
@@ -7944,7 +8265,9 @@
       <p:sp>
         <p:nvSpPr>
           <p:cNvPr id="55" name="Google Shape;55;p15"/>
-          <p:cNvSpPr txBox="1"/>
+          <p:cNvSpPr txBox="1">
+            <a:spLocks noGrp="1"/>
+          </p:cNvSpPr>
           <p:nvPr>
             <p:ph type="title"/>
           </p:nvPr>
@@ -7963,7 +8286,7 @@
           </a:ln>
         </p:spPr>
         <p:txBody>
-          <a:bodyPr anchorCtr="0" anchor="b" bIns="45700" lIns="91425" spcFirstLastPara="1" rIns="91425" wrap="square" tIns="45700">
+          <a:bodyPr spcFirstLastPara="1" wrap="square" lIns="91425" tIns="45700" rIns="91425" bIns="45700" anchor="b" anchorCtr="0">
             <a:normAutofit/>
           </a:bodyPr>
           <a:lstStyle>
@@ -8074,15 +8397,19 @@
               <a:defRPr/>
             </a:lvl9pPr>
           </a:lstStyle>
-          <a:p/>
+          <a:p>
+            <a:endParaRPr/>
+          </a:p>
         </p:txBody>
       </p:sp>
       <p:sp>
         <p:nvSpPr>
           <p:cNvPr id="56" name="Google Shape;56;p15"/>
-          <p:cNvSpPr txBox="1"/>
+          <p:cNvSpPr txBox="1">
+            <a:spLocks noGrp="1"/>
+          </p:cNvSpPr>
           <p:nvPr>
-            <p:ph idx="1" type="body"/>
+            <p:ph type="body" idx="1"/>
           </p:nvPr>
         </p:nvSpPr>
         <p:spPr>
@@ -8099,11 +8426,11 @@
           </a:ln>
         </p:spPr>
         <p:txBody>
-          <a:bodyPr anchorCtr="0" anchor="t" bIns="45700" lIns="91425" spcFirstLastPara="1" rIns="91425" wrap="square" tIns="45700">
+          <a:bodyPr spcFirstLastPara="1" wrap="square" lIns="91425" tIns="45700" rIns="91425" bIns="45700" anchor="t" anchorCtr="0">
             <a:normAutofit/>
           </a:bodyPr>
           <a:lstStyle>
-            <a:lvl1pPr indent="-431800" lvl="0" marL="457200" algn="l">
+            <a:lvl1pPr marL="457200" lvl="0" indent="-431800" algn="l">
               <a:lnSpc>
                 <a:spcPct val="90000"/>
               </a:lnSpc>
@@ -8120,7 +8447,7 @@
               <a:buChar char="•"/>
               <a:defRPr sz="3200"/>
             </a:lvl1pPr>
-            <a:lvl2pPr indent="-406400" lvl="1" marL="914400" algn="l">
+            <a:lvl2pPr marL="914400" lvl="1" indent="-406400" algn="l">
               <a:lnSpc>
                 <a:spcPct val="90000"/>
               </a:lnSpc>
@@ -8137,7 +8464,7 @@
               <a:buChar char="•"/>
               <a:defRPr sz="2800"/>
             </a:lvl2pPr>
-            <a:lvl3pPr indent="-381000" lvl="2" marL="1371600" algn="l">
+            <a:lvl3pPr marL="1371600" lvl="2" indent="-381000" algn="l">
               <a:lnSpc>
                 <a:spcPct val="90000"/>
               </a:lnSpc>
@@ -8154,7 +8481,7 @@
               <a:buChar char="•"/>
               <a:defRPr sz="2400"/>
             </a:lvl3pPr>
-            <a:lvl4pPr indent="-355600" lvl="3" marL="1828800" algn="l">
+            <a:lvl4pPr marL="1828800" lvl="3" indent="-355600" algn="l">
               <a:lnSpc>
                 <a:spcPct val="90000"/>
               </a:lnSpc>
@@ -8171,7 +8498,7 @@
               <a:buChar char="•"/>
               <a:defRPr sz="2000"/>
             </a:lvl4pPr>
-            <a:lvl5pPr indent="-355600" lvl="4" marL="2286000" algn="l">
+            <a:lvl5pPr marL="2286000" lvl="4" indent="-355600" algn="l">
               <a:lnSpc>
                 <a:spcPct val="90000"/>
               </a:lnSpc>
@@ -8188,7 +8515,7 @@
               <a:buChar char="•"/>
               <a:defRPr sz="2000"/>
             </a:lvl5pPr>
-            <a:lvl6pPr indent="-355600" lvl="5" marL="2743200" algn="l">
+            <a:lvl6pPr marL="2743200" lvl="5" indent="-355600" algn="l">
               <a:lnSpc>
                 <a:spcPct val="90000"/>
               </a:lnSpc>
@@ -8205,7 +8532,7 @@
               <a:buChar char="•"/>
               <a:defRPr sz="2000"/>
             </a:lvl6pPr>
-            <a:lvl7pPr indent="-355600" lvl="6" marL="3200400" algn="l">
+            <a:lvl7pPr marL="3200400" lvl="6" indent="-355600" algn="l">
               <a:lnSpc>
                 <a:spcPct val="90000"/>
               </a:lnSpc>
@@ -8222,7 +8549,7 @@
               <a:buChar char="•"/>
               <a:defRPr sz="2000"/>
             </a:lvl7pPr>
-            <a:lvl8pPr indent="-355600" lvl="7" marL="3657600" algn="l">
+            <a:lvl8pPr marL="3657600" lvl="7" indent="-355600" algn="l">
               <a:lnSpc>
                 <a:spcPct val="90000"/>
               </a:lnSpc>
@@ -8239,7 +8566,7 @@
               <a:buChar char="•"/>
               <a:defRPr sz="2000"/>
             </a:lvl8pPr>
-            <a:lvl9pPr indent="-355600" lvl="8" marL="4114800" algn="l">
+            <a:lvl9pPr marL="4114800" lvl="8" indent="-355600" algn="l">
               <a:lnSpc>
                 <a:spcPct val="90000"/>
               </a:lnSpc>
@@ -8257,15 +8584,19 @@
               <a:defRPr sz="2000"/>
             </a:lvl9pPr>
           </a:lstStyle>
-          <a:p/>
+          <a:p>
+            <a:endParaRPr/>
+          </a:p>
         </p:txBody>
       </p:sp>
       <p:sp>
         <p:nvSpPr>
           <p:cNvPr id="57" name="Google Shape;57;p15"/>
-          <p:cNvSpPr txBox="1"/>
+          <p:cNvSpPr txBox="1">
+            <a:spLocks noGrp="1"/>
+          </p:cNvSpPr>
           <p:nvPr>
-            <p:ph idx="2" type="body"/>
+            <p:ph type="body" idx="2"/>
           </p:nvPr>
         </p:nvSpPr>
         <p:spPr>
@@ -8282,11 +8613,11 @@
           </a:ln>
         </p:spPr>
         <p:txBody>
-          <a:bodyPr anchorCtr="0" anchor="t" bIns="45700" lIns="91425" spcFirstLastPara="1" rIns="91425" wrap="square" tIns="45700">
+          <a:bodyPr spcFirstLastPara="1" wrap="square" lIns="91425" tIns="45700" rIns="91425" bIns="45700" anchor="t" anchorCtr="0">
             <a:normAutofit/>
           </a:bodyPr>
           <a:lstStyle>
-            <a:lvl1pPr indent="-228600" lvl="0" marL="457200" algn="l">
+            <a:lvl1pPr marL="457200" lvl="0" indent="-228600" algn="l">
               <a:lnSpc>
                 <a:spcPct val="90000"/>
               </a:lnSpc>
@@ -8303,7 +8634,7 @@
               <a:buNone/>
               <a:defRPr sz="1600"/>
             </a:lvl1pPr>
-            <a:lvl2pPr indent="-228600" lvl="1" marL="914400" algn="l">
+            <a:lvl2pPr marL="914400" lvl="1" indent="-228600" algn="l">
               <a:lnSpc>
                 <a:spcPct val="90000"/>
               </a:lnSpc>
@@ -8320,7 +8651,7 @@
               <a:buNone/>
               <a:defRPr sz="1400"/>
             </a:lvl2pPr>
-            <a:lvl3pPr indent="-228600" lvl="2" marL="1371600" algn="l">
+            <a:lvl3pPr marL="1371600" lvl="2" indent="-228600" algn="l">
               <a:lnSpc>
                 <a:spcPct val="90000"/>
               </a:lnSpc>
@@ -8337,7 +8668,7 @@
               <a:buNone/>
               <a:defRPr sz="1200"/>
             </a:lvl3pPr>
-            <a:lvl4pPr indent="-228600" lvl="3" marL="1828800" algn="l">
+            <a:lvl4pPr marL="1828800" lvl="3" indent="-228600" algn="l">
               <a:lnSpc>
                 <a:spcPct val="90000"/>
               </a:lnSpc>
@@ -8354,7 +8685,7 @@
               <a:buNone/>
               <a:defRPr sz="1000"/>
             </a:lvl4pPr>
-            <a:lvl5pPr indent="-228600" lvl="4" marL="2286000" algn="l">
+            <a:lvl5pPr marL="2286000" lvl="4" indent="-228600" algn="l">
               <a:lnSpc>
                 <a:spcPct val="90000"/>
               </a:lnSpc>
@@ -8371,7 +8702,7 @@
               <a:buNone/>
               <a:defRPr sz="1000"/>
             </a:lvl5pPr>
-            <a:lvl6pPr indent="-228600" lvl="5" marL="2743200" algn="l">
+            <a:lvl6pPr marL="2743200" lvl="5" indent="-228600" algn="l">
               <a:lnSpc>
                 <a:spcPct val="90000"/>
               </a:lnSpc>
@@ -8388,7 +8719,7 @@
               <a:buNone/>
               <a:defRPr sz="1000"/>
             </a:lvl6pPr>
-            <a:lvl7pPr indent="-228600" lvl="6" marL="3200400" algn="l">
+            <a:lvl7pPr marL="3200400" lvl="6" indent="-228600" algn="l">
               <a:lnSpc>
                 <a:spcPct val="90000"/>
               </a:lnSpc>
@@ -8405,7 +8736,7 @@
               <a:buNone/>
               <a:defRPr sz="1000"/>
             </a:lvl7pPr>
-            <a:lvl8pPr indent="-228600" lvl="7" marL="3657600" algn="l">
+            <a:lvl8pPr marL="3657600" lvl="7" indent="-228600" algn="l">
               <a:lnSpc>
                 <a:spcPct val="90000"/>
               </a:lnSpc>
@@ -8422,7 +8753,7 @@
               <a:buNone/>
               <a:defRPr sz="1000"/>
             </a:lvl8pPr>
-            <a:lvl9pPr indent="-228600" lvl="8" marL="4114800" algn="l">
+            <a:lvl9pPr marL="4114800" lvl="8" indent="-228600" algn="l">
               <a:lnSpc>
                 <a:spcPct val="90000"/>
               </a:lnSpc>
@@ -8440,15 +8771,19 @@
               <a:defRPr sz="1000"/>
             </a:lvl9pPr>
           </a:lstStyle>
-          <a:p/>
+          <a:p>
+            <a:endParaRPr/>
+          </a:p>
         </p:txBody>
       </p:sp>
       <p:sp>
         <p:nvSpPr>
           <p:cNvPr id="58" name="Google Shape;58;p15"/>
-          <p:cNvSpPr txBox="1"/>
+          <p:cNvSpPr txBox="1">
+            <a:spLocks noGrp="1"/>
+          </p:cNvSpPr>
           <p:nvPr>
-            <p:ph idx="10" type="dt"/>
+            <p:ph type="dt" idx="10"/>
           </p:nvPr>
         </p:nvSpPr>
         <p:spPr>
@@ -8465,7 +8800,7 @@
           </a:ln>
         </p:spPr>
         <p:txBody>
-          <a:bodyPr anchorCtr="0" anchor="ctr" bIns="45700" lIns="91425" spcFirstLastPara="1" rIns="91425" wrap="square" tIns="45700">
+          <a:bodyPr spcFirstLastPara="1" wrap="square" lIns="91425" tIns="45700" rIns="91425" bIns="45700" anchor="ctr" anchorCtr="0">
             <a:noAutofit/>
           </a:bodyPr>
           <a:lstStyle>
@@ -8569,15 +8904,19 @@
               <a:defRPr/>
             </a:lvl9pPr>
           </a:lstStyle>
-          <a:p/>
+          <a:p>
+            <a:endParaRPr/>
+          </a:p>
         </p:txBody>
       </p:sp>
       <p:sp>
         <p:nvSpPr>
           <p:cNvPr id="59" name="Google Shape;59;p15"/>
-          <p:cNvSpPr txBox="1"/>
+          <p:cNvSpPr txBox="1">
+            <a:spLocks noGrp="1"/>
+          </p:cNvSpPr>
           <p:nvPr>
-            <p:ph idx="11" type="ftr"/>
+            <p:ph type="ftr" idx="11"/>
           </p:nvPr>
         </p:nvSpPr>
         <p:spPr>
@@ -8594,7 +8933,7 @@
           </a:ln>
         </p:spPr>
         <p:txBody>
-          <a:bodyPr anchorCtr="0" anchor="ctr" bIns="45700" lIns="91425" spcFirstLastPara="1" rIns="91425" wrap="square" tIns="45700">
+          <a:bodyPr spcFirstLastPara="1" wrap="square" lIns="91425" tIns="45700" rIns="91425" bIns="45700" anchor="ctr" anchorCtr="0">
             <a:noAutofit/>
           </a:bodyPr>
           <a:lstStyle>
@@ -8698,15 +9037,19 @@
               <a:defRPr/>
             </a:lvl9pPr>
           </a:lstStyle>
-          <a:p/>
+          <a:p>
+            <a:endParaRPr/>
+          </a:p>
         </p:txBody>
       </p:sp>
       <p:sp>
         <p:nvSpPr>
           <p:cNvPr id="60" name="Google Shape;60;p15"/>
-          <p:cNvSpPr txBox="1"/>
+          <p:cNvSpPr txBox="1">
+            <a:spLocks noGrp="1"/>
+          </p:cNvSpPr>
           <p:nvPr>
-            <p:ph idx="12" type="sldNum"/>
+            <p:ph type="sldNum" idx="12"/>
           </p:nvPr>
         </p:nvSpPr>
         <p:spPr>
@@ -8723,67 +9066,67 @@
           </a:ln>
         </p:spPr>
         <p:txBody>
-          <a:bodyPr anchorCtr="0" anchor="ctr" bIns="45700" lIns="91425" spcFirstLastPara="1" rIns="91425" wrap="square" tIns="45700">
+          <a:bodyPr spcFirstLastPara="1" wrap="square" lIns="91425" tIns="45700" rIns="91425" bIns="45700" anchor="ctr" anchorCtr="0">
             <a:noAutofit/>
           </a:bodyPr>
           <a:lstStyle>
-            <a:lvl1pPr indent="0" lvl="0" marL="0" algn="r">
+            <a:lvl1pPr marL="0" lvl="0" indent="0" algn="r">
               <a:spcBef>
                 <a:spcPts val="0"/>
               </a:spcBef>
               <a:buNone/>
               <a:defRPr/>
             </a:lvl1pPr>
-            <a:lvl2pPr indent="0" lvl="1" marL="0" algn="r">
+            <a:lvl2pPr marL="0" lvl="1" indent="0" algn="r">
               <a:spcBef>
                 <a:spcPts val="0"/>
               </a:spcBef>
               <a:buNone/>
               <a:defRPr/>
             </a:lvl2pPr>
-            <a:lvl3pPr indent="0" lvl="2" marL="0" algn="r">
+            <a:lvl3pPr marL="0" lvl="2" indent="0" algn="r">
               <a:spcBef>
                 <a:spcPts val="0"/>
               </a:spcBef>
               <a:buNone/>
               <a:defRPr/>
             </a:lvl3pPr>
-            <a:lvl4pPr indent="0" lvl="3" marL="0" algn="r">
+            <a:lvl4pPr marL="0" lvl="3" indent="0" algn="r">
               <a:spcBef>
                 <a:spcPts val="0"/>
               </a:spcBef>
               <a:buNone/>
               <a:defRPr/>
             </a:lvl4pPr>
-            <a:lvl5pPr indent="0" lvl="4" marL="0" algn="r">
+            <a:lvl5pPr marL="0" lvl="4" indent="0" algn="r">
               <a:spcBef>
                 <a:spcPts val="0"/>
               </a:spcBef>
               <a:buNone/>
               <a:defRPr/>
             </a:lvl5pPr>
-            <a:lvl6pPr indent="0" lvl="5" marL="0" algn="r">
+            <a:lvl6pPr marL="0" lvl="5" indent="0" algn="r">
               <a:spcBef>
                 <a:spcPts val="0"/>
               </a:spcBef>
               <a:buNone/>
               <a:defRPr/>
             </a:lvl6pPr>
-            <a:lvl7pPr indent="0" lvl="6" marL="0" algn="r">
+            <a:lvl7pPr marL="0" lvl="6" indent="0" algn="r">
               <a:spcBef>
                 <a:spcPts val="0"/>
               </a:spcBef>
               <a:buNone/>
               <a:defRPr/>
             </a:lvl7pPr>
-            <a:lvl8pPr indent="0" lvl="7" marL="0" algn="r">
+            <a:lvl8pPr marL="0" lvl="7" indent="0" algn="r">
               <a:spcBef>
                 <a:spcPts val="0"/>
               </a:spcBef>
               <a:buNone/>
               <a:defRPr/>
             </a:lvl8pPr>
-            <a:lvl9pPr indent="0" lvl="8" marL="0" algn="r">
+            <a:lvl9pPr marL="0" lvl="8" indent="0" algn="r">
               <a:spcBef>
                 <a:spcPts val="0"/>
               </a:spcBef>
@@ -8792,7 +9135,7 @@
             </a:lvl9pPr>
           </a:lstStyle>
           <a:p>
-            <a:pPr indent="0" lvl="0" marL="0" rtl="0" algn="r">
+            <a:pPr marL="0" lvl="0" indent="0" algn="r" rtl="0">
               <a:spcBef>
                 <a:spcPts val="0"/>
               </a:spcBef>
@@ -8818,11 +9161,11 @@
 </file>
 
 <file path=ppt/slideLayouts/slideLayout9.xml><?xml version="1.0" encoding="utf-8"?>
-<p:sldLayout xmlns:a="http://schemas.openxmlformats.org/drawingml/2006/main" xmlns:r="http://schemas.openxmlformats.org/officeDocument/2006/relationships" xmlns:mc="http://schemas.openxmlformats.org/markup-compatibility/2006" xmlns:mv="urn:schemas-microsoft-com:mac:vml" xmlns:p="http://schemas.openxmlformats.org/presentationml/2006/main" xmlns:c="http://schemas.openxmlformats.org/drawingml/2006/chart" xmlns:dgm="http://schemas.openxmlformats.org/drawingml/2006/diagram" xmlns:o="urn:schemas-microsoft-com:office:office" xmlns:v="urn:schemas-microsoft-com:vml" xmlns:pvml="urn:schemas-microsoft-com:office:powerpoint" xmlns:com="http://schemas.openxmlformats.org/drawingml/2006/compatibility" xmlns:p14="http://schemas.microsoft.com/office/powerpoint/2010/main" xmlns:p15="http://schemas.microsoft.com/office/powerpoint/2012/main" matchingName="Рисунок с подписью" type="picTx">
+<p:sldLayout xmlns:a="http://schemas.openxmlformats.org/drawingml/2006/main" xmlns:r="http://schemas.openxmlformats.org/officeDocument/2006/relationships" xmlns:p="http://schemas.openxmlformats.org/presentationml/2006/main" matchingName="Рисунок с подписью" type="picTx">
   <p:cSld name="PICTURE_WITH_CAPTION_TEXT">
     <p:spTree>
       <p:nvGrpSpPr>
-        <p:cNvPr id="61" name="Shape 61"/>
+        <p:cNvPr id="1" name="Shape 61"/>
         <p:cNvGrpSpPr/>
         <p:nvPr/>
       </p:nvGrpSpPr>
@@ -8837,7 +9180,9 @@
       <p:sp>
         <p:nvSpPr>
           <p:cNvPr id="62" name="Google Shape;62;p16"/>
-          <p:cNvSpPr txBox="1"/>
+          <p:cNvSpPr txBox="1">
+            <a:spLocks noGrp="1"/>
+          </p:cNvSpPr>
           <p:nvPr>
             <p:ph type="title"/>
           </p:nvPr>
@@ -8856,7 +9201,7 @@
           </a:ln>
         </p:spPr>
         <p:txBody>
-          <a:bodyPr anchorCtr="0" anchor="b" bIns="45700" lIns="91425" spcFirstLastPara="1" rIns="91425" wrap="square" tIns="45700">
+          <a:bodyPr spcFirstLastPara="1" wrap="square" lIns="91425" tIns="45700" rIns="91425" bIns="45700" anchor="b" anchorCtr="0">
             <a:normAutofit/>
           </a:bodyPr>
           <a:lstStyle>
@@ -8967,15 +9312,19 @@
               <a:defRPr/>
             </a:lvl9pPr>
           </a:lstStyle>
-          <a:p/>
+          <a:p>
+            <a:endParaRPr/>
+          </a:p>
         </p:txBody>
       </p:sp>
       <p:sp>
         <p:nvSpPr>
           <p:cNvPr id="63" name="Google Shape;63;p16"/>
-          <p:cNvSpPr/>
+          <p:cNvSpPr>
+            <a:spLocks noGrp="1"/>
+          </p:cNvSpPr>
           <p:nvPr>
-            <p:ph idx="2" type="pic"/>
+            <p:ph type="pic" idx="2"/>
           </p:nvPr>
         </p:nvSpPr>
         <p:spPr>
@@ -8992,11 +9341,11 @@
           </a:ln>
         </p:spPr>
         <p:txBody>
-          <a:bodyPr anchorCtr="0" anchor="t" bIns="45700" lIns="91425" spcFirstLastPara="1" rIns="91425" wrap="square" tIns="45700">
+          <a:bodyPr spcFirstLastPara="1" wrap="square" lIns="91425" tIns="45700" rIns="91425" bIns="45700" anchor="t" anchorCtr="0">
             <a:normAutofit/>
           </a:bodyPr>
           <a:lstStyle>
-            <a:lvl1pPr lvl="0" marR="0" rtl="0" algn="l">
+            <a:lvl1pPr marR="0" lvl="0" algn="l" rtl="0">
               <a:lnSpc>
                 <a:spcPct val="90000"/>
               </a:lnSpc>
@@ -9012,7 +9361,7 @@
               <a:buSzPts val="3200"/>
               <a:buFont typeface="Arial"/>
               <a:buNone/>
-              <a:defRPr b="0" i="0" sz="3200" u="none" cap="none" strike="noStrike">
+              <a:defRPr sz="3200" b="0" i="0" u="none" strike="noStrike" cap="none">
                 <a:solidFill>
                   <a:schemeClr val="dk1"/>
                 </a:solidFill>
@@ -9022,7 +9371,7 @@
                 <a:sym typeface="Calibri"/>
               </a:defRPr>
             </a:lvl1pPr>
-            <a:lvl2pPr lvl="1" marR="0" rtl="0" algn="l">
+            <a:lvl2pPr marR="0" lvl="1" algn="l" rtl="0">
               <a:lnSpc>
                 <a:spcPct val="90000"/>
               </a:lnSpc>
@@ -9038,7 +9387,7 @@
               <a:buSzPts val="2800"/>
               <a:buFont typeface="Arial"/>
               <a:buNone/>
-              <a:defRPr b="0" i="0" sz="2800" u="none" cap="none" strike="noStrike">
+              <a:defRPr sz="2800" b="0" i="0" u="none" strike="noStrike" cap="none">
                 <a:solidFill>
                   <a:schemeClr val="dk1"/>
                 </a:solidFill>
@@ -9048,7 +9397,7 @@
                 <a:sym typeface="Calibri"/>
               </a:defRPr>
             </a:lvl2pPr>
-            <a:lvl3pPr lvl="2" marR="0" rtl="0" algn="l">
+            <a:lvl3pPr marR="0" lvl="2" algn="l" rtl="0">
               <a:lnSpc>
                 <a:spcPct val="90000"/>
               </a:lnSpc>
@@ -9064,7 +9413,7 @@
               <a:buSzPts val="2400"/>
               <a:buFont typeface="Arial"/>
               <a:buNone/>
-              <a:defRPr b="0" i="0" sz="2400" u="none" cap="none" strike="noStrike">
+              <a:defRPr sz="2400" b="0" i="0" u="none" strike="noStrike" cap="none">
                 <a:solidFill>
                   <a:schemeClr val="dk1"/>
                 </a:solidFill>
@@ -9074,7 +9423,7 @@
                 <a:sym typeface="Calibri"/>
               </a:defRPr>
             </a:lvl3pPr>
-            <a:lvl4pPr lvl="3" marR="0" rtl="0" algn="l">
+            <a:lvl4pPr marR="0" lvl="3" algn="l" rtl="0">
               <a:lnSpc>
                 <a:spcPct val="90000"/>
               </a:lnSpc>
@@ -9090,7 +9439,7 @@
               <a:buSzPts val="2000"/>
               <a:buFont typeface="Arial"/>
               <a:buNone/>
-              <a:defRPr b="0" i="0" sz="2000" u="none" cap="none" strike="noStrike">
+              <a:defRPr sz="2000" b="0" i="0" u="none" strike="noStrike" cap="none">
                 <a:solidFill>
                   <a:schemeClr val="dk1"/>
                 </a:solidFill>
@@ -9100,7 +9449,7 @@
                 <a:sym typeface="Calibri"/>
               </a:defRPr>
             </a:lvl4pPr>
-            <a:lvl5pPr lvl="4" marR="0" rtl="0" algn="l">
+            <a:lvl5pPr marR="0" lvl="4" algn="l" rtl="0">
               <a:lnSpc>
                 <a:spcPct val="90000"/>
               </a:lnSpc>
@@ -9116,7 +9465,7 @@
               <a:buSzPts val="2000"/>
               <a:buFont typeface="Arial"/>
               <a:buNone/>
-              <a:defRPr b="0" i="0" sz="2000" u="none" cap="none" strike="noStrike">
+              <a:defRPr sz="2000" b="0" i="0" u="none" strike="noStrike" cap="none">
                 <a:solidFill>
                   <a:schemeClr val="dk1"/>
                 </a:solidFill>
@@ -9126,7 +9475,7 @@
                 <a:sym typeface="Calibri"/>
               </a:defRPr>
             </a:lvl5pPr>
-            <a:lvl6pPr lvl="5" marR="0" rtl="0" algn="l">
+            <a:lvl6pPr marR="0" lvl="5" algn="l" rtl="0">
               <a:lnSpc>
                 <a:spcPct val="90000"/>
               </a:lnSpc>
@@ -9142,7 +9491,7 @@
               <a:buSzPts val="2000"/>
               <a:buFont typeface="Arial"/>
               <a:buNone/>
-              <a:defRPr b="0" i="0" sz="2000" u="none" cap="none" strike="noStrike">
+              <a:defRPr sz="2000" b="0" i="0" u="none" strike="noStrike" cap="none">
                 <a:solidFill>
                   <a:schemeClr val="dk1"/>
                 </a:solidFill>
@@ -9152,7 +9501,7 @@
                 <a:sym typeface="Calibri"/>
               </a:defRPr>
             </a:lvl6pPr>
-            <a:lvl7pPr lvl="6" marR="0" rtl="0" algn="l">
+            <a:lvl7pPr marR="0" lvl="6" algn="l" rtl="0">
               <a:lnSpc>
                 <a:spcPct val="90000"/>
               </a:lnSpc>
@@ -9168,7 +9517,7 @@
               <a:buSzPts val="2000"/>
               <a:buFont typeface="Arial"/>
               <a:buNone/>
-              <a:defRPr b="0" i="0" sz="2000" u="none" cap="none" strike="noStrike">
+              <a:defRPr sz="2000" b="0" i="0" u="none" strike="noStrike" cap="none">
                 <a:solidFill>
                   <a:schemeClr val="dk1"/>
                 </a:solidFill>
@@ -9178,7 +9527,7 @@
                 <a:sym typeface="Calibri"/>
               </a:defRPr>
             </a:lvl7pPr>
-            <a:lvl8pPr lvl="7" marR="0" rtl="0" algn="l">
+            <a:lvl8pPr marR="0" lvl="7" algn="l" rtl="0">
               <a:lnSpc>
                 <a:spcPct val="90000"/>
               </a:lnSpc>
@@ -9194,7 +9543,7 @@
               <a:buSzPts val="2000"/>
               <a:buFont typeface="Arial"/>
               <a:buNone/>
-              <a:defRPr b="0" i="0" sz="2000" u="none" cap="none" strike="noStrike">
+              <a:defRPr sz="2000" b="0" i="0" u="none" strike="noStrike" cap="none">
                 <a:solidFill>
                   <a:schemeClr val="dk1"/>
                 </a:solidFill>
@@ -9204,7 +9553,7 @@
                 <a:sym typeface="Calibri"/>
               </a:defRPr>
             </a:lvl8pPr>
-            <a:lvl9pPr lvl="8" marR="0" rtl="0" algn="l">
+            <a:lvl9pPr marR="0" lvl="8" algn="l" rtl="0">
               <a:lnSpc>
                 <a:spcPct val="90000"/>
               </a:lnSpc>
@@ -9220,7 +9569,7 @@
               <a:buSzPts val="2000"/>
               <a:buFont typeface="Arial"/>
               <a:buNone/>
-              <a:defRPr b="0" i="0" sz="2000" u="none" cap="none" strike="noStrike">
+              <a:defRPr sz="2000" b="0" i="0" u="none" strike="noStrike" cap="none">
                 <a:solidFill>
                   <a:schemeClr val="dk1"/>
                 </a:solidFill>
@@ -9231,15 +9580,19 @@
               </a:defRPr>
             </a:lvl9pPr>
           </a:lstStyle>
-          <a:p/>
+          <a:p>
+            <a:endParaRPr/>
+          </a:p>
         </p:txBody>
       </p:sp>
       <p:sp>
         <p:nvSpPr>
           <p:cNvPr id="64" name="Google Shape;64;p16"/>
-          <p:cNvSpPr txBox="1"/>
+          <p:cNvSpPr txBox="1">
+            <a:spLocks noGrp="1"/>
+          </p:cNvSpPr>
           <p:nvPr>
-            <p:ph idx="1" type="body"/>
+            <p:ph type="body" idx="1"/>
           </p:nvPr>
         </p:nvSpPr>
         <p:spPr>
@@ -9256,11 +9609,11 @@
           </a:ln>
         </p:spPr>
         <p:txBody>
-          <a:bodyPr anchorCtr="0" anchor="t" bIns="45700" lIns="91425" spcFirstLastPara="1" rIns="91425" wrap="square" tIns="45700">
+          <a:bodyPr spcFirstLastPara="1" wrap="square" lIns="91425" tIns="45700" rIns="91425" bIns="45700" anchor="t" anchorCtr="0">
             <a:normAutofit/>
           </a:bodyPr>
           <a:lstStyle>
-            <a:lvl1pPr indent="-228600" lvl="0" marL="457200" algn="l">
+            <a:lvl1pPr marL="457200" lvl="0" indent="-228600" algn="l">
               <a:lnSpc>
                 <a:spcPct val="90000"/>
               </a:lnSpc>
@@ -9277,7 +9630,7 @@
               <a:buNone/>
               <a:defRPr sz="1600"/>
             </a:lvl1pPr>
-            <a:lvl2pPr indent="-228600" lvl="1" marL="914400" algn="l">
+            <a:lvl2pPr marL="914400" lvl="1" indent="-228600" algn="l">
               <a:lnSpc>
                 <a:spcPct val="90000"/>
               </a:lnSpc>
@@ -9294,7 +9647,7 @@
               <a:buNone/>
               <a:defRPr sz="1400"/>
             </a:lvl2pPr>
-            <a:lvl3pPr indent="-228600" lvl="2" marL="1371600" algn="l">
+            <a:lvl3pPr marL="1371600" lvl="2" indent="-228600" algn="l">
               <a:lnSpc>
                 <a:spcPct val="90000"/>
               </a:lnSpc>
@@ -9311,7 +9664,7 @@
               <a:buNone/>
               <a:defRPr sz="1200"/>
             </a:lvl3pPr>
-            <a:lvl4pPr indent="-228600" lvl="3" marL="1828800" algn="l">
+            <a:lvl4pPr marL="1828800" lvl="3" indent="-228600" algn="l">
               <a:lnSpc>
                 <a:spcPct val="90000"/>
               </a:lnSpc>
@@ -9328,7 +9681,7 @@
               <a:buNone/>
               <a:defRPr sz="1000"/>
             </a:lvl4pPr>
-            <a:lvl5pPr indent="-228600" lvl="4" marL="2286000" algn="l">
+            <a:lvl5pPr marL="2286000" lvl="4" indent="-228600" algn="l">
               <a:lnSpc>
                 <a:spcPct val="90000"/>
               </a:lnSpc>
@@ -9345,7 +9698,7 @@
               <a:buNone/>
               <a:defRPr sz="1000"/>
             </a:lvl5pPr>
-            <a:lvl6pPr indent="-228600" lvl="5" marL="2743200" algn="l">
+            <a:lvl6pPr marL="2743200" lvl="5" indent="-228600" algn="l">
               <a:lnSpc>
                 <a:spcPct val="90000"/>
               </a:lnSpc>
@@ -9362,7 +9715,7 @@
               <a:buNone/>
               <a:defRPr sz="1000"/>
             </a:lvl6pPr>
-            <a:lvl7pPr indent="-228600" lvl="6" marL="3200400" algn="l">
+            <a:lvl7pPr marL="3200400" lvl="6" indent="-228600" algn="l">
               <a:lnSpc>
                 <a:spcPct val="90000"/>
               </a:lnSpc>
@@ -9379,7 +9732,7 @@
               <a:buNone/>
               <a:defRPr sz="1000"/>
             </a:lvl7pPr>
-            <a:lvl8pPr indent="-228600" lvl="7" marL="3657600" algn="l">
+            <a:lvl8pPr marL="3657600" lvl="7" indent="-228600" algn="l">
               <a:lnSpc>
                 <a:spcPct val="90000"/>
               </a:lnSpc>
@@ -9396,7 +9749,7 @@
               <a:buNone/>
               <a:defRPr sz="1000"/>
             </a:lvl8pPr>
-            <a:lvl9pPr indent="-228600" lvl="8" marL="4114800" algn="l">
+            <a:lvl9pPr marL="4114800" lvl="8" indent="-228600" algn="l">
               <a:lnSpc>
                 <a:spcPct val="90000"/>
               </a:lnSpc>
@@ -9414,15 +9767,19 @@
               <a:defRPr sz="1000"/>
             </a:lvl9pPr>
           </a:lstStyle>
-          <a:p/>
+          <a:p>
+            <a:endParaRPr/>
+          </a:p>
         </p:txBody>
       </p:sp>
       <p:sp>
         <p:nvSpPr>
           <p:cNvPr id="65" name="Google Shape;65;p16"/>
-          <p:cNvSpPr txBox="1"/>
+          <p:cNvSpPr txBox="1">
+            <a:spLocks noGrp="1"/>
+          </p:cNvSpPr>
           <p:nvPr>
-            <p:ph idx="10" type="dt"/>
+            <p:ph type="dt" idx="10"/>
           </p:nvPr>
         </p:nvSpPr>
         <p:spPr>
@@ -9439,7 +9796,7 @@
           </a:ln>
         </p:spPr>
         <p:txBody>
-          <a:bodyPr anchorCtr="0" anchor="ctr" bIns="45700" lIns="91425" spcFirstLastPara="1" rIns="91425" wrap="square" tIns="45700">
+          <a:bodyPr spcFirstLastPara="1" wrap="square" lIns="91425" tIns="45700" rIns="91425" bIns="45700" anchor="ctr" anchorCtr="0">
             <a:noAutofit/>
           </a:bodyPr>
           <a:lstStyle>
@@ -9543,15 +9900,19 @@
               <a:defRPr/>
             </a:lvl9pPr>
           </a:lstStyle>
-          <a:p/>
+          <a:p>
+            <a:endParaRPr/>
+          </a:p>
         </p:txBody>
       </p:sp>
       <p:sp>
         <p:nvSpPr>
           <p:cNvPr id="66" name="Google Shape;66;p16"/>
-          <p:cNvSpPr txBox="1"/>
+          <p:cNvSpPr txBox="1">
+            <a:spLocks noGrp="1"/>
+          </p:cNvSpPr>
           <p:nvPr>
-            <p:ph idx="11" type="ftr"/>
+            <p:ph type="ftr" idx="11"/>
           </p:nvPr>
         </p:nvSpPr>
         <p:spPr>
@@ -9568,7 +9929,7 @@
           </a:ln>
         </p:spPr>
         <p:txBody>
-          <a:bodyPr anchorCtr="0" anchor="ctr" bIns="45700" lIns="91425" spcFirstLastPara="1" rIns="91425" wrap="square" tIns="45700">
+          <a:bodyPr spcFirstLastPara="1" wrap="square" lIns="91425" tIns="45700" rIns="91425" bIns="45700" anchor="ctr" anchorCtr="0">
             <a:noAutofit/>
           </a:bodyPr>
           <a:lstStyle>
@@ -9672,15 +10033,19 @@
               <a:defRPr/>
             </a:lvl9pPr>
           </a:lstStyle>
-          <a:p/>
+          <a:p>
+            <a:endParaRPr/>
+          </a:p>
         </p:txBody>
       </p:sp>
       <p:sp>
         <p:nvSpPr>
           <p:cNvPr id="67" name="Google Shape;67;p16"/>
-          <p:cNvSpPr txBox="1"/>
+          <p:cNvSpPr txBox="1">
+            <a:spLocks noGrp="1"/>
+          </p:cNvSpPr>
           <p:nvPr>
-            <p:ph idx="12" type="sldNum"/>
+            <p:ph type="sldNum" idx="12"/>
           </p:nvPr>
         </p:nvSpPr>
         <p:spPr>
@@ -9697,67 +10062,67 @@
           </a:ln>
         </p:spPr>
         <p:txBody>
-          <a:bodyPr anchorCtr="0" anchor="ctr" bIns="45700" lIns="91425" spcFirstLastPara="1" rIns="91425" wrap="square" tIns="45700">
+          <a:bodyPr spcFirstLastPara="1" wrap="square" lIns="91425" tIns="45700" rIns="91425" bIns="45700" anchor="ctr" anchorCtr="0">
             <a:noAutofit/>
           </a:bodyPr>
           <a:lstStyle>
-            <a:lvl1pPr indent="0" lvl="0" marL="0" algn="r">
+            <a:lvl1pPr marL="0" lvl="0" indent="0" algn="r">
               <a:spcBef>
                 <a:spcPts val="0"/>
               </a:spcBef>
               <a:buNone/>
               <a:defRPr/>
             </a:lvl1pPr>
-            <a:lvl2pPr indent="0" lvl="1" marL="0" algn="r">
+            <a:lvl2pPr marL="0" lvl="1" indent="0" algn="r">
               <a:spcBef>
                 <a:spcPts val="0"/>
               </a:spcBef>
               <a:buNone/>
               <a:defRPr/>
             </a:lvl2pPr>
-            <a:lvl3pPr indent="0" lvl="2" marL="0" algn="r">
+            <a:lvl3pPr marL="0" lvl="2" indent="0" algn="r">
               <a:spcBef>
                 <a:spcPts val="0"/>
               </a:spcBef>
               <a:buNone/>
               <a:defRPr/>
             </a:lvl3pPr>
-            <a:lvl4pPr indent="0" lvl="3" marL="0" algn="r">
+            <a:lvl4pPr marL="0" lvl="3" indent="0" algn="r">
               <a:spcBef>
                 <a:spcPts val="0"/>
               </a:spcBef>
               <a:buNone/>
               <a:defRPr/>
             </a:lvl4pPr>
-            <a:lvl5pPr indent="0" lvl="4" marL="0" algn="r">
+            <a:lvl5pPr marL="0" lvl="4" indent="0" algn="r">
               <a:spcBef>
                 <a:spcPts val="0"/>
               </a:spcBef>
               <a:buNone/>
               <a:defRPr/>
             </a:lvl5pPr>
-            <a:lvl6pPr indent="0" lvl="5" marL="0" algn="r">
+            <a:lvl6pPr marL="0" lvl="5" indent="0" algn="r">
               <a:spcBef>
                 <a:spcPts val="0"/>
               </a:spcBef>
               <a:buNone/>
               <a:defRPr/>
             </a:lvl6pPr>
-            <a:lvl7pPr indent="0" lvl="6" marL="0" algn="r">
+            <a:lvl7pPr marL="0" lvl="6" indent="0" algn="r">
               <a:spcBef>
                 <a:spcPts val="0"/>
               </a:spcBef>
               <a:buNone/>
               <a:defRPr/>
             </a:lvl7pPr>
-            <a:lvl8pPr indent="0" lvl="7" marL="0" algn="r">
+            <a:lvl8pPr marL="0" lvl="7" indent="0" algn="r">
               <a:spcBef>
                 <a:spcPts val="0"/>
               </a:spcBef>
               <a:buNone/>
               <a:defRPr/>
             </a:lvl8pPr>
-            <a:lvl9pPr indent="0" lvl="8" marL="0" algn="r">
+            <a:lvl9pPr marL="0" lvl="8" indent="0" algn="r">
               <a:spcBef>
                 <a:spcPts val="0"/>
               </a:spcBef>
@@ -9766,7 +10131,7 @@
             </a:lvl9pPr>
           </a:lstStyle>
           <a:p>
-            <a:pPr indent="0" lvl="0" marL="0" rtl="0" algn="r">
+            <a:pPr marL="0" lvl="0" indent="0" algn="r" rtl="0">
               <a:spcBef>
                 <a:spcPts val="0"/>
               </a:spcBef>
@@ -9792,18 +10157,19 @@
 </file>
 
 <file path=ppt/slideMasters/slideMaster1.xml><?xml version="1.0" encoding="utf-8"?>
-<p:sldMaster xmlns:a="http://schemas.openxmlformats.org/drawingml/2006/main" xmlns:r="http://schemas.openxmlformats.org/officeDocument/2006/relationships" xmlns:mc="http://schemas.openxmlformats.org/markup-compatibility/2006" xmlns:mv="urn:schemas-microsoft-com:mac:vml" xmlns:p="http://schemas.openxmlformats.org/presentationml/2006/main" xmlns:c="http://schemas.openxmlformats.org/drawingml/2006/chart" xmlns:dgm="http://schemas.openxmlformats.org/drawingml/2006/diagram" xmlns:o="urn:schemas-microsoft-com:office:office" xmlns:v="urn:schemas-microsoft-com:vml" xmlns:pvml="urn:schemas-microsoft-com:office:powerpoint" xmlns:com="http://schemas.openxmlformats.org/drawingml/2006/compatibility" xmlns:p14="http://schemas.microsoft.com/office/powerpoint/2010/main" xmlns:p15="http://schemas.microsoft.com/office/powerpoint/2012/main">
+<p:sldMaster xmlns:a="http://schemas.openxmlformats.org/drawingml/2006/main" xmlns:r="http://schemas.openxmlformats.org/officeDocument/2006/relationships" xmlns:p="http://schemas.openxmlformats.org/presentationml/2006/main">
   <p:cSld>
     <p:bg>
       <p:bgPr>
         <a:solidFill>
           <a:schemeClr val="lt1"/>
         </a:solidFill>
+        <a:effectLst/>
       </p:bgPr>
     </p:bg>
     <p:spTree>
       <p:nvGrpSpPr>
-        <p:cNvPr id="5" name="Shape 5"/>
+        <p:cNvPr id="1" name="Shape 5"/>
         <p:cNvGrpSpPr/>
         <p:nvPr/>
       </p:nvGrpSpPr>
@@ -9818,7 +10184,9 @@
       <p:sp>
         <p:nvSpPr>
           <p:cNvPr id="6" name="Google Shape;6;p7"/>
-          <p:cNvSpPr txBox="1"/>
+          <p:cNvSpPr txBox="1">
+            <a:spLocks noGrp="1"/>
+          </p:cNvSpPr>
           <p:nvPr>
             <p:ph type="title"/>
           </p:nvPr>
@@ -9837,11 +10205,11 @@
           </a:ln>
         </p:spPr>
         <p:txBody>
-          <a:bodyPr anchorCtr="0" anchor="ctr" bIns="45700" lIns="91425" spcFirstLastPara="1" rIns="91425" wrap="square" tIns="45700">
+          <a:bodyPr spcFirstLastPara="1" wrap="square" lIns="91425" tIns="45700" rIns="91425" bIns="45700" anchor="ctr" anchorCtr="0">
             <a:normAutofit/>
           </a:bodyPr>
           <a:lstStyle>
-            <a:lvl1pPr lvl="0" marR="0" rtl="0" algn="l">
+            <a:lvl1pPr marR="0" lvl="0" algn="l" rtl="0">
               <a:lnSpc>
                 <a:spcPct val="90000"/>
               </a:lnSpc>
@@ -9857,7 +10225,7 @@
               <a:buSzPts val="4400"/>
               <a:buFont typeface="Calibri"/>
               <a:buNone/>
-              <a:defRPr b="0" i="0" sz="4400" u="none" cap="none" strike="noStrike">
+              <a:defRPr sz="4400" b="0" i="0" u="none" strike="noStrike" cap="none">
                 <a:solidFill>
                   <a:schemeClr val="dk1"/>
                 </a:solidFill>
@@ -9956,15 +10324,19 @@
               <a:defRPr sz="1800"/>
             </a:lvl9pPr>
           </a:lstStyle>
-          <a:p/>
+          <a:p>
+            <a:endParaRPr/>
+          </a:p>
         </p:txBody>
       </p:sp>
       <p:sp>
         <p:nvSpPr>
           <p:cNvPr id="7" name="Google Shape;7;p7"/>
-          <p:cNvSpPr txBox="1"/>
+          <p:cNvSpPr txBox="1">
+            <a:spLocks noGrp="1"/>
+          </p:cNvSpPr>
           <p:nvPr>
-            <p:ph idx="1" type="body"/>
+            <p:ph type="body" idx="1"/>
           </p:nvPr>
         </p:nvSpPr>
         <p:spPr>
@@ -9981,11 +10353,11 @@
           </a:ln>
         </p:spPr>
         <p:txBody>
-          <a:bodyPr anchorCtr="0" anchor="t" bIns="45700" lIns="91425" spcFirstLastPara="1" rIns="91425" wrap="square" tIns="45700">
+          <a:bodyPr spcFirstLastPara="1" wrap="square" lIns="91425" tIns="45700" rIns="91425" bIns="45700" anchor="t" anchorCtr="0">
             <a:normAutofit/>
           </a:bodyPr>
           <a:lstStyle>
-            <a:lvl1pPr indent="-406400" lvl="0" marL="457200" marR="0" rtl="0" algn="l">
+            <a:lvl1pPr marL="457200" marR="0" lvl="0" indent="-406400" algn="l" rtl="0">
               <a:lnSpc>
                 <a:spcPct val="90000"/>
               </a:lnSpc>
@@ -10001,7 +10373,7 @@
               <a:buSzPts val="2800"/>
               <a:buFont typeface="Arial"/>
               <a:buChar char="•"/>
-              <a:defRPr b="0" i="0" sz="2800" u="none" cap="none" strike="noStrike">
+              <a:defRPr sz="2800" b="0" i="0" u="none" strike="noStrike" cap="none">
                 <a:solidFill>
                   <a:schemeClr val="dk1"/>
                 </a:solidFill>
@@ -10011,7 +10383,7 @@
                 <a:sym typeface="Calibri"/>
               </a:defRPr>
             </a:lvl1pPr>
-            <a:lvl2pPr indent="-381000" lvl="1" marL="914400" marR="0" rtl="0" algn="l">
+            <a:lvl2pPr marL="914400" marR="0" lvl="1" indent="-381000" algn="l" rtl="0">
               <a:lnSpc>
                 <a:spcPct val="90000"/>
               </a:lnSpc>
@@ -10027,7 +10399,7 @@
               <a:buSzPts val="2400"/>
               <a:buFont typeface="Arial"/>
               <a:buChar char="•"/>
-              <a:defRPr b="0" i="0" sz="2400" u="none" cap="none" strike="noStrike">
+              <a:defRPr sz="2400" b="0" i="0" u="none" strike="noStrike" cap="none">
                 <a:solidFill>
                   <a:schemeClr val="dk1"/>
                 </a:solidFill>
@@ -10037,7 +10409,7 @@
                 <a:sym typeface="Calibri"/>
               </a:defRPr>
             </a:lvl2pPr>
-            <a:lvl3pPr indent="-355600" lvl="2" marL="1371600" marR="0" rtl="0" algn="l">
+            <a:lvl3pPr marL="1371600" marR="0" lvl="2" indent="-355600" algn="l" rtl="0">
               <a:lnSpc>
                 <a:spcPct val="90000"/>
               </a:lnSpc>
@@ -10053,7 +10425,7 @@
               <a:buSzPts val="2000"/>
               <a:buFont typeface="Arial"/>
               <a:buChar char="•"/>
-              <a:defRPr b="0" i="0" sz="2000" u="none" cap="none" strike="noStrike">
+              <a:defRPr sz="2000" b="0" i="0" u="none" strike="noStrike" cap="none">
                 <a:solidFill>
                   <a:schemeClr val="dk1"/>
                 </a:solidFill>
@@ -10063,7 +10435,7 @@
                 <a:sym typeface="Calibri"/>
               </a:defRPr>
             </a:lvl3pPr>
-            <a:lvl4pPr indent="-342900" lvl="3" marL="1828800" marR="0" rtl="0" algn="l">
+            <a:lvl4pPr marL="1828800" marR="0" lvl="3" indent="-342900" algn="l" rtl="0">
               <a:lnSpc>
                 <a:spcPct val="90000"/>
               </a:lnSpc>
@@ -10079,7 +10451,7 @@
               <a:buSzPts val="1800"/>
               <a:buFont typeface="Arial"/>
               <a:buChar char="•"/>
-              <a:defRPr b="0" i="0" sz="1800" u="none" cap="none" strike="noStrike">
+              <a:defRPr sz="1800" b="0" i="0" u="none" strike="noStrike" cap="none">
                 <a:solidFill>
                   <a:schemeClr val="dk1"/>
                 </a:solidFill>
@@ -10089,7 +10461,7 @@
                 <a:sym typeface="Calibri"/>
               </a:defRPr>
             </a:lvl4pPr>
-            <a:lvl5pPr indent="-342900" lvl="4" marL="2286000" marR="0" rtl="0" algn="l">
+            <a:lvl5pPr marL="2286000" marR="0" lvl="4" indent="-342900" algn="l" rtl="0">
               <a:lnSpc>
                 <a:spcPct val="90000"/>
               </a:lnSpc>
@@ -10105,7 +10477,7 @@
               <a:buSzPts val="1800"/>
               <a:buFont typeface="Arial"/>
               <a:buChar char="•"/>
-              <a:defRPr b="0" i="0" sz="1800" u="none" cap="none" strike="noStrike">
+              <a:defRPr sz="1800" b="0" i="0" u="none" strike="noStrike" cap="none">
                 <a:solidFill>
                   <a:schemeClr val="dk1"/>
                 </a:solidFill>
@@ -10115,7 +10487,7 @@
                 <a:sym typeface="Calibri"/>
               </a:defRPr>
             </a:lvl5pPr>
-            <a:lvl6pPr indent="-342900" lvl="5" marL="2743200" marR="0" rtl="0" algn="l">
+            <a:lvl6pPr marL="2743200" marR="0" lvl="5" indent="-342900" algn="l" rtl="0">
               <a:lnSpc>
                 <a:spcPct val="90000"/>
               </a:lnSpc>
@@ -10131,7 +10503,7 @@
               <a:buSzPts val="1800"/>
               <a:buFont typeface="Arial"/>
               <a:buChar char="•"/>
-              <a:defRPr b="0" i="0" sz="1800" u="none" cap="none" strike="noStrike">
+              <a:defRPr sz="1800" b="0" i="0" u="none" strike="noStrike" cap="none">
                 <a:solidFill>
                   <a:schemeClr val="dk1"/>
                 </a:solidFill>
@@ -10141,7 +10513,7 @@
                 <a:sym typeface="Calibri"/>
               </a:defRPr>
             </a:lvl6pPr>
-            <a:lvl7pPr indent="-342900" lvl="6" marL="3200400" marR="0" rtl="0" algn="l">
+            <a:lvl7pPr marL="3200400" marR="0" lvl="6" indent="-342900" algn="l" rtl="0">
               <a:lnSpc>
                 <a:spcPct val="90000"/>
               </a:lnSpc>
@@ -10157,7 +10529,7 @@
               <a:buSzPts val="1800"/>
               <a:buFont typeface="Arial"/>
               <a:buChar char="•"/>
-              <a:defRPr b="0" i="0" sz="1800" u="none" cap="none" strike="noStrike">
+              <a:defRPr sz="1800" b="0" i="0" u="none" strike="noStrike" cap="none">
                 <a:solidFill>
                   <a:schemeClr val="dk1"/>
                 </a:solidFill>
@@ -10167,7 +10539,7 @@
                 <a:sym typeface="Calibri"/>
               </a:defRPr>
             </a:lvl7pPr>
-            <a:lvl8pPr indent="-342900" lvl="7" marL="3657600" marR="0" rtl="0" algn="l">
+            <a:lvl8pPr marL="3657600" marR="0" lvl="7" indent="-342900" algn="l" rtl="0">
               <a:lnSpc>
                 <a:spcPct val="90000"/>
               </a:lnSpc>
@@ -10183,7 +10555,7 @@
               <a:buSzPts val="1800"/>
               <a:buFont typeface="Arial"/>
               <a:buChar char="•"/>
-              <a:defRPr b="0" i="0" sz="1800" u="none" cap="none" strike="noStrike">
+              <a:defRPr sz="1800" b="0" i="0" u="none" strike="noStrike" cap="none">
                 <a:solidFill>
                   <a:schemeClr val="dk1"/>
                 </a:solidFill>
@@ -10193,7 +10565,7 @@
                 <a:sym typeface="Calibri"/>
               </a:defRPr>
             </a:lvl8pPr>
-            <a:lvl9pPr indent="-342900" lvl="8" marL="4114800" marR="0" rtl="0" algn="l">
+            <a:lvl9pPr marL="4114800" marR="0" lvl="8" indent="-342900" algn="l" rtl="0">
               <a:lnSpc>
                 <a:spcPct val="90000"/>
               </a:lnSpc>
@@ -10209,7 +10581,7 @@
               <a:buSzPts val="1800"/>
               <a:buFont typeface="Arial"/>
               <a:buChar char="•"/>
-              <a:defRPr b="0" i="0" sz="1800" u="none" cap="none" strike="noStrike">
+              <a:defRPr sz="1800" b="0" i="0" u="none" strike="noStrike" cap="none">
                 <a:solidFill>
                   <a:schemeClr val="dk1"/>
                 </a:solidFill>
@@ -10220,15 +10592,19 @@
               </a:defRPr>
             </a:lvl9pPr>
           </a:lstStyle>
-          <a:p/>
+          <a:p>
+            <a:endParaRPr/>
+          </a:p>
         </p:txBody>
       </p:sp>
       <p:sp>
         <p:nvSpPr>
           <p:cNvPr id="8" name="Google Shape;8;p7"/>
-          <p:cNvSpPr txBox="1"/>
+          <p:cNvSpPr txBox="1">
+            <a:spLocks noGrp="1"/>
+          </p:cNvSpPr>
           <p:nvPr>
-            <p:ph idx="10" type="dt"/>
+            <p:ph type="dt" idx="10"/>
           </p:nvPr>
         </p:nvSpPr>
         <p:spPr>
@@ -10245,20 +10621,20 @@
           </a:ln>
         </p:spPr>
         <p:txBody>
-          <a:bodyPr anchorCtr="0" anchor="ctr" bIns="45700" lIns="91425" spcFirstLastPara="1" rIns="91425" wrap="square" tIns="45700">
+          <a:bodyPr spcFirstLastPara="1" wrap="square" lIns="91425" tIns="45700" rIns="91425" bIns="45700" anchor="ctr" anchorCtr="0">
             <a:noAutofit/>
           </a:bodyPr>
           <a:lstStyle>
-            <a:lvl1pPr lvl="0" marR="0" rtl="0" algn="l">
-              <a:spcBef>
-                <a:spcPts val="0"/>
-              </a:spcBef>
-              <a:spcAft>
-                <a:spcPts val="0"/>
-              </a:spcAft>
-              <a:buSzPts val="1400"/>
-              <a:buNone/>
-              <a:defRPr b="0" i="0" sz="1200" u="none" cap="none" strike="noStrike">
+            <a:lvl1pPr marR="0" lvl="0" algn="l" rtl="0">
+              <a:spcBef>
+                <a:spcPts val="0"/>
+              </a:spcBef>
+              <a:spcAft>
+                <a:spcPts val="0"/>
+              </a:spcAft>
+              <a:buSzPts val="1400"/>
+              <a:buNone/>
+              <a:defRPr sz="1200" b="0" i="0" u="none" strike="noStrike" cap="none">
                 <a:solidFill>
                   <a:srgbClr val="888888"/>
                 </a:solidFill>
@@ -10268,16 +10644,16 @@
                 <a:sym typeface="Calibri"/>
               </a:defRPr>
             </a:lvl1pPr>
-            <a:lvl2pPr lvl="1" marR="0" rtl="0" algn="l">
-              <a:spcBef>
-                <a:spcPts val="0"/>
-              </a:spcBef>
-              <a:spcAft>
-                <a:spcPts val="0"/>
-              </a:spcAft>
-              <a:buSzPts val="1400"/>
-              <a:buNone/>
-              <a:defRPr b="0" i="0" sz="1800" u="none" cap="none" strike="noStrike">
+            <a:lvl2pPr marR="0" lvl="1" algn="l" rtl="0">
+              <a:spcBef>
+                <a:spcPts val="0"/>
+              </a:spcBef>
+              <a:spcAft>
+                <a:spcPts val="0"/>
+              </a:spcAft>
+              <a:buSzPts val="1400"/>
+              <a:buNone/>
+              <a:defRPr sz="1800" b="0" i="0" u="none" strike="noStrike" cap="none">
                 <a:solidFill>
                   <a:schemeClr val="dk1"/>
                 </a:solidFill>
@@ -10287,16 +10663,16 @@
                 <a:sym typeface="Calibri"/>
               </a:defRPr>
             </a:lvl2pPr>
-            <a:lvl3pPr lvl="2" marR="0" rtl="0" algn="l">
-              <a:spcBef>
-                <a:spcPts val="0"/>
-              </a:spcBef>
-              <a:spcAft>
-                <a:spcPts val="0"/>
-              </a:spcAft>
-              <a:buSzPts val="1400"/>
-              <a:buNone/>
-              <a:defRPr b="0" i="0" sz="1800" u="none" cap="none" strike="noStrike">
+            <a:lvl3pPr marR="0" lvl="2" algn="l" rtl="0">
+              <a:spcBef>
+                <a:spcPts val="0"/>
+              </a:spcBef>
+              <a:spcAft>
+                <a:spcPts val="0"/>
+              </a:spcAft>
+              <a:buSzPts val="1400"/>
+              <a:buNone/>
+              <a:defRPr sz="1800" b="0" i="0" u="none" strike="noStrike" cap="none">
                 <a:solidFill>
                   <a:schemeClr val="dk1"/>
                 </a:solidFill>
@@ -10306,16 +10682,16 @@
                 <a:sym typeface="Calibri"/>
               </a:defRPr>
             </a:lvl3pPr>
-            <a:lvl4pPr lvl="3" marR="0" rtl="0" algn="l">
-              <a:spcBef>
-                <a:spcPts val="0"/>
-              </a:spcBef>
-              <a:spcAft>
-                <a:spcPts val="0"/>
-              </a:spcAft>
-              <a:buSzPts val="1400"/>
-              <a:buNone/>
-              <a:defRPr b="0" i="0" sz="1800" u="none" cap="none" strike="noStrike">
+            <a:lvl4pPr marR="0" lvl="3" algn="l" rtl="0">
+              <a:spcBef>
+                <a:spcPts val="0"/>
+              </a:spcBef>
+              <a:spcAft>
+                <a:spcPts val="0"/>
+              </a:spcAft>
+              <a:buSzPts val="1400"/>
+              <a:buNone/>
+              <a:defRPr sz="1800" b="0" i="0" u="none" strike="noStrike" cap="none">
                 <a:solidFill>
                   <a:schemeClr val="dk1"/>
                 </a:solidFill>
@@ -10325,16 +10701,16 @@
                 <a:sym typeface="Calibri"/>
               </a:defRPr>
             </a:lvl4pPr>
-            <a:lvl5pPr lvl="4" marR="0" rtl="0" algn="l">
-              <a:spcBef>
-                <a:spcPts val="0"/>
-              </a:spcBef>
-              <a:spcAft>
-                <a:spcPts val="0"/>
-              </a:spcAft>
-              <a:buSzPts val="1400"/>
-              <a:buNone/>
-              <a:defRPr b="0" i="0" sz="1800" u="none" cap="none" strike="noStrike">
+            <a:lvl5pPr marR="0" lvl="4" algn="l" rtl="0">
+              <a:spcBef>
+                <a:spcPts val="0"/>
+              </a:spcBef>
+              <a:spcAft>
+                <a:spcPts val="0"/>
+              </a:spcAft>
+              <a:buSzPts val="1400"/>
+              <a:buNone/>
+              <a:defRPr sz="1800" b="0" i="0" u="none" strike="noStrike" cap="none">
                 <a:solidFill>
                   <a:schemeClr val="dk1"/>
                 </a:solidFill>
@@ -10344,16 +10720,16 @@
                 <a:sym typeface="Calibri"/>
               </a:defRPr>
             </a:lvl5pPr>
-            <a:lvl6pPr lvl="5" marR="0" rtl="0" algn="l">
-              <a:spcBef>
-                <a:spcPts val="0"/>
-              </a:spcBef>
-              <a:spcAft>
-                <a:spcPts val="0"/>
-              </a:spcAft>
-              <a:buSzPts val="1400"/>
-              <a:buNone/>
-              <a:defRPr b="0" i="0" sz="1800" u="none" cap="none" strike="noStrike">
+            <a:lvl6pPr marR="0" lvl="5" algn="l" rtl="0">
+              <a:spcBef>
+                <a:spcPts val="0"/>
+              </a:spcBef>
+              <a:spcAft>
+                <a:spcPts val="0"/>
+              </a:spcAft>
+              <a:buSzPts val="1400"/>
+              <a:buNone/>
+              <a:defRPr sz="1800" b="0" i="0" u="none" strike="noStrike" cap="none">
                 <a:solidFill>
                   <a:schemeClr val="dk1"/>
                 </a:solidFill>
@@ -10363,16 +10739,16 @@
                 <a:sym typeface="Calibri"/>
               </a:defRPr>
             </a:lvl6pPr>
-            <a:lvl7pPr lvl="6" marR="0" rtl="0" algn="l">
-              <a:spcBef>
-                <a:spcPts val="0"/>
-              </a:spcBef>
-              <a:spcAft>
-                <a:spcPts val="0"/>
-              </a:spcAft>
-              <a:buSzPts val="1400"/>
-              <a:buNone/>
-              <a:defRPr b="0" i="0" sz="1800" u="none" cap="none" strike="noStrike">
+            <a:lvl7pPr marR="0" lvl="6" algn="l" rtl="0">
+              <a:spcBef>
+                <a:spcPts val="0"/>
+              </a:spcBef>
+              <a:spcAft>
+                <a:spcPts val="0"/>
+              </a:spcAft>
+              <a:buSzPts val="1400"/>
+              <a:buNone/>
+              <a:defRPr sz="1800" b="0" i="0" u="none" strike="noStrike" cap="none">
                 <a:solidFill>
                   <a:schemeClr val="dk1"/>
                 </a:solidFill>
@@ -10382,16 +10758,16 @@
                 <a:sym typeface="Calibri"/>
               </a:defRPr>
             </a:lvl7pPr>
-            <a:lvl8pPr lvl="7" marR="0" rtl="0" algn="l">
-              <a:spcBef>
-                <a:spcPts val="0"/>
-              </a:spcBef>
-              <a:spcAft>
-                <a:spcPts val="0"/>
-              </a:spcAft>
-              <a:buSzPts val="1400"/>
-              <a:buNone/>
-              <a:defRPr b="0" i="0" sz="1800" u="none" cap="none" strike="noStrike">
+            <a:lvl8pPr marR="0" lvl="7" algn="l" rtl="0">
+              <a:spcBef>
+                <a:spcPts val="0"/>
+              </a:spcBef>
+              <a:spcAft>
+                <a:spcPts val="0"/>
+              </a:spcAft>
+              <a:buSzPts val="1400"/>
+              <a:buNone/>
+              <a:defRPr sz="1800" b="0" i="0" u="none" strike="noStrike" cap="none">
                 <a:solidFill>
                   <a:schemeClr val="dk1"/>
                 </a:solidFill>
@@ -10401,16 +10777,16 @@
                 <a:sym typeface="Calibri"/>
               </a:defRPr>
             </a:lvl8pPr>
-            <a:lvl9pPr lvl="8" marR="0" rtl="0" algn="l">
-              <a:spcBef>
-                <a:spcPts val="0"/>
-              </a:spcBef>
-              <a:spcAft>
-                <a:spcPts val="0"/>
-              </a:spcAft>
-              <a:buSzPts val="1400"/>
-              <a:buNone/>
-              <a:defRPr b="0" i="0" sz="1800" u="none" cap="none" strike="noStrike">
+            <a:lvl9pPr marR="0" lvl="8" algn="l" rtl="0">
+              <a:spcBef>
+                <a:spcPts val="0"/>
+              </a:spcBef>
+              <a:spcAft>
+                <a:spcPts val="0"/>
+              </a:spcAft>
+              <a:buSzPts val="1400"/>
+              <a:buNone/>
+              <a:defRPr sz="1800" b="0" i="0" u="none" strike="noStrike" cap="none">
                 <a:solidFill>
                   <a:schemeClr val="dk1"/>
                 </a:solidFill>
@@ -10421,15 +10797,19 @@
               </a:defRPr>
             </a:lvl9pPr>
           </a:lstStyle>
-          <a:p/>
+          <a:p>
+            <a:endParaRPr/>
+          </a:p>
         </p:txBody>
       </p:sp>
       <p:sp>
         <p:nvSpPr>
           <p:cNvPr id="9" name="Google Shape;9;p7"/>
-          <p:cNvSpPr txBox="1"/>
+          <p:cNvSpPr txBox="1">
+            <a:spLocks noGrp="1"/>
+          </p:cNvSpPr>
           <p:nvPr>
-            <p:ph idx="11" type="ftr"/>
+            <p:ph type="ftr" idx="11"/>
           </p:nvPr>
         </p:nvSpPr>
         <p:spPr>
@@ -10446,20 +10826,20 @@
           </a:ln>
         </p:spPr>
         <p:txBody>
-          <a:bodyPr anchorCtr="0" anchor="ctr" bIns="45700" lIns="91425" spcFirstLastPara="1" rIns="91425" wrap="square" tIns="45700">
+          <a:bodyPr spcFirstLastPara="1" wrap="square" lIns="91425" tIns="45700" rIns="91425" bIns="45700" anchor="ctr" anchorCtr="0">
             <a:noAutofit/>
           </a:bodyPr>
           <a:lstStyle>
-            <a:lvl1pPr lvl="0" marR="0" rtl="0" algn="ctr">
-              <a:spcBef>
-                <a:spcPts val="0"/>
-              </a:spcBef>
-              <a:spcAft>
-                <a:spcPts val="0"/>
-              </a:spcAft>
-              <a:buSzPts val="1400"/>
-              <a:buNone/>
-              <a:defRPr b="0" i="0" sz="1200" u="none" cap="none" strike="noStrike">
+            <a:lvl1pPr marR="0" lvl="0" algn="ctr" rtl="0">
+              <a:spcBef>
+                <a:spcPts val="0"/>
+              </a:spcBef>
+              <a:spcAft>
+                <a:spcPts val="0"/>
+              </a:spcAft>
+              <a:buSzPts val="1400"/>
+              <a:buNone/>
+              <a:defRPr sz="1200" b="0" i="0" u="none" strike="noStrike" cap="none">
                 <a:solidFill>
                   <a:srgbClr val="888888"/>
                 </a:solidFill>
@@ -10469,16 +10849,16 @@
                 <a:sym typeface="Calibri"/>
               </a:defRPr>
             </a:lvl1pPr>
-            <a:lvl2pPr lvl="1" marR="0" rtl="0" algn="l">
-              <a:spcBef>
-                <a:spcPts val="0"/>
-              </a:spcBef>
-              <a:spcAft>
-                <a:spcPts val="0"/>
-              </a:spcAft>
-              <a:buSzPts val="1400"/>
-              <a:buNone/>
-              <a:defRPr b="0" i="0" sz="1800" u="none" cap="none" strike="noStrike">
+            <a:lvl2pPr marR="0" lvl="1" algn="l" rtl="0">
+              <a:spcBef>
+                <a:spcPts val="0"/>
+              </a:spcBef>
+              <a:spcAft>
+                <a:spcPts val="0"/>
+              </a:spcAft>
+              <a:buSzPts val="1400"/>
+              <a:buNone/>
+              <a:defRPr sz="1800" b="0" i="0" u="none" strike="noStrike" cap="none">
                 <a:solidFill>
                   <a:schemeClr val="dk1"/>
                 </a:solidFill>
@@ -10488,16 +10868,16 @@
                 <a:sym typeface="Calibri"/>
               </a:defRPr>
             </a:lvl2pPr>
-            <a:lvl3pPr lvl="2" marR="0" rtl="0" algn="l">
-              <a:spcBef>
-                <a:spcPts val="0"/>
-              </a:spcBef>
-              <a:spcAft>
-                <a:spcPts val="0"/>
-              </a:spcAft>
-              <a:buSzPts val="1400"/>
-              <a:buNone/>
-              <a:defRPr b="0" i="0" sz="1800" u="none" cap="none" strike="noStrike">
+            <a:lvl3pPr marR="0" lvl="2" algn="l" rtl="0">
+              <a:spcBef>
+                <a:spcPts val="0"/>
+              </a:spcBef>
+              <a:spcAft>
+                <a:spcPts val="0"/>
+              </a:spcAft>
+              <a:buSzPts val="1400"/>
+              <a:buNone/>
+              <a:defRPr sz="1800" b="0" i="0" u="none" strike="noStrike" cap="none">
                 <a:solidFill>
                   <a:schemeClr val="dk1"/>
                 </a:solidFill>
@@ -10507,16 +10887,16 @@
                 <a:sym typeface="Calibri"/>
               </a:defRPr>
             </a:lvl3pPr>
-            <a:lvl4pPr lvl="3" marR="0" rtl="0" algn="l">
-              <a:spcBef>
-                <a:spcPts val="0"/>
-              </a:spcBef>
-              <a:spcAft>
-                <a:spcPts val="0"/>
-              </a:spcAft>
-              <a:buSzPts val="1400"/>
-              <a:buNone/>
-              <a:defRPr b="0" i="0" sz="1800" u="none" cap="none" strike="noStrike">
+            <a:lvl4pPr marR="0" lvl="3" algn="l" rtl="0">
+              <a:spcBef>
+                <a:spcPts val="0"/>
+              </a:spcBef>
+              <a:spcAft>
+                <a:spcPts val="0"/>
+              </a:spcAft>
+              <a:buSzPts val="1400"/>
+              <a:buNone/>
+              <a:defRPr sz="1800" b="0" i="0" u="none" strike="noStrike" cap="none">
                 <a:solidFill>
                   <a:schemeClr val="dk1"/>
                 </a:solidFill>
@@ -10526,16 +10906,16 @@
                 <a:sym typeface="Calibri"/>
               </a:defRPr>
             </a:lvl4pPr>
-            <a:lvl5pPr lvl="4" marR="0" rtl="0" algn="l">
-              <a:spcBef>
-                <a:spcPts val="0"/>
-              </a:spcBef>
-              <a:spcAft>
-                <a:spcPts val="0"/>
-              </a:spcAft>
-              <a:buSzPts val="1400"/>
-              <a:buNone/>
-              <a:defRPr b="0" i="0" sz="1800" u="none" cap="none" strike="noStrike">
+            <a:lvl5pPr marR="0" lvl="4" algn="l" rtl="0">
+              <a:spcBef>
+                <a:spcPts val="0"/>
+              </a:spcBef>
+              <a:spcAft>
+                <a:spcPts val="0"/>
+              </a:spcAft>
+              <a:buSzPts val="1400"/>
+              <a:buNone/>
+              <a:defRPr sz="1800" b="0" i="0" u="none" strike="noStrike" cap="none">
                 <a:solidFill>
                   <a:schemeClr val="dk1"/>
                 </a:solidFill>
@@ -10545,16 +10925,16 @@
                 <a:sym typeface="Calibri"/>
               </a:defRPr>
             </a:lvl5pPr>
-            <a:lvl6pPr lvl="5" marR="0" rtl="0" algn="l">
-              <a:spcBef>
-                <a:spcPts val="0"/>
-              </a:spcBef>
-              <a:spcAft>
-                <a:spcPts val="0"/>
-              </a:spcAft>
-              <a:buSzPts val="1400"/>
-              <a:buNone/>
-              <a:defRPr b="0" i="0" sz="1800" u="none" cap="none" strike="noStrike">
+            <a:lvl6pPr marR="0" lvl="5" algn="l" rtl="0">
+              <a:spcBef>
+                <a:spcPts val="0"/>
+              </a:spcBef>
+              <a:spcAft>
+                <a:spcPts val="0"/>
+              </a:spcAft>
+              <a:buSzPts val="1400"/>
+              <a:buNone/>
+              <a:defRPr sz="1800" b="0" i="0" u="none" strike="noStrike" cap="none">
                 <a:solidFill>
                   <a:schemeClr val="dk1"/>
                 </a:solidFill>
@@ -10564,16 +10944,16 @@
                 <a:sym typeface="Calibri"/>
               </a:defRPr>
             </a:lvl6pPr>
-            <a:lvl7pPr lvl="6" marR="0" rtl="0" algn="l">
-              <a:spcBef>
-                <a:spcPts val="0"/>
-              </a:spcBef>
-              <a:spcAft>
-                <a:spcPts val="0"/>
-              </a:spcAft>
-              <a:buSzPts val="1400"/>
-              <a:buNone/>
-              <a:defRPr b="0" i="0" sz="1800" u="none" cap="none" strike="noStrike">
+            <a:lvl7pPr marR="0" lvl="6" algn="l" rtl="0">
+              <a:spcBef>
+                <a:spcPts val="0"/>
+              </a:spcBef>
+              <a:spcAft>
+                <a:spcPts val="0"/>
+              </a:spcAft>
+              <a:buSzPts val="1400"/>
+              <a:buNone/>
+              <a:defRPr sz="1800" b="0" i="0" u="none" strike="noStrike" cap="none">
                 <a:solidFill>
                   <a:schemeClr val="dk1"/>
                 </a:solidFill>
@@ -10583,16 +10963,16 @@
                 <a:sym typeface="Calibri"/>
               </a:defRPr>
             </a:lvl7pPr>
-            <a:lvl8pPr lvl="7" marR="0" rtl="0" algn="l">
-              <a:spcBef>
-                <a:spcPts val="0"/>
-              </a:spcBef>
-              <a:spcAft>
-                <a:spcPts val="0"/>
-              </a:spcAft>
-              <a:buSzPts val="1400"/>
-              <a:buNone/>
-              <a:defRPr b="0" i="0" sz="1800" u="none" cap="none" strike="noStrike">
+            <a:lvl8pPr marR="0" lvl="7" algn="l" rtl="0">
+              <a:spcBef>
+                <a:spcPts val="0"/>
+              </a:spcBef>
+              <a:spcAft>
+                <a:spcPts val="0"/>
+              </a:spcAft>
+              <a:buSzPts val="1400"/>
+              <a:buNone/>
+              <a:defRPr sz="1800" b="0" i="0" u="none" strike="noStrike" cap="none">
                 <a:solidFill>
                   <a:schemeClr val="dk1"/>
                 </a:solidFill>
@@ -10602,16 +10982,16 @@
                 <a:sym typeface="Calibri"/>
               </a:defRPr>
             </a:lvl8pPr>
-            <a:lvl9pPr lvl="8" marR="0" rtl="0" algn="l">
-              <a:spcBef>
-                <a:spcPts val="0"/>
-              </a:spcBef>
-              <a:spcAft>
-                <a:spcPts val="0"/>
-              </a:spcAft>
-              <a:buSzPts val="1400"/>
-              <a:buNone/>
-              <a:defRPr b="0" i="0" sz="1800" u="none" cap="none" strike="noStrike">
+            <a:lvl9pPr marR="0" lvl="8" algn="l" rtl="0">
+              <a:spcBef>
+                <a:spcPts val="0"/>
+              </a:spcBef>
+              <a:spcAft>
+                <a:spcPts val="0"/>
+              </a:spcAft>
+              <a:buSzPts val="1400"/>
+              <a:buNone/>
+              <a:defRPr sz="1800" b="0" i="0" u="none" strike="noStrike" cap="none">
                 <a:solidFill>
                   <a:schemeClr val="dk1"/>
                 </a:solidFill>
@@ -10622,15 +11002,19 @@
               </a:defRPr>
             </a:lvl9pPr>
           </a:lstStyle>
-          <a:p/>
+          <a:p>
+            <a:endParaRPr/>
+          </a:p>
         </p:txBody>
       </p:sp>
       <p:sp>
         <p:nvSpPr>
           <p:cNvPr id="10" name="Google Shape;10;p7"/>
-          <p:cNvSpPr txBox="1"/>
+          <p:cNvSpPr txBox="1">
+            <a:spLocks noGrp="1"/>
+          </p:cNvSpPr>
           <p:nvPr>
-            <p:ph idx="12" type="sldNum"/>
+            <p:ph type="sldNum" idx="12"/>
           </p:nvPr>
         </p:nvSpPr>
         <p:spPr>
@@ -10647,16 +11031,16 @@
           </a:ln>
         </p:spPr>
         <p:txBody>
-          <a:bodyPr anchorCtr="0" anchor="ctr" bIns="45700" lIns="91425" spcFirstLastPara="1" rIns="91425" wrap="square" tIns="45700">
+          <a:bodyPr spcFirstLastPara="1" wrap="square" lIns="91425" tIns="45700" rIns="91425" bIns="45700" anchor="ctr" anchorCtr="0">
             <a:noAutofit/>
           </a:bodyPr>
           <a:lstStyle>
-            <a:lvl1pPr indent="0" lvl="0" marL="0" marR="0" rtl="0" algn="r">
-              <a:spcBef>
-                <a:spcPts val="0"/>
-              </a:spcBef>
-              <a:buNone/>
-              <a:defRPr b="0" i="0" sz="1200" u="none" cap="none" strike="noStrike">
+            <a:lvl1pPr marL="0" marR="0" lvl="0" indent="0" algn="r" rtl="0">
+              <a:spcBef>
+                <a:spcPts val="0"/>
+              </a:spcBef>
+              <a:buNone/>
+              <a:defRPr sz="1200" b="0" i="0" u="none" strike="noStrike" cap="none">
                 <a:solidFill>
                   <a:srgbClr val="888888"/>
                 </a:solidFill>
@@ -10666,12 +11050,12 @@
                 <a:sym typeface="Calibri"/>
               </a:defRPr>
             </a:lvl1pPr>
-            <a:lvl2pPr indent="0" lvl="1" marL="0" marR="0" rtl="0" algn="r">
-              <a:spcBef>
-                <a:spcPts val="0"/>
-              </a:spcBef>
-              <a:buNone/>
-              <a:defRPr b="0" i="0" sz="1200" u="none" cap="none" strike="noStrike">
+            <a:lvl2pPr marL="0" marR="0" lvl="1" indent="0" algn="r" rtl="0">
+              <a:spcBef>
+                <a:spcPts val="0"/>
+              </a:spcBef>
+              <a:buNone/>
+              <a:defRPr sz="1200" b="0" i="0" u="none" strike="noStrike" cap="none">
                 <a:solidFill>
                   <a:srgbClr val="888888"/>
                 </a:solidFill>
@@ -10681,12 +11065,12 @@
                 <a:sym typeface="Calibri"/>
               </a:defRPr>
             </a:lvl2pPr>
-            <a:lvl3pPr indent="0" lvl="2" marL="0" marR="0" rtl="0" algn="r">
-              <a:spcBef>
-                <a:spcPts val="0"/>
-              </a:spcBef>
-              <a:buNone/>
-              <a:defRPr b="0" i="0" sz="1200" u="none" cap="none" strike="noStrike">
+            <a:lvl3pPr marL="0" marR="0" lvl="2" indent="0" algn="r" rtl="0">
+              <a:spcBef>
+                <a:spcPts val="0"/>
+              </a:spcBef>
+              <a:buNone/>
+              <a:defRPr sz="1200" b="0" i="0" u="none" strike="noStrike" cap="none">
                 <a:solidFill>
                   <a:srgbClr val="888888"/>
                 </a:solidFill>
@@ -10696,12 +11080,12 @@
                 <a:sym typeface="Calibri"/>
               </a:defRPr>
             </a:lvl3pPr>
-            <a:lvl4pPr indent="0" lvl="3" marL="0" marR="0" rtl="0" algn="r">
-              <a:spcBef>
-                <a:spcPts val="0"/>
-              </a:spcBef>
-              <a:buNone/>
-              <a:defRPr b="0" i="0" sz="1200" u="none" cap="none" strike="noStrike">
+            <a:lvl4pPr marL="0" marR="0" lvl="3" indent="0" algn="r" rtl="0">
+              <a:spcBef>
+                <a:spcPts val="0"/>
+              </a:spcBef>
+              <a:buNone/>
+              <a:defRPr sz="1200" b="0" i="0" u="none" strike="noStrike" cap="none">
                 <a:solidFill>
                   <a:srgbClr val="888888"/>
                 </a:solidFill>
@@ -10711,12 +11095,12 @@
                 <a:sym typeface="Calibri"/>
               </a:defRPr>
             </a:lvl4pPr>
-            <a:lvl5pPr indent="0" lvl="4" marL="0" marR="0" rtl="0" algn="r">
-              <a:spcBef>
-                <a:spcPts val="0"/>
-              </a:spcBef>
-              <a:buNone/>
-              <a:defRPr b="0" i="0" sz="1200" u="none" cap="none" strike="noStrike">
+            <a:lvl5pPr marL="0" marR="0" lvl="4" indent="0" algn="r" rtl="0">
+              <a:spcBef>
+                <a:spcPts val="0"/>
+              </a:spcBef>
+              <a:buNone/>
+              <a:defRPr sz="1200" b="0" i="0" u="none" strike="noStrike" cap="none">
                 <a:solidFill>
                   <a:srgbClr val="888888"/>
                 </a:solidFill>
@@ -10726,12 +11110,12 @@
                 <a:sym typeface="Calibri"/>
               </a:defRPr>
             </a:lvl5pPr>
-            <a:lvl6pPr indent="0" lvl="5" marL="0" marR="0" rtl="0" algn="r">
-              <a:spcBef>
-                <a:spcPts val="0"/>
-              </a:spcBef>
-              <a:buNone/>
-              <a:defRPr b="0" i="0" sz="1200" u="none" cap="none" strike="noStrike">
+            <a:lvl6pPr marL="0" marR="0" lvl="5" indent="0" algn="r" rtl="0">
+              <a:spcBef>
+                <a:spcPts val="0"/>
+              </a:spcBef>
+              <a:buNone/>
+              <a:defRPr sz="1200" b="0" i="0" u="none" strike="noStrike" cap="none">
                 <a:solidFill>
                   <a:srgbClr val="888888"/>
                 </a:solidFill>
@@ -10741,12 +11125,12 @@
                 <a:sym typeface="Calibri"/>
               </a:defRPr>
             </a:lvl6pPr>
-            <a:lvl7pPr indent="0" lvl="6" marL="0" marR="0" rtl="0" algn="r">
-              <a:spcBef>
-                <a:spcPts val="0"/>
-              </a:spcBef>
-              <a:buNone/>
-              <a:defRPr b="0" i="0" sz="1200" u="none" cap="none" strike="noStrike">
+            <a:lvl7pPr marL="0" marR="0" lvl="6" indent="0" algn="r" rtl="0">
+              <a:spcBef>
+                <a:spcPts val="0"/>
+              </a:spcBef>
+              <a:buNone/>
+              <a:defRPr sz="1200" b="0" i="0" u="none" strike="noStrike" cap="none">
                 <a:solidFill>
                   <a:srgbClr val="888888"/>
                 </a:solidFill>
@@ -10756,12 +11140,12 @@
                 <a:sym typeface="Calibri"/>
               </a:defRPr>
             </a:lvl7pPr>
-            <a:lvl8pPr indent="0" lvl="7" marL="0" marR="0" rtl="0" algn="r">
-              <a:spcBef>
-                <a:spcPts val="0"/>
-              </a:spcBef>
-              <a:buNone/>
-              <a:defRPr b="0" i="0" sz="1200" u="none" cap="none" strike="noStrike">
+            <a:lvl8pPr marL="0" marR="0" lvl="7" indent="0" algn="r" rtl="0">
+              <a:spcBef>
+                <a:spcPts val="0"/>
+              </a:spcBef>
+              <a:buNone/>
+              <a:defRPr sz="1200" b="0" i="0" u="none" strike="noStrike" cap="none">
                 <a:solidFill>
                   <a:srgbClr val="888888"/>
                 </a:solidFill>
@@ -10771,12 +11155,12 @@
                 <a:sym typeface="Calibri"/>
               </a:defRPr>
             </a:lvl8pPr>
-            <a:lvl9pPr indent="0" lvl="8" marL="0" marR="0" rtl="0" algn="r">
-              <a:spcBef>
-                <a:spcPts val="0"/>
-              </a:spcBef>
-              <a:buNone/>
-              <a:defRPr b="0" i="0" sz="1200" u="none" cap="none" strike="noStrike">
+            <a:lvl9pPr marL="0" marR="0" lvl="8" indent="0" algn="r" rtl="0">
+              <a:spcBef>
+                <a:spcPts val="0"/>
+              </a:spcBef>
+              <a:buNone/>
+              <a:defRPr sz="1200" b="0" i="0" u="none" strike="noStrike" cap="none">
                 <a:solidFill>
                   <a:srgbClr val="888888"/>
                 </a:solidFill>
@@ -10788,7 +11172,7 @@
             </a:lvl9pPr>
           </a:lstStyle>
           <a:p>
-            <a:pPr indent="0" lvl="0" marL="0" rtl="0" algn="r">
+            <a:pPr marL="0" lvl="0" indent="0" algn="r" rtl="0">
               <a:spcBef>
                 <a:spcPts val="0"/>
               </a:spcBef>
@@ -10807,7 +11191,7 @@
       </p:sp>
     </p:spTree>
   </p:cSld>
-  <p:clrMap accent1="accent1" accent2="accent2" accent3="accent3" accent4="accent4" accent5="accent5" accent6="accent6" bg1="lt1" bg2="dk2" tx1="dk1" tx2="lt2" folHlink="folHlink" hlink="hlink"/>
+  <p:clrMap bg1="lt1" tx1="dk1" bg2="dk2" tx2="lt2" accent1="accent1" accent2="accent2" accent3="accent3" accent4="accent4" accent5="accent5" accent6="accent6" hlink="hlink" folHlink="folHlink"/>
   <p:sldLayoutIdLst>
     <p:sldLayoutId id="2147483649" r:id="rId1"/>
     <p:sldLayoutId id="2147483650" r:id="rId2"/>
@@ -10821,10 +11205,10 @@
     <p:sldLayoutId id="2147483658" r:id="rId10"/>
     <p:sldLayoutId id="2147483659" r:id="rId11"/>
   </p:sldLayoutIdLst>
-  <p:hf dt="0" ftr="0" hdr="0" sldNum="0"/>
+  <p:hf sldNum="0" hdr="0" ftr="0" dt="0"/>
   <p:txStyles>
     <p:titleStyle>
-      <a:defPPr lvl="0" marR="0" rtl="0" algn="l">
+      <a:defPPr marR="0" lvl="0" algn="l" rtl="0">
         <a:lnSpc>
           <a:spcPct val="100000"/>
         </a:lnSpc>
@@ -10835,7 +11219,7 @@
           <a:spcPts val="0"/>
         </a:spcAft>
       </a:defPPr>
-      <a:lvl1pPr lvl="0" marR="0" rtl="0" algn="l">
+      <a:lvl1pPr marR="0" lvl="0" algn="l" rtl="0">
         <a:lnSpc>
           <a:spcPct val="100000"/>
         </a:lnSpc>
@@ -10849,7 +11233,7 @@
           <a:srgbClr val="000000"/>
         </a:buClr>
         <a:buFont typeface="Arial"/>
-        <a:defRPr b="0" i="0" sz="1400" u="none" cap="none" strike="noStrike">
+        <a:defRPr sz="1400" b="0" i="0" u="none" strike="noStrike" cap="none">
           <a:solidFill>
             <a:srgbClr val="000000"/>
           </a:solidFill>
@@ -10859,7 +11243,7 @@
           <a:sym typeface="Arial"/>
         </a:defRPr>
       </a:lvl1pPr>
-      <a:lvl2pPr lvl="1" marR="0" rtl="0" algn="l">
+      <a:lvl2pPr marR="0" lvl="1" algn="l" rtl="0">
         <a:lnSpc>
           <a:spcPct val="100000"/>
         </a:lnSpc>
@@ -10873,7 +11257,7 @@
           <a:srgbClr val="000000"/>
         </a:buClr>
         <a:buFont typeface="Arial"/>
-        <a:defRPr b="0" i="0" sz="1400" u="none" cap="none" strike="noStrike">
+        <a:defRPr sz="1400" b="0" i="0" u="none" strike="noStrike" cap="none">
           <a:solidFill>
             <a:srgbClr val="000000"/>
           </a:solidFill>
@@ -10883,7 +11267,7 @@
           <a:sym typeface="Arial"/>
         </a:defRPr>
       </a:lvl2pPr>
-      <a:lvl3pPr lvl="2" marR="0" rtl="0" algn="l">
+      <a:lvl3pPr marR="0" lvl="2" algn="l" rtl="0">
         <a:lnSpc>
           <a:spcPct val="100000"/>
         </a:lnSpc>
@@ -10897,7 +11281,7 @@
           <a:srgbClr val="000000"/>
         </a:buClr>
         <a:buFont typeface="Arial"/>
-        <a:defRPr b="0" i="0" sz="1400" u="none" cap="none" strike="noStrike">
+        <a:defRPr sz="1400" b="0" i="0" u="none" strike="noStrike" cap="none">
           <a:solidFill>
             <a:srgbClr val="000000"/>
           </a:solidFill>
@@ -10907,7 +11291,7 @@
           <a:sym typeface="Arial"/>
         </a:defRPr>
       </a:lvl3pPr>
-      <a:lvl4pPr lvl="3" marR="0" rtl="0" algn="l">
+      <a:lvl4pPr marR="0" lvl="3" algn="l" rtl="0">
         <a:lnSpc>
           <a:spcPct val="100000"/>
         </a:lnSpc>
@@ -10921,7 +11305,7 @@
           <a:srgbClr val="000000"/>
         </a:buClr>
         <a:buFont typeface="Arial"/>
-        <a:defRPr b="0" i="0" sz="1400" u="none" cap="none" strike="noStrike">
+        <a:defRPr sz="1400" b="0" i="0" u="none" strike="noStrike" cap="none">
           <a:solidFill>
             <a:srgbClr val="000000"/>
           </a:solidFill>
@@ -10931,7 +11315,7 @@
           <a:sym typeface="Arial"/>
         </a:defRPr>
       </a:lvl4pPr>
-      <a:lvl5pPr lvl="4" marR="0" rtl="0" algn="l">
+      <a:lvl5pPr marR="0" lvl="4" algn="l" rtl="0">
         <a:lnSpc>
           <a:spcPct val="100000"/>
         </a:lnSpc>
@@ -10945,7 +11329,7 @@
           <a:srgbClr val="000000"/>
         </a:buClr>
         <a:buFont typeface="Arial"/>
-        <a:defRPr b="0" i="0" sz="1400" u="none" cap="none" strike="noStrike">
+        <a:defRPr sz="1400" b="0" i="0" u="none" strike="noStrike" cap="none">
           <a:solidFill>
             <a:srgbClr val="000000"/>
           </a:solidFill>
@@ -10955,7 +11339,7 @@
           <a:sym typeface="Arial"/>
         </a:defRPr>
       </a:lvl5pPr>
-      <a:lvl6pPr lvl="5" marR="0" rtl="0" algn="l">
+      <a:lvl6pPr marR="0" lvl="5" algn="l" rtl="0">
         <a:lnSpc>
           <a:spcPct val="100000"/>
         </a:lnSpc>
@@ -10969,7 +11353,7 @@
           <a:srgbClr val="000000"/>
         </a:buClr>
         <a:buFont typeface="Arial"/>
-        <a:defRPr b="0" i="0" sz="1400" u="none" cap="none" strike="noStrike">
+        <a:defRPr sz="1400" b="0" i="0" u="none" strike="noStrike" cap="none">
           <a:solidFill>
             <a:srgbClr val="000000"/>
           </a:solidFill>
@@ -10979,7 +11363,7 @@
           <a:sym typeface="Arial"/>
         </a:defRPr>
       </a:lvl6pPr>
-      <a:lvl7pPr lvl="6" marR="0" rtl="0" algn="l">
+      <a:lvl7pPr marR="0" lvl="6" algn="l" rtl="0">
         <a:lnSpc>
           <a:spcPct val="100000"/>
         </a:lnSpc>
@@ -10993,7 +11377,7 @@
           <a:srgbClr val="000000"/>
         </a:buClr>
         <a:buFont typeface="Arial"/>
-        <a:defRPr b="0" i="0" sz="1400" u="none" cap="none" strike="noStrike">
+        <a:defRPr sz="1400" b="0" i="0" u="none" strike="noStrike" cap="none">
           <a:solidFill>
             <a:srgbClr val="000000"/>
           </a:solidFill>
@@ -11003,7 +11387,7 @@
           <a:sym typeface="Arial"/>
         </a:defRPr>
       </a:lvl7pPr>
-      <a:lvl8pPr lvl="7" marR="0" rtl="0" algn="l">
+      <a:lvl8pPr marR="0" lvl="7" algn="l" rtl="0">
         <a:lnSpc>
           <a:spcPct val="100000"/>
         </a:lnSpc>
@@ -11017,7 +11401,7 @@
           <a:srgbClr val="000000"/>
         </a:buClr>
         <a:buFont typeface="Arial"/>
-        <a:defRPr b="0" i="0" sz="1400" u="none" cap="none" strike="noStrike">
+        <a:defRPr sz="1400" b="0" i="0" u="none" strike="noStrike" cap="none">
           <a:solidFill>
             <a:srgbClr val="000000"/>
           </a:solidFill>
@@ -11027,7 +11411,7 @@
           <a:sym typeface="Arial"/>
         </a:defRPr>
       </a:lvl8pPr>
-      <a:lvl9pPr lvl="8" marR="0" rtl="0" algn="l">
+      <a:lvl9pPr marR="0" lvl="8" algn="l" rtl="0">
         <a:lnSpc>
           <a:spcPct val="100000"/>
         </a:lnSpc>
@@ -11041,7 +11425,7 @@
           <a:srgbClr val="000000"/>
         </a:buClr>
         <a:buFont typeface="Arial"/>
-        <a:defRPr b="0" i="0" sz="1400" u="none" cap="none" strike="noStrike">
+        <a:defRPr sz="1400" b="0" i="0" u="none" strike="noStrike" cap="none">
           <a:solidFill>
             <a:srgbClr val="000000"/>
           </a:solidFill>
@@ -11053,7 +11437,7 @@
       </a:lvl9pPr>
     </p:titleStyle>
     <p:bodyStyle>
-      <a:defPPr lvl="0" marR="0" rtl="0" algn="l">
+      <a:defPPr marR="0" lvl="0" algn="l" rtl="0">
         <a:lnSpc>
           <a:spcPct val="100000"/>
         </a:lnSpc>
@@ -11064,7 +11448,7 @@
           <a:spcPts val="0"/>
         </a:spcAft>
       </a:defPPr>
-      <a:lvl1pPr lvl="0" marR="0" rtl="0" algn="l">
+      <a:lvl1pPr marR="0" lvl="0" algn="l" rtl="0">
         <a:lnSpc>
           <a:spcPct val="100000"/>
         </a:lnSpc>
@@ -11078,7 +11462,7 @@
           <a:srgbClr val="000000"/>
         </a:buClr>
         <a:buFont typeface="Arial"/>
-        <a:defRPr b="0" i="0" sz="1400" u="none" cap="none" strike="noStrike">
+        <a:defRPr sz="1400" b="0" i="0" u="none" strike="noStrike" cap="none">
           <a:solidFill>
             <a:srgbClr val="000000"/>
           </a:solidFill>
@@ -11088,7 +11472,7 @@
           <a:sym typeface="Arial"/>
         </a:defRPr>
       </a:lvl1pPr>
-      <a:lvl2pPr lvl="1" marR="0" rtl="0" algn="l">
+      <a:lvl2pPr marR="0" lvl="1" algn="l" rtl="0">
         <a:lnSpc>
           <a:spcPct val="100000"/>
         </a:lnSpc>
@@ -11102,7 +11486,7 @@
           <a:srgbClr val="000000"/>
         </a:buClr>
         <a:buFont typeface="Arial"/>
-        <a:defRPr b="0" i="0" sz="1400" u="none" cap="none" strike="noStrike">
+        <a:defRPr sz="1400" b="0" i="0" u="none" strike="noStrike" cap="none">
           <a:solidFill>
             <a:srgbClr val="000000"/>
           </a:solidFill>
@@ -11112,7 +11496,7 @@
           <a:sym typeface="Arial"/>
         </a:defRPr>
       </a:lvl2pPr>
-      <a:lvl3pPr lvl="2" marR="0" rtl="0" algn="l">
+      <a:lvl3pPr marR="0" lvl="2" algn="l" rtl="0">
         <a:lnSpc>
           <a:spcPct val="100000"/>
         </a:lnSpc>
@@ -11126,7 +11510,7 @@
           <a:srgbClr val="000000"/>
         </a:buClr>
         <a:buFont typeface="Arial"/>
-        <a:defRPr b="0" i="0" sz="1400" u="none" cap="none" strike="noStrike">
+        <a:defRPr sz="1400" b="0" i="0" u="none" strike="noStrike" cap="none">
           <a:solidFill>
             <a:srgbClr val="000000"/>
           </a:solidFill>
@@ -11136,7 +11520,7 @@
           <a:sym typeface="Arial"/>
         </a:defRPr>
       </a:lvl3pPr>
-      <a:lvl4pPr lvl="3" marR="0" rtl="0" algn="l">
+      <a:lvl4pPr marR="0" lvl="3" algn="l" rtl="0">
         <a:lnSpc>
           <a:spcPct val="100000"/>
         </a:lnSpc>
@@ -11150,7 +11534,7 @@
           <a:srgbClr val="000000"/>
         </a:buClr>
         <a:buFont typeface="Arial"/>
-        <a:defRPr b="0" i="0" sz="1400" u="none" cap="none" strike="noStrike">
+        <a:defRPr sz="1400" b="0" i="0" u="none" strike="noStrike" cap="none">
           <a:solidFill>
             <a:srgbClr val="000000"/>
           </a:solidFill>
@@ -11160,7 +11544,7 @@
           <a:sym typeface="Arial"/>
         </a:defRPr>
       </a:lvl4pPr>
-      <a:lvl5pPr lvl="4" marR="0" rtl="0" algn="l">
+      <a:lvl5pPr marR="0" lvl="4" algn="l" rtl="0">
         <a:lnSpc>
           <a:spcPct val="100000"/>
         </a:lnSpc>
@@ -11174,7 +11558,7 @@
           <a:srgbClr val="000000"/>
         </a:buClr>
         <a:buFont typeface="Arial"/>
-        <a:defRPr b="0" i="0" sz="1400" u="none" cap="none" strike="noStrike">
+        <a:defRPr sz="1400" b="0" i="0" u="none" strike="noStrike" cap="none">
           <a:solidFill>
             <a:srgbClr val="000000"/>
           </a:solidFill>
@@ -11184,7 +11568,7 @@
           <a:sym typeface="Arial"/>
         </a:defRPr>
       </a:lvl5pPr>
-      <a:lvl6pPr lvl="5" marR="0" rtl="0" algn="l">
+      <a:lvl6pPr marR="0" lvl="5" algn="l" rtl="0">
         <a:lnSpc>
           <a:spcPct val="100000"/>
         </a:lnSpc>
@@ -11198,7 +11582,7 @@
           <a:srgbClr val="000000"/>
         </a:buClr>
         <a:buFont typeface="Arial"/>
-        <a:defRPr b="0" i="0" sz="1400" u="none" cap="none" strike="noStrike">
+        <a:defRPr sz="1400" b="0" i="0" u="none" strike="noStrike" cap="none">
           <a:solidFill>
             <a:srgbClr val="000000"/>
           </a:solidFill>
@@ -11208,7 +11592,7 @@
           <a:sym typeface="Arial"/>
         </a:defRPr>
       </a:lvl6pPr>
-      <a:lvl7pPr lvl="6" marR="0" rtl="0" algn="l">
+      <a:lvl7pPr marR="0" lvl="6" algn="l" rtl="0">
         <a:lnSpc>
           <a:spcPct val="100000"/>
         </a:lnSpc>
@@ -11222,7 +11606,7 @@
           <a:srgbClr val="000000"/>
         </a:buClr>
         <a:buFont typeface="Arial"/>
-        <a:defRPr b="0" i="0" sz="1400" u="none" cap="none" strike="noStrike">
+        <a:defRPr sz="1400" b="0" i="0" u="none" strike="noStrike" cap="none">
           <a:solidFill>
             <a:srgbClr val="000000"/>
           </a:solidFill>
@@ -11232,7 +11616,7 @@
           <a:sym typeface="Arial"/>
         </a:defRPr>
       </a:lvl7pPr>
-      <a:lvl8pPr lvl="7" marR="0" rtl="0" algn="l">
+      <a:lvl8pPr marR="0" lvl="7" algn="l" rtl="0">
         <a:lnSpc>
           <a:spcPct val="100000"/>
         </a:lnSpc>
@@ -11246,7 +11630,7 @@
           <a:srgbClr val="000000"/>
         </a:buClr>
         <a:buFont typeface="Arial"/>
-        <a:defRPr b="0" i="0" sz="1400" u="none" cap="none" strike="noStrike">
+        <a:defRPr sz="1400" b="0" i="0" u="none" strike="noStrike" cap="none">
           <a:solidFill>
             <a:srgbClr val="000000"/>
           </a:solidFill>
@@ -11256,7 +11640,7 @@
           <a:sym typeface="Arial"/>
         </a:defRPr>
       </a:lvl8pPr>
-      <a:lvl9pPr lvl="8" marR="0" rtl="0" algn="l">
+      <a:lvl9pPr marR="0" lvl="8" algn="l" rtl="0">
         <a:lnSpc>
           <a:spcPct val="100000"/>
         </a:lnSpc>
@@ -11270,7 +11654,7 @@
           <a:srgbClr val="000000"/>
         </a:buClr>
         <a:buFont typeface="Arial"/>
-        <a:defRPr b="0" i="0" sz="1400" u="none" cap="none" strike="noStrike">
+        <a:defRPr sz="1400" b="0" i="0" u="none" strike="noStrike" cap="none">
           <a:solidFill>
             <a:srgbClr val="000000"/>
           </a:solidFill>
@@ -11282,7 +11666,7 @@
       </a:lvl9pPr>
     </p:bodyStyle>
     <p:otherStyle>
-      <a:defPPr lvl="0" marR="0" rtl="0" algn="l">
+      <a:defPPr marR="0" lvl="0" algn="l" rtl="0">
         <a:lnSpc>
           <a:spcPct val="100000"/>
         </a:lnSpc>
@@ -11293,7 +11677,7 @@
           <a:spcPts val="0"/>
         </a:spcAft>
       </a:defPPr>
-      <a:lvl1pPr lvl="0" marR="0" rtl="0" algn="l">
+      <a:lvl1pPr marR="0" lvl="0" algn="l" rtl="0">
         <a:lnSpc>
           <a:spcPct val="100000"/>
         </a:lnSpc>
@@ -11307,7 +11691,7 @@
           <a:srgbClr val="000000"/>
         </a:buClr>
         <a:buFont typeface="Arial"/>
-        <a:defRPr b="0" i="0" sz="1400" u="none" cap="none" strike="noStrike">
+        <a:defRPr sz="1400" b="0" i="0" u="none" strike="noStrike" cap="none">
           <a:solidFill>
             <a:srgbClr val="000000"/>
           </a:solidFill>
@@ -11317,7 +11701,7 @@
           <a:sym typeface="Arial"/>
         </a:defRPr>
       </a:lvl1pPr>
-      <a:lvl2pPr lvl="1" marR="0" rtl="0" algn="l">
+      <a:lvl2pPr marR="0" lvl="1" algn="l" rtl="0">
         <a:lnSpc>
           <a:spcPct val="100000"/>
         </a:lnSpc>
@@ -11331,7 +11715,7 @@
           <a:srgbClr val="000000"/>
         </a:buClr>
         <a:buFont typeface="Arial"/>
-        <a:defRPr b="0" i="0" sz="1400" u="none" cap="none" strike="noStrike">
+        <a:defRPr sz="1400" b="0" i="0" u="none" strike="noStrike" cap="none">
           <a:solidFill>
             <a:srgbClr val="000000"/>
           </a:solidFill>
@@ -11341,7 +11725,7 @@
           <a:sym typeface="Arial"/>
         </a:defRPr>
       </a:lvl2pPr>
-      <a:lvl3pPr lvl="2" marR="0" rtl="0" algn="l">
+      <a:lvl3pPr marR="0" lvl="2" algn="l" rtl="0">
         <a:lnSpc>
           <a:spcPct val="100000"/>
         </a:lnSpc>
@@ -11355,7 +11739,7 @@
           <a:srgbClr val="000000"/>
         </a:buClr>
         <a:buFont typeface="Arial"/>
-        <a:defRPr b="0" i="0" sz="1400" u="none" cap="none" strike="noStrike">
+        <a:defRPr sz="1400" b="0" i="0" u="none" strike="noStrike" cap="none">
           <a:solidFill>
             <a:srgbClr val="000000"/>
           </a:solidFill>
@@ -11365,7 +11749,7 @@
           <a:sym typeface="Arial"/>
         </a:defRPr>
       </a:lvl3pPr>
-      <a:lvl4pPr lvl="3" marR="0" rtl="0" algn="l">
+      <a:lvl4pPr marR="0" lvl="3" algn="l" rtl="0">
         <a:lnSpc>
           <a:spcPct val="100000"/>
         </a:lnSpc>
@@ -11379,7 +11763,7 @@
           <a:srgbClr val="000000"/>
         </a:buClr>
         <a:buFont typeface="Arial"/>
-        <a:defRPr b="0" i="0" sz="1400" u="none" cap="none" strike="noStrike">
+        <a:defRPr sz="1400" b="0" i="0" u="none" strike="noStrike" cap="none">
           <a:solidFill>
             <a:srgbClr val="000000"/>
           </a:solidFill>
@@ -11389,7 +11773,7 @@
           <a:sym typeface="Arial"/>
         </a:defRPr>
       </a:lvl4pPr>
-      <a:lvl5pPr lvl="4" marR="0" rtl="0" algn="l">
+      <a:lvl5pPr marR="0" lvl="4" algn="l" rtl="0">
         <a:lnSpc>
           <a:spcPct val="100000"/>
         </a:lnSpc>
@@ -11403,7 +11787,7 @@
           <a:srgbClr val="000000"/>
         </a:buClr>
         <a:buFont typeface="Arial"/>
-        <a:defRPr b="0" i="0" sz="1400" u="none" cap="none" strike="noStrike">
+        <a:defRPr sz="1400" b="0" i="0" u="none" strike="noStrike" cap="none">
           <a:solidFill>
             <a:srgbClr val="000000"/>
           </a:solidFill>
@@ -11413,7 +11797,7 @@
           <a:sym typeface="Arial"/>
         </a:defRPr>
       </a:lvl5pPr>
-      <a:lvl6pPr lvl="5" marR="0" rtl="0" algn="l">
+      <a:lvl6pPr marR="0" lvl="5" algn="l" rtl="0">
         <a:lnSpc>
           <a:spcPct val="100000"/>
         </a:lnSpc>
@@ -11427,7 +11811,7 @@
           <a:srgbClr val="000000"/>
         </a:buClr>
         <a:buFont typeface="Arial"/>
-        <a:defRPr b="0" i="0" sz="1400" u="none" cap="none" strike="noStrike">
+        <a:defRPr sz="1400" b="0" i="0" u="none" strike="noStrike" cap="none">
           <a:solidFill>
             <a:srgbClr val="000000"/>
           </a:solidFill>
@@ -11437,7 +11821,7 @@
           <a:sym typeface="Arial"/>
         </a:defRPr>
       </a:lvl6pPr>
-      <a:lvl7pPr lvl="6" marR="0" rtl="0" algn="l">
+      <a:lvl7pPr marR="0" lvl="6" algn="l" rtl="0">
         <a:lnSpc>
           <a:spcPct val="100000"/>
         </a:lnSpc>
@@ -11451,7 +11835,7 @@
           <a:srgbClr val="000000"/>
         </a:buClr>
         <a:buFont typeface="Arial"/>
-        <a:defRPr b="0" i="0" sz="1400" u="none" cap="none" strike="noStrike">
+        <a:defRPr sz="1400" b="0" i="0" u="none" strike="noStrike" cap="none">
           <a:solidFill>
             <a:srgbClr val="000000"/>
           </a:solidFill>
@@ -11461,7 +11845,7 @@
           <a:sym typeface="Arial"/>
         </a:defRPr>
       </a:lvl7pPr>
-      <a:lvl8pPr lvl="7" marR="0" rtl="0" algn="l">
+      <a:lvl8pPr marR="0" lvl="7" algn="l" rtl="0">
         <a:lnSpc>
           <a:spcPct val="100000"/>
         </a:lnSpc>
@@ -11475,7 +11859,7 @@
           <a:srgbClr val="000000"/>
         </a:buClr>
         <a:buFont typeface="Arial"/>
-        <a:defRPr b="0" i="0" sz="1400" u="none" cap="none" strike="noStrike">
+        <a:defRPr sz="1400" b="0" i="0" u="none" strike="noStrike" cap="none">
           <a:solidFill>
             <a:srgbClr val="000000"/>
           </a:solidFill>
@@ -11485,7 +11869,7 @@
           <a:sym typeface="Arial"/>
         </a:defRPr>
       </a:lvl8pPr>
-      <a:lvl9pPr lvl="8" marR="0" rtl="0" algn="l">
+      <a:lvl9pPr marR="0" lvl="8" algn="l" rtl="0">
         <a:lnSpc>
           <a:spcPct val="100000"/>
         </a:lnSpc>
@@ -11499,7 +11883,7 @@
           <a:srgbClr val="000000"/>
         </a:buClr>
         <a:buFont typeface="Arial"/>
-        <a:defRPr b="0" i="0" sz="1400" u="none" cap="none" strike="noStrike">
+        <a:defRPr sz="1400" b="0" i="0" u="none" strike="noStrike" cap="none">
           <a:solidFill>
             <a:srgbClr val="000000"/>
           </a:solidFill>
@@ -11515,11 +11899,11 @@
 </file>
 
 <file path=ppt/slides/slide1.xml><?xml version="1.0" encoding="utf-8"?>
-<p:sld xmlns:a="http://schemas.openxmlformats.org/drawingml/2006/main" xmlns:r="http://schemas.openxmlformats.org/officeDocument/2006/relationships" xmlns:mc="http://schemas.openxmlformats.org/markup-compatibility/2006" xmlns:mv="urn:schemas-microsoft-com:mac:vml" xmlns:p="http://schemas.openxmlformats.org/presentationml/2006/main" xmlns:c="http://schemas.openxmlformats.org/drawingml/2006/chart" xmlns:dgm="http://schemas.openxmlformats.org/drawingml/2006/diagram" xmlns:o="urn:schemas-microsoft-com:office:office" xmlns:v="urn:schemas-microsoft-com:vml" xmlns:pvml="urn:schemas-microsoft-com:office:powerpoint" xmlns:com="http://schemas.openxmlformats.org/drawingml/2006/compatibility" xmlns:p14="http://schemas.microsoft.com/office/powerpoint/2010/main" xmlns:p15="http://schemas.microsoft.com/office/powerpoint/2012/main">
+<p:sld xmlns:a="http://schemas.openxmlformats.org/drawingml/2006/main" xmlns:r="http://schemas.openxmlformats.org/officeDocument/2006/relationships" xmlns:p="http://schemas.openxmlformats.org/presentationml/2006/main">
   <p:cSld>
     <p:spTree>
       <p:nvGrpSpPr>
-        <p:cNvPr id="83" name="Shape 83"/>
+        <p:cNvPr id="1" name="Shape 83"/>
         <p:cNvGrpSpPr/>
         <p:nvPr/>
       </p:nvGrpSpPr>
@@ -11534,7 +11918,9 @@
       <p:sp>
         <p:nvSpPr>
           <p:cNvPr id="84" name="Google Shape;84;p1"/>
-          <p:cNvSpPr txBox="1"/>
+          <p:cNvSpPr txBox="1">
+            <a:spLocks noGrp="1"/>
+          </p:cNvSpPr>
           <p:nvPr>
             <p:ph type="title"/>
           </p:nvPr>
@@ -11553,12 +11939,12 @@
           </a:ln>
         </p:spPr>
         <p:txBody>
-          <a:bodyPr anchorCtr="0" anchor="ctr" bIns="45700" lIns="91425" spcFirstLastPara="1" rIns="91425" wrap="square" tIns="45700">
+          <a:bodyPr spcFirstLastPara="1" wrap="square" lIns="91425" tIns="45700" rIns="91425" bIns="45700" anchor="ctr" anchorCtr="0">
             <a:normAutofit/>
           </a:bodyPr>
           <a:lstStyle/>
           <a:p>
-            <a:pPr indent="0" lvl="0" marL="0" rtl="0" algn="l">
+            <a:pPr marL="0" lvl="0" indent="0" algn="l" rtl="0">
               <a:lnSpc>
                 <a:spcPct val="90000"/>
               </a:lnSpc>
@@ -11594,9 +11980,11 @@
       <p:sp>
         <p:nvSpPr>
           <p:cNvPr id="85" name="Google Shape;85;p1"/>
-          <p:cNvSpPr txBox="1"/>
+          <p:cNvSpPr txBox="1">
+            <a:spLocks noGrp="1"/>
+          </p:cNvSpPr>
           <p:nvPr>
-            <p:ph idx="1" type="body"/>
+            <p:ph type="body" idx="1"/>
           </p:nvPr>
         </p:nvSpPr>
         <p:spPr>
@@ -11613,12 +12001,12 @@
           </a:ln>
         </p:spPr>
         <p:txBody>
-          <a:bodyPr anchorCtr="0" anchor="t" bIns="45700" lIns="91425" spcFirstLastPara="1" rIns="91425" wrap="square" tIns="45700">
+          <a:bodyPr spcFirstLastPara="1" wrap="square" lIns="91425" tIns="45700" rIns="91425" bIns="45700" anchor="t" anchorCtr="0">
             <a:normAutofit/>
           </a:bodyPr>
           <a:lstStyle/>
           <a:p>
-            <a:pPr indent="-279400" lvl="0" marL="228600" rtl="0" algn="l">
+            <a:pPr marL="228600" lvl="0" indent="-279400" algn="l" rtl="0">
               <a:lnSpc>
                 <a:spcPct val="90000"/>
               </a:lnSpc>
@@ -11635,7 +12023,7 @@
               <a:buChar char="•"/>
             </a:pPr>
             <a:r>
-              <a:rPr b="1" lang="ru-RU" sz="4400"/>
+              <a:rPr lang="ru-RU" sz="4400" b="1"/>
               <a:t>extends</a:t>
             </a:r>
             <a:r>
@@ -11645,7 +12033,7 @@
             <a:endParaRPr sz="4400"/>
           </a:p>
           <a:p>
-            <a:pPr indent="0" lvl="0" marL="0" rtl="0" algn="l">
+            <a:pPr marL="0" lvl="0" indent="0" algn="l" rtl="0">
               <a:lnSpc>
                 <a:spcPct val="90000"/>
               </a:lnSpc>
@@ -11668,7 +12056,7 @@
             <a:endParaRPr/>
           </a:p>
           <a:p>
-            <a:pPr indent="0" lvl="0" marL="228600" rtl="0" algn="l">
+            <a:pPr marL="228600" lvl="0" indent="0" algn="l" rtl="0">
               <a:lnSpc>
                 <a:spcPct val="90000"/>
               </a:lnSpc>
@@ -11687,7 +12075,7 @@
             <a:endParaRPr/>
           </a:p>
           <a:p>
-            <a:pPr indent="0" lvl="0" marL="228600" rtl="0" algn="l">
+            <a:pPr marL="228600" lvl="0" indent="0" algn="l" rtl="0">
               <a:lnSpc>
                 <a:spcPct val="90000"/>
               </a:lnSpc>
@@ -11716,11 +12104,11 @@
 </file>
 
 <file path=ppt/slides/slide2.xml><?xml version="1.0" encoding="utf-8"?>
-<p:sld xmlns:a="http://schemas.openxmlformats.org/drawingml/2006/main" xmlns:r="http://schemas.openxmlformats.org/officeDocument/2006/relationships" xmlns:mc="http://schemas.openxmlformats.org/markup-compatibility/2006" xmlns:mv="urn:schemas-microsoft-com:mac:vml" xmlns:p="http://schemas.openxmlformats.org/presentationml/2006/main" xmlns:c="http://schemas.openxmlformats.org/drawingml/2006/chart" xmlns:dgm="http://schemas.openxmlformats.org/drawingml/2006/diagram" xmlns:o="urn:schemas-microsoft-com:office:office" xmlns:v="urn:schemas-microsoft-com:vml" xmlns:pvml="urn:schemas-microsoft-com:office:powerpoint" xmlns:com="http://schemas.openxmlformats.org/drawingml/2006/compatibility" xmlns:p14="http://schemas.microsoft.com/office/powerpoint/2010/main" xmlns:p15="http://schemas.microsoft.com/office/powerpoint/2012/main">
+<p:sld xmlns:a="http://schemas.openxmlformats.org/drawingml/2006/main" xmlns:r="http://schemas.openxmlformats.org/officeDocument/2006/relationships" xmlns:p="http://schemas.openxmlformats.org/presentationml/2006/main">
   <p:cSld>
     <p:spTree>
       <p:nvGrpSpPr>
-        <p:cNvPr id="89" name="Shape 89"/>
+        <p:cNvPr id="1" name="Shape 89"/>
         <p:cNvGrpSpPr/>
         <p:nvPr/>
       </p:nvGrpSpPr>
@@ -11749,23 +12137,23 @@
           <a:solidFill>
             <a:schemeClr val="accent1"/>
           </a:solidFill>
-          <a:ln cap="flat" cmpd="sng" w="38100">
+          <a:ln w="38100" cap="flat" cmpd="sng">
             <a:solidFill>
               <a:schemeClr val="dk1"/>
             </a:solidFill>
             <a:prstDash val="solid"/>
             <a:miter lim="800000"/>
-            <a:headEnd len="sm" w="sm" type="none"/>
-            <a:tailEnd len="sm" w="sm" type="none"/>
+            <a:headEnd type="none" w="sm" len="sm"/>
+            <a:tailEnd type="none" w="sm" len="sm"/>
           </a:ln>
         </p:spPr>
         <p:txBody>
-          <a:bodyPr anchorCtr="0" anchor="ctr" bIns="45700" lIns="91425" spcFirstLastPara="1" rIns="91425" wrap="square" tIns="45700">
+          <a:bodyPr spcFirstLastPara="1" wrap="square" lIns="91425" tIns="45700" rIns="91425" bIns="45700" anchor="ctr" anchorCtr="0">
             <a:noAutofit/>
           </a:bodyPr>
           <a:lstStyle/>
           <a:p>
-            <a:pPr indent="0" lvl="0" marL="0" marR="0" rtl="0" algn="ctr">
+            <a:pPr marL="0" marR="0" lvl="0" indent="0" algn="ctr" rtl="0">
               <a:spcBef>
                 <a:spcPts val="0"/>
               </a:spcBef>
@@ -11774,10 +12162,7 @@
               </a:spcAft>
               <a:buNone/>
             </a:pPr>
-            <a:r>
-              <a:t/>
-            </a:r>
-            <a:endParaRPr b="0" i="0" sz="1800" u="none" cap="none" strike="noStrike">
+            <a:endParaRPr sz="1800" b="0" i="0" u="none" strike="noStrike" cap="none">
               <a:solidFill>
                 <a:schemeClr val="lt1"/>
               </a:solidFill>
@@ -11804,14 +12189,14 @@
             <a:avLst/>
           </a:prstGeom>
           <a:noFill/>
-          <a:ln cap="flat" cmpd="sng" w="28575">
+          <a:ln w="28575" cap="flat" cmpd="sng">
             <a:solidFill>
               <a:schemeClr val="dk1"/>
             </a:solidFill>
             <a:prstDash val="solid"/>
             <a:miter lim="800000"/>
-            <a:headEnd len="sm" w="sm" type="none"/>
-            <a:tailEnd len="med" w="med" type="triangle"/>
+            <a:headEnd type="none" w="sm" len="sm"/>
+            <a:tailEnd type="triangle" w="med" len="med"/>
           </a:ln>
         </p:spPr>
       </p:cxnSp>
@@ -11830,14 +12215,14 @@
             <a:avLst/>
           </a:prstGeom>
           <a:noFill/>
-          <a:ln cap="flat" cmpd="sng" w="28575">
+          <a:ln w="28575" cap="flat" cmpd="sng">
             <a:solidFill>
               <a:schemeClr val="dk1"/>
             </a:solidFill>
             <a:prstDash val="solid"/>
             <a:miter lim="800000"/>
-            <a:headEnd len="sm" w="sm" type="none"/>
-            <a:tailEnd len="med" w="med" type="triangle"/>
+            <a:headEnd type="none" w="sm" len="sm"/>
+            <a:tailEnd type="triangle" w="med" len="med"/>
           </a:ln>
         </p:spPr>
       </p:cxnSp>
@@ -11861,12 +12246,12 @@
           </a:ln>
         </p:spPr>
         <p:txBody>
-          <a:bodyPr anchorCtr="0" anchor="t" bIns="45700" lIns="91425" spcFirstLastPara="1" rIns="91425" wrap="square" tIns="45700">
+          <a:bodyPr spcFirstLastPara="1" wrap="square" lIns="91425" tIns="45700" rIns="91425" bIns="45700" anchor="t" anchorCtr="0">
             <a:spAutoFit/>
           </a:bodyPr>
           <a:lstStyle/>
           <a:p>
-            <a:pPr indent="0" lvl="0" marL="0" marR="0" rtl="0" algn="l">
+            <a:pPr marL="0" marR="0" lvl="0" indent="0" algn="l" rtl="0">
               <a:spcBef>
                 <a:spcPts val="0"/>
               </a:spcBef>
@@ -11876,7 +12261,7 @@
               <a:buNone/>
             </a:pPr>
             <a:r>
-              <a:rPr b="0" i="0" lang="ru-RU" sz="3200" u="none" cap="none" strike="noStrike">
+              <a:rPr lang="ru-RU" sz="3200" b="0" i="0" u="none" strike="noStrike" cap="none">
                 <a:solidFill>
                   <a:schemeClr val="dk1"/>
                 </a:solidFill>
@@ -11919,12 +12304,12 @@
           </a:ln>
         </p:spPr>
         <p:txBody>
-          <a:bodyPr anchorCtr="0" anchor="t" bIns="45700" lIns="91425" spcFirstLastPara="1" rIns="91425" wrap="square" tIns="45700">
+          <a:bodyPr spcFirstLastPara="1" wrap="square" lIns="91425" tIns="45700" rIns="91425" bIns="45700" anchor="t" anchorCtr="0">
             <a:spAutoFit/>
           </a:bodyPr>
           <a:lstStyle/>
           <a:p>
-            <a:pPr indent="0" lvl="0" marL="0" marR="0" rtl="0" algn="l">
+            <a:pPr marL="0" marR="0" lvl="0" indent="0" algn="l" rtl="0">
               <a:spcBef>
                 <a:spcPts val="0"/>
               </a:spcBef>
@@ -11977,12 +12362,12 @@
           </a:ln>
         </p:spPr>
         <p:txBody>
-          <a:bodyPr anchorCtr="0" anchor="t" bIns="45700" lIns="91425" spcFirstLastPara="1" rIns="91425" wrap="square" tIns="45700">
+          <a:bodyPr spcFirstLastPara="1" wrap="square" lIns="91425" tIns="45700" rIns="91425" bIns="45700" anchor="t" anchorCtr="0">
             <a:spAutoFit/>
           </a:bodyPr>
           <a:lstStyle/>
           <a:p>
-            <a:pPr indent="0" lvl="0" marL="0" marR="0" rtl="0" algn="l">
+            <a:pPr marL="0" marR="0" lvl="0" indent="0" algn="l" rtl="0">
               <a:spcBef>
                 <a:spcPts val="0"/>
               </a:spcBef>
@@ -12035,12 +12420,12 @@
           </a:ln>
         </p:spPr>
         <p:txBody>
-          <a:bodyPr anchorCtr="0" anchor="t" bIns="45700" lIns="91425" spcFirstLastPara="1" rIns="91425" wrap="square" tIns="45700">
+          <a:bodyPr spcFirstLastPara="1" wrap="square" lIns="91425" tIns="45700" rIns="91425" bIns="45700" anchor="t" anchorCtr="0">
             <a:spAutoFit/>
           </a:bodyPr>
           <a:lstStyle/>
           <a:p>
-            <a:pPr indent="0" lvl="0" marL="0" marR="0" rtl="0" algn="l">
+            <a:pPr marL="0" marR="0" lvl="0" indent="0" algn="l" rtl="0">
               <a:spcBef>
                 <a:spcPts val="0"/>
               </a:spcBef>
@@ -12090,14 +12475,14 @@
             <a:avLst/>
           </a:prstGeom>
           <a:noFill/>
-          <a:ln cap="flat" cmpd="sng" w="9525">
+          <a:ln w="9525" cap="flat" cmpd="sng">
             <a:solidFill>
               <a:schemeClr val="dk1"/>
             </a:solidFill>
             <a:prstDash val="dash"/>
             <a:miter lim="800000"/>
-            <a:headEnd len="sm" w="sm" type="none"/>
-            <a:tailEnd len="sm" w="sm" type="none"/>
+            <a:headEnd type="none" w="sm" len="sm"/>
+            <a:tailEnd type="none" w="sm" len="sm"/>
           </a:ln>
         </p:spPr>
       </p:cxnSp>
@@ -12116,14 +12501,14 @@
             <a:avLst/>
           </a:prstGeom>
           <a:noFill/>
-          <a:ln cap="flat" cmpd="sng" w="9525">
+          <a:ln w="9525" cap="flat" cmpd="sng">
             <a:solidFill>
               <a:schemeClr val="dk1"/>
             </a:solidFill>
             <a:prstDash val="dash"/>
             <a:miter lim="800000"/>
-            <a:headEnd len="sm" w="sm" type="none"/>
-            <a:tailEnd len="sm" w="sm" type="none"/>
+            <a:headEnd type="none" w="sm" len="sm"/>
+            <a:tailEnd type="none" w="sm" len="sm"/>
           </a:ln>
         </p:spPr>
       </p:cxnSp>
@@ -12147,12 +12532,12 @@
           </a:ln>
         </p:spPr>
         <p:txBody>
-          <a:bodyPr anchorCtr="0" anchor="t" bIns="45700" lIns="91425" spcFirstLastPara="1" rIns="91425" wrap="square" tIns="45700">
+          <a:bodyPr spcFirstLastPara="1" wrap="square" lIns="91425" tIns="45700" rIns="91425" bIns="45700" anchor="t" anchorCtr="0">
             <a:spAutoFit/>
           </a:bodyPr>
           <a:lstStyle/>
           <a:p>
-            <a:pPr indent="0" lvl="0" marL="0" marR="0" rtl="0" algn="l">
+            <a:pPr marL="0" marR="0" lvl="0" indent="0" algn="l" rtl="0">
               <a:spcBef>
                 <a:spcPts val="0"/>
               </a:spcBef>
@@ -12194,11 +12579,11 @@
 </file>
 
 <file path=ppt/slides/slide3.xml><?xml version="1.0" encoding="utf-8"?>
-<p:sld xmlns:a="http://schemas.openxmlformats.org/drawingml/2006/main" xmlns:r="http://schemas.openxmlformats.org/officeDocument/2006/relationships" xmlns:mc="http://schemas.openxmlformats.org/markup-compatibility/2006" xmlns:mv="urn:schemas-microsoft-com:mac:vml" xmlns:p="http://schemas.openxmlformats.org/presentationml/2006/main" xmlns:c="http://schemas.openxmlformats.org/drawingml/2006/chart" xmlns:dgm="http://schemas.openxmlformats.org/drawingml/2006/diagram" xmlns:o="urn:schemas-microsoft-com:office:office" xmlns:v="urn:schemas-microsoft-com:vml" xmlns:pvml="urn:schemas-microsoft-com:office:powerpoint" xmlns:com="http://schemas.openxmlformats.org/drawingml/2006/compatibility" xmlns:p14="http://schemas.microsoft.com/office/powerpoint/2010/main" xmlns:p15="http://schemas.microsoft.com/office/powerpoint/2012/main">
+<p:sld xmlns:a="http://schemas.openxmlformats.org/drawingml/2006/main" xmlns:r="http://schemas.openxmlformats.org/officeDocument/2006/relationships" xmlns:p="http://schemas.openxmlformats.org/presentationml/2006/main">
   <p:cSld>
     <p:spTree>
       <p:nvGrpSpPr>
-        <p:cNvPr id="103" name="Shape 103"/>
+        <p:cNvPr id="1" name="Shape 103"/>
         <p:cNvGrpSpPr/>
         <p:nvPr/>
       </p:nvGrpSpPr>
@@ -12219,7 +12604,7 @@
         <p:spPr>
           <a:xfrm>
             <a:off x="668695" y="979715"/>
-            <a:ext cx="11523305" cy="4530471"/>
+            <a:ext cx="11523305" cy="4687397"/>
           </a:xfrm>
           <a:prstGeom prst="rect">
             <a:avLst/>
@@ -12230,12 +12615,12 @@
           </a:ln>
         </p:spPr>
         <p:txBody>
-          <a:bodyPr anchorCtr="0" anchor="t" bIns="45700" lIns="91425" spcFirstLastPara="1" rIns="91425" wrap="square" tIns="45700">
+          <a:bodyPr spcFirstLastPara="1" wrap="square" lIns="91425" tIns="45700" rIns="91425" bIns="45700" anchor="t" anchorCtr="0">
             <a:spAutoFit/>
           </a:bodyPr>
           <a:lstStyle/>
           <a:p>
-            <a:pPr indent="450215" lvl="0" marL="0" marR="0" rtl="0" algn="just">
+            <a:pPr marL="0" marR="0" lvl="0" indent="450215" algn="just" rtl="0">
               <a:lnSpc>
                 <a:spcPct val="115000"/>
               </a:lnSpc>
@@ -12248,7 +12633,7 @@
               <a:buNone/>
             </a:pPr>
             <a:r>
-              <a:rPr b="1" lang="ru-RU" sz="2800">
+              <a:rPr lang="ru-RU" sz="4400" b="1" dirty="0">
                 <a:solidFill>
                   <a:srgbClr val="005F33"/>
                 </a:solidFill>
@@ -12259,10 +12644,10 @@
               </a:rPr>
               <a:t>Как вывести строку?</a:t>
             </a:r>
-            <a:endParaRPr/>
+            <a:endParaRPr sz="4400" dirty="0"/>
           </a:p>
           <a:p>
-            <a:pPr indent="0" lvl="0" marL="0" marR="0" rtl="0" algn="l">
+            <a:pPr marL="0" marR="0" lvl="0" indent="0" algn="l" rtl="0">
               <a:spcBef>
                 <a:spcPts val="0"/>
               </a:spcBef>
@@ -12272,7 +12657,7 @@
               <a:buNone/>
             </a:pPr>
             <a:r>
-              <a:rPr lang="ru-RU" sz="2800">
+              <a:rPr lang="ru-RU" sz="4400" dirty="0">
                 <a:solidFill>
                   <a:schemeClr val="dk1"/>
                 </a:solidFill>
@@ -12281,22 +12666,10 @@
                 <a:cs typeface="Calibri"/>
                 <a:sym typeface="Calibri"/>
               </a:rPr>
-              <a:t>Методом drawString:</a:t>
+              <a:t>Методом </a:t>
             </a:r>
-            <a:endParaRPr/>
-          </a:p>
-          <a:p>
-            <a:pPr indent="0" lvl="0" marL="0" marR="0" rtl="0" algn="l">
-              <a:spcBef>
-                <a:spcPts val="0"/>
-              </a:spcBef>
-              <a:spcAft>
-                <a:spcPts val="0"/>
-              </a:spcAft>
-              <a:buNone/>
-            </a:pPr>
             <a:r>
-              <a:rPr lang="ru-RU" sz="2800">
+              <a:rPr lang="ru-RU" sz="4400" dirty="0" err="1">
                 <a:solidFill>
                   <a:schemeClr val="dk1"/>
                 </a:solidFill>
@@ -12305,22 +12678,10 @@
                 <a:cs typeface="Calibri"/>
                 <a:sym typeface="Calibri"/>
               </a:rPr>
-              <a:t>g2d.drawString("Yes", 50, 190);</a:t>
+              <a:t>drawString</a:t>
             </a:r>
-            <a:endParaRPr/>
-          </a:p>
-          <a:p>
-            <a:pPr indent="0" lvl="0" marL="0" marR="0" rtl="0" algn="l">
-              <a:spcBef>
-                <a:spcPts val="0"/>
-              </a:spcBef>
-              <a:spcAft>
-                <a:spcPts val="0"/>
-              </a:spcAft>
-              <a:buNone/>
-            </a:pPr>
             <a:r>
-              <a:rPr lang="ru-RU" sz="2800">
+              <a:rPr lang="ru-RU" sz="4400" dirty="0">
                 <a:solidFill>
                   <a:schemeClr val="dk1"/>
                 </a:solidFill>
@@ -12329,9 +12690,117 @@
                 <a:cs typeface="Calibri"/>
                 <a:sym typeface="Calibri"/>
               </a:rPr>
-              <a:t>строка "Yes" будет выведена от точки с координатами 50, 190.</a:t>
+              <a:t>:</a:t>
             </a:r>
-            <a:endParaRPr sz="2800">
+            <a:endParaRPr sz="4400" dirty="0"/>
+          </a:p>
+          <a:p>
+            <a:pPr marL="0" marR="0" lvl="0" indent="0" algn="l" rtl="0">
+              <a:spcBef>
+                <a:spcPts val="0"/>
+              </a:spcBef>
+              <a:spcAft>
+                <a:spcPts val="0"/>
+              </a:spcAft>
+              <a:buNone/>
+            </a:pPr>
+            <a:r>
+              <a:rPr lang="ru-RU" sz="4400" dirty="0" err="1">
+                <a:solidFill>
+                  <a:schemeClr val="dk1"/>
+                </a:solidFill>
+                <a:latin typeface="Calibri"/>
+                <a:ea typeface="Calibri"/>
+                <a:cs typeface="Calibri"/>
+                <a:sym typeface="Calibri"/>
+              </a:rPr>
+              <a:t>drawString</a:t>
+            </a:r>
+            <a:r>
+              <a:rPr lang="ru-RU" sz="4400" dirty="0">
+                <a:solidFill>
+                  <a:schemeClr val="dk1"/>
+                </a:solidFill>
+                <a:latin typeface="Calibri"/>
+                <a:ea typeface="Calibri"/>
+                <a:cs typeface="Calibri"/>
+                <a:sym typeface="Calibri"/>
+              </a:rPr>
+              <a:t>("</a:t>
+            </a:r>
+            <a:r>
+              <a:rPr lang="ru-RU" sz="4400" dirty="0" err="1">
+                <a:solidFill>
+                  <a:schemeClr val="dk1"/>
+                </a:solidFill>
+                <a:latin typeface="Calibri"/>
+                <a:ea typeface="Calibri"/>
+                <a:cs typeface="Calibri"/>
+                <a:sym typeface="Calibri"/>
+              </a:rPr>
+              <a:t>Yes</a:t>
+            </a:r>
+            <a:r>
+              <a:rPr lang="ru-RU" sz="4400" dirty="0">
+                <a:solidFill>
+                  <a:schemeClr val="dk1"/>
+                </a:solidFill>
+                <a:latin typeface="Calibri"/>
+                <a:ea typeface="Calibri"/>
+                <a:cs typeface="Calibri"/>
+                <a:sym typeface="Calibri"/>
+              </a:rPr>
+              <a:t>", 50, 190);</a:t>
+            </a:r>
+            <a:endParaRPr sz="4400" dirty="0"/>
+          </a:p>
+          <a:p>
+            <a:pPr marL="0" marR="0" lvl="0" indent="0" algn="l" rtl="0">
+              <a:spcBef>
+                <a:spcPts val="0"/>
+              </a:spcBef>
+              <a:spcAft>
+                <a:spcPts val="0"/>
+              </a:spcAft>
+              <a:buNone/>
+            </a:pPr>
+            <a:r>
+              <a:rPr lang="ru-RU" sz="4400" dirty="0">
+                <a:solidFill>
+                  <a:schemeClr val="dk1"/>
+                </a:solidFill>
+                <a:latin typeface="Calibri"/>
+                <a:ea typeface="Calibri"/>
+                <a:cs typeface="Calibri"/>
+                <a:sym typeface="Calibri"/>
+              </a:rPr>
+              <a:t>строка "</a:t>
+            </a:r>
+            <a:r>
+              <a:rPr lang="ru-RU" sz="4400" dirty="0" err="1">
+                <a:solidFill>
+                  <a:schemeClr val="dk1"/>
+                </a:solidFill>
+                <a:latin typeface="Calibri"/>
+                <a:ea typeface="Calibri"/>
+                <a:cs typeface="Calibri"/>
+                <a:sym typeface="Calibri"/>
+              </a:rPr>
+              <a:t>Yes</a:t>
+            </a:r>
+            <a:r>
+              <a:rPr lang="ru-RU" sz="4400" dirty="0">
+                <a:solidFill>
+                  <a:schemeClr val="dk1"/>
+                </a:solidFill>
+                <a:latin typeface="Calibri"/>
+                <a:ea typeface="Calibri"/>
+                <a:cs typeface="Calibri"/>
+                <a:sym typeface="Calibri"/>
+              </a:rPr>
+              <a:t>" будет выведена от точки с координатами 50, 190.</a:t>
+            </a:r>
+            <a:endParaRPr sz="4400" dirty="0">
               <a:solidFill>
                 <a:schemeClr val="dk1"/>
               </a:solidFill>
@@ -12342,7 +12811,7 @@
             </a:endParaRPr>
           </a:p>
           <a:p>
-            <a:pPr indent="0" lvl="0" marL="0" marR="0" rtl="0" algn="l">
+            <a:pPr marL="0" marR="0" lvl="0" indent="0" algn="l" rtl="0">
               <a:spcBef>
                 <a:spcPts val="0"/>
               </a:spcBef>
@@ -12351,10 +12820,7 @@
               </a:spcAft>
               <a:buNone/>
             </a:pPr>
-            <a:r>
-              <a:t/>
-            </a:r>
-            <a:endParaRPr sz="2800">
+            <a:endParaRPr sz="4400" dirty="0">
               <a:solidFill>
                 <a:schemeClr val="dk1"/>
               </a:solidFill>
@@ -12365,10 +12831,7 @@
             </a:endParaRPr>
           </a:p>
           <a:p>
-            <a:pPr indent="450215" lvl="0" marL="0" marR="0" rtl="0" algn="just">
-              <a:lnSpc>
-                <a:spcPct val="115000"/>
-              </a:lnSpc>
+            <a:pPr marL="0" marR="0" lvl="0" indent="0" algn="l" rtl="0">
               <a:spcBef>
                 <a:spcPts val="0"/>
               </a:spcBef>
@@ -12377,104 +12840,7 @@
               </a:spcAft>
               <a:buNone/>
             </a:pPr>
-            <a:r>
-              <a:rPr b="1" lang="ru-RU" sz="2800">
-                <a:solidFill>
-                  <a:srgbClr val="005F33"/>
-                </a:solidFill>
-                <a:latin typeface="Times New Roman"/>
-                <a:ea typeface="Times New Roman"/>
-                <a:cs typeface="Times New Roman"/>
-                <a:sym typeface="Times New Roman"/>
-              </a:rPr>
-              <a:t>Как задать цвет?</a:t>
-            </a:r>
-            <a:endParaRPr/>
-          </a:p>
-          <a:p>
-            <a:pPr indent="0" lvl="0" marL="0" marR="0" rtl="0" algn="l">
-              <a:spcBef>
-                <a:spcPts val="0"/>
-              </a:spcBef>
-              <a:spcAft>
-                <a:spcPts val="0"/>
-              </a:spcAft>
-              <a:buNone/>
-            </a:pPr>
-            <a:r>
-              <a:rPr lang="ru-RU" sz="2800">
-                <a:solidFill>
-                  <a:schemeClr val="dk1"/>
-                </a:solidFill>
-                <a:latin typeface="Calibri"/>
-                <a:ea typeface="Calibri"/>
-                <a:cs typeface="Calibri"/>
-                <a:sym typeface="Calibri"/>
-              </a:rPr>
-              <a:t>Метод setPaint сделает текущим новый цвет:</a:t>
-            </a:r>
-            <a:br>
-              <a:rPr lang="ru-RU" sz="2800">
-                <a:solidFill>
-                  <a:schemeClr val="dk1"/>
-                </a:solidFill>
-                <a:latin typeface="Calibri"/>
-                <a:ea typeface="Calibri"/>
-                <a:cs typeface="Calibri"/>
-                <a:sym typeface="Calibri"/>
-              </a:rPr>
-            </a:br>
-            <a:r>
-              <a:rPr lang="ru-RU" sz="2800">
-                <a:solidFill>
-                  <a:schemeClr val="dk1"/>
-                </a:solidFill>
-                <a:latin typeface="Calibri"/>
-                <a:ea typeface="Calibri"/>
-                <a:cs typeface="Calibri"/>
-                <a:sym typeface="Calibri"/>
-              </a:rPr>
-              <a:t>// Устанавливаем синий цвет;</a:t>
-            </a:r>
-            <a:br>
-              <a:rPr lang="ru-RU" sz="2800">
-                <a:solidFill>
-                  <a:schemeClr val="dk1"/>
-                </a:solidFill>
-                <a:latin typeface="Calibri"/>
-                <a:ea typeface="Calibri"/>
-                <a:cs typeface="Calibri"/>
-                <a:sym typeface="Calibri"/>
-              </a:rPr>
-            </a:br>
-            <a:r>
-              <a:rPr lang="ru-RU" sz="2800">
-                <a:solidFill>
-                  <a:schemeClr val="dk1"/>
-                </a:solidFill>
-                <a:latin typeface="Calibri"/>
-                <a:ea typeface="Calibri"/>
-                <a:cs typeface="Calibri"/>
-                <a:sym typeface="Calibri"/>
-              </a:rPr>
-              <a:t>g2d.setPaint(Color.BLUE);</a:t>
-            </a:r>
-            <a:endParaRPr/>
-          </a:p>
-          <a:p>
-            <a:pPr indent="0" lvl="0" marL="0" marR="0" rtl="0" algn="l">
-              <a:spcBef>
-                <a:spcPts val="0"/>
-              </a:spcBef>
-              <a:spcAft>
-                <a:spcPts val="0"/>
-              </a:spcAft>
-              <a:buNone/>
-            </a:pPr>
-            <a:r>
-              <a:t/>
-            </a:r>
-            <a:endParaRPr sz="2800">
+            <a:endParaRPr sz="2800" dirty="0">
               <a:solidFill>
                 <a:schemeClr val="dk1"/>
               </a:solidFill>
@@ -12495,11 +12861,261 @@
 </file>
 
 <file path=ppt/slides/slide4.xml><?xml version="1.0" encoding="utf-8"?>
-<p:sld xmlns:a="http://schemas.openxmlformats.org/drawingml/2006/main" xmlns:r="http://schemas.openxmlformats.org/officeDocument/2006/relationships" xmlns:mc="http://schemas.openxmlformats.org/markup-compatibility/2006" xmlns:mv="urn:schemas-microsoft-com:mac:vml" xmlns:p="http://schemas.openxmlformats.org/presentationml/2006/main" xmlns:c="http://schemas.openxmlformats.org/drawingml/2006/chart" xmlns:dgm="http://schemas.openxmlformats.org/drawingml/2006/diagram" xmlns:o="urn:schemas-microsoft-com:office:office" xmlns:v="urn:schemas-microsoft-com:vml" xmlns:pvml="urn:schemas-microsoft-com:office:powerpoint" xmlns:com="http://schemas.openxmlformats.org/drawingml/2006/compatibility" xmlns:p14="http://schemas.microsoft.com/office/powerpoint/2010/main" xmlns:p15="http://schemas.microsoft.com/office/powerpoint/2012/main">
+<p:sld xmlns:a="http://schemas.openxmlformats.org/drawingml/2006/main" xmlns:r="http://schemas.openxmlformats.org/officeDocument/2006/relationships" xmlns:p="http://schemas.openxmlformats.org/presentationml/2006/main">
   <p:cSld>
     <p:spTree>
       <p:nvGrpSpPr>
-        <p:cNvPr id="108" name="Shape 108"/>
+        <p:cNvPr id="1" name="Shape 103"/>
+        <p:cNvGrpSpPr/>
+        <p:nvPr/>
+      </p:nvGrpSpPr>
+      <p:grpSpPr>
+        <a:xfrm>
+          <a:off x="0" y="0"/>
+          <a:ext cx="0" cy="0"/>
+          <a:chOff x="0" y="0"/>
+          <a:chExt cx="0" cy="0"/>
+        </a:xfrm>
+      </p:grpSpPr>
+      <p:sp>
+        <p:nvSpPr>
+          <p:cNvPr id="104" name="Google Shape;104;p3"/>
+          <p:cNvSpPr/>
+          <p:nvPr/>
+        </p:nvSpPr>
+        <p:spPr>
+          <a:xfrm>
+            <a:off x="668695" y="979715"/>
+            <a:ext cx="11523305" cy="3764067"/>
+          </a:xfrm>
+          <a:prstGeom prst="rect">
+            <a:avLst/>
+          </a:prstGeom>
+          <a:noFill/>
+          <a:ln>
+            <a:noFill/>
+          </a:ln>
+        </p:spPr>
+        <p:txBody>
+          <a:bodyPr spcFirstLastPara="1" wrap="square" lIns="91425" tIns="45700" rIns="91425" bIns="45700" anchor="t" anchorCtr="0">
+            <a:spAutoFit/>
+          </a:bodyPr>
+          <a:lstStyle/>
+          <a:p>
+            <a:pPr lvl="0" indent="450215" algn="just">
+              <a:lnSpc>
+                <a:spcPct val="115000"/>
+              </a:lnSpc>
+            </a:pPr>
+            <a:r>
+              <a:rPr lang="ru-RU" sz="4400" b="1" dirty="0">
+                <a:solidFill>
+                  <a:srgbClr val="005F33"/>
+                </a:solidFill>
+                <a:latin typeface="Times New Roman"/>
+                <a:ea typeface="Times New Roman"/>
+                <a:cs typeface="Times New Roman"/>
+                <a:sym typeface="Times New Roman"/>
+              </a:rPr>
+              <a:t>Как задать цвет?</a:t>
+            </a:r>
+            <a:endParaRPr lang="ru-RU" sz="4400" dirty="0"/>
+          </a:p>
+          <a:p>
+            <a:pPr lvl="0"/>
+            <a:r>
+              <a:rPr lang="ru-RU" sz="4400" dirty="0">
+                <a:solidFill>
+                  <a:schemeClr val="dk1"/>
+                </a:solidFill>
+                <a:latin typeface="Calibri"/>
+                <a:ea typeface="Calibri"/>
+                <a:cs typeface="Calibri"/>
+                <a:sym typeface="Calibri"/>
+              </a:rPr>
+              <a:t>Метод </a:t>
+            </a:r>
+            <a:r>
+              <a:rPr lang="ru-RU" sz="4400" dirty="0" err="1">
+                <a:solidFill>
+                  <a:schemeClr val="dk1"/>
+                </a:solidFill>
+                <a:latin typeface="Calibri"/>
+                <a:ea typeface="Calibri"/>
+                <a:cs typeface="Calibri"/>
+                <a:sym typeface="Calibri"/>
+              </a:rPr>
+              <a:t>setPaint</a:t>
+            </a:r>
+            <a:r>
+              <a:rPr lang="ru-RU" sz="4400" dirty="0">
+                <a:solidFill>
+                  <a:schemeClr val="dk1"/>
+                </a:solidFill>
+                <a:latin typeface="Calibri"/>
+                <a:ea typeface="Calibri"/>
+                <a:cs typeface="Calibri"/>
+                <a:sym typeface="Calibri"/>
+              </a:rPr>
+              <a:t> сделает текущим новый цвет:</a:t>
+            </a:r>
+            <a:br>
+              <a:rPr lang="ru-RU" sz="4400" dirty="0">
+                <a:solidFill>
+                  <a:schemeClr val="dk1"/>
+                </a:solidFill>
+                <a:latin typeface="Calibri"/>
+                <a:ea typeface="Calibri"/>
+                <a:cs typeface="Calibri"/>
+                <a:sym typeface="Calibri"/>
+              </a:rPr>
+            </a:br>
+            <a:r>
+              <a:rPr lang="ru-RU" sz="4400" dirty="0">
+                <a:solidFill>
+                  <a:schemeClr val="dk1"/>
+                </a:solidFill>
+                <a:latin typeface="Calibri"/>
+                <a:ea typeface="Calibri"/>
+                <a:cs typeface="Calibri"/>
+                <a:sym typeface="Calibri"/>
+              </a:rPr>
+              <a:t>// Устанавливаем синий цвет;</a:t>
+            </a:r>
+            <a:br>
+              <a:rPr lang="ru-RU" sz="4400" dirty="0">
+                <a:solidFill>
+                  <a:schemeClr val="dk1"/>
+                </a:solidFill>
+                <a:latin typeface="Calibri"/>
+                <a:ea typeface="Calibri"/>
+                <a:cs typeface="Calibri"/>
+                <a:sym typeface="Calibri"/>
+              </a:rPr>
+            </a:br>
+            <a:r>
+              <a:rPr lang="ru-RU" sz="4400" dirty="0" err="1">
+                <a:solidFill>
+                  <a:schemeClr val="dk1"/>
+                </a:solidFill>
+                <a:latin typeface="Calibri"/>
+                <a:ea typeface="Calibri"/>
+                <a:cs typeface="Calibri"/>
+                <a:sym typeface="Calibri"/>
+              </a:rPr>
+              <a:t>set</a:t>
+            </a:r>
+            <a:r>
+              <a:rPr lang="en-US" sz="4400" dirty="0">
+                <a:solidFill>
+                  <a:schemeClr val="dk1"/>
+                </a:solidFill>
+                <a:latin typeface="Calibri"/>
+                <a:ea typeface="Calibri"/>
+                <a:cs typeface="Calibri"/>
+                <a:sym typeface="Calibri"/>
+              </a:rPr>
+              <a:t>Color</a:t>
+            </a:r>
+            <a:r>
+              <a:rPr lang="ru-RU" sz="4400" dirty="0">
+                <a:solidFill>
+                  <a:schemeClr val="dk1"/>
+                </a:solidFill>
+                <a:latin typeface="Calibri"/>
+                <a:ea typeface="Calibri"/>
+                <a:cs typeface="Calibri"/>
+                <a:sym typeface="Calibri"/>
+              </a:rPr>
+              <a:t>(</a:t>
+            </a:r>
+            <a:r>
+              <a:rPr lang="ru-RU" sz="4400" dirty="0" err="1">
+                <a:solidFill>
+                  <a:schemeClr val="dk1"/>
+                </a:solidFill>
+                <a:latin typeface="Calibri"/>
+                <a:ea typeface="Calibri"/>
+                <a:cs typeface="Calibri"/>
+                <a:sym typeface="Calibri"/>
+              </a:rPr>
+              <a:t>Color.BLUE</a:t>
+            </a:r>
+            <a:r>
+              <a:rPr lang="ru-RU" sz="4400" dirty="0">
+                <a:solidFill>
+                  <a:schemeClr val="dk1"/>
+                </a:solidFill>
+                <a:latin typeface="Calibri"/>
+                <a:ea typeface="Calibri"/>
+                <a:cs typeface="Calibri"/>
+                <a:sym typeface="Calibri"/>
+              </a:rPr>
+              <a:t>);</a:t>
+            </a:r>
+            <a:endParaRPr lang="ru-RU" sz="4400" dirty="0"/>
+          </a:p>
+          <a:p>
+            <a:pPr marL="0" marR="0" lvl="0" indent="0" algn="l" rtl="0">
+              <a:spcBef>
+                <a:spcPts val="0"/>
+              </a:spcBef>
+              <a:spcAft>
+                <a:spcPts val="0"/>
+              </a:spcAft>
+              <a:buNone/>
+            </a:pPr>
+            <a:endParaRPr sz="2800" dirty="0">
+              <a:solidFill>
+                <a:schemeClr val="dk1"/>
+              </a:solidFill>
+              <a:latin typeface="Calibri"/>
+              <a:ea typeface="Calibri"/>
+              <a:cs typeface="Calibri"/>
+              <a:sym typeface="Calibri"/>
+            </a:endParaRPr>
+          </a:p>
+          <a:p>
+            <a:pPr marL="0" marR="0" lvl="0" indent="0" algn="l" rtl="0">
+              <a:spcBef>
+                <a:spcPts val="0"/>
+              </a:spcBef>
+              <a:spcAft>
+                <a:spcPts val="0"/>
+              </a:spcAft>
+              <a:buNone/>
+            </a:pPr>
+            <a:endParaRPr sz="2800" dirty="0">
+              <a:solidFill>
+                <a:schemeClr val="dk1"/>
+              </a:solidFill>
+              <a:latin typeface="Calibri"/>
+              <a:ea typeface="Calibri"/>
+              <a:cs typeface="Calibri"/>
+              <a:sym typeface="Calibri"/>
+            </a:endParaRPr>
+          </a:p>
+        </p:txBody>
+      </p:sp>
+    </p:spTree>
+    <p:extLst>
+      <p:ext uri="{BB962C8B-B14F-4D97-AF65-F5344CB8AC3E}">
+        <p14:creationId xmlns:p14="http://schemas.microsoft.com/office/powerpoint/2010/main" val="36154177"/>
+      </p:ext>
+    </p:extLst>
+  </p:cSld>
+  <p:clrMapOvr>
+    <a:masterClrMapping/>
+  </p:clrMapOvr>
+</p:sld>
+</file>
+
+<file path=ppt/slides/slide5.xml><?xml version="1.0" encoding="utf-8"?>
+<p:sld xmlns:a="http://schemas.openxmlformats.org/drawingml/2006/main" xmlns:r="http://schemas.openxmlformats.org/officeDocument/2006/relationships" xmlns:p="http://schemas.openxmlformats.org/presentationml/2006/main">
+  <p:cSld>
+    <p:spTree>
+      <p:nvGrpSpPr>
+        <p:cNvPr id="1" name="Shape 108"/>
         <p:cNvGrpSpPr/>
         <p:nvPr/>
       </p:nvGrpSpPr>
@@ -12526,14 +13142,14 @@
             <a:avLst/>
           </a:prstGeom>
           <a:noFill/>
-          <a:ln cap="flat" cmpd="sng" w="28575">
+          <a:ln w="28575" cap="flat" cmpd="sng">
             <a:solidFill>
               <a:schemeClr val="dk1"/>
             </a:solidFill>
             <a:prstDash val="solid"/>
             <a:miter lim="800000"/>
-            <a:headEnd len="sm" w="sm" type="none"/>
-            <a:tailEnd len="sm" w="sm" type="none"/>
+            <a:headEnd type="none" w="sm" len="sm"/>
+            <a:tailEnd type="none" w="sm" len="sm"/>
           </a:ln>
         </p:spPr>
       </p:cxnSp>
@@ -12557,12 +13173,12 @@
           </a:ln>
         </p:spPr>
         <p:txBody>
-          <a:bodyPr anchorCtr="0" anchor="t" bIns="45700" lIns="91425" spcFirstLastPara="1" rIns="91425" wrap="square" tIns="45700">
+          <a:bodyPr spcFirstLastPara="1" wrap="square" lIns="91425" tIns="45700" rIns="91425" bIns="45700" anchor="t" anchorCtr="0">
             <a:spAutoFit/>
           </a:bodyPr>
           <a:lstStyle/>
           <a:p>
-            <a:pPr indent="0" lvl="0" marL="0" marR="0" rtl="0" algn="l">
+            <a:pPr marL="0" marR="0" lvl="0" indent="0" algn="l" rtl="0">
               <a:spcBef>
                 <a:spcPts val="0"/>
               </a:spcBef>
@@ -12603,8 +13219,8 @@
         </p:nvSpPr>
         <p:spPr>
           <a:xfrm>
-            <a:off x="566058" y="873032"/>
-            <a:ext cx="11523305" cy="2569934"/>
+            <a:off x="556533" y="596807"/>
+            <a:ext cx="11523305" cy="3277780"/>
           </a:xfrm>
           <a:prstGeom prst="rect">
             <a:avLst/>
@@ -12615,12 +13231,12 @@
           </a:ln>
         </p:spPr>
         <p:txBody>
-          <a:bodyPr anchorCtr="0" anchor="t" bIns="45700" lIns="91425" spcFirstLastPara="1" rIns="91425" wrap="square" tIns="45700">
+          <a:bodyPr spcFirstLastPara="1" wrap="square" lIns="91425" tIns="45700" rIns="91425" bIns="45700" anchor="t" anchorCtr="0">
             <a:spAutoFit/>
           </a:bodyPr>
           <a:lstStyle/>
           <a:p>
-            <a:pPr indent="450215" lvl="0" marL="0" marR="0" rtl="0" algn="just">
+            <a:pPr marL="0" marR="0" lvl="0" indent="450215" algn="just" rtl="0">
               <a:lnSpc>
                 <a:spcPct val="115000"/>
               </a:lnSpc>
@@ -12633,7 +13249,7 @@
               <a:buNone/>
             </a:pPr>
             <a:r>
-              <a:rPr b="1" lang="ru-RU" sz="2800">
+              <a:rPr lang="ru-RU" sz="3600" b="1" dirty="0">
                 <a:solidFill>
                   <a:srgbClr val="005F33"/>
                 </a:solidFill>
@@ -12644,7 +13260,7 @@
               </a:rPr>
               <a:t>Как начертить прямую линию?</a:t>
             </a:r>
-            <a:endParaRPr sz="2800">
+            <a:endParaRPr sz="3600" dirty="0">
               <a:solidFill>
                 <a:schemeClr val="dk1"/>
               </a:solidFill>
@@ -12655,7 +13271,7 @@
             </a:endParaRPr>
           </a:p>
           <a:p>
-            <a:pPr indent="450215" lvl="0" marL="0" marR="0" rtl="0" algn="just">
+            <a:pPr marL="0" marR="0" lvl="0" indent="450215" algn="just" rtl="0">
               <a:lnSpc>
                 <a:spcPct val="115000"/>
               </a:lnSpc>
@@ -12668,7 +13284,7 @@
               <a:buNone/>
             </a:pPr>
             <a:r>
-              <a:rPr lang="ru-RU" sz="2800">
+              <a:rPr lang="ru-RU" sz="3600" dirty="0">
                 <a:solidFill>
                   <a:srgbClr val="333333"/>
                 </a:solidFill>
@@ -12677,9 +13293,33 @@
                 <a:cs typeface="Times New Roman"/>
                 <a:sym typeface="Times New Roman"/>
               </a:rPr>
-              <a:t>Метод drawLine начертит прямую линию:</a:t>
+              <a:t>Метод </a:t>
             </a:r>
-            <a:endParaRPr sz="2800">
+            <a:r>
+              <a:rPr lang="ru-RU" sz="3600" dirty="0" err="1">
+                <a:solidFill>
+                  <a:srgbClr val="333333"/>
+                </a:solidFill>
+                <a:latin typeface="Times New Roman"/>
+                <a:ea typeface="Times New Roman"/>
+                <a:cs typeface="Times New Roman"/>
+                <a:sym typeface="Times New Roman"/>
+              </a:rPr>
+              <a:t>drawLine</a:t>
+            </a:r>
+            <a:r>
+              <a:rPr lang="ru-RU" sz="3600" dirty="0">
+                <a:solidFill>
+                  <a:srgbClr val="333333"/>
+                </a:solidFill>
+                <a:latin typeface="Times New Roman"/>
+                <a:ea typeface="Times New Roman"/>
+                <a:cs typeface="Times New Roman"/>
+                <a:sym typeface="Times New Roman"/>
+              </a:rPr>
+              <a:t> начертит прямую линию:</a:t>
+            </a:r>
+            <a:endParaRPr sz="3600" dirty="0">
               <a:solidFill>
                 <a:schemeClr val="dk1"/>
               </a:solidFill>
@@ -12690,7 +13330,7 @@
             </a:endParaRPr>
           </a:p>
           <a:p>
-            <a:pPr indent="450215" lvl="0" marL="0" marR="0" rtl="0" algn="just">
+            <a:pPr marL="0" marR="0" lvl="0" indent="450215" algn="just" rtl="0">
               <a:lnSpc>
                 <a:spcPct val="115000"/>
               </a:lnSpc>
@@ -12703,7 +13343,7 @@
               <a:buNone/>
             </a:pPr>
             <a:r>
-              <a:rPr lang="ru-RU" sz="2800">
+              <a:rPr lang="ru-RU" sz="3600" dirty="0" err="1">
                 <a:solidFill>
                   <a:srgbClr val="333333"/>
                 </a:solidFill>
@@ -12712,9 +13352,21 @@
                 <a:cs typeface="Times New Roman"/>
                 <a:sym typeface="Times New Roman"/>
               </a:rPr>
-              <a:t>g2d.drawLine(20, 30, 360, 30);</a:t>
+              <a:t>drawLine</a:t>
             </a:r>
-            <a:endParaRPr sz="2800">
+            <a:r>
+              <a:rPr lang="ru-RU" sz="3600" dirty="0">
+                <a:solidFill>
+                  <a:srgbClr val="333333"/>
+                </a:solidFill>
+                <a:latin typeface="Times New Roman"/>
+                <a:ea typeface="Times New Roman"/>
+                <a:cs typeface="Times New Roman"/>
+                <a:sym typeface="Times New Roman"/>
+              </a:rPr>
+              <a:t>(20, 30, 360, 30);</a:t>
+            </a:r>
+            <a:endParaRPr sz="3600" dirty="0">
               <a:solidFill>
                 <a:schemeClr val="dk1"/>
               </a:solidFill>
@@ -12725,7 +13377,7 @@
             </a:endParaRPr>
           </a:p>
           <a:p>
-            <a:pPr indent="450215" lvl="0" marL="0" marR="0" rtl="0" algn="l">
+            <a:pPr marL="0" marR="0" lvl="0" indent="450215" algn="l" rtl="0">
               <a:lnSpc>
                 <a:spcPct val="115000"/>
               </a:lnSpc>
@@ -12738,7 +13390,7 @@
               <a:buNone/>
             </a:pPr>
             <a:r>
-              <a:rPr lang="ru-RU" sz="2800">
+              <a:rPr lang="ru-RU" sz="3600" dirty="0">
                 <a:solidFill>
                   <a:srgbClr val="333333"/>
                 </a:solidFill>
@@ -12749,7 +13401,7 @@
               </a:rPr>
               <a:t>здесь 20, 30 — это координаты x, y начала линии, 360, 30 — координаты конца линии.</a:t>
             </a:r>
-            <a:endParaRPr sz="2800">
+            <a:endParaRPr sz="3600" dirty="0">
               <a:solidFill>
                 <a:schemeClr val="dk1"/>
               </a:solidFill>
@@ -12781,12 +13433,12 @@
           </a:ln>
         </p:spPr>
         <p:txBody>
-          <a:bodyPr anchorCtr="0" anchor="t" bIns="45700" lIns="91425" spcFirstLastPara="1" rIns="91425" wrap="square" tIns="45700">
+          <a:bodyPr spcFirstLastPara="1" wrap="square" lIns="91425" tIns="45700" rIns="91425" bIns="45700" anchor="t" anchorCtr="0">
             <a:spAutoFit/>
           </a:bodyPr>
           <a:lstStyle/>
           <a:p>
-            <a:pPr indent="0" lvl="0" marL="0" marR="0" rtl="0" algn="l">
+            <a:pPr marL="0" marR="0" lvl="0" indent="0" algn="l" rtl="0">
               <a:spcBef>
                 <a:spcPts val="0"/>
               </a:spcBef>
@@ -12827,12 +13479,12 @@
 </p:sld>
 </file>
 
-<file path=ppt/slides/slide5.xml><?xml version="1.0" encoding="utf-8"?>
-<p:sld xmlns:a="http://schemas.openxmlformats.org/drawingml/2006/main" xmlns:r="http://schemas.openxmlformats.org/officeDocument/2006/relationships" xmlns:mc="http://schemas.openxmlformats.org/markup-compatibility/2006" xmlns:mv="urn:schemas-microsoft-com:mac:vml" xmlns:p="http://schemas.openxmlformats.org/presentationml/2006/main" xmlns:c="http://schemas.openxmlformats.org/drawingml/2006/chart" xmlns:dgm="http://schemas.openxmlformats.org/drawingml/2006/diagram" xmlns:o="urn:schemas-microsoft-com:office:office" xmlns:v="urn:schemas-microsoft-com:vml" xmlns:pvml="urn:schemas-microsoft-com:office:powerpoint" xmlns:com="http://schemas.openxmlformats.org/drawingml/2006/compatibility" xmlns:p14="http://schemas.microsoft.com/office/powerpoint/2010/main" xmlns:p15="http://schemas.microsoft.com/office/powerpoint/2012/main">
+<file path=ppt/slides/slide6.xml><?xml version="1.0" encoding="utf-8"?>
+<p:sld xmlns:a="http://schemas.openxmlformats.org/drawingml/2006/main" xmlns:r="http://schemas.openxmlformats.org/officeDocument/2006/relationships" xmlns:p="http://schemas.openxmlformats.org/presentationml/2006/main">
   <p:cSld>
     <p:spTree>
       <p:nvGrpSpPr>
-        <p:cNvPr id="116" name="Shape 116"/>
+        <p:cNvPr id="1" name="Shape 116"/>
         <p:cNvGrpSpPr/>
         <p:nvPr/>
       </p:nvGrpSpPr>
@@ -12859,23 +13511,23 @@
             <a:avLst/>
           </a:prstGeom>
           <a:noFill/>
-          <a:ln cap="flat" cmpd="sng" w="38100">
+          <a:ln w="38100" cap="flat" cmpd="sng">
             <a:solidFill>
               <a:schemeClr val="dk1"/>
             </a:solidFill>
             <a:prstDash val="solid"/>
             <a:miter lim="800000"/>
-            <a:headEnd len="sm" w="sm" type="none"/>
-            <a:tailEnd len="sm" w="sm" type="none"/>
+            <a:headEnd type="none" w="sm" len="sm"/>
+            <a:tailEnd type="none" w="sm" len="sm"/>
           </a:ln>
         </p:spPr>
         <p:txBody>
-          <a:bodyPr anchorCtr="0" anchor="ctr" bIns="45700" lIns="91425" spcFirstLastPara="1" rIns="91425" wrap="square" tIns="45700">
+          <a:bodyPr spcFirstLastPara="1" wrap="square" lIns="91425" tIns="45700" rIns="91425" bIns="45700" anchor="ctr" anchorCtr="0">
             <a:noAutofit/>
           </a:bodyPr>
           <a:lstStyle/>
           <a:p>
-            <a:pPr indent="0" lvl="0" marL="0" marR="0" rtl="0" algn="ctr">
+            <a:pPr marL="0" marR="0" lvl="0" indent="0" algn="ctr" rtl="0">
               <a:spcBef>
                 <a:spcPts val="0"/>
               </a:spcBef>
@@ -12884,9 +13536,6 @@
               </a:spcAft>
               <a:buNone/>
             </a:pPr>
-            <a:r>
-              <a:t/>
-            </a:r>
             <a:endParaRPr sz="1800">
               <a:solidFill>
                 <a:schemeClr val="lt1"/>
@@ -12908,7 +13557,7 @@
         <p:spPr>
           <a:xfrm>
             <a:off x="0" y="168537"/>
-            <a:ext cx="11140750" cy="6469463"/>
+            <a:ext cx="11140750" cy="5478382"/>
           </a:xfrm>
           <a:prstGeom prst="rect">
             <a:avLst/>
@@ -12919,12 +13568,12 @@
           </a:ln>
         </p:spPr>
         <p:txBody>
-          <a:bodyPr anchorCtr="0" anchor="t" bIns="45700" lIns="91425" spcFirstLastPara="1" rIns="91425" wrap="square" tIns="45700">
+          <a:bodyPr spcFirstLastPara="1" wrap="square" lIns="91425" tIns="45700" rIns="91425" bIns="45700" anchor="t" anchorCtr="0">
             <a:spAutoFit/>
           </a:bodyPr>
           <a:lstStyle/>
           <a:p>
-            <a:pPr indent="450215" lvl="0" marL="0" marR="0" rtl="0" algn="just">
+            <a:pPr marL="0" marR="0" lvl="0" indent="450215" algn="just" rtl="0">
               <a:lnSpc>
                 <a:spcPct val="115000"/>
               </a:lnSpc>
@@ -12937,7 +13586,7 @@
               <a:buNone/>
             </a:pPr>
             <a:r>
-              <a:rPr b="1" lang="ru-RU" sz="2800">
+              <a:rPr lang="ru-RU" sz="2800" b="1" dirty="0">
                 <a:solidFill>
                   <a:srgbClr val="005F33"/>
                 </a:solidFill>
@@ -12948,7 +13597,7 @@
               </a:rPr>
               <a:t>Как нарисовать прямоугольник?</a:t>
             </a:r>
-            <a:endParaRPr sz="2800">
+            <a:endParaRPr sz="2800" dirty="0">
               <a:solidFill>
                 <a:schemeClr val="dk1"/>
               </a:solidFill>
@@ -12959,7 +13608,7 @@
             </a:endParaRPr>
           </a:p>
           <a:p>
-            <a:pPr indent="450215" lvl="0" marL="0" marR="0" rtl="0" algn="just">
+            <a:pPr marL="0" marR="0" lvl="0" indent="450215" algn="just" rtl="0">
               <a:lnSpc>
                 <a:spcPct val="115000"/>
               </a:lnSpc>
@@ -12972,7 +13621,7 @@
               <a:buNone/>
             </a:pPr>
             <a:r>
-              <a:rPr lang="ru-RU" sz="2800">
+              <a:rPr lang="ru-RU" sz="2800" dirty="0">
                 <a:solidFill>
                   <a:srgbClr val="333333"/>
                 </a:solidFill>
@@ -12981,9 +13630,57 @@
                 <a:cs typeface="Times New Roman"/>
                 <a:sym typeface="Times New Roman"/>
               </a:rPr>
-              <a:t>Методом drawRect класса Graphics:</a:t>
+              <a:t>Методом </a:t>
             </a:r>
-            <a:endParaRPr sz="2800">
+            <a:r>
+              <a:rPr lang="ru-RU" sz="2800" dirty="0" err="1">
+                <a:solidFill>
+                  <a:srgbClr val="333333"/>
+                </a:solidFill>
+                <a:latin typeface="Times New Roman"/>
+                <a:ea typeface="Times New Roman"/>
+                <a:cs typeface="Times New Roman"/>
+                <a:sym typeface="Times New Roman"/>
+              </a:rPr>
+              <a:t>drawRect</a:t>
+            </a:r>
+            <a:r>
+              <a:rPr lang="ru-RU" sz="2800" dirty="0">
+                <a:solidFill>
+                  <a:srgbClr val="333333"/>
+                </a:solidFill>
+                <a:latin typeface="Times New Roman"/>
+                <a:ea typeface="Times New Roman"/>
+                <a:cs typeface="Times New Roman"/>
+                <a:sym typeface="Times New Roman"/>
+              </a:rPr>
+              <a:t> класса </a:t>
+            </a:r>
+            <a:r>
+              <a:rPr lang="ru-RU" sz="2800" dirty="0" err="1">
+                <a:solidFill>
+                  <a:srgbClr val="333333"/>
+                </a:solidFill>
+                <a:latin typeface="Times New Roman"/>
+                <a:ea typeface="Times New Roman"/>
+                <a:cs typeface="Times New Roman"/>
+                <a:sym typeface="Times New Roman"/>
+              </a:rPr>
+              <a:t>Graphics</a:t>
+            </a:r>
+            <a:r>
+              <a:rPr lang="ru-RU" sz="2800" dirty="0">
+                <a:solidFill>
+                  <a:srgbClr val="333333"/>
+                </a:solidFill>
+                <a:latin typeface="Times New Roman"/>
+                <a:ea typeface="Times New Roman"/>
+                <a:cs typeface="Times New Roman"/>
+                <a:sym typeface="Times New Roman"/>
+              </a:rPr>
+              <a:t>:</a:t>
+            </a:r>
+            <a:endParaRPr sz="2800" dirty="0">
               <a:solidFill>
                 <a:schemeClr val="dk1"/>
               </a:solidFill>
@@ -12994,7 +13691,7 @@
             </a:endParaRPr>
           </a:p>
           <a:p>
-            <a:pPr indent="450215" lvl="0" marL="0" marR="0" rtl="0" algn="just">
+            <a:pPr marL="0" marR="0" lvl="0" indent="450215" algn="just" rtl="0">
               <a:lnSpc>
                 <a:spcPct val="115000"/>
               </a:lnSpc>
@@ -13007,7 +13704,7 @@
               <a:buNone/>
             </a:pPr>
             <a:r>
-              <a:rPr lang="ru-RU" sz="2800">
+              <a:rPr lang="ru-RU" sz="2800" dirty="0" err="1">
                 <a:solidFill>
                   <a:srgbClr val="333333"/>
                 </a:solidFill>
@@ -13016,9 +13713,21 @@
                 <a:cs typeface="Times New Roman"/>
                 <a:sym typeface="Times New Roman"/>
               </a:rPr>
-              <a:t>g2d.drawRect(20, 40, 340, 20);</a:t>
+              <a:t>drawRect</a:t>
             </a:r>
-            <a:endParaRPr sz="2800">
+            <a:r>
+              <a:rPr lang="ru-RU" sz="2800" dirty="0">
+                <a:solidFill>
+                  <a:srgbClr val="333333"/>
+                </a:solidFill>
+                <a:latin typeface="Times New Roman"/>
+                <a:ea typeface="Times New Roman"/>
+                <a:cs typeface="Times New Roman"/>
+                <a:sym typeface="Times New Roman"/>
+              </a:rPr>
+              <a:t>(20, 40, 340, 20);</a:t>
+            </a:r>
+            <a:endParaRPr sz="2800" dirty="0">
               <a:solidFill>
                 <a:schemeClr val="dk1"/>
               </a:solidFill>
@@ -13029,7 +13738,7 @@
             </a:endParaRPr>
           </a:p>
           <a:p>
-            <a:pPr indent="450215" lvl="0" marL="0" marR="0" rtl="0" algn="l">
+            <a:pPr marL="0" marR="0" lvl="0" indent="450215" algn="l" rtl="0">
               <a:lnSpc>
                 <a:spcPct val="115000"/>
               </a:lnSpc>
@@ -13042,7 +13751,7 @@
               <a:buNone/>
             </a:pPr>
             <a:r>
-              <a:rPr lang="ru-RU" sz="2800">
+              <a:rPr lang="ru-RU" sz="2800" dirty="0">
                 <a:solidFill>
                   <a:srgbClr val="333333"/>
                 </a:solidFill>
@@ -13053,7 +13762,7 @@
               </a:rPr>
               <a:t>20, 40 — это координаты верхнего </a:t>
             </a:r>
-            <a:endParaRPr sz="2800">
+            <a:endParaRPr sz="2800" dirty="0">
               <a:solidFill>
                 <a:srgbClr val="333333"/>
               </a:solidFill>
@@ -13064,7 +13773,7 @@
             </a:endParaRPr>
           </a:p>
           <a:p>
-            <a:pPr indent="450215" lvl="0" marL="0" marR="0" rtl="0" algn="l">
+            <a:pPr marL="0" marR="0" lvl="0" indent="450215" algn="l" rtl="0">
               <a:lnSpc>
                 <a:spcPct val="115000"/>
               </a:lnSpc>
@@ -13077,7 +13786,7 @@
               <a:buNone/>
             </a:pPr>
             <a:r>
-              <a:rPr lang="ru-RU" sz="2800">
+              <a:rPr lang="ru-RU" sz="2800" dirty="0">
                 <a:solidFill>
                   <a:srgbClr val="333333"/>
                 </a:solidFill>
@@ -13089,7 +13798,7 @@
               <a:t>левого угла прямоугольника;</a:t>
             </a:r>
             <a:br>
-              <a:rPr lang="ru-RU" sz="2800">
+              <a:rPr lang="ru-RU" sz="2800" dirty="0">
                 <a:solidFill>
                   <a:srgbClr val="333333"/>
                 </a:solidFill>
@@ -13100,7 +13809,7 @@
               </a:rPr>
             </a:br>
             <a:r>
-              <a:rPr lang="ru-RU" sz="2800">
+              <a:rPr lang="ru-RU" sz="2800" dirty="0">
                 <a:solidFill>
                   <a:srgbClr val="333333"/>
                 </a:solidFill>
@@ -13112,7 +13821,7 @@
               <a:t>         340 — длина;</a:t>
             </a:r>
             <a:br>
-              <a:rPr lang="ru-RU" sz="2800">
+              <a:rPr lang="ru-RU" sz="2800" dirty="0">
                 <a:solidFill>
                   <a:srgbClr val="333333"/>
                 </a:solidFill>
@@ -13123,7 +13832,7 @@
               </a:rPr>
             </a:br>
             <a:r>
-              <a:rPr lang="ru-RU" sz="2800">
+              <a:rPr lang="ru-RU" sz="2800" dirty="0">
                 <a:solidFill>
                   <a:srgbClr val="333333"/>
                 </a:solidFill>
@@ -13134,7 +13843,7 @@
               </a:rPr>
               <a:t>         20 — высота прямоугольника.</a:t>
             </a:r>
-            <a:endParaRPr sz="2800">
+            <a:endParaRPr sz="2800" dirty="0">
               <a:solidFill>
                 <a:schemeClr val="dk1"/>
               </a:solidFill>
@@ -13145,7 +13854,7 @@
             </a:endParaRPr>
           </a:p>
           <a:p>
-            <a:pPr indent="450215" lvl="0" marL="0" marR="0" rtl="0" algn="l">
+            <a:pPr marL="0" marR="0" lvl="0" indent="450215" algn="l" rtl="0">
               <a:lnSpc>
                 <a:spcPct val="115000"/>
               </a:lnSpc>
@@ -13158,7 +13867,7 @@
               <a:buNone/>
             </a:pPr>
             <a:r>
-              <a:rPr lang="ru-RU" sz="2800">
+              <a:rPr lang="ru-RU" sz="2800" dirty="0">
                 <a:solidFill>
                   <a:srgbClr val="333333"/>
                 </a:solidFill>
@@ -13169,59 +13878,7 @@
               </a:rPr>
               <a:t> </a:t>
             </a:r>
-            <a:endParaRPr sz="2800">
-              <a:solidFill>
-                <a:srgbClr val="333333"/>
-              </a:solidFill>
-              <a:latin typeface="Times New Roman"/>
-              <a:ea typeface="Times New Roman"/>
-              <a:cs typeface="Times New Roman"/>
-              <a:sym typeface="Times New Roman"/>
-            </a:endParaRPr>
-          </a:p>
-          <a:p>
-            <a:pPr indent="450215" lvl="0" marL="0" marR="0" rtl="0" algn="l">
-              <a:lnSpc>
-                <a:spcPct val="115000"/>
-              </a:lnSpc>
-              <a:spcBef>
-                <a:spcPts val="0"/>
-              </a:spcBef>
-              <a:spcAft>
-                <a:spcPts val="0"/>
-              </a:spcAft>
-              <a:buNone/>
-            </a:pPr>
-            <a:r>
-              <a:t/>
-            </a:r>
-            <a:endParaRPr sz="2800">
-              <a:solidFill>
-                <a:srgbClr val="333333"/>
-              </a:solidFill>
-              <a:latin typeface="Times New Roman"/>
-              <a:ea typeface="Times New Roman"/>
-              <a:cs typeface="Times New Roman"/>
-              <a:sym typeface="Times New Roman"/>
-            </a:endParaRPr>
-          </a:p>
-          <a:p>
-            <a:pPr indent="450215" lvl="0" marL="0" marR="0" rtl="0" algn="l">
-              <a:lnSpc>
-                <a:spcPct val="115000"/>
-              </a:lnSpc>
-              <a:spcBef>
-                <a:spcPts val="0"/>
-              </a:spcBef>
-              <a:spcAft>
-                <a:spcPts val="0"/>
-              </a:spcAft>
-              <a:buNone/>
-            </a:pPr>
-            <a:r>
-              <a:t/>
-            </a:r>
-            <a:endParaRPr sz="2800">
+            <a:endParaRPr sz="2800" dirty="0">
               <a:solidFill>
                 <a:schemeClr val="dk1"/>
               </a:solidFill>
@@ -13232,7 +13889,7 @@
             </a:endParaRPr>
           </a:p>
           <a:p>
-            <a:pPr indent="450215" lvl="0" marL="0" marR="0" rtl="0" algn="just">
+            <a:pPr marL="0" marR="0" lvl="0" indent="450215" algn="just" rtl="0">
               <a:lnSpc>
                 <a:spcPct val="115000"/>
               </a:lnSpc>
@@ -13245,7 +13902,7 @@
               <a:buNone/>
             </a:pPr>
             <a:r>
-              <a:rPr b="1" lang="ru-RU" sz="2800">
+              <a:rPr lang="ru-RU" sz="2800" b="1" dirty="0">
                 <a:solidFill>
                   <a:srgbClr val="005F33"/>
                 </a:solidFill>
@@ -13256,7 +13913,7 @@
               </a:rPr>
               <a:t>Как залить прямоугольник цветом?</a:t>
             </a:r>
-            <a:endParaRPr sz="2800">
+            <a:endParaRPr sz="2800" dirty="0">
               <a:solidFill>
                 <a:schemeClr val="dk1"/>
               </a:solidFill>
@@ -13267,7 +13924,7 @@
             </a:endParaRPr>
           </a:p>
           <a:p>
-            <a:pPr indent="450215" lvl="0" marL="0" marR="0" rtl="0" algn="just">
+            <a:pPr marL="0" marR="0" lvl="0" indent="450215" algn="just" rtl="0">
               <a:lnSpc>
                 <a:spcPct val="115000"/>
               </a:lnSpc>
@@ -13280,7 +13937,7 @@
               <a:buNone/>
             </a:pPr>
             <a:r>
-              <a:rPr lang="ru-RU" sz="2800">
+              <a:rPr lang="ru-RU" sz="2800" dirty="0">
                 <a:solidFill>
                   <a:srgbClr val="333333"/>
                 </a:solidFill>
@@ -13289,9 +13946,33 @@
                 <a:cs typeface="Times New Roman"/>
                 <a:sym typeface="Times New Roman"/>
               </a:rPr>
-              <a:t>Методом fillRect:</a:t>
+              <a:t>Методом </a:t>
             </a:r>
-            <a:endParaRPr sz="2800">
+            <a:r>
+              <a:rPr lang="ru-RU" sz="2800" dirty="0" err="1">
+                <a:solidFill>
+                  <a:srgbClr val="333333"/>
+                </a:solidFill>
+                <a:latin typeface="Times New Roman"/>
+                <a:ea typeface="Times New Roman"/>
+                <a:cs typeface="Times New Roman"/>
+                <a:sym typeface="Times New Roman"/>
+              </a:rPr>
+              <a:t>fillRect</a:t>
+            </a:r>
+            <a:r>
+              <a:rPr lang="ru-RU" sz="2800" dirty="0">
+                <a:solidFill>
+                  <a:srgbClr val="333333"/>
+                </a:solidFill>
+                <a:latin typeface="Times New Roman"/>
+                <a:ea typeface="Times New Roman"/>
+                <a:cs typeface="Times New Roman"/>
+                <a:sym typeface="Times New Roman"/>
+              </a:rPr>
+              <a:t>:</a:t>
+            </a:r>
+            <a:endParaRPr sz="2800" dirty="0">
               <a:solidFill>
                 <a:schemeClr val="dk1"/>
               </a:solidFill>
@@ -13302,7 +13983,7 @@
             </a:endParaRPr>
           </a:p>
           <a:p>
-            <a:pPr indent="0" lvl="0" marL="0" marR="0" rtl="0" algn="l">
+            <a:pPr marL="0" marR="0" lvl="0" indent="0" algn="l" rtl="0">
               <a:spcBef>
                 <a:spcPts val="0"/>
               </a:spcBef>
@@ -13312,7 +13993,7 @@
               <a:buNone/>
             </a:pPr>
             <a:r>
-              <a:rPr lang="ru-RU" sz="2800">
+              <a:rPr lang="ru-RU" sz="2800" dirty="0">
                 <a:solidFill>
                   <a:srgbClr val="333333"/>
                 </a:solidFill>
@@ -13321,9 +14002,33 @@
                 <a:cs typeface="Times New Roman"/>
                 <a:sym typeface="Times New Roman"/>
               </a:rPr>
-              <a:t>     g2d.fillRect(21, 41, 339, 19);</a:t>
+              <a:t>     </a:t>
             </a:r>
-            <a:endParaRPr sz="2800">
+            <a:r>
+              <a:rPr lang="ru-RU" sz="2800" dirty="0" err="1">
+                <a:solidFill>
+                  <a:srgbClr val="333333"/>
+                </a:solidFill>
+                <a:latin typeface="Times New Roman"/>
+                <a:ea typeface="Times New Roman"/>
+                <a:cs typeface="Times New Roman"/>
+                <a:sym typeface="Times New Roman"/>
+              </a:rPr>
+              <a:t>fillRect</a:t>
+            </a:r>
+            <a:r>
+              <a:rPr lang="ru-RU" sz="2800" dirty="0">
+                <a:solidFill>
+                  <a:srgbClr val="333333"/>
+                </a:solidFill>
+                <a:latin typeface="Times New Roman"/>
+                <a:ea typeface="Times New Roman"/>
+                <a:cs typeface="Times New Roman"/>
+                <a:sym typeface="Times New Roman"/>
+              </a:rPr>
+              <a:t>(21, 41, 339, 19);</a:t>
+            </a:r>
+            <a:endParaRPr sz="2800" dirty="0">
               <a:solidFill>
                 <a:schemeClr val="dk1"/>
               </a:solidFill>
@@ -13352,23 +14057,23 @@
           <a:solidFill>
             <a:schemeClr val="accent1"/>
           </a:solidFill>
-          <a:ln cap="flat" cmpd="sng" w="38100">
+          <a:ln w="38100" cap="flat" cmpd="sng">
             <a:solidFill>
               <a:schemeClr val="dk1"/>
             </a:solidFill>
             <a:prstDash val="solid"/>
             <a:miter lim="800000"/>
-            <a:headEnd len="sm" w="sm" type="none"/>
-            <a:tailEnd len="sm" w="sm" type="none"/>
+            <a:headEnd type="none" w="sm" len="sm"/>
+            <a:tailEnd type="none" w="sm" len="sm"/>
           </a:ln>
         </p:spPr>
         <p:txBody>
-          <a:bodyPr anchorCtr="0" anchor="ctr" bIns="45700" lIns="91425" spcFirstLastPara="1" rIns="91425" wrap="square" tIns="45700">
+          <a:bodyPr spcFirstLastPara="1" wrap="square" lIns="91425" tIns="45700" rIns="91425" bIns="45700" anchor="ctr" anchorCtr="0">
             <a:noAutofit/>
           </a:bodyPr>
           <a:lstStyle/>
           <a:p>
-            <a:pPr indent="0" lvl="0" marL="0" marR="0" rtl="0" algn="ctr">
+            <a:pPr marL="0" marR="0" lvl="0" indent="0" algn="ctr" rtl="0">
               <a:spcBef>
                 <a:spcPts val="0"/>
               </a:spcBef>
@@ -13377,9 +14082,6 @@
               </a:spcAft>
               <a:buNone/>
             </a:pPr>
-            <a:r>
-              <a:t/>
-            </a:r>
             <a:endParaRPr sz="1800">
               <a:solidFill>
                 <a:schemeClr val="lt1"/>
@@ -13400,12 +14102,12 @@
 </p:sld>
 </file>
 
-<file path=ppt/slides/slide6.xml><?xml version="1.0" encoding="utf-8"?>
-<p:sld xmlns:a="http://schemas.openxmlformats.org/drawingml/2006/main" xmlns:r="http://schemas.openxmlformats.org/officeDocument/2006/relationships" xmlns:mc="http://schemas.openxmlformats.org/markup-compatibility/2006" xmlns:mv="urn:schemas-microsoft-com:mac:vml" xmlns:p="http://schemas.openxmlformats.org/presentationml/2006/main" xmlns:c="http://schemas.openxmlformats.org/drawingml/2006/chart" xmlns:dgm="http://schemas.openxmlformats.org/drawingml/2006/diagram" xmlns:o="urn:schemas-microsoft-com:office:office" xmlns:v="urn:schemas-microsoft-com:vml" xmlns:pvml="urn:schemas-microsoft-com:office:powerpoint" xmlns:com="http://schemas.openxmlformats.org/drawingml/2006/compatibility" xmlns:p14="http://schemas.microsoft.com/office/powerpoint/2010/main" xmlns:p15="http://schemas.microsoft.com/office/powerpoint/2012/main">
+<file path=ppt/slides/slide7.xml><?xml version="1.0" encoding="utf-8"?>
+<p:sld xmlns:a="http://schemas.openxmlformats.org/drawingml/2006/main" xmlns:r="http://schemas.openxmlformats.org/officeDocument/2006/relationships" xmlns:p="http://schemas.openxmlformats.org/presentationml/2006/main">
   <p:cSld>
     <p:spTree>
       <p:nvGrpSpPr>
-        <p:cNvPr id="123" name="Shape 123"/>
+        <p:cNvPr id="1" name="Shape 123"/>
         <p:cNvGrpSpPr/>
         <p:nvPr/>
       </p:nvGrpSpPr>
@@ -13425,30 +14127,30 @@
         </p:nvSpPr>
         <p:spPr>
           <a:xfrm>
-            <a:off x="6484775" y="709126"/>
+            <a:off x="6674496" y="320937"/>
             <a:ext cx="5150498" cy="2080727"/>
           </a:xfrm>
           <a:prstGeom prst="ellipse">
             <a:avLst/>
           </a:prstGeom>
           <a:noFill/>
-          <a:ln cap="flat" cmpd="sng" w="38100">
+          <a:ln w="38100" cap="flat" cmpd="sng">
             <a:solidFill>
               <a:schemeClr val="dk1"/>
             </a:solidFill>
             <a:prstDash val="solid"/>
             <a:miter lim="800000"/>
-            <a:headEnd len="sm" w="sm" type="none"/>
-            <a:tailEnd len="sm" w="sm" type="none"/>
+            <a:headEnd type="none" w="sm" len="sm"/>
+            <a:tailEnd type="none" w="sm" len="sm"/>
           </a:ln>
         </p:spPr>
         <p:txBody>
-          <a:bodyPr anchorCtr="0" anchor="ctr" bIns="45700" lIns="91425" spcFirstLastPara="1" rIns="91425" wrap="square" tIns="45700">
+          <a:bodyPr spcFirstLastPara="1" wrap="square" lIns="91425" tIns="45700" rIns="91425" bIns="45700" anchor="ctr" anchorCtr="0">
             <a:noAutofit/>
           </a:bodyPr>
           <a:lstStyle/>
           <a:p>
-            <a:pPr indent="0" lvl="0" marL="0" marR="0" rtl="0" algn="ctr">
+            <a:pPr marL="0" marR="0" lvl="0" indent="0" algn="ctr" rtl="0">
               <a:spcBef>
                 <a:spcPts val="0"/>
               </a:spcBef>
@@ -13457,9 +14159,6 @@
               </a:spcAft>
               <a:buNone/>
             </a:pPr>
-            <a:r>
-              <a:t/>
-            </a:r>
             <a:endParaRPr sz="1800">
               <a:solidFill>
                 <a:schemeClr val="lt1"/>
@@ -13480,7 +14179,7 @@
         </p:nvSpPr>
         <p:spPr>
           <a:xfrm>
-            <a:off x="0" y="168537"/>
+            <a:off x="762001" y="320937"/>
             <a:ext cx="11140750" cy="5392245"/>
           </a:xfrm>
           <a:prstGeom prst="rect">
@@ -13492,12 +14191,12 @@
           </a:ln>
         </p:spPr>
         <p:txBody>
-          <a:bodyPr anchorCtr="0" anchor="t" bIns="45700" lIns="91425" spcFirstLastPara="1" rIns="91425" wrap="square" tIns="45700">
+          <a:bodyPr spcFirstLastPara="1" wrap="square" lIns="91425" tIns="45700" rIns="91425" bIns="45700" anchor="t" anchorCtr="0">
             <a:spAutoFit/>
           </a:bodyPr>
           <a:lstStyle/>
           <a:p>
-            <a:pPr indent="450215" lvl="0" marL="0" marR="0" rtl="0" algn="just">
+            <a:pPr marL="0" marR="0" lvl="0" indent="450215" algn="just" rtl="0">
               <a:lnSpc>
                 <a:spcPct val="115000"/>
               </a:lnSpc>
@@ -13510,7 +14209,7 @@
               <a:buNone/>
             </a:pPr>
             <a:r>
-              <a:rPr b="1" lang="ru-RU" sz="2800">
+              <a:rPr lang="ru-RU" sz="2800" b="1" dirty="0">
                 <a:solidFill>
                   <a:srgbClr val="005F33"/>
                 </a:solidFill>
@@ -13521,10 +14220,10 @@
               </a:rPr>
               <a:t>Как нарисовать окружность?</a:t>
             </a:r>
-            <a:endParaRPr/>
+            <a:endParaRPr dirty="0"/>
           </a:p>
           <a:p>
-            <a:pPr indent="0" lvl="0" marL="0" marR="0" rtl="0" algn="l">
+            <a:pPr marL="0" marR="0" lvl="0" indent="0" algn="l" rtl="0">
               <a:spcBef>
                 <a:spcPts val="0"/>
               </a:spcBef>
@@ -13534,7 +14233,7 @@
               <a:buNone/>
             </a:pPr>
             <a:r>
-              <a:rPr lang="ru-RU" sz="2800">
+              <a:rPr lang="ru-RU" sz="2800" dirty="0">
                 <a:solidFill>
                   <a:schemeClr val="dk1"/>
                 </a:solidFill>
@@ -13543,22 +14242,10 @@
                 <a:cs typeface="Calibri"/>
                 <a:sym typeface="Calibri"/>
               </a:rPr>
-              <a:t>Методом drawOval:</a:t>
+              <a:t>Методом </a:t>
             </a:r>
-            <a:endParaRPr/>
-          </a:p>
-          <a:p>
-            <a:pPr indent="0" lvl="0" marL="0" marR="0" rtl="0" algn="l">
-              <a:spcBef>
-                <a:spcPts val="0"/>
-              </a:spcBef>
-              <a:spcAft>
-                <a:spcPts val="0"/>
-              </a:spcAft>
-              <a:buNone/>
-            </a:pPr>
             <a:r>
-              <a:rPr lang="ru-RU" sz="2800">
+              <a:rPr lang="ru-RU" sz="2800" dirty="0" err="1">
                 <a:solidFill>
                   <a:schemeClr val="dk1"/>
                 </a:solidFill>
@@ -13567,12 +14254,24 @@
                 <a:cs typeface="Calibri"/>
                 <a:sym typeface="Calibri"/>
               </a:rPr>
-              <a:t>g2d.drawOval(200, 110, 60, 60);</a:t>
+              <a:t>drawOval</a:t>
             </a:r>
-            <a:endParaRPr/>
+            <a:r>
+              <a:rPr lang="ru-RU" sz="2800" dirty="0">
+                <a:solidFill>
+                  <a:schemeClr val="dk1"/>
+                </a:solidFill>
+                <a:latin typeface="Calibri"/>
+                <a:ea typeface="Calibri"/>
+                <a:cs typeface="Calibri"/>
+                <a:sym typeface="Calibri"/>
+              </a:rPr>
+              <a:t>:</a:t>
+            </a:r>
+            <a:endParaRPr dirty="0"/>
           </a:p>
           <a:p>
-            <a:pPr indent="0" lvl="0" marL="0" marR="0" rtl="0" algn="l">
+            <a:pPr marL="0" marR="0" lvl="0" indent="0" algn="l" rtl="0">
               <a:spcBef>
                 <a:spcPts val="0"/>
               </a:spcBef>
@@ -13582,7 +14281,43 @@
               <a:buNone/>
             </a:pPr>
             <a:r>
-              <a:rPr lang="ru-RU" sz="2800">
+              <a:rPr lang="ru-RU" sz="2800" dirty="0" err="1">
+                <a:solidFill>
+                  <a:schemeClr val="dk1"/>
+                </a:solidFill>
+                <a:latin typeface="Calibri"/>
+                <a:ea typeface="Calibri"/>
+                <a:cs typeface="Calibri"/>
+                <a:sym typeface="Calibri"/>
+              </a:rPr>
+              <a:t>drawOval</a:t>
+            </a:r>
+            <a:r>
+              <a:rPr lang="ru-RU" sz="2800" dirty="0">
+                <a:solidFill>
+                  <a:schemeClr val="dk1"/>
+                </a:solidFill>
+                <a:latin typeface="Calibri"/>
+                <a:ea typeface="Calibri"/>
+                <a:cs typeface="Calibri"/>
+                <a:sym typeface="Calibri"/>
+              </a:rPr>
+              <a:t>(200, 110, 60, 60);</a:t>
+            </a:r>
+            <a:endParaRPr dirty="0"/>
+          </a:p>
+          <a:p>
+            <a:pPr marL="0" marR="0" lvl="0" indent="0" algn="l" rtl="0">
+              <a:spcBef>
+                <a:spcPts val="0"/>
+              </a:spcBef>
+              <a:spcAft>
+                <a:spcPts val="0"/>
+              </a:spcAft>
+              <a:buNone/>
+            </a:pPr>
+            <a:r>
+              <a:rPr lang="ru-RU" sz="2800" dirty="0">
                 <a:solidFill>
                   <a:schemeClr val="dk1"/>
                 </a:solidFill>
@@ -13593,7 +14328,7 @@
               </a:rPr>
               <a:t>Аргументы определяют прямоугольник, </a:t>
             </a:r>
-            <a:endParaRPr sz="2800">
+            <a:endParaRPr sz="2800" dirty="0">
               <a:solidFill>
                 <a:schemeClr val="dk1"/>
               </a:solidFill>
@@ -13604,7 +14339,7 @@
             </a:endParaRPr>
           </a:p>
           <a:p>
-            <a:pPr indent="0" lvl="0" marL="0" marR="0" rtl="0" algn="l">
+            <a:pPr marL="0" marR="0" lvl="0" indent="0" algn="l" rtl="0">
               <a:spcBef>
                 <a:spcPts val="0"/>
               </a:spcBef>
@@ -13614,7 +14349,7 @@
               <a:buNone/>
             </a:pPr>
             <a:r>
-              <a:rPr lang="ru-RU" sz="2800">
+              <a:rPr lang="ru-RU" sz="2800" dirty="0">
                 <a:solidFill>
                   <a:schemeClr val="dk1"/>
                 </a:solidFill>
@@ -13625,7 +14360,7 @@
               </a:rPr>
               <a:t>в который вписана окружность.  </a:t>
             </a:r>
-            <a:endParaRPr sz="2800">
+            <a:endParaRPr sz="2800" dirty="0">
               <a:solidFill>
                 <a:schemeClr val="dk1"/>
               </a:solidFill>
@@ -13636,7 +14371,7 @@
             </a:endParaRPr>
           </a:p>
           <a:p>
-            <a:pPr indent="0" lvl="0" marL="0" marR="0" rtl="0" algn="l">
+            <a:pPr marL="0" marR="0" lvl="0" indent="0" algn="l" rtl="0">
               <a:spcBef>
                 <a:spcPts val="0"/>
               </a:spcBef>
@@ -13645,10 +14380,7 @@
               </a:spcAft>
               <a:buNone/>
             </a:pPr>
-            <a:r>
-              <a:t/>
-            </a:r>
-            <a:endParaRPr sz="2800">
+            <a:endParaRPr sz="2800" dirty="0">
               <a:solidFill>
                 <a:schemeClr val="dk1"/>
               </a:solidFill>
@@ -13659,7 +14391,7 @@
             </a:endParaRPr>
           </a:p>
           <a:p>
-            <a:pPr indent="0" lvl="0" marL="0" marR="0" rtl="0" algn="l">
+            <a:pPr marL="0" marR="0" lvl="0" indent="0" algn="l" rtl="0">
               <a:spcBef>
                 <a:spcPts val="0"/>
               </a:spcBef>
@@ -13668,10 +14400,7 @@
               </a:spcAft>
               <a:buNone/>
             </a:pPr>
-            <a:r>
-              <a:t/>
-            </a:r>
-            <a:endParaRPr sz="2800">
+            <a:endParaRPr sz="2800" dirty="0">
               <a:solidFill>
                 <a:schemeClr val="dk1"/>
               </a:solidFill>
@@ -13682,7 +14411,7 @@
             </a:endParaRPr>
           </a:p>
           <a:p>
-            <a:pPr indent="0" lvl="0" marL="0" marR="0" rtl="0" algn="l">
+            <a:pPr marL="0" marR="0" lvl="0" indent="0" algn="l" rtl="0">
               <a:spcBef>
                 <a:spcPts val="0"/>
               </a:spcBef>
@@ -13691,10 +14420,7 @@
               </a:spcAft>
               <a:buNone/>
             </a:pPr>
-            <a:r>
-              <a:t/>
-            </a:r>
-            <a:endParaRPr sz="2800">
+            <a:endParaRPr sz="2800" dirty="0">
               <a:solidFill>
                 <a:schemeClr val="dk1"/>
               </a:solidFill>
@@ -13705,7 +14431,7 @@
             </a:endParaRPr>
           </a:p>
           <a:p>
-            <a:pPr indent="0" lvl="0" marL="0" marR="0" rtl="0" algn="l">
+            <a:pPr marL="0" marR="0" lvl="0" indent="0" algn="l" rtl="0">
               <a:spcBef>
                 <a:spcPts val="0"/>
               </a:spcBef>
@@ -13714,10 +14440,7 @@
               </a:spcAft>
               <a:buNone/>
             </a:pPr>
-            <a:r>
-              <a:t/>
-            </a:r>
-            <a:endParaRPr sz="2800">
+            <a:endParaRPr sz="2800" dirty="0">
               <a:solidFill>
                 <a:schemeClr val="dk1"/>
               </a:solidFill>
@@ -13728,7 +14451,7 @@
             </a:endParaRPr>
           </a:p>
           <a:p>
-            <a:pPr indent="450215" lvl="0" marL="0" marR="0" rtl="0" algn="just">
+            <a:pPr marL="0" marR="0" lvl="0" indent="450215" algn="just" rtl="0">
               <a:lnSpc>
                 <a:spcPct val="115000"/>
               </a:lnSpc>
@@ -13741,7 +14464,7 @@
               <a:buNone/>
             </a:pPr>
             <a:r>
-              <a:rPr b="1" lang="ru-RU" sz="2800">
+              <a:rPr lang="ru-RU" sz="2800" b="1" dirty="0">
                 <a:solidFill>
                   <a:srgbClr val="005F33"/>
                 </a:solidFill>
@@ -13752,10 +14475,10 @@
               </a:rPr>
               <a:t>Как залить окружность цветом?</a:t>
             </a:r>
-            <a:endParaRPr/>
+            <a:endParaRPr dirty="0"/>
           </a:p>
           <a:p>
-            <a:pPr indent="0" lvl="0" marL="0" marR="0" rtl="0" algn="l">
+            <a:pPr marL="0" marR="0" lvl="0" indent="0" algn="l" rtl="0">
               <a:spcBef>
                 <a:spcPts val="0"/>
               </a:spcBef>
@@ -13765,7 +14488,7 @@
               <a:buNone/>
             </a:pPr>
             <a:r>
-              <a:rPr lang="ru-RU" sz="2800">
+              <a:rPr lang="ru-RU" sz="2800" dirty="0">
                 <a:solidFill>
                   <a:schemeClr val="dk1"/>
                 </a:solidFill>
@@ -13774,22 +14497,10 @@
                 <a:cs typeface="Calibri"/>
                 <a:sym typeface="Calibri"/>
               </a:rPr>
-              <a:t>Методом fillOval:</a:t>
+              <a:t>Методом </a:t>
             </a:r>
-            <a:endParaRPr/>
-          </a:p>
-          <a:p>
-            <a:pPr indent="0" lvl="0" marL="0" marR="0" rtl="0" algn="l">
-              <a:spcBef>
-                <a:spcPts val="0"/>
-              </a:spcBef>
-              <a:spcAft>
-                <a:spcPts val="0"/>
-              </a:spcAft>
-              <a:buNone/>
-            </a:pPr>
             <a:r>
-              <a:rPr lang="ru-RU" sz="2800">
+              <a:rPr lang="ru-RU" sz="2800" dirty="0" err="1">
                 <a:solidFill>
                   <a:schemeClr val="dk1"/>
                 </a:solidFill>
@@ -13798,9 +14509,69 @@
                 <a:cs typeface="Calibri"/>
                 <a:sym typeface="Calibri"/>
               </a:rPr>
-              <a:t>g2d.FillOval(200, 110, 60, 60);</a:t>
+              <a:t>fillOval</a:t>
             </a:r>
-            <a:endParaRPr sz="2800">
+            <a:r>
+              <a:rPr lang="ru-RU" sz="2800" dirty="0">
+                <a:solidFill>
+                  <a:schemeClr val="dk1"/>
+                </a:solidFill>
+                <a:latin typeface="Calibri"/>
+                <a:ea typeface="Calibri"/>
+                <a:cs typeface="Calibri"/>
+                <a:sym typeface="Calibri"/>
+              </a:rPr>
+              <a:t>:</a:t>
+            </a:r>
+            <a:endParaRPr dirty="0"/>
+          </a:p>
+          <a:p>
+            <a:pPr marL="0" marR="0" lvl="0" indent="0" algn="l" rtl="0">
+              <a:spcBef>
+                <a:spcPts val="0"/>
+              </a:spcBef>
+              <a:spcAft>
+                <a:spcPts val="0"/>
+              </a:spcAft>
+              <a:buNone/>
+            </a:pPr>
+            <a:r>
+              <a:rPr lang="en-US" sz="2800" dirty="0">
+                <a:solidFill>
+                  <a:schemeClr val="dk1"/>
+                </a:solidFill>
+                <a:latin typeface="Calibri"/>
+                <a:ea typeface="Calibri"/>
+                <a:cs typeface="Calibri"/>
+                <a:sym typeface="Calibri"/>
+              </a:rPr>
+              <a:t>f</a:t>
+            </a:r>
+            <a:r>
+              <a:rPr lang="ru-RU" sz="2800" dirty="0" err="1">
+                <a:solidFill>
+                  <a:schemeClr val="dk1"/>
+                </a:solidFill>
+                <a:latin typeface="Calibri"/>
+                <a:ea typeface="Calibri"/>
+                <a:cs typeface="Calibri"/>
+                <a:sym typeface="Calibri"/>
+              </a:rPr>
+              <a:t>illOval</a:t>
+            </a:r>
+            <a:r>
+              <a:rPr lang="ru-RU" sz="2800" dirty="0">
+                <a:solidFill>
+                  <a:schemeClr val="dk1"/>
+                </a:solidFill>
+                <a:latin typeface="Calibri"/>
+                <a:ea typeface="Calibri"/>
+                <a:cs typeface="Calibri"/>
+                <a:sym typeface="Calibri"/>
+              </a:rPr>
+              <a:t>(200, 110, 60, 60);</a:t>
+            </a:r>
+            <a:endParaRPr sz="2800" dirty="0">
               <a:solidFill>
                 <a:schemeClr val="dk1"/>
               </a:solidFill>
@@ -13829,23 +14600,23 @@
           <a:solidFill>
             <a:schemeClr val="accent1"/>
           </a:solidFill>
-          <a:ln cap="flat" cmpd="sng" w="38100">
+          <a:ln w="38100" cap="flat" cmpd="sng">
             <a:solidFill>
               <a:schemeClr val="dk1"/>
             </a:solidFill>
             <a:prstDash val="solid"/>
             <a:miter lim="800000"/>
-            <a:headEnd len="sm" w="sm" type="none"/>
-            <a:tailEnd len="sm" w="sm" type="none"/>
+            <a:headEnd type="none" w="sm" len="sm"/>
+            <a:tailEnd type="none" w="sm" len="sm"/>
           </a:ln>
         </p:spPr>
         <p:txBody>
-          <a:bodyPr anchorCtr="0" anchor="ctr" bIns="45700" lIns="91425" spcFirstLastPara="1" rIns="91425" wrap="square" tIns="45700">
+          <a:bodyPr spcFirstLastPara="1" wrap="square" lIns="91425" tIns="45700" rIns="91425" bIns="45700" anchor="ctr" anchorCtr="0">
             <a:noAutofit/>
           </a:bodyPr>
           <a:lstStyle/>
           <a:p>
-            <a:pPr indent="0" lvl="0" marL="0" marR="0" rtl="0" algn="ctr">
+            <a:pPr marL="0" marR="0" lvl="0" indent="0" algn="ctr" rtl="0">
               <a:spcBef>
                 <a:spcPts val="0"/>
               </a:spcBef>
@@ -13854,9 +14625,6 @@
               </a:spcAft>
               <a:buNone/>
             </a:pPr>
-            <a:r>
-              <a:t/>
-            </a:r>
             <a:endParaRPr sz="1800">
               <a:solidFill>
                 <a:schemeClr val="lt1"/>
@@ -13878,7 +14646,288 @@
 </file>
 
 <file path=ppt/theme/theme1.xml><?xml version="1.0" encoding="utf-8"?>
-<a:theme xmlns:a="http://schemas.openxmlformats.org/drawingml/2006/main" xmlns:r="http://schemas.openxmlformats.org/officeDocument/2006/relationships">
+<a:theme xmlns:a="http://schemas.openxmlformats.org/drawingml/2006/main" name="Тема Office">
+  <a:themeElements>
+    <a:clrScheme name="Стандартная">
+      <a:dk1>
+        <a:srgbClr val="000000"/>
+      </a:dk1>
+      <a:lt1>
+        <a:srgbClr val="FFFFFF"/>
+      </a:lt1>
+      <a:dk2>
+        <a:srgbClr val="44546A"/>
+      </a:dk2>
+      <a:lt2>
+        <a:srgbClr val="E7E6E6"/>
+      </a:lt2>
+      <a:accent1>
+        <a:srgbClr val="5B9BD5"/>
+      </a:accent1>
+      <a:accent2>
+        <a:srgbClr val="ED7D31"/>
+      </a:accent2>
+      <a:accent3>
+        <a:srgbClr val="A5A5A5"/>
+      </a:accent3>
+      <a:accent4>
+        <a:srgbClr val="FFC000"/>
+      </a:accent4>
+      <a:accent5>
+        <a:srgbClr val="4472C4"/>
+      </a:accent5>
+      <a:accent6>
+        <a:srgbClr val="70AD47"/>
+      </a:accent6>
+      <a:hlink>
+        <a:srgbClr val="0563C1"/>
+      </a:hlink>
+      <a:folHlink>
+        <a:srgbClr val="954F72"/>
+      </a:folHlink>
+    </a:clrScheme>
+    <a:fontScheme name="Office">
+      <a:majorFont>
+        <a:latin typeface="Arial"/>
+        <a:ea typeface=""/>
+        <a:cs typeface=""/>
+        <a:font script="Jpan" typeface="ＭＳ Ｐゴシック"/>
+        <a:font script="Hang" typeface="맑은 고딕"/>
+        <a:font script="Hans" typeface="宋体"/>
+        <a:font script="Hant" typeface="新細明體"/>
+        <a:font script="Arab" typeface="Times New Roman"/>
+        <a:font script="Hebr" typeface="Times New Roman"/>
+        <a:font script="Thai" typeface="Angsana New"/>
+        <a:font script="Ethi" typeface="Nyala"/>
+        <a:font script="Beng" typeface="Vrinda"/>
+        <a:font script="Gujr" typeface="Shruti"/>
+        <a:font script="Khmr" typeface="MoolBoran"/>
+        <a:font script="Knda" typeface="Tunga"/>
+        <a:font script="Guru" typeface="Raavi"/>
+        <a:font script="Cans" typeface="Euphemia"/>
+        <a:font script="Cher" typeface="Plantagenet Cherokee"/>
+        <a:font script="Yiii" typeface="Microsoft Yi Baiti"/>
+        <a:font script="Tibt" typeface="Microsoft Himalaya"/>
+        <a:font script="Thaa" typeface="MV Boli"/>
+        <a:font script="Deva" typeface="Mangal"/>
+        <a:font script="Telu" typeface="Gautami"/>
+        <a:font script="Taml" typeface="Latha"/>
+        <a:font script="Syrc" typeface="Estrangelo Edessa"/>
+        <a:font script="Orya" typeface="Kalinga"/>
+        <a:font script="Mlym" typeface="Kartika"/>
+        <a:font script="Laoo" typeface="DokChampa"/>
+        <a:font script="Sinh" typeface="Iskoola Pota"/>
+        <a:font script="Mong" typeface="Mongolian Baiti"/>
+        <a:font script="Viet" typeface="Times New Roman"/>
+        <a:font script="Uigh" typeface="Microsoft Uighur"/>
+        <a:font script="Geor" typeface="Sylfaen"/>
+      </a:majorFont>
+      <a:minorFont>
+        <a:latin typeface="Arial"/>
+        <a:ea typeface=""/>
+        <a:cs typeface=""/>
+        <a:font script="Jpan" typeface="ＭＳ Ｐゴシック"/>
+        <a:font script="Hang" typeface="맑은 고딕"/>
+        <a:font script="Hans" typeface="宋体"/>
+        <a:font script="Hant" typeface="新細明體"/>
+        <a:font script="Arab" typeface="Arial"/>
+        <a:font script="Hebr" typeface="Arial"/>
+        <a:font script="Thai" typeface="Cordia New"/>
+        <a:font script="Ethi" typeface="Nyala"/>
+        <a:font script="Beng" typeface="Vrinda"/>
+        <a:font script="Gujr" typeface="Shruti"/>
+        <a:font script="Khmr" typeface="DaunPenh"/>
+        <a:font script="Knda" typeface="Tunga"/>
+        <a:font script="Guru" typeface="Raavi"/>
+        <a:font script="Cans" typeface="Euphemia"/>
+        <a:font script="Cher" typeface="Plantagenet Cherokee"/>
+        <a:font script="Yiii" typeface="Microsoft Yi Baiti"/>
+        <a:font script="Tibt" typeface="Microsoft Himalaya"/>
+        <a:font script="Thaa" typeface="MV Boli"/>
+        <a:font script="Deva" typeface="Mangal"/>
+        <a:font script="Telu" typeface="Gautami"/>
+        <a:font script="Taml" typeface="Latha"/>
+        <a:font script="Syrc" typeface="Estrangelo Edessa"/>
+        <a:font script="Orya" typeface="Kalinga"/>
+        <a:font script="Mlym" typeface="Kartika"/>
+        <a:font script="Laoo" typeface="DokChampa"/>
+        <a:font script="Sinh" typeface="Iskoola Pota"/>
+        <a:font script="Mong" typeface="Mongolian Baiti"/>
+        <a:font script="Viet" typeface="Arial"/>
+        <a:font script="Uigh" typeface="Microsoft Uighur"/>
+        <a:font script="Geor" typeface="Sylfaen"/>
+      </a:minorFont>
+    </a:fontScheme>
+    <a:fmtScheme name="Office">
+      <a:fillStyleLst>
+        <a:solidFill>
+          <a:schemeClr val="phClr"/>
+        </a:solidFill>
+        <a:gradFill rotWithShape="1">
+          <a:gsLst>
+            <a:gs pos="0">
+              <a:schemeClr val="phClr">
+                <a:tint val="50000"/>
+                <a:satMod val="300000"/>
+              </a:schemeClr>
+            </a:gs>
+            <a:gs pos="35000">
+              <a:schemeClr val="phClr">
+                <a:tint val="37000"/>
+                <a:satMod val="300000"/>
+              </a:schemeClr>
+            </a:gs>
+            <a:gs pos="100000">
+              <a:schemeClr val="phClr">
+                <a:tint val="15000"/>
+                <a:satMod val="350000"/>
+              </a:schemeClr>
+            </a:gs>
+          </a:gsLst>
+          <a:lin ang="16200000" scaled="1"/>
+        </a:gradFill>
+        <a:gradFill rotWithShape="1">
+          <a:gsLst>
+            <a:gs pos="0">
+              <a:schemeClr val="phClr">
+                <a:tint val="100000"/>
+                <a:shade val="100000"/>
+                <a:satMod val="130000"/>
+              </a:schemeClr>
+            </a:gs>
+            <a:gs pos="100000">
+              <a:schemeClr val="phClr">
+                <a:tint val="50000"/>
+                <a:shade val="100000"/>
+                <a:satMod val="350000"/>
+              </a:schemeClr>
+            </a:gs>
+          </a:gsLst>
+          <a:lin ang="16200000" scaled="0"/>
+        </a:gradFill>
+      </a:fillStyleLst>
+      <a:lnStyleLst>
+        <a:ln w="9525" cap="flat" cmpd="sng" algn="ctr">
+          <a:solidFill>
+            <a:schemeClr val="phClr">
+              <a:shade val="95000"/>
+              <a:satMod val="105000"/>
+            </a:schemeClr>
+          </a:solidFill>
+          <a:prstDash val="solid"/>
+        </a:ln>
+        <a:ln w="25400" cap="flat" cmpd="sng" algn="ctr">
+          <a:solidFill>
+            <a:schemeClr val="phClr"/>
+          </a:solidFill>
+          <a:prstDash val="solid"/>
+        </a:ln>
+        <a:ln w="38100" cap="flat" cmpd="sng" algn="ctr">
+          <a:solidFill>
+            <a:schemeClr val="phClr"/>
+          </a:solidFill>
+          <a:prstDash val="solid"/>
+        </a:ln>
+      </a:lnStyleLst>
+      <a:effectStyleLst>
+        <a:effectStyle>
+          <a:effectLst>
+            <a:outerShdw blurRad="40000" dist="20000" dir="5400000" rotWithShape="0">
+              <a:srgbClr val="000000">
+                <a:alpha val="38000"/>
+              </a:srgbClr>
+            </a:outerShdw>
+          </a:effectLst>
+        </a:effectStyle>
+        <a:effectStyle>
+          <a:effectLst>
+            <a:outerShdw blurRad="40000" dist="23000" dir="5400000" rotWithShape="0">
+              <a:srgbClr val="000000">
+                <a:alpha val="35000"/>
+              </a:srgbClr>
+            </a:outerShdw>
+          </a:effectLst>
+        </a:effectStyle>
+        <a:effectStyle>
+          <a:effectLst>
+            <a:outerShdw blurRad="40000" dist="23000" dir="5400000" rotWithShape="0">
+              <a:srgbClr val="000000">
+                <a:alpha val="35000"/>
+              </a:srgbClr>
+            </a:outerShdw>
+          </a:effectLst>
+          <a:scene3d>
+            <a:camera prst="orthographicFront">
+              <a:rot lat="0" lon="0" rev="0"/>
+            </a:camera>
+            <a:lightRig rig="threePt" dir="t">
+              <a:rot lat="0" lon="0" rev="1200000"/>
+            </a:lightRig>
+          </a:scene3d>
+          <a:sp3d>
+            <a:bevelT w="63500" h="25400"/>
+          </a:sp3d>
+        </a:effectStyle>
+      </a:effectStyleLst>
+      <a:bgFillStyleLst>
+        <a:solidFill>
+          <a:schemeClr val="phClr"/>
+        </a:solidFill>
+        <a:gradFill rotWithShape="1">
+          <a:gsLst>
+            <a:gs pos="0">
+              <a:schemeClr val="phClr">
+                <a:tint val="40000"/>
+                <a:satMod val="350000"/>
+              </a:schemeClr>
+            </a:gs>
+            <a:gs pos="40000">
+              <a:schemeClr val="phClr">
+                <a:tint val="45000"/>
+                <a:shade val="99000"/>
+                <a:satMod val="350000"/>
+              </a:schemeClr>
+            </a:gs>
+            <a:gs pos="100000">
+              <a:schemeClr val="phClr">
+                <a:shade val="20000"/>
+                <a:satMod val="255000"/>
+              </a:schemeClr>
+            </a:gs>
+          </a:gsLst>
+          <a:path path="circle">
+            <a:fillToRect l="50000" t="-80000" r="50000" b="180000"/>
+          </a:path>
+        </a:gradFill>
+        <a:gradFill rotWithShape="1">
+          <a:gsLst>
+            <a:gs pos="0">
+              <a:schemeClr val="phClr">
+                <a:tint val="80000"/>
+                <a:satMod val="300000"/>
+              </a:schemeClr>
+            </a:gs>
+            <a:gs pos="100000">
+              <a:schemeClr val="phClr">
+                <a:shade val="30000"/>
+                <a:satMod val="200000"/>
+              </a:schemeClr>
+            </a:gs>
+          </a:gsLst>
+          <a:path path="circle">
+            <a:fillToRect l="50000" t="50000" r="50000" b="50000"/>
+          </a:path>
+        </a:gradFill>
+      </a:bgFillStyleLst>
+    </a:fmtScheme>
+  </a:themeElements>
+  <a:objectDefaults/>
+  <a:extraClrSchemeLst/>
+</a:theme>
+</file>
+
+<file path=ppt/theme/theme2.xml><?xml version="1.0" encoding="utf-8"?>
+<a:theme xmlns:a="http://schemas.openxmlformats.org/drawingml/2006/main">
   <a:themeElements>
     <a:clrScheme name="Default">
       <a:dk1>
@@ -14153,284 +15202,7 @@
       </a:bgFillStyleLst>
     </a:fmtScheme>
   </a:themeElements>
-</a:theme>
-</file>
-
-<file path=ppt/theme/theme2.xml><?xml version="1.0" encoding="utf-8"?>
-<a:theme xmlns:a="http://schemas.openxmlformats.org/drawingml/2006/main" xmlns:r="http://schemas.openxmlformats.org/officeDocument/2006/relationships" name="Тема Office">
-  <a:themeElements>
-    <a:clrScheme name="Стандартная">
-      <a:dk1>
-        <a:srgbClr val="000000"/>
-      </a:dk1>
-      <a:lt1>
-        <a:srgbClr val="FFFFFF"/>
-      </a:lt1>
-      <a:dk2>
-        <a:srgbClr val="44546A"/>
-      </a:dk2>
-      <a:lt2>
-        <a:srgbClr val="E7E6E6"/>
-      </a:lt2>
-      <a:accent1>
-        <a:srgbClr val="5B9BD5"/>
-      </a:accent1>
-      <a:accent2>
-        <a:srgbClr val="ED7D31"/>
-      </a:accent2>
-      <a:accent3>
-        <a:srgbClr val="A5A5A5"/>
-      </a:accent3>
-      <a:accent4>
-        <a:srgbClr val="FFC000"/>
-      </a:accent4>
-      <a:accent5>
-        <a:srgbClr val="4472C4"/>
-      </a:accent5>
-      <a:accent6>
-        <a:srgbClr val="70AD47"/>
-      </a:accent6>
-      <a:hlink>
-        <a:srgbClr val="0563C1"/>
-      </a:hlink>
-      <a:folHlink>
-        <a:srgbClr val="954F72"/>
-      </a:folHlink>
-    </a:clrScheme>
-    <a:fontScheme name="Office">
-      <a:majorFont>
-        <a:latin typeface="Arial"/>
-        <a:ea typeface=""/>
-        <a:cs typeface=""/>
-        <a:font script="Jpan" typeface="ＭＳ Ｐゴシック"/>
-        <a:font script="Hang" typeface="맑은 고딕"/>
-        <a:font script="Hans" typeface="宋体"/>
-        <a:font script="Hant" typeface="新細明體"/>
-        <a:font script="Arab" typeface="Times New Roman"/>
-        <a:font script="Hebr" typeface="Times New Roman"/>
-        <a:font script="Thai" typeface="Angsana New"/>
-        <a:font script="Ethi" typeface="Nyala"/>
-        <a:font script="Beng" typeface="Vrinda"/>
-        <a:font script="Gujr" typeface="Shruti"/>
-        <a:font script="Khmr" typeface="MoolBoran"/>
-        <a:font script="Knda" typeface="Tunga"/>
-        <a:font script="Guru" typeface="Raavi"/>
-        <a:font script="Cans" typeface="Euphemia"/>
-        <a:font script="Cher" typeface="Plantagenet Cherokee"/>
-        <a:font script="Yiii" typeface="Microsoft Yi Baiti"/>
-        <a:font script="Tibt" typeface="Microsoft Himalaya"/>
-        <a:font script="Thaa" typeface="MV Boli"/>
-        <a:font script="Deva" typeface="Mangal"/>
-        <a:font script="Telu" typeface="Gautami"/>
-        <a:font script="Taml" typeface="Latha"/>
-        <a:font script="Syrc" typeface="Estrangelo Edessa"/>
-        <a:font script="Orya" typeface="Kalinga"/>
-        <a:font script="Mlym" typeface="Kartika"/>
-        <a:font script="Laoo" typeface="DokChampa"/>
-        <a:font script="Sinh" typeface="Iskoola Pota"/>
-        <a:font script="Mong" typeface="Mongolian Baiti"/>
-        <a:font script="Viet" typeface="Times New Roman"/>
-        <a:font script="Uigh" typeface="Microsoft Uighur"/>
-        <a:font script="Geor" typeface="Sylfaen"/>
-      </a:majorFont>
-      <a:minorFont>
-        <a:latin typeface="Arial"/>
-        <a:ea typeface=""/>
-        <a:cs typeface=""/>
-        <a:font script="Jpan" typeface="ＭＳ Ｐゴシック"/>
-        <a:font script="Hang" typeface="맑은 고딕"/>
-        <a:font script="Hans" typeface="宋体"/>
-        <a:font script="Hant" typeface="新細明體"/>
-        <a:font script="Arab" typeface="Arial"/>
-        <a:font script="Hebr" typeface="Arial"/>
-        <a:font script="Thai" typeface="Cordia New"/>
-        <a:font script="Ethi" typeface="Nyala"/>
-        <a:font script="Beng" typeface="Vrinda"/>
-        <a:font script="Gujr" typeface="Shruti"/>
-        <a:font script="Khmr" typeface="DaunPenh"/>
-        <a:font script="Knda" typeface="Tunga"/>
-        <a:font script="Guru" typeface="Raavi"/>
-        <a:font script="Cans" typeface="Euphemia"/>
-        <a:font script="Cher" typeface="Plantagenet Cherokee"/>
-        <a:font script="Yiii" typeface="Microsoft Yi Baiti"/>
-        <a:font script="Tibt" typeface="Microsoft Himalaya"/>
-        <a:font script="Thaa" typeface="MV Boli"/>
-        <a:font script="Deva" typeface="Mangal"/>
-        <a:font script="Telu" typeface="Gautami"/>
-        <a:font script="Taml" typeface="Latha"/>
-        <a:font script="Syrc" typeface="Estrangelo Edessa"/>
-        <a:font script="Orya" typeface="Kalinga"/>
-        <a:font script="Mlym" typeface="Kartika"/>
-        <a:font script="Laoo" typeface="DokChampa"/>
-        <a:font script="Sinh" typeface="Iskoola Pota"/>
-        <a:font script="Mong" typeface="Mongolian Baiti"/>
-        <a:font script="Viet" typeface="Arial"/>
-        <a:font script="Uigh" typeface="Microsoft Uighur"/>
-        <a:font script="Geor" typeface="Sylfaen"/>
-      </a:minorFont>
-    </a:fontScheme>
-    <a:fmtScheme name="Office">
-      <a:fillStyleLst>
-        <a:solidFill>
-          <a:schemeClr val="phClr"/>
-        </a:solidFill>
-        <a:gradFill rotWithShape="1">
-          <a:gsLst>
-            <a:gs pos="0">
-              <a:schemeClr val="phClr">
-                <a:tint val="50000"/>
-                <a:satMod val="300000"/>
-              </a:schemeClr>
-            </a:gs>
-            <a:gs pos="35000">
-              <a:schemeClr val="phClr">
-                <a:tint val="37000"/>
-                <a:satMod val="300000"/>
-              </a:schemeClr>
-            </a:gs>
-            <a:gs pos="100000">
-              <a:schemeClr val="phClr">
-                <a:tint val="15000"/>
-                <a:satMod val="350000"/>
-              </a:schemeClr>
-            </a:gs>
-          </a:gsLst>
-          <a:lin ang="16200000" scaled="1"/>
-        </a:gradFill>
-        <a:gradFill rotWithShape="1">
-          <a:gsLst>
-            <a:gs pos="0">
-              <a:schemeClr val="phClr">
-                <a:tint val="100000"/>
-                <a:shade val="100000"/>
-                <a:satMod val="130000"/>
-              </a:schemeClr>
-            </a:gs>
-            <a:gs pos="100000">
-              <a:schemeClr val="phClr">
-                <a:tint val="50000"/>
-                <a:shade val="100000"/>
-                <a:satMod val="350000"/>
-              </a:schemeClr>
-            </a:gs>
-          </a:gsLst>
-          <a:lin ang="16200000" scaled="0"/>
-        </a:gradFill>
-      </a:fillStyleLst>
-      <a:lnStyleLst>
-        <a:ln w="9525" cap="flat" cmpd="sng" algn="ctr">
-          <a:solidFill>
-            <a:schemeClr val="phClr">
-              <a:shade val="95000"/>
-              <a:satMod val="105000"/>
-            </a:schemeClr>
-          </a:solidFill>
-          <a:prstDash val="solid"/>
-        </a:ln>
-        <a:ln w="25400" cap="flat" cmpd="sng" algn="ctr">
-          <a:solidFill>
-            <a:schemeClr val="phClr"/>
-          </a:solidFill>
-          <a:prstDash val="solid"/>
-        </a:ln>
-        <a:ln w="38100" cap="flat" cmpd="sng" algn="ctr">
-          <a:solidFill>
-            <a:schemeClr val="phClr"/>
-          </a:solidFill>
-          <a:prstDash val="solid"/>
-        </a:ln>
-      </a:lnStyleLst>
-      <a:effectStyleLst>
-        <a:effectStyle>
-          <a:effectLst>
-            <a:outerShdw blurRad="40000" dist="20000" dir="5400000" rotWithShape="0">
-              <a:srgbClr val="000000">
-                <a:alpha val="38000"/>
-              </a:srgbClr>
-            </a:outerShdw>
-          </a:effectLst>
-        </a:effectStyle>
-        <a:effectStyle>
-          <a:effectLst>
-            <a:outerShdw blurRad="40000" dist="23000" dir="5400000" rotWithShape="0">
-              <a:srgbClr val="000000">
-                <a:alpha val="35000"/>
-              </a:srgbClr>
-            </a:outerShdw>
-          </a:effectLst>
-        </a:effectStyle>
-        <a:effectStyle>
-          <a:effectLst>
-            <a:outerShdw blurRad="40000" dist="23000" dir="5400000" rotWithShape="0">
-              <a:srgbClr val="000000">
-                <a:alpha val="35000"/>
-              </a:srgbClr>
-            </a:outerShdw>
-          </a:effectLst>
-          <a:scene3d>
-            <a:camera prst="orthographicFront">
-              <a:rot lat="0" lon="0" rev="0"/>
-            </a:camera>
-            <a:lightRig rig="threePt" dir="t">
-              <a:rot lat="0" lon="0" rev="1200000"/>
-            </a:lightRig>
-          </a:scene3d>
-          <a:sp3d>
-            <a:bevelT w="63500" h="25400"/>
-          </a:sp3d>
-        </a:effectStyle>
-      </a:effectStyleLst>
-      <a:bgFillStyleLst>
-        <a:solidFill>
-          <a:schemeClr val="phClr"/>
-        </a:solidFill>
-        <a:gradFill rotWithShape="1">
-          <a:gsLst>
-            <a:gs pos="0">
-              <a:schemeClr val="phClr">
-                <a:tint val="40000"/>
-                <a:satMod val="350000"/>
-              </a:schemeClr>
-            </a:gs>
-            <a:gs pos="40000">
-              <a:schemeClr val="phClr">
-                <a:tint val="45000"/>
-                <a:shade val="99000"/>
-                <a:satMod val="350000"/>
-              </a:schemeClr>
-            </a:gs>
-            <a:gs pos="100000">
-              <a:schemeClr val="phClr">
-                <a:shade val="20000"/>
-                <a:satMod val="255000"/>
-              </a:schemeClr>
-            </a:gs>
-          </a:gsLst>
-          <a:path path="circle">
-            <a:fillToRect l="50000" t="-80000" r="50000" b="180000"/>
-          </a:path>
-        </a:gradFill>
-        <a:gradFill rotWithShape="1">
-          <a:gsLst>
-            <a:gs pos="0">
-              <a:schemeClr val="phClr">
-                <a:tint val="80000"/>
-                <a:satMod val="300000"/>
-              </a:schemeClr>
-            </a:gs>
-            <a:gs pos="100000">
-              <a:schemeClr val="phClr">
-                <a:shade val="30000"/>
-                <a:satMod val="200000"/>
-              </a:schemeClr>
-            </a:gs>
-          </a:gsLst>
-          <a:path path="circle">
-            <a:fillToRect l="50000" t="50000" r="50000" b="50000"/>
-          </a:path>
-        </a:gradFill>
-      </a:bgFillStyleLst>
-    </a:fmtScheme>
-  </a:themeElements>
+  <a:objectDefaults/>
+  <a:extraClrSchemeLst/>
 </a:theme>
 </file>
--- a/модуль 1/Графика.pptx
+++ b/модуль 1/Графика.pptx
@@ -248,8 +248,11 @@
     </a:lvl9pPr>
   </p:defaultTextStyle>
   <p:extLst>
+    <p:ext uri="{EFAFB233-063F-42B5-8137-9DF3F51BA10A}">
+      <p15:sldGuideLst xmlns:p15="http://schemas.microsoft.com/office/powerpoint/2012/main"/>
+    </p:ext>
     <p:ext uri="http://customooxmlschemas.google.com/">
-      <go:slidesCustomData xmlns:go="http://customooxmlschemas.google.com/" xmlns:p15="http://schemas.microsoft.com/office/powerpoint/2012/main" xmlns:p14="http://schemas.microsoft.com/office/powerpoint/2010/main" xmlns:com="http://schemas.openxmlformats.org/drawingml/2006/compatibility" xmlns:pvml="urn:schemas-microsoft-com:office:powerpoint" xmlns:v="urn:schemas-microsoft-com:vml" xmlns:o="urn:schemas-microsoft-com:office:office" xmlns:dgm="http://schemas.openxmlformats.org/drawingml/2006/diagram" xmlns:c="http://schemas.openxmlformats.org/drawingml/2006/chart" xmlns:mv="urn:schemas-microsoft-com:mac:vml" xmlns:mc="http://schemas.openxmlformats.org/markup-compatibility/2006" xmlns="" r:id="rId11" roundtripDataSignature="AMtx7mgSX78VwxNGQ4xNSon0AmIwNdki2Q=="/>
+      <go:slidesCustomData xmlns="" xmlns:mc="http://schemas.openxmlformats.org/markup-compatibility/2006" xmlns:mv="urn:schemas-microsoft-com:mac:vml" xmlns:c="http://schemas.openxmlformats.org/drawingml/2006/chart" xmlns:dgm="http://schemas.openxmlformats.org/drawingml/2006/diagram" xmlns:o="urn:schemas-microsoft-com:office:office" xmlns:v="urn:schemas-microsoft-com:vml" xmlns:pvml="urn:schemas-microsoft-com:office:powerpoint" xmlns:com="http://schemas.openxmlformats.org/drawingml/2006/compatibility" xmlns:p14="http://schemas.microsoft.com/office/powerpoint/2010/main" xmlns:p15="http://schemas.microsoft.com/office/powerpoint/2012/main" xmlns:go="http://customooxmlschemas.google.com/" r:id="rId11" roundtripDataSignature="AMtx7mgSX78VwxNGQ4xNSon0AmIwNdki2Q=="/>
     </p:ext>
   </p:extLst>
 </p:presentation>
@@ -12945,7 +12948,31 @@
                 <a:cs typeface="Calibri"/>
                 <a:sym typeface="Calibri"/>
               </a:rPr>
-              <a:t>setPaint</a:t>
+              <a:t>set</a:t>
+            </a:r>
+            <a:r>
+              <a:rPr lang="en-US" sz="4400">
+                <a:solidFill>
+                  <a:schemeClr val="dk1"/>
+                </a:solidFill>
+                <a:latin typeface="Calibri"/>
+                <a:ea typeface="Calibri"/>
+                <a:cs typeface="Calibri"/>
+                <a:sym typeface="Calibri"/>
+              </a:rPr>
+              <a:t>Color</a:t>
+            </a:r>
+            <a:r>
+              <a:rPr lang="ru-RU" sz="4400">
+                <a:solidFill>
+                  <a:schemeClr val="dk1"/>
+                </a:solidFill>
+                <a:latin typeface="Calibri"/>
+                <a:ea typeface="Calibri"/>
+                <a:cs typeface="Calibri"/>
+                <a:sym typeface="Calibri"/>
+              </a:rPr>
+              <a:t> </a:t>
             </a:r>
             <a:r>
               <a:rPr lang="ru-RU" sz="4400" dirty="0">
@@ -12957,7 +12984,7 @@
                 <a:cs typeface="Calibri"/>
                 <a:sym typeface="Calibri"/>
               </a:rPr>
-              <a:t> сделает текущим новый цвет:</a:t>
+              <a:t>сделает текущим новый цвет:</a:t>
             </a:r>
             <a:br>
               <a:rPr lang="ru-RU" sz="4400" dirty="0">
